--- a/src/raw/RawFigure.pptx
+++ b/src/raw/RawFigure.pptx
@@ -259,7 +259,7 @@
           <a:p>
             <a:fld id="{4D4988A0-7A80-4B0D-9F1E-5E5F806F686B}" type="datetimeFigureOut">
               <a:rPr lang="zh-CN" altLang="en-US" smtClean="0"/>
-              <a:t>2023/4/8</a:t>
+              <a:t>2023/4/9</a:t>
             </a:fld>
             <a:endParaRPr lang="zh-CN" altLang="en-US"/>
           </a:p>
@@ -457,7 +457,7 @@
           <a:p>
             <a:fld id="{4D4988A0-7A80-4B0D-9F1E-5E5F806F686B}" type="datetimeFigureOut">
               <a:rPr lang="zh-CN" altLang="en-US" smtClean="0"/>
-              <a:t>2023/4/8</a:t>
+              <a:t>2023/4/9</a:t>
             </a:fld>
             <a:endParaRPr lang="zh-CN" altLang="en-US"/>
           </a:p>
@@ -665,7 +665,7 @@
           <a:p>
             <a:fld id="{4D4988A0-7A80-4B0D-9F1E-5E5F806F686B}" type="datetimeFigureOut">
               <a:rPr lang="zh-CN" altLang="en-US" smtClean="0"/>
-              <a:t>2023/4/8</a:t>
+              <a:t>2023/4/9</a:t>
             </a:fld>
             <a:endParaRPr lang="zh-CN" altLang="en-US"/>
           </a:p>
@@ -863,7 +863,7 @@
           <a:p>
             <a:fld id="{4D4988A0-7A80-4B0D-9F1E-5E5F806F686B}" type="datetimeFigureOut">
               <a:rPr lang="zh-CN" altLang="en-US" smtClean="0"/>
-              <a:t>2023/4/8</a:t>
+              <a:t>2023/4/9</a:t>
             </a:fld>
             <a:endParaRPr lang="zh-CN" altLang="en-US"/>
           </a:p>
@@ -1138,7 +1138,7 @@
           <a:p>
             <a:fld id="{4D4988A0-7A80-4B0D-9F1E-5E5F806F686B}" type="datetimeFigureOut">
               <a:rPr lang="zh-CN" altLang="en-US" smtClean="0"/>
-              <a:t>2023/4/8</a:t>
+              <a:t>2023/4/9</a:t>
             </a:fld>
             <a:endParaRPr lang="zh-CN" altLang="en-US"/>
           </a:p>
@@ -1403,7 +1403,7 @@
           <a:p>
             <a:fld id="{4D4988A0-7A80-4B0D-9F1E-5E5F806F686B}" type="datetimeFigureOut">
               <a:rPr lang="zh-CN" altLang="en-US" smtClean="0"/>
-              <a:t>2023/4/8</a:t>
+              <a:t>2023/4/9</a:t>
             </a:fld>
             <a:endParaRPr lang="zh-CN" altLang="en-US"/>
           </a:p>
@@ -1815,7 +1815,7 @@
           <a:p>
             <a:fld id="{4D4988A0-7A80-4B0D-9F1E-5E5F806F686B}" type="datetimeFigureOut">
               <a:rPr lang="zh-CN" altLang="en-US" smtClean="0"/>
-              <a:t>2023/4/8</a:t>
+              <a:t>2023/4/9</a:t>
             </a:fld>
             <a:endParaRPr lang="zh-CN" altLang="en-US"/>
           </a:p>
@@ -1956,7 +1956,7 @@
           <a:p>
             <a:fld id="{4D4988A0-7A80-4B0D-9F1E-5E5F806F686B}" type="datetimeFigureOut">
               <a:rPr lang="zh-CN" altLang="en-US" smtClean="0"/>
-              <a:t>2023/4/8</a:t>
+              <a:t>2023/4/9</a:t>
             </a:fld>
             <a:endParaRPr lang="zh-CN" altLang="en-US"/>
           </a:p>
@@ -2069,7 +2069,7 @@
           <a:p>
             <a:fld id="{4D4988A0-7A80-4B0D-9F1E-5E5F806F686B}" type="datetimeFigureOut">
               <a:rPr lang="zh-CN" altLang="en-US" smtClean="0"/>
-              <a:t>2023/4/8</a:t>
+              <a:t>2023/4/9</a:t>
             </a:fld>
             <a:endParaRPr lang="zh-CN" altLang="en-US"/>
           </a:p>
@@ -2380,7 +2380,7 @@
           <a:p>
             <a:fld id="{4D4988A0-7A80-4B0D-9F1E-5E5F806F686B}" type="datetimeFigureOut">
               <a:rPr lang="zh-CN" altLang="en-US" smtClean="0"/>
-              <a:t>2023/4/8</a:t>
+              <a:t>2023/4/9</a:t>
             </a:fld>
             <a:endParaRPr lang="zh-CN" altLang="en-US"/>
           </a:p>
@@ -2668,7 +2668,7 @@
           <a:p>
             <a:fld id="{4D4988A0-7A80-4B0D-9F1E-5E5F806F686B}" type="datetimeFigureOut">
               <a:rPr lang="zh-CN" altLang="en-US" smtClean="0"/>
-              <a:t>2023/4/8</a:t>
+              <a:t>2023/4/9</a:t>
             </a:fld>
             <a:endParaRPr lang="zh-CN" altLang="en-US"/>
           </a:p>
@@ -2909,7 +2909,7 @@
           <a:p>
             <a:fld id="{4D4988A0-7A80-4B0D-9F1E-5E5F806F686B}" type="datetimeFigureOut">
               <a:rPr lang="zh-CN" altLang="en-US" smtClean="0"/>
-              <a:t>2023/4/8</a:t>
+              <a:t>2023/4/9</a:t>
             </a:fld>
             <a:endParaRPr lang="zh-CN" altLang="en-US"/>
           </a:p>
@@ -3328,10 +3328,10 @@
       </p:grpSpPr>
       <p:grpSp>
         <p:nvGrpSpPr>
-          <p:cNvPr id="4" name="组合 3">
+          <p:cNvPr id="9" name="组合 8">
             <a:extLst>
               <a:ext uri="{FF2B5EF4-FFF2-40B4-BE49-F238E27FC236}">
-                <a16:creationId xmlns:a16="http://schemas.microsoft.com/office/drawing/2014/main" id="{80F147CF-4852-CA1A-D23A-8E03165F13AF}"/>
+                <a16:creationId xmlns:a16="http://schemas.microsoft.com/office/drawing/2014/main" id="{42FCD440-0174-0A11-B007-859B79677C14}"/>
               </a:ext>
             </a:extLst>
           </p:cNvPr>
@@ -3340,18 +3340,70 @@
         </p:nvGrpSpPr>
         <p:grpSpPr>
           <a:xfrm>
-            <a:off x="2230491" y="1844824"/>
-            <a:ext cx="5161653" cy="2213624"/>
-            <a:chOff x="2230491" y="1844824"/>
-            <a:chExt cx="5161653" cy="2213624"/>
+            <a:off x="2495600" y="139072"/>
+            <a:ext cx="4547726" cy="2357472"/>
+            <a:chOff x="2495600" y="139072"/>
+            <a:chExt cx="4547726" cy="2357472"/>
           </a:xfrm>
         </p:grpSpPr>
+        <p:sp>
+          <p:nvSpPr>
+            <p:cNvPr id="5" name="矩形 4">
+              <a:extLst>
+                <a:ext uri="{FF2B5EF4-FFF2-40B4-BE49-F238E27FC236}">
+                  <a16:creationId xmlns:a16="http://schemas.microsoft.com/office/drawing/2014/main" id="{75C96528-8BEF-C2B9-168C-3CE6043C02BA}"/>
+                </a:ext>
+              </a:extLst>
+            </p:cNvPr>
+            <p:cNvSpPr/>
+            <p:nvPr/>
+          </p:nvSpPr>
+          <p:spPr>
+            <a:xfrm>
+              <a:off x="2495600" y="139072"/>
+              <a:ext cx="4547726" cy="2357472"/>
+            </a:xfrm>
+            <a:prstGeom prst="rect">
+              <a:avLst/>
+            </a:prstGeom>
+            <a:solidFill>
+              <a:schemeClr val="bg1"/>
+            </a:solidFill>
+            <a:ln>
+              <a:noFill/>
+            </a:ln>
+          </p:spPr>
+          <p:style>
+            <a:lnRef idx="2">
+              <a:schemeClr val="accent1">
+                <a:shade val="50000"/>
+              </a:schemeClr>
+            </a:lnRef>
+            <a:fillRef idx="1">
+              <a:schemeClr val="accent1"/>
+            </a:fillRef>
+            <a:effectRef idx="0">
+              <a:schemeClr val="accent1"/>
+            </a:effectRef>
+            <a:fontRef idx="minor">
+              <a:schemeClr val="lt1"/>
+            </a:fontRef>
+          </p:style>
+          <p:txBody>
+            <a:bodyPr rtlCol="0" anchor="ctr"/>
+            <a:lstStyle/>
+            <a:p>
+              <a:pPr algn="ctr"/>
+              <a:endParaRPr lang="zh-CN" altLang="en-US" dirty="0"/>
+            </a:p>
+          </p:txBody>
+        </p:sp>
         <p:grpSp>
           <p:nvGrpSpPr>
-            <p:cNvPr id="12" name="组合 11">
+            <p:cNvPr id="4" name="组合 3">
               <a:extLst>
                 <a:ext uri="{FF2B5EF4-FFF2-40B4-BE49-F238E27FC236}">
-                  <a16:creationId xmlns:a16="http://schemas.microsoft.com/office/drawing/2014/main" id="{3463C7BA-CE25-13DC-5597-612FAD8FFC6C}"/>
+                  <a16:creationId xmlns:a16="http://schemas.microsoft.com/office/drawing/2014/main" id="{80F147CF-4852-CA1A-D23A-8E03165F13AF}"/>
                 </a:ext>
               </a:extLst>
             </p:cNvPr>
@@ -3360,100 +3412,384 @@
           </p:nvGrpSpPr>
           <p:grpSpPr>
             <a:xfrm>
-              <a:off x="2783637" y="2440858"/>
-              <a:ext cx="1080119" cy="1080120"/>
-              <a:chOff x="1775520" y="1988840"/>
-              <a:chExt cx="1152128" cy="1152128"/>
+              <a:off x="2624338" y="224675"/>
+              <a:ext cx="4384798" cy="2213624"/>
+              <a:chOff x="2495600" y="1844824"/>
+              <a:chExt cx="4384798" cy="2213624"/>
             </a:xfrm>
           </p:grpSpPr>
-          <p:cxnSp>
-            <p:nvCxnSpPr>
-              <p:cNvPr id="6" name="直接连接符 5">
+          <p:grpSp>
+            <p:nvGrpSpPr>
+              <p:cNvPr id="12" name="组合 11">
                 <a:extLst>
                   <a:ext uri="{FF2B5EF4-FFF2-40B4-BE49-F238E27FC236}">
-                    <a16:creationId xmlns:a16="http://schemas.microsoft.com/office/drawing/2014/main" id="{09A57EC6-6030-44AA-1F5D-529634FBEC6E}"/>
+                    <a16:creationId xmlns:a16="http://schemas.microsoft.com/office/drawing/2014/main" id="{3463C7BA-CE25-13DC-5597-612FAD8FFC6C}"/>
                   </a:ext>
                 </a:extLst>
               </p:cNvPr>
-              <p:cNvCxnSpPr/>
+              <p:cNvGrpSpPr/>
               <p:nvPr/>
-            </p:nvCxnSpPr>
-            <p:spPr>
+            </p:nvGrpSpPr>
+            <p:grpSpPr>
               <a:xfrm>
-                <a:off x="1775520" y="1988840"/>
-                <a:ext cx="1152128" cy="360040"/>
+                <a:off x="2783637" y="2440858"/>
+                <a:ext cx="1080119" cy="1080120"/>
+                <a:chOff x="1775520" y="1988840"/>
+                <a:chExt cx="1152128" cy="1152128"/>
               </a:xfrm>
-              <a:prstGeom prst="line">
-                <a:avLst/>
-              </a:prstGeom>
-              <a:ln w="19050">
-                <a:solidFill>
-                  <a:schemeClr val="accent6"/>
-                </a:solidFill>
-              </a:ln>
-            </p:spPr>
-            <p:style>
-              <a:lnRef idx="1">
-                <a:schemeClr val="accent1"/>
-              </a:lnRef>
-              <a:fillRef idx="0">
-                <a:schemeClr val="accent1"/>
-              </a:fillRef>
-              <a:effectRef idx="0">
-                <a:schemeClr val="accent1"/>
-              </a:effectRef>
-              <a:fontRef idx="minor">
-                <a:schemeClr val="tx1"/>
-              </a:fontRef>
-            </p:style>
-          </p:cxnSp>
-          <p:cxnSp>
-            <p:nvCxnSpPr>
-              <p:cNvPr id="7" name="直接连接符 6">
+            </p:grpSpPr>
+            <p:cxnSp>
+              <p:nvCxnSpPr>
+                <p:cNvPr id="6" name="直接连接符 5">
+                  <a:extLst>
+                    <a:ext uri="{FF2B5EF4-FFF2-40B4-BE49-F238E27FC236}">
+                      <a16:creationId xmlns:a16="http://schemas.microsoft.com/office/drawing/2014/main" id="{09A57EC6-6030-44AA-1F5D-529634FBEC6E}"/>
+                    </a:ext>
+                  </a:extLst>
+                </p:cNvPr>
+                <p:cNvCxnSpPr/>
+                <p:nvPr/>
+              </p:nvCxnSpPr>
+              <p:spPr>
+                <a:xfrm>
+                  <a:off x="1775520" y="1988840"/>
+                  <a:ext cx="1152128" cy="360040"/>
+                </a:xfrm>
+                <a:prstGeom prst="line">
+                  <a:avLst/>
+                </a:prstGeom>
+                <a:ln w="19050">
+                  <a:solidFill>
+                    <a:schemeClr val="accent6"/>
+                  </a:solidFill>
+                </a:ln>
+              </p:spPr>
+              <p:style>
+                <a:lnRef idx="1">
+                  <a:schemeClr val="accent1"/>
+                </a:lnRef>
+                <a:fillRef idx="0">
+                  <a:schemeClr val="accent1"/>
+                </a:fillRef>
+                <a:effectRef idx="0">
+                  <a:schemeClr val="accent1"/>
+                </a:effectRef>
+                <a:fontRef idx="minor">
+                  <a:schemeClr val="tx1"/>
+                </a:fontRef>
+              </p:style>
+            </p:cxnSp>
+            <p:cxnSp>
+              <p:nvCxnSpPr>
+                <p:cNvPr id="7" name="直接连接符 6">
+                  <a:extLst>
+                    <a:ext uri="{FF2B5EF4-FFF2-40B4-BE49-F238E27FC236}">
+                      <a16:creationId xmlns:a16="http://schemas.microsoft.com/office/drawing/2014/main" id="{DD499EAD-C1DB-5699-41CC-05948BFA37A7}"/>
+                    </a:ext>
+                  </a:extLst>
+                </p:cNvPr>
+                <p:cNvCxnSpPr/>
+                <p:nvPr/>
+              </p:nvCxnSpPr>
+              <p:spPr>
+                <a:xfrm>
+                  <a:off x="1775520" y="2780928"/>
+                  <a:ext cx="1152128" cy="360040"/>
+                </a:xfrm>
+                <a:prstGeom prst="line">
+                  <a:avLst/>
+                </a:prstGeom>
+                <a:ln w="19050">
+                  <a:solidFill>
+                    <a:schemeClr val="accent6"/>
+                  </a:solidFill>
+                </a:ln>
+              </p:spPr>
+              <p:style>
+                <a:lnRef idx="1">
+                  <a:schemeClr val="accent1"/>
+                </a:lnRef>
+                <a:fillRef idx="0">
+                  <a:schemeClr val="accent1"/>
+                </a:fillRef>
+                <a:effectRef idx="0">
+                  <a:schemeClr val="accent1"/>
+                </a:effectRef>
+                <a:fontRef idx="minor">
+                  <a:schemeClr val="tx1"/>
+                </a:fontRef>
+              </p:style>
+            </p:cxnSp>
+            <p:cxnSp>
+              <p:nvCxnSpPr>
+                <p:cNvPr id="8" name="直接连接符 7">
+                  <a:extLst>
+                    <a:ext uri="{FF2B5EF4-FFF2-40B4-BE49-F238E27FC236}">
+                      <a16:creationId xmlns:a16="http://schemas.microsoft.com/office/drawing/2014/main" id="{56E5A391-47ED-93B7-C575-847EB7D30580}"/>
+                    </a:ext>
+                  </a:extLst>
+                </p:cNvPr>
+                <p:cNvCxnSpPr>
+                  <a:cxnSpLocks/>
+                </p:cNvCxnSpPr>
+                <p:nvPr/>
+              </p:nvCxnSpPr>
+              <p:spPr>
+                <a:xfrm flipV="1">
+                  <a:off x="1775520" y="1988840"/>
+                  <a:ext cx="0" cy="792088"/>
+                </a:xfrm>
+                <a:prstGeom prst="line">
+                  <a:avLst/>
+                </a:prstGeom>
+                <a:ln w="19050">
+                  <a:solidFill>
+                    <a:schemeClr val="accent6"/>
+                  </a:solidFill>
+                </a:ln>
+              </p:spPr>
+              <p:style>
+                <a:lnRef idx="1">
+                  <a:schemeClr val="accent1"/>
+                </a:lnRef>
+                <a:fillRef idx="0">
+                  <a:schemeClr val="accent1"/>
+                </a:fillRef>
+                <a:effectRef idx="0">
+                  <a:schemeClr val="accent1"/>
+                </a:effectRef>
+                <a:fontRef idx="minor">
+                  <a:schemeClr val="tx1"/>
+                </a:fontRef>
+              </p:style>
+            </p:cxnSp>
+            <p:cxnSp>
+              <p:nvCxnSpPr>
+                <p:cNvPr id="11" name="直接连接符 10">
+                  <a:extLst>
+                    <a:ext uri="{FF2B5EF4-FFF2-40B4-BE49-F238E27FC236}">
+                      <a16:creationId xmlns:a16="http://schemas.microsoft.com/office/drawing/2014/main" id="{F4AA7988-E0DE-0005-996E-EE96102967D4}"/>
+                    </a:ext>
+                  </a:extLst>
+                </p:cNvPr>
+                <p:cNvCxnSpPr>
+                  <a:cxnSpLocks/>
+                </p:cNvCxnSpPr>
+                <p:nvPr/>
+              </p:nvCxnSpPr>
+              <p:spPr>
+                <a:xfrm flipV="1">
+                  <a:off x="2927648" y="2348880"/>
+                  <a:ext cx="0" cy="792088"/>
+                </a:xfrm>
+                <a:prstGeom prst="line">
+                  <a:avLst/>
+                </a:prstGeom>
+                <a:ln w="19050">
+                  <a:solidFill>
+                    <a:schemeClr val="accent6"/>
+                  </a:solidFill>
+                </a:ln>
+              </p:spPr>
+              <p:style>
+                <a:lnRef idx="1">
+                  <a:schemeClr val="accent1"/>
+                </a:lnRef>
+                <a:fillRef idx="0">
+                  <a:schemeClr val="accent1"/>
+                </a:fillRef>
+                <a:effectRef idx="0">
+                  <a:schemeClr val="accent1"/>
+                </a:effectRef>
+                <a:fontRef idx="minor">
+                  <a:schemeClr val="tx1"/>
+                </a:fontRef>
+              </p:style>
+            </p:cxnSp>
+          </p:grpSp>
+          <p:grpSp>
+            <p:nvGrpSpPr>
+              <p:cNvPr id="56" name="组合 55">
                 <a:extLst>
                   <a:ext uri="{FF2B5EF4-FFF2-40B4-BE49-F238E27FC236}">
-                    <a16:creationId xmlns:a16="http://schemas.microsoft.com/office/drawing/2014/main" id="{DD499EAD-C1DB-5699-41CC-05948BFA37A7}"/>
+                    <a16:creationId xmlns:a16="http://schemas.microsoft.com/office/drawing/2014/main" id="{CDB35E2B-D53D-5CFB-3EDB-3EBF9EE7CB61}"/>
                   </a:ext>
                 </a:extLst>
               </p:cNvPr>
-              <p:cNvCxnSpPr/>
+              <p:cNvGrpSpPr/>
               <p:nvPr/>
-            </p:nvCxnSpPr>
-            <p:spPr>
+            </p:nvGrpSpPr>
+            <p:grpSpPr>
               <a:xfrm>
-                <a:off x="1775520" y="2780928"/>
-                <a:ext cx="1152128" cy="360040"/>
+                <a:off x="5591948" y="2656882"/>
+                <a:ext cx="1152128" cy="997137"/>
+                <a:chOff x="3935760" y="2940420"/>
+                <a:chExt cx="1086037" cy="941156"/>
               </a:xfrm>
-              <a:prstGeom prst="line">
-                <a:avLst/>
-              </a:prstGeom>
-              <a:ln w="19050">
-                <a:solidFill>
-                  <a:schemeClr val="accent6"/>
-                </a:solidFill>
-              </a:ln>
-            </p:spPr>
-            <p:style>
-              <a:lnRef idx="1">
-                <a:schemeClr val="accent1"/>
-              </a:lnRef>
-              <a:fillRef idx="0">
-                <a:schemeClr val="accent1"/>
-              </a:fillRef>
-              <a:effectRef idx="0">
-                <a:schemeClr val="accent1"/>
-              </a:effectRef>
-              <a:fontRef idx="minor">
-                <a:schemeClr val="tx1"/>
-              </a:fontRef>
-            </p:style>
-          </p:cxnSp>
+            </p:grpSpPr>
+            <p:cxnSp>
+              <p:nvCxnSpPr>
+                <p:cNvPr id="44" name="直接连接符 43">
+                  <a:extLst>
+                    <a:ext uri="{FF2B5EF4-FFF2-40B4-BE49-F238E27FC236}">
+                      <a16:creationId xmlns:a16="http://schemas.microsoft.com/office/drawing/2014/main" id="{9681E2B2-0EAB-A061-CD51-0C01A2CCF5B1}"/>
+                    </a:ext>
+                  </a:extLst>
+                </p:cNvPr>
+                <p:cNvCxnSpPr>
+                  <a:cxnSpLocks/>
+                </p:cNvCxnSpPr>
+                <p:nvPr/>
+              </p:nvCxnSpPr>
+              <p:spPr>
+                <a:xfrm flipV="1">
+                  <a:off x="3941677" y="2940420"/>
+                  <a:ext cx="1080120" cy="216024"/>
+                </a:xfrm>
+                <a:prstGeom prst="line">
+                  <a:avLst/>
+                </a:prstGeom>
+                <a:ln w="19050"/>
+              </p:spPr>
+              <p:style>
+                <a:lnRef idx="1">
+                  <a:schemeClr val="accent1"/>
+                </a:lnRef>
+                <a:fillRef idx="0">
+                  <a:schemeClr val="accent1"/>
+                </a:fillRef>
+                <a:effectRef idx="0">
+                  <a:schemeClr val="accent1"/>
+                </a:effectRef>
+                <a:fontRef idx="minor">
+                  <a:schemeClr val="tx1"/>
+                </a:fontRef>
+              </p:style>
+            </p:cxnSp>
+            <p:cxnSp>
+              <p:nvCxnSpPr>
+                <p:cNvPr id="46" name="直接连接符 45">
+                  <a:extLst>
+                    <a:ext uri="{FF2B5EF4-FFF2-40B4-BE49-F238E27FC236}">
+                      <a16:creationId xmlns:a16="http://schemas.microsoft.com/office/drawing/2014/main" id="{E2A988FB-817A-AE3B-CE72-06CC74055038}"/>
+                    </a:ext>
+                  </a:extLst>
+                </p:cNvPr>
+                <p:cNvCxnSpPr>
+                  <a:cxnSpLocks/>
+                </p:cNvCxnSpPr>
+                <p:nvPr/>
+              </p:nvCxnSpPr>
+              <p:spPr>
+                <a:xfrm flipV="1">
+                  <a:off x="3935760" y="3665552"/>
+                  <a:ext cx="1080120" cy="216024"/>
+                </a:xfrm>
+                <a:prstGeom prst="line">
+                  <a:avLst/>
+                </a:prstGeom>
+                <a:ln w="19050"/>
+              </p:spPr>
+              <p:style>
+                <a:lnRef idx="1">
+                  <a:schemeClr val="accent1"/>
+                </a:lnRef>
+                <a:fillRef idx="0">
+                  <a:schemeClr val="accent1"/>
+                </a:fillRef>
+                <a:effectRef idx="0">
+                  <a:schemeClr val="accent1"/>
+                </a:effectRef>
+                <a:fontRef idx="minor">
+                  <a:schemeClr val="tx1"/>
+                </a:fontRef>
+              </p:style>
+            </p:cxnSp>
+            <p:cxnSp>
+              <p:nvCxnSpPr>
+                <p:cNvPr id="47" name="直接连接符 46">
+                  <a:extLst>
+                    <a:ext uri="{FF2B5EF4-FFF2-40B4-BE49-F238E27FC236}">
+                      <a16:creationId xmlns:a16="http://schemas.microsoft.com/office/drawing/2014/main" id="{A3462DE6-420C-6446-9CC7-149EEE2CEE14}"/>
+                    </a:ext>
+                  </a:extLst>
+                </p:cNvPr>
+                <p:cNvCxnSpPr>
+                  <a:cxnSpLocks/>
+                </p:cNvCxnSpPr>
+                <p:nvPr/>
+              </p:nvCxnSpPr>
+              <p:spPr>
+                <a:xfrm flipV="1">
+                  <a:off x="3941677" y="3156444"/>
+                  <a:ext cx="0" cy="720080"/>
+                </a:xfrm>
+                <a:prstGeom prst="line">
+                  <a:avLst/>
+                </a:prstGeom>
+                <a:ln w="19050"/>
+              </p:spPr>
+              <p:style>
+                <a:lnRef idx="1">
+                  <a:schemeClr val="accent1"/>
+                </a:lnRef>
+                <a:fillRef idx="0">
+                  <a:schemeClr val="accent1"/>
+                </a:fillRef>
+                <a:effectRef idx="0">
+                  <a:schemeClr val="accent1"/>
+                </a:effectRef>
+                <a:fontRef idx="minor">
+                  <a:schemeClr val="tx1"/>
+                </a:fontRef>
+              </p:style>
+            </p:cxnSp>
+            <p:cxnSp>
+              <p:nvCxnSpPr>
+                <p:cNvPr id="50" name="直接连接符 49">
+                  <a:extLst>
+                    <a:ext uri="{FF2B5EF4-FFF2-40B4-BE49-F238E27FC236}">
+                      <a16:creationId xmlns:a16="http://schemas.microsoft.com/office/drawing/2014/main" id="{24ADB079-7D9B-AFF2-7B2A-56B5915B68B8}"/>
+                    </a:ext>
+                  </a:extLst>
+                </p:cNvPr>
+                <p:cNvCxnSpPr>
+                  <a:cxnSpLocks/>
+                </p:cNvCxnSpPr>
+                <p:nvPr/>
+              </p:nvCxnSpPr>
+              <p:spPr>
+                <a:xfrm flipV="1">
+                  <a:off x="5015880" y="2940420"/>
+                  <a:ext cx="0" cy="725132"/>
+                </a:xfrm>
+                <a:prstGeom prst="line">
+                  <a:avLst/>
+                </a:prstGeom>
+                <a:ln w="19050"/>
+              </p:spPr>
+              <p:style>
+                <a:lnRef idx="1">
+                  <a:schemeClr val="accent1"/>
+                </a:lnRef>
+                <a:fillRef idx="0">
+                  <a:schemeClr val="accent1"/>
+                </a:fillRef>
+                <a:effectRef idx="0">
+                  <a:schemeClr val="accent1"/>
+                </a:effectRef>
+                <a:fontRef idx="minor">
+                  <a:schemeClr val="tx1"/>
+                </a:fontRef>
+              </p:style>
+            </p:cxnSp>
+          </p:grpSp>
           <p:cxnSp>
             <p:nvCxnSpPr>
-              <p:cNvPr id="8" name="直接连接符 7">
+              <p:cNvPr id="79" name="直接连接符 78">
                 <a:extLst>
                   <a:ext uri="{FF2B5EF4-FFF2-40B4-BE49-F238E27FC236}">
-                    <a16:creationId xmlns:a16="http://schemas.microsoft.com/office/drawing/2014/main" id="{56E5A391-47ED-93B7-C575-847EB7D30580}"/>
+                    <a16:creationId xmlns:a16="http://schemas.microsoft.com/office/drawing/2014/main" id="{86C622B0-0173-28D5-5140-7EAB7A9D5B37}"/>
                   </a:ext>
                 </a:extLst>
               </p:cNvPr>
@@ -3463,116 +3799,9 @@
               <p:nvPr/>
             </p:nvCxnSpPr>
             <p:spPr>
-              <a:xfrm flipV="1">
-                <a:off x="1775520" y="1988840"/>
-                <a:ext cx="0" cy="792088"/>
-              </a:xfrm>
-              <a:prstGeom prst="line">
-                <a:avLst/>
-              </a:prstGeom>
-              <a:ln w="19050">
-                <a:solidFill>
-                  <a:schemeClr val="accent6"/>
-                </a:solidFill>
-              </a:ln>
-            </p:spPr>
-            <p:style>
-              <a:lnRef idx="1">
-                <a:schemeClr val="accent1"/>
-              </a:lnRef>
-              <a:fillRef idx="0">
-                <a:schemeClr val="accent1"/>
-              </a:fillRef>
-              <a:effectRef idx="0">
-                <a:schemeClr val="accent1"/>
-              </a:effectRef>
-              <a:fontRef idx="minor">
-                <a:schemeClr val="tx1"/>
-              </a:fontRef>
-            </p:style>
-          </p:cxnSp>
-          <p:cxnSp>
-            <p:nvCxnSpPr>
-              <p:cNvPr id="11" name="直接连接符 10">
-                <a:extLst>
-                  <a:ext uri="{FF2B5EF4-FFF2-40B4-BE49-F238E27FC236}">
-                    <a16:creationId xmlns:a16="http://schemas.microsoft.com/office/drawing/2014/main" id="{F4AA7988-E0DE-0005-996E-EE96102967D4}"/>
-                  </a:ext>
-                </a:extLst>
-              </p:cNvPr>
-              <p:cNvCxnSpPr>
-                <a:cxnSpLocks/>
-              </p:cNvCxnSpPr>
-              <p:nvPr/>
-            </p:nvCxnSpPr>
-            <p:spPr>
-              <a:xfrm flipV="1">
-                <a:off x="2927648" y="2348880"/>
-                <a:ext cx="0" cy="792088"/>
-              </a:xfrm>
-              <a:prstGeom prst="line">
-                <a:avLst/>
-              </a:prstGeom>
-              <a:ln w="19050">
-                <a:solidFill>
-                  <a:schemeClr val="accent6"/>
-                </a:solidFill>
-              </a:ln>
-            </p:spPr>
-            <p:style>
-              <a:lnRef idx="1">
-                <a:schemeClr val="accent1"/>
-              </a:lnRef>
-              <a:fillRef idx="0">
-                <a:schemeClr val="accent1"/>
-              </a:fillRef>
-              <a:effectRef idx="0">
-                <a:schemeClr val="accent1"/>
-              </a:effectRef>
-              <a:fontRef idx="minor">
-                <a:schemeClr val="tx1"/>
-              </a:fontRef>
-            </p:style>
-          </p:cxnSp>
-        </p:grpSp>
-        <p:grpSp>
-          <p:nvGrpSpPr>
-            <p:cNvPr id="56" name="组合 55">
-              <a:extLst>
-                <a:ext uri="{FF2B5EF4-FFF2-40B4-BE49-F238E27FC236}">
-                  <a16:creationId xmlns:a16="http://schemas.microsoft.com/office/drawing/2014/main" id="{CDB35E2B-D53D-5CFB-3EDB-3EBF9EE7CB61}"/>
-                </a:ext>
-              </a:extLst>
-            </p:cNvPr>
-            <p:cNvGrpSpPr/>
-            <p:nvPr/>
-          </p:nvGrpSpPr>
-          <p:grpSpPr>
-            <a:xfrm>
-              <a:off x="5591948" y="2656882"/>
-              <a:ext cx="1152128" cy="997137"/>
-              <a:chOff x="3935760" y="2940420"/>
-              <a:chExt cx="1086037" cy="941156"/>
-            </a:xfrm>
-          </p:grpSpPr>
-          <p:cxnSp>
-            <p:nvCxnSpPr>
-              <p:cNvPr id="44" name="直接连接符 43">
-                <a:extLst>
-                  <a:ext uri="{FF2B5EF4-FFF2-40B4-BE49-F238E27FC236}">
-                    <a16:creationId xmlns:a16="http://schemas.microsoft.com/office/drawing/2014/main" id="{9681E2B2-0EAB-A061-CD51-0C01A2CCF5B1}"/>
-                  </a:ext>
-                </a:extLst>
-              </p:cNvPr>
-              <p:cNvCxnSpPr>
-                <a:cxnSpLocks/>
-              </p:cNvCxnSpPr>
-              <p:nvPr/>
-            </p:nvCxnSpPr>
-            <p:spPr>
-              <a:xfrm flipV="1">
-                <a:off x="3941677" y="2940420"/>
-                <a:ext cx="1080120" cy="216024"/>
+              <a:xfrm>
+                <a:off x="4943876" y="1864794"/>
+                <a:ext cx="1512168" cy="1872208"/>
               </a:xfrm>
               <a:prstGeom prst="line">
                 <a:avLst/>
@@ -3594,12 +3823,129 @@
               </a:fontRef>
             </p:style>
           </p:cxnSp>
+          <p:sp>
+            <p:nvSpPr>
+              <p:cNvPr id="82" name="椭圆 81">
+                <a:extLst>
+                  <a:ext uri="{FF2B5EF4-FFF2-40B4-BE49-F238E27FC236}">
+                    <a16:creationId xmlns:a16="http://schemas.microsoft.com/office/drawing/2014/main" id="{2653B1E9-193F-B7B5-6C17-A4A28683D605}"/>
+                  </a:ext>
+                </a:extLst>
+              </p:cNvPr>
+              <p:cNvSpPr/>
+              <p:nvPr/>
+            </p:nvSpPr>
+            <p:spPr>
+              <a:xfrm>
+                <a:off x="5956968" y="3126827"/>
+                <a:ext cx="45719" cy="45719"/>
+              </a:xfrm>
+              <a:prstGeom prst="ellipse">
+                <a:avLst/>
+              </a:prstGeom>
+              <a:solidFill>
+                <a:schemeClr val="accent5">
+                  <a:lumMod val="60000"/>
+                  <a:lumOff val="40000"/>
+                </a:schemeClr>
+              </a:solidFill>
+              <a:ln>
+                <a:solidFill>
+                  <a:schemeClr val="accent5">
+                    <a:lumMod val="75000"/>
+                  </a:schemeClr>
+                </a:solidFill>
+              </a:ln>
+            </p:spPr>
+            <p:style>
+              <a:lnRef idx="2">
+                <a:schemeClr val="dk1">
+                  <a:shade val="50000"/>
+                </a:schemeClr>
+              </a:lnRef>
+              <a:fillRef idx="1">
+                <a:schemeClr val="dk1"/>
+              </a:fillRef>
+              <a:effectRef idx="0">
+                <a:schemeClr val="dk1"/>
+              </a:effectRef>
+              <a:fontRef idx="minor">
+                <a:schemeClr val="lt1"/>
+              </a:fontRef>
+            </p:style>
+            <p:txBody>
+              <a:bodyPr rtlCol="0" anchor="ctr"/>
+              <a:lstStyle/>
+              <a:p>
+                <a:pPr algn="ctr"/>
+                <a:endParaRPr lang="zh-CN" altLang="en-US"/>
+              </a:p>
+            </p:txBody>
+          </p:sp>
+          <p:sp>
+            <p:nvSpPr>
+              <p:cNvPr id="83" name="椭圆 82">
+                <a:extLst>
+                  <a:ext uri="{FF2B5EF4-FFF2-40B4-BE49-F238E27FC236}">
+                    <a16:creationId xmlns:a16="http://schemas.microsoft.com/office/drawing/2014/main" id="{A0E82041-C34E-69D7-FA5B-476F22246617}"/>
+                  </a:ext>
+                </a:extLst>
+              </p:cNvPr>
+              <p:cNvSpPr/>
+              <p:nvPr/>
+            </p:nvSpPr>
+            <p:spPr>
+              <a:xfrm>
+                <a:off x="5807972" y="2937712"/>
+                <a:ext cx="45719" cy="45719"/>
+              </a:xfrm>
+              <a:prstGeom prst="ellipse">
+                <a:avLst/>
+              </a:prstGeom>
+              <a:solidFill>
+                <a:schemeClr val="bg1">
+                  <a:lumMod val="75000"/>
+                </a:schemeClr>
+              </a:solidFill>
+              <a:ln>
+                <a:solidFill>
+                  <a:schemeClr val="bg1">
+                    <a:lumMod val="65000"/>
+                  </a:schemeClr>
+                </a:solidFill>
+              </a:ln>
+            </p:spPr>
+            <p:style>
+              <a:lnRef idx="2">
+                <a:schemeClr val="dk1">
+                  <a:shade val="50000"/>
+                </a:schemeClr>
+              </a:lnRef>
+              <a:fillRef idx="1">
+                <a:schemeClr val="dk1"/>
+              </a:fillRef>
+              <a:effectRef idx="0">
+                <a:schemeClr val="dk1"/>
+              </a:effectRef>
+              <a:fontRef idx="minor">
+                <a:schemeClr val="lt1"/>
+              </a:fontRef>
+            </p:style>
+            <p:txBody>
+              <a:bodyPr rtlCol="0" anchor="ctr"/>
+              <a:lstStyle/>
+              <a:p>
+                <a:pPr algn="ctr"/>
+                <a:endParaRPr lang="zh-CN" altLang="en-US"/>
+              </a:p>
+            </p:txBody>
+          </p:sp>
           <p:cxnSp>
             <p:nvCxnSpPr>
-              <p:cNvPr id="46" name="直接连接符 45">
+              <p:cNvPr id="104" name="直接连接符 103">
                 <a:extLst>
                   <a:ext uri="{FF2B5EF4-FFF2-40B4-BE49-F238E27FC236}">
-                    <a16:creationId xmlns:a16="http://schemas.microsoft.com/office/drawing/2014/main" id="{E2A988FB-817A-AE3B-CE72-06CC74055038}"/>
+                    <a16:creationId xmlns:a16="http://schemas.microsoft.com/office/drawing/2014/main" id="{CD1ADA8F-C77A-599D-22CE-28A6B03DC2AF}"/>
                   </a:ext>
                 </a:extLst>
               </p:cNvPr>
@@ -3610,13 +3956,21 @@
             </p:nvCxnSpPr>
             <p:spPr>
               <a:xfrm flipV="1">
-                <a:off x="3935760" y="3665552"/>
-                <a:ext cx="1080120" cy="216024"/>
+                <a:off x="2495604" y="2414416"/>
+                <a:ext cx="2860426" cy="814787"/>
               </a:xfrm>
               <a:prstGeom prst="line">
                 <a:avLst/>
               </a:prstGeom>
-              <a:ln w="19050"/>
+              <a:ln w="19050">
+                <a:solidFill>
+                  <a:schemeClr val="accent6">
+                    <a:lumMod val="60000"/>
+                    <a:lumOff val="40000"/>
+                  </a:schemeClr>
+                </a:solidFill>
+                <a:prstDash val="dash"/>
+              </a:ln>
             </p:spPr>
             <p:style>
               <a:lnRef idx="1">
@@ -3635,10 +3989,10 @@
           </p:cxnSp>
           <p:cxnSp>
             <p:nvCxnSpPr>
-              <p:cNvPr id="47" name="直接连接符 46">
+              <p:cNvPr id="108" name="直接连接符 107">
                 <a:extLst>
                   <a:ext uri="{FF2B5EF4-FFF2-40B4-BE49-F238E27FC236}">
-                    <a16:creationId xmlns:a16="http://schemas.microsoft.com/office/drawing/2014/main" id="{A3462DE6-420C-6446-9CC7-149EEE2CEE14}"/>
+                    <a16:creationId xmlns:a16="http://schemas.microsoft.com/office/drawing/2014/main" id="{B39AE0B9-8B3A-FA60-5898-4BA615841912}"/>
                   </a:ext>
                 </a:extLst>
               </p:cNvPr>
@@ -3649,13 +4003,21 @@
             </p:nvCxnSpPr>
             <p:spPr>
               <a:xfrm flipV="1">
-                <a:off x="3941677" y="3156444"/>
-                <a:ext cx="0" cy="720080"/>
+                <a:off x="2495604" y="2678735"/>
+                <a:ext cx="3075930" cy="554211"/>
               </a:xfrm>
               <a:prstGeom prst="line">
                 <a:avLst/>
               </a:prstGeom>
-              <a:ln w="19050"/>
+              <a:ln w="19050">
+                <a:solidFill>
+                  <a:schemeClr val="accent6">
+                    <a:lumMod val="60000"/>
+                    <a:lumOff val="40000"/>
+                  </a:schemeClr>
+                </a:solidFill>
+                <a:prstDash val="dash"/>
+              </a:ln>
             </p:spPr>
             <p:style>
               <a:lnRef idx="1">
@@ -3674,27 +4036,36 @@
           </p:cxnSp>
           <p:cxnSp>
             <p:nvCxnSpPr>
-              <p:cNvPr id="50" name="直接连接符 49">
+              <p:cNvPr id="111" name="直接连接符 110">
                 <a:extLst>
                   <a:ext uri="{FF2B5EF4-FFF2-40B4-BE49-F238E27FC236}">
-                    <a16:creationId xmlns:a16="http://schemas.microsoft.com/office/drawing/2014/main" id="{24ADB079-7D9B-AFF2-7B2A-56B5915B68B8}"/>
+                    <a16:creationId xmlns:a16="http://schemas.microsoft.com/office/drawing/2014/main" id="{30F4146A-4161-F28E-55B8-D1BE96E0C2A9}"/>
                   </a:ext>
                 </a:extLst>
               </p:cNvPr>
               <p:cNvCxnSpPr>
                 <a:cxnSpLocks/>
+                <a:endCxn id="83" idx="2"/>
               </p:cNvCxnSpPr>
               <p:nvPr/>
             </p:nvCxnSpPr>
             <p:spPr>
               <a:xfrm flipV="1">
-                <a:off x="5015880" y="2940420"/>
-                <a:ext cx="0" cy="725132"/>
+                <a:off x="2495600" y="2960572"/>
+                <a:ext cx="3312372" cy="268631"/>
               </a:xfrm>
               <a:prstGeom prst="line">
                 <a:avLst/>
               </a:prstGeom>
-              <a:ln w="19050"/>
+              <a:ln w="19050">
+                <a:solidFill>
+                  <a:schemeClr val="accent6">
+                    <a:lumMod val="60000"/>
+                    <a:lumOff val="40000"/>
+                  </a:schemeClr>
+                </a:solidFill>
+                <a:prstDash val="dash"/>
+              </a:ln>
             </p:spPr>
             <p:style>
               <a:lnRef idx="1">
@@ -3711,52 +4082,1126 @@
               </a:fontRef>
             </p:style>
           </p:cxnSp>
+          <p:sp>
+            <p:nvSpPr>
+              <p:cNvPr id="84" name="椭圆 83">
+                <a:extLst>
+                  <a:ext uri="{FF2B5EF4-FFF2-40B4-BE49-F238E27FC236}">
+                    <a16:creationId xmlns:a16="http://schemas.microsoft.com/office/drawing/2014/main" id="{5BF94C95-ED11-BB60-9294-83728030BC3D}"/>
+                  </a:ext>
+                </a:extLst>
+              </p:cNvPr>
+              <p:cNvSpPr/>
+              <p:nvPr/>
+            </p:nvSpPr>
+            <p:spPr>
+              <a:xfrm>
+                <a:off x="5569088" y="2649395"/>
+                <a:ext cx="45719" cy="45719"/>
+              </a:xfrm>
+              <a:prstGeom prst="ellipse">
+                <a:avLst/>
+              </a:prstGeom>
+              <a:solidFill>
+                <a:schemeClr val="bg1">
+                  <a:lumMod val="75000"/>
+                </a:schemeClr>
+              </a:solidFill>
+              <a:ln>
+                <a:solidFill>
+                  <a:schemeClr val="bg1">
+                    <a:lumMod val="65000"/>
+                  </a:schemeClr>
+                </a:solidFill>
+              </a:ln>
+            </p:spPr>
+            <p:style>
+              <a:lnRef idx="2">
+                <a:schemeClr val="dk1">
+                  <a:shade val="50000"/>
+                </a:schemeClr>
+              </a:lnRef>
+              <a:fillRef idx="1">
+                <a:schemeClr val="dk1"/>
+              </a:fillRef>
+              <a:effectRef idx="0">
+                <a:schemeClr val="dk1"/>
+              </a:effectRef>
+              <a:fontRef idx="minor">
+                <a:schemeClr val="lt1"/>
+              </a:fontRef>
+            </p:style>
+            <p:txBody>
+              <a:bodyPr rtlCol="0" anchor="ctr"/>
+              <a:lstStyle/>
+              <a:p>
+                <a:pPr algn="ctr"/>
+                <a:endParaRPr lang="zh-CN" altLang="en-US"/>
+              </a:p>
+            </p:txBody>
+          </p:sp>
+          <p:cxnSp>
+            <p:nvCxnSpPr>
+              <p:cNvPr id="92" name="直接连接符 91">
+                <a:extLst>
+                  <a:ext uri="{FF2B5EF4-FFF2-40B4-BE49-F238E27FC236}">
+                    <a16:creationId xmlns:a16="http://schemas.microsoft.com/office/drawing/2014/main" id="{9C8CBA88-2F7C-7DEF-59B2-BC9E893C5D42}"/>
+                  </a:ext>
+                </a:extLst>
+              </p:cNvPr>
+              <p:cNvCxnSpPr>
+                <a:cxnSpLocks/>
+              </p:cNvCxnSpPr>
+              <p:nvPr/>
+            </p:nvCxnSpPr>
+            <p:spPr>
+              <a:xfrm flipV="1">
+                <a:off x="2495604" y="1984601"/>
+                <a:ext cx="2538958" cy="1248345"/>
+              </a:xfrm>
+              <a:prstGeom prst="line">
+                <a:avLst/>
+              </a:prstGeom>
+              <a:ln w="19050">
+                <a:solidFill>
+                  <a:schemeClr val="accent6">
+                    <a:lumMod val="60000"/>
+                    <a:lumOff val="40000"/>
+                  </a:schemeClr>
+                </a:solidFill>
+                <a:prstDash val="dash"/>
+              </a:ln>
+            </p:spPr>
+            <p:style>
+              <a:lnRef idx="1">
+                <a:schemeClr val="accent1"/>
+              </a:lnRef>
+              <a:fillRef idx="0">
+                <a:schemeClr val="accent1"/>
+              </a:fillRef>
+              <a:effectRef idx="0">
+                <a:schemeClr val="accent1"/>
+              </a:effectRef>
+              <a:fontRef idx="minor">
+                <a:schemeClr val="tx1"/>
+              </a:fontRef>
+            </p:style>
+          </p:cxnSp>
+          <p:sp>
+            <p:nvSpPr>
+              <p:cNvPr id="91" name="椭圆 90">
+                <a:extLst>
+                  <a:ext uri="{FF2B5EF4-FFF2-40B4-BE49-F238E27FC236}">
+                    <a16:creationId xmlns:a16="http://schemas.microsoft.com/office/drawing/2014/main" id="{F93EE5C1-7D3E-F311-C9E8-2ABF94AA788C}"/>
+                  </a:ext>
+                </a:extLst>
+              </p:cNvPr>
+              <p:cNvSpPr/>
+              <p:nvPr/>
+            </p:nvSpPr>
+            <p:spPr>
+              <a:xfrm>
+                <a:off x="5017050" y="1959775"/>
+                <a:ext cx="45719" cy="45719"/>
+              </a:xfrm>
+              <a:prstGeom prst="ellipse">
+                <a:avLst/>
+              </a:prstGeom>
+              <a:solidFill>
+                <a:schemeClr val="bg1">
+                  <a:lumMod val="75000"/>
+                </a:schemeClr>
+              </a:solidFill>
+              <a:ln>
+                <a:solidFill>
+                  <a:schemeClr val="bg1">
+                    <a:lumMod val="65000"/>
+                  </a:schemeClr>
+                </a:solidFill>
+              </a:ln>
+            </p:spPr>
+            <p:style>
+              <a:lnRef idx="2">
+                <a:schemeClr val="dk1">
+                  <a:shade val="50000"/>
+                </a:schemeClr>
+              </a:lnRef>
+              <a:fillRef idx="1">
+                <a:schemeClr val="dk1"/>
+              </a:fillRef>
+              <a:effectRef idx="0">
+                <a:schemeClr val="dk1"/>
+              </a:effectRef>
+              <a:fontRef idx="minor">
+                <a:schemeClr val="lt1"/>
+              </a:fontRef>
+            </p:style>
+            <p:txBody>
+              <a:bodyPr rtlCol="0" anchor="ctr"/>
+              <a:lstStyle/>
+              <a:p>
+                <a:pPr algn="ctr"/>
+                <a:endParaRPr lang="zh-CN" altLang="en-US"/>
+              </a:p>
+            </p:txBody>
+          </p:sp>
+          <p:sp>
+            <p:nvSpPr>
+              <p:cNvPr id="125" name="椭圆 124">
+                <a:extLst>
+                  <a:ext uri="{FF2B5EF4-FFF2-40B4-BE49-F238E27FC236}">
+                    <a16:creationId xmlns:a16="http://schemas.microsoft.com/office/drawing/2014/main" id="{9D363600-48C7-71E5-6470-058429B7AB6D}"/>
+                  </a:ext>
+                </a:extLst>
+              </p:cNvPr>
+              <p:cNvSpPr/>
+              <p:nvPr/>
+            </p:nvSpPr>
+            <p:spPr>
+              <a:xfrm>
+                <a:off x="3311493" y="2793554"/>
+                <a:ext cx="45719" cy="45719"/>
+              </a:xfrm>
+              <a:prstGeom prst="ellipse">
+                <a:avLst/>
+              </a:prstGeom>
+              <a:solidFill>
+                <a:schemeClr val="accent6">
+                  <a:lumMod val="60000"/>
+                  <a:lumOff val="40000"/>
+                </a:schemeClr>
+              </a:solidFill>
+              <a:ln>
+                <a:solidFill>
+                  <a:schemeClr val="accent6">
+                    <a:lumMod val="75000"/>
+                  </a:schemeClr>
+                </a:solidFill>
+              </a:ln>
+            </p:spPr>
+            <p:style>
+              <a:lnRef idx="2">
+                <a:schemeClr val="dk1">
+                  <a:shade val="50000"/>
+                </a:schemeClr>
+              </a:lnRef>
+              <a:fillRef idx="1">
+                <a:schemeClr val="dk1"/>
+              </a:fillRef>
+              <a:effectRef idx="0">
+                <a:schemeClr val="dk1"/>
+              </a:effectRef>
+              <a:fontRef idx="minor">
+                <a:schemeClr val="lt1"/>
+              </a:fontRef>
+            </p:style>
+            <p:txBody>
+              <a:bodyPr rtlCol="0" anchor="ctr"/>
+              <a:lstStyle/>
+              <a:p>
+                <a:pPr algn="ctr"/>
+                <a:endParaRPr lang="zh-CN" altLang="en-US"/>
+              </a:p>
+            </p:txBody>
+          </p:sp>
+          <p:sp>
+            <p:nvSpPr>
+              <p:cNvPr id="126" name="椭圆 125">
+                <a:extLst>
+                  <a:ext uri="{FF2B5EF4-FFF2-40B4-BE49-F238E27FC236}">
+                    <a16:creationId xmlns:a16="http://schemas.microsoft.com/office/drawing/2014/main" id="{17D322CF-82DF-A334-605E-4D9CAFBCA01F}"/>
+                  </a:ext>
+                </a:extLst>
+              </p:cNvPr>
+              <p:cNvSpPr/>
+              <p:nvPr/>
+            </p:nvSpPr>
+            <p:spPr>
+              <a:xfrm>
+                <a:off x="3469885" y="2915774"/>
+                <a:ext cx="45719" cy="45719"/>
+              </a:xfrm>
+              <a:prstGeom prst="ellipse">
+                <a:avLst/>
+              </a:prstGeom>
+              <a:solidFill>
+                <a:schemeClr val="accent6">
+                  <a:lumMod val="60000"/>
+                  <a:lumOff val="40000"/>
+                </a:schemeClr>
+              </a:solidFill>
+              <a:ln>
+                <a:solidFill>
+                  <a:schemeClr val="accent6">
+                    <a:lumMod val="75000"/>
+                  </a:schemeClr>
+                </a:solidFill>
+              </a:ln>
+            </p:spPr>
+            <p:style>
+              <a:lnRef idx="2">
+                <a:schemeClr val="dk1">
+                  <a:shade val="50000"/>
+                </a:schemeClr>
+              </a:lnRef>
+              <a:fillRef idx="1">
+                <a:schemeClr val="dk1"/>
+              </a:fillRef>
+              <a:effectRef idx="0">
+                <a:schemeClr val="dk1"/>
+              </a:effectRef>
+              <a:fontRef idx="minor">
+                <a:schemeClr val="lt1"/>
+              </a:fontRef>
+            </p:style>
+            <p:txBody>
+              <a:bodyPr rtlCol="0" anchor="ctr"/>
+              <a:lstStyle/>
+              <a:p>
+                <a:pPr algn="ctr"/>
+                <a:endParaRPr lang="zh-CN" altLang="en-US"/>
+              </a:p>
+            </p:txBody>
+          </p:sp>
+          <p:sp>
+            <p:nvSpPr>
+              <p:cNvPr id="127" name="椭圆 126">
+                <a:extLst>
+                  <a:ext uri="{FF2B5EF4-FFF2-40B4-BE49-F238E27FC236}">
+                    <a16:creationId xmlns:a16="http://schemas.microsoft.com/office/drawing/2014/main" id="{9E85CBC8-D317-E62B-5B5D-A282C7BE95AC}"/>
+                  </a:ext>
+                </a:extLst>
+              </p:cNvPr>
+              <p:cNvSpPr/>
+              <p:nvPr/>
+            </p:nvSpPr>
+            <p:spPr>
+              <a:xfrm>
+                <a:off x="3609566" y="3003428"/>
+                <a:ext cx="45719" cy="45719"/>
+              </a:xfrm>
+              <a:prstGeom prst="ellipse">
+                <a:avLst/>
+              </a:prstGeom>
+              <a:solidFill>
+                <a:schemeClr val="accent6">
+                  <a:lumMod val="60000"/>
+                  <a:lumOff val="40000"/>
+                </a:schemeClr>
+              </a:solidFill>
+              <a:ln>
+                <a:solidFill>
+                  <a:schemeClr val="accent6">
+                    <a:lumMod val="75000"/>
+                  </a:schemeClr>
+                </a:solidFill>
+              </a:ln>
+            </p:spPr>
+            <p:style>
+              <a:lnRef idx="2">
+                <a:schemeClr val="dk1">
+                  <a:shade val="50000"/>
+                </a:schemeClr>
+              </a:lnRef>
+              <a:fillRef idx="1">
+                <a:schemeClr val="dk1"/>
+              </a:fillRef>
+              <a:effectRef idx="0">
+                <a:schemeClr val="dk1"/>
+              </a:effectRef>
+              <a:fontRef idx="minor">
+                <a:schemeClr val="lt1"/>
+              </a:fontRef>
+            </p:style>
+            <p:txBody>
+              <a:bodyPr rtlCol="0" anchor="ctr"/>
+              <a:lstStyle/>
+              <a:p>
+                <a:pPr algn="ctr"/>
+                <a:endParaRPr lang="zh-CN" altLang="en-US"/>
+              </a:p>
+            </p:txBody>
+          </p:sp>
+          <p:sp>
+            <p:nvSpPr>
+              <p:cNvPr id="128" name="椭圆 127">
+                <a:extLst>
+                  <a:ext uri="{FF2B5EF4-FFF2-40B4-BE49-F238E27FC236}">
+                    <a16:creationId xmlns:a16="http://schemas.microsoft.com/office/drawing/2014/main" id="{B62291C9-BAEB-EB11-3326-784C98DA2062}"/>
+                  </a:ext>
+                </a:extLst>
+              </p:cNvPr>
+              <p:cNvSpPr/>
+              <p:nvPr/>
+            </p:nvSpPr>
+            <p:spPr>
+              <a:xfrm>
+                <a:off x="3759674" y="3100709"/>
+                <a:ext cx="45719" cy="45719"/>
+              </a:xfrm>
+              <a:prstGeom prst="ellipse">
+                <a:avLst/>
+              </a:prstGeom>
+              <a:solidFill>
+                <a:schemeClr val="accent6">
+                  <a:lumMod val="60000"/>
+                  <a:lumOff val="40000"/>
+                </a:schemeClr>
+              </a:solidFill>
+              <a:ln>
+                <a:solidFill>
+                  <a:schemeClr val="accent6">
+                    <a:lumMod val="75000"/>
+                  </a:schemeClr>
+                </a:solidFill>
+              </a:ln>
+            </p:spPr>
+            <p:style>
+              <a:lnRef idx="2">
+                <a:schemeClr val="dk1">
+                  <a:shade val="50000"/>
+                </a:schemeClr>
+              </a:lnRef>
+              <a:fillRef idx="1">
+                <a:schemeClr val="dk1"/>
+              </a:fillRef>
+              <a:effectRef idx="0">
+                <a:schemeClr val="dk1"/>
+              </a:effectRef>
+              <a:fontRef idx="minor">
+                <a:schemeClr val="lt1"/>
+              </a:fontRef>
+            </p:style>
+            <p:txBody>
+              <a:bodyPr rtlCol="0" anchor="ctr"/>
+              <a:lstStyle/>
+              <a:p>
+                <a:pPr algn="ctr"/>
+                <a:endParaRPr lang="zh-CN" altLang="en-US"/>
+              </a:p>
+            </p:txBody>
+          </p:sp>
+          <p:sp>
+            <p:nvSpPr>
+              <p:cNvPr id="87" name="椭圆 86">
+                <a:extLst>
+                  <a:ext uri="{FF2B5EF4-FFF2-40B4-BE49-F238E27FC236}">
+                    <a16:creationId xmlns:a16="http://schemas.microsoft.com/office/drawing/2014/main" id="{D71CCD90-0BA9-7201-E3FA-7296616D60C4}"/>
+                  </a:ext>
+                </a:extLst>
+              </p:cNvPr>
+              <p:cNvSpPr/>
+              <p:nvPr/>
+            </p:nvSpPr>
+            <p:spPr>
+              <a:xfrm>
+                <a:off x="5354615" y="2383940"/>
+                <a:ext cx="45719" cy="45719"/>
+              </a:xfrm>
+              <a:prstGeom prst="ellipse">
+                <a:avLst/>
+              </a:prstGeom>
+              <a:solidFill>
+                <a:schemeClr val="tx1"/>
+              </a:solidFill>
+              <a:ln>
+                <a:solidFill>
+                  <a:schemeClr val="tx1"/>
+                </a:solidFill>
+              </a:ln>
+            </p:spPr>
+            <p:style>
+              <a:lnRef idx="2">
+                <a:schemeClr val="dk1">
+                  <a:shade val="50000"/>
+                </a:schemeClr>
+              </a:lnRef>
+              <a:fillRef idx="1">
+                <a:schemeClr val="dk1"/>
+              </a:fillRef>
+              <a:effectRef idx="0">
+                <a:schemeClr val="dk1"/>
+              </a:effectRef>
+              <a:fontRef idx="minor">
+                <a:schemeClr val="lt1"/>
+              </a:fontRef>
+            </p:style>
+            <p:txBody>
+              <a:bodyPr rtlCol="0" anchor="ctr"/>
+              <a:lstStyle/>
+              <a:p>
+                <a:pPr algn="ctr"/>
+                <a:endParaRPr lang="zh-CN" altLang="en-US"/>
+              </a:p>
+            </p:txBody>
+          </p:sp>
+          <p:sp>
+            <p:nvSpPr>
+              <p:cNvPr id="134" name="任意多边形: 形状 133">
+                <a:extLst>
+                  <a:ext uri="{FF2B5EF4-FFF2-40B4-BE49-F238E27FC236}">
+                    <a16:creationId xmlns:a16="http://schemas.microsoft.com/office/drawing/2014/main" id="{87ED1B84-C7CE-50FA-76DE-11CCD2F879D7}"/>
+                  </a:ext>
+                </a:extLst>
+              </p:cNvPr>
+              <p:cNvSpPr/>
+              <p:nvPr/>
+            </p:nvSpPr>
+            <p:spPr>
+              <a:xfrm>
+                <a:off x="5000101" y="1844824"/>
+                <a:ext cx="914400" cy="1146175"/>
+              </a:xfrm>
+              <a:custGeom>
+                <a:avLst/>
+                <a:gdLst>
+                  <a:gd name="connsiteX0" fmla="*/ 5441 w 1243104"/>
+                  <a:gd name="connsiteY0" fmla="*/ 0 h 1371722"/>
+                  <a:gd name="connsiteX1" fmla="*/ 122916 w 1243104"/>
+                  <a:gd name="connsiteY1" fmla="*/ 323850 h 1371722"/>
+                  <a:gd name="connsiteX2" fmla="*/ 834116 w 1243104"/>
+                  <a:gd name="connsiteY2" fmla="*/ 53975 h 1371722"/>
+                  <a:gd name="connsiteX3" fmla="*/ 468991 w 1243104"/>
+                  <a:gd name="connsiteY3" fmla="*/ 673100 h 1371722"/>
+                  <a:gd name="connsiteX4" fmla="*/ 1040491 w 1243104"/>
+                  <a:gd name="connsiteY4" fmla="*/ 1212850 h 1371722"/>
+                  <a:gd name="connsiteX5" fmla="*/ 1215116 w 1243104"/>
+                  <a:gd name="connsiteY5" fmla="*/ 1355725 h 1371722"/>
+                  <a:gd name="connsiteX6" fmla="*/ 1240516 w 1243104"/>
+                  <a:gd name="connsiteY6" fmla="*/ 1362075 h 1371722"/>
+                  <a:gd name="connsiteX0" fmla="*/ 8350 w 1230138"/>
+                  <a:gd name="connsiteY0" fmla="*/ 0 h 1400297"/>
+                  <a:gd name="connsiteX1" fmla="*/ 109950 w 1230138"/>
+                  <a:gd name="connsiteY1" fmla="*/ 352425 h 1400297"/>
+                  <a:gd name="connsiteX2" fmla="*/ 821150 w 1230138"/>
+                  <a:gd name="connsiteY2" fmla="*/ 82550 h 1400297"/>
+                  <a:gd name="connsiteX3" fmla="*/ 456025 w 1230138"/>
+                  <a:gd name="connsiteY3" fmla="*/ 701675 h 1400297"/>
+                  <a:gd name="connsiteX4" fmla="*/ 1027525 w 1230138"/>
+                  <a:gd name="connsiteY4" fmla="*/ 1241425 h 1400297"/>
+                  <a:gd name="connsiteX5" fmla="*/ 1202150 w 1230138"/>
+                  <a:gd name="connsiteY5" fmla="*/ 1384300 h 1400297"/>
+                  <a:gd name="connsiteX6" fmla="*/ 1227550 w 1230138"/>
+                  <a:gd name="connsiteY6" fmla="*/ 1390650 h 1400297"/>
+                  <a:gd name="connsiteX0" fmla="*/ 0 w 1221788"/>
+                  <a:gd name="connsiteY0" fmla="*/ 0 h 1400297"/>
+                  <a:gd name="connsiteX1" fmla="*/ 101600 w 1221788"/>
+                  <a:gd name="connsiteY1" fmla="*/ 352425 h 1400297"/>
+                  <a:gd name="connsiteX2" fmla="*/ 812800 w 1221788"/>
+                  <a:gd name="connsiteY2" fmla="*/ 82550 h 1400297"/>
+                  <a:gd name="connsiteX3" fmla="*/ 447675 w 1221788"/>
+                  <a:gd name="connsiteY3" fmla="*/ 701675 h 1400297"/>
+                  <a:gd name="connsiteX4" fmla="*/ 1019175 w 1221788"/>
+                  <a:gd name="connsiteY4" fmla="*/ 1241425 h 1400297"/>
+                  <a:gd name="connsiteX5" fmla="*/ 1193800 w 1221788"/>
+                  <a:gd name="connsiteY5" fmla="*/ 1384300 h 1400297"/>
+                  <a:gd name="connsiteX6" fmla="*/ 1219200 w 1221788"/>
+                  <a:gd name="connsiteY6" fmla="*/ 1390650 h 1400297"/>
+                  <a:gd name="connsiteX0" fmla="*/ 0 w 1221788"/>
+                  <a:gd name="connsiteY0" fmla="*/ 0 h 1400297"/>
+                  <a:gd name="connsiteX1" fmla="*/ 254000 w 1221788"/>
+                  <a:gd name="connsiteY1" fmla="*/ 257175 h 1400297"/>
+                  <a:gd name="connsiteX2" fmla="*/ 812800 w 1221788"/>
+                  <a:gd name="connsiteY2" fmla="*/ 82550 h 1400297"/>
+                  <a:gd name="connsiteX3" fmla="*/ 447675 w 1221788"/>
+                  <a:gd name="connsiteY3" fmla="*/ 701675 h 1400297"/>
+                  <a:gd name="connsiteX4" fmla="*/ 1019175 w 1221788"/>
+                  <a:gd name="connsiteY4" fmla="*/ 1241425 h 1400297"/>
+                  <a:gd name="connsiteX5" fmla="*/ 1193800 w 1221788"/>
+                  <a:gd name="connsiteY5" fmla="*/ 1384300 h 1400297"/>
+                  <a:gd name="connsiteX6" fmla="*/ 1219200 w 1221788"/>
+                  <a:gd name="connsiteY6" fmla="*/ 1390650 h 1400297"/>
+                  <a:gd name="connsiteX0" fmla="*/ 0 w 1221788"/>
+                  <a:gd name="connsiteY0" fmla="*/ 0 h 1400297"/>
+                  <a:gd name="connsiteX1" fmla="*/ 234950 w 1221788"/>
+                  <a:gd name="connsiteY1" fmla="*/ 273050 h 1400297"/>
+                  <a:gd name="connsiteX2" fmla="*/ 812800 w 1221788"/>
+                  <a:gd name="connsiteY2" fmla="*/ 82550 h 1400297"/>
+                  <a:gd name="connsiteX3" fmla="*/ 447675 w 1221788"/>
+                  <a:gd name="connsiteY3" fmla="*/ 701675 h 1400297"/>
+                  <a:gd name="connsiteX4" fmla="*/ 1019175 w 1221788"/>
+                  <a:gd name="connsiteY4" fmla="*/ 1241425 h 1400297"/>
+                  <a:gd name="connsiteX5" fmla="*/ 1193800 w 1221788"/>
+                  <a:gd name="connsiteY5" fmla="*/ 1384300 h 1400297"/>
+                  <a:gd name="connsiteX6" fmla="*/ 1219200 w 1221788"/>
+                  <a:gd name="connsiteY6" fmla="*/ 1390650 h 1400297"/>
+                  <a:gd name="connsiteX0" fmla="*/ 0 w 1221788"/>
+                  <a:gd name="connsiteY0" fmla="*/ 0 h 1400297"/>
+                  <a:gd name="connsiteX1" fmla="*/ 266700 w 1221788"/>
+                  <a:gd name="connsiteY1" fmla="*/ 241300 h 1400297"/>
+                  <a:gd name="connsiteX2" fmla="*/ 812800 w 1221788"/>
+                  <a:gd name="connsiteY2" fmla="*/ 82550 h 1400297"/>
+                  <a:gd name="connsiteX3" fmla="*/ 447675 w 1221788"/>
+                  <a:gd name="connsiteY3" fmla="*/ 701675 h 1400297"/>
+                  <a:gd name="connsiteX4" fmla="*/ 1019175 w 1221788"/>
+                  <a:gd name="connsiteY4" fmla="*/ 1241425 h 1400297"/>
+                  <a:gd name="connsiteX5" fmla="*/ 1193800 w 1221788"/>
+                  <a:gd name="connsiteY5" fmla="*/ 1384300 h 1400297"/>
+                  <a:gd name="connsiteX6" fmla="*/ 1219200 w 1221788"/>
+                  <a:gd name="connsiteY6" fmla="*/ 1390650 h 1400297"/>
+                  <a:gd name="connsiteX0" fmla="*/ 0 w 1221788"/>
+                  <a:gd name="connsiteY0" fmla="*/ 0 h 1400297"/>
+                  <a:gd name="connsiteX1" fmla="*/ 247650 w 1221788"/>
+                  <a:gd name="connsiteY1" fmla="*/ 250825 h 1400297"/>
+                  <a:gd name="connsiteX2" fmla="*/ 812800 w 1221788"/>
+                  <a:gd name="connsiteY2" fmla="*/ 82550 h 1400297"/>
+                  <a:gd name="connsiteX3" fmla="*/ 447675 w 1221788"/>
+                  <a:gd name="connsiteY3" fmla="*/ 701675 h 1400297"/>
+                  <a:gd name="connsiteX4" fmla="*/ 1019175 w 1221788"/>
+                  <a:gd name="connsiteY4" fmla="*/ 1241425 h 1400297"/>
+                  <a:gd name="connsiteX5" fmla="*/ 1193800 w 1221788"/>
+                  <a:gd name="connsiteY5" fmla="*/ 1384300 h 1400297"/>
+                  <a:gd name="connsiteX6" fmla="*/ 1219200 w 1221788"/>
+                  <a:gd name="connsiteY6" fmla="*/ 1390650 h 1400297"/>
+                  <a:gd name="connsiteX0" fmla="*/ 0 w 1221788"/>
+                  <a:gd name="connsiteY0" fmla="*/ 0 h 1400297"/>
+                  <a:gd name="connsiteX1" fmla="*/ 247650 w 1221788"/>
+                  <a:gd name="connsiteY1" fmla="*/ 250825 h 1400297"/>
+                  <a:gd name="connsiteX2" fmla="*/ 812800 w 1221788"/>
+                  <a:gd name="connsiteY2" fmla="*/ 82550 h 1400297"/>
+                  <a:gd name="connsiteX3" fmla="*/ 536575 w 1221788"/>
+                  <a:gd name="connsiteY3" fmla="*/ 631825 h 1400297"/>
+                  <a:gd name="connsiteX4" fmla="*/ 1019175 w 1221788"/>
+                  <a:gd name="connsiteY4" fmla="*/ 1241425 h 1400297"/>
+                  <a:gd name="connsiteX5" fmla="*/ 1193800 w 1221788"/>
+                  <a:gd name="connsiteY5" fmla="*/ 1384300 h 1400297"/>
+                  <a:gd name="connsiteX6" fmla="*/ 1219200 w 1221788"/>
+                  <a:gd name="connsiteY6" fmla="*/ 1390650 h 1400297"/>
+                  <a:gd name="connsiteX0" fmla="*/ 0 w 1193800"/>
+                  <a:gd name="connsiteY0" fmla="*/ 0 h 1384300"/>
+                  <a:gd name="connsiteX1" fmla="*/ 247650 w 1193800"/>
+                  <a:gd name="connsiteY1" fmla="*/ 250825 h 1384300"/>
+                  <a:gd name="connsiteX2" fmla="*/ 812800 w 1193800"/>
+                  <a:gd name="connsiteY2" fmla="*/ 82550 h 1384300"/>
+                  <a:gd name="connsiteX3" fmla="*/ 536575 w 1193800"/>
+                  <a:gd name="connsiteY3" fmla="*/ 631825 h 1384300"/>
+                  <a:gd name="connsiteX4" fmla="*/ 1019175 w 1193800"/>
+                  <a:gd name="connsiteY4" fmla="*/ 1241425 h 1384300"/>
+                  <a:gd name="connsiteX5" fmla="*/ 1193800 w 1193800"/>
+                  <a:gd name="connsiteY5" fmla="*/ 1384300 h 1384300"/>
+                  <a:gd name="connsiteX0" fmla="*/ 0 w 1019175"/>
+                  <a:gd name="connsiteY0" fmla="*/ 0 h 1241425"/>
+                  <a:gd name="connsiteX1" fmla="*/ 247650 w 1019175"/>
+                  <a:gd name="connsiteY1" fmla="*/ 250825 h 1241425"/>
+                  <a:gd name="connsiteX2" fmla="*/ 812800 w 1019175"/>
+                  <a:gd name="connsiteY2" fmla="*/ 82550 h 1241425"/>
+                  <a:gd name="connsiteX3" fmla="*/ 536575 w 1019175"/>
+                  <a:gd name="connsiteY3" fmla="*/ 631825 h 1241425"/>
+                  <a:gd name="connsiteX4" fmla="*/ 1019175 w 1019175"/>
+                  <a:gd name="connsiteY4" fmla="*/ 1241425 h 1241425"/>
+                  <a:gd name="connsiteX0" fmla="*/ 0 w 968375"/>
+                  <a:gd name="connsiteY0" fmla="*/ 0 h 1228725"/>
+                  <a:gd name="connsiteX1" fmla="*/ 247650 w 968375"/>
+                  <a:gd name="connsiteY1" fmla="*/ 250825 h 1228725"/>
+                  <a:gd name="connsiteX2" fmla="*/ 812800 w 968375"/>
+                  <a:gd name="connsiteY2" fmla="*/ 82550 h 1228725"/>
+                  <a:gd name="connsiteX3" fmla="*/ 536575 w 968375"/>
+                  <a:gd name="connsiteY3" fmla="*/ 631825 h 1228725"/>
+                  <a:gd name="connsiteX4" fmla="*/ 968375 w 968375"/>
+                  <a:gd name="connsiteY4" fmla="*/ 1228725 h 1228725"/>
+                  <a:gd name="connsiteX0" fmla="*/ 0 w 933450"/>
+                  <a:gd name="connsiteY0" fmla="*/ 0 h 1247775"/>
+                  <a:gd name="connsiteX1" fmla="*/ 247650 w 933450"/>
+                  <a:gd name="connsiteY1" fmla="*/ 250825 h 1247775"/>
+                  <a:gd name="connsiteX2" fmla="*/ 812800 w 933450"/>
+                  <a:gd name="connsiteY2" fmla="*/ 82550 h 1247775"/>
+                  <a:gd name="connsiteX3" fmla="*/ 536575 w 933450"/>
+                  <a:gd name="connsiteY3" fmla="*/ 631825 h 1247775"/>
+                  <a:gd name="connsiteX4" fmla="*/ 933450 w 933450"/>
+                  <a:gd name="connsiteY4" fmla="*/ 1247775 h 1247775"/>
+                  <a:gd name="connsiteX0" fmla="*/ 0 w 933450"/>
+                  <a:gd name="connsiteY0" fmla="*/ 0 h 1247775"/>
+                  <a:gd name="connsiteX1" fmla="*/ 288925 w 933450"/>
+                  <a:gd name="connsiteY1" fmla="*/ 225425 h 1247775"/>
+                  <a:gd name="connsiteX2" fmla="*/ 812800 w 933450"/>
+                  <a:gd name="connsiteY2" fmla="*/ 82550 h 1247775"/>
+                  <a:gd name="connsiteX3" fmla="*/ 536575 w 933450"/>
+                  <a:gd name="connsiteY3" fmla="*/ 631825 h 1247775"/>
+                  <a:gd name="connsiteX4" fmla="*/ 933450 w 933450"/>
+                  <a:gd name="connsiteY4" fmla="*/ 1247775 h 1247775"/>
+                  <a:gd name="connsiteX0" fmla="*/ 0 w 933450"/>
+                  <a:gd name="connsiteY0" fmla="*/ 0 h 1247775"/>
+                  <a:gd name="connsiteX1" fmla="*/ 288925 w 933450"/>
+                  <a:gd name="connsiteY1" fmla="*/ 225425 h 1247775"/>
+                  <a:gd name="connsiteX2" fmla="*/ 812800 w 933450"/>
+                  <a:gd name="connsiteY2" fmla="*/ 82550 h 1247775"/>
+                  <a:gd name="connsiteX3" fmla="*/ 568325 w 933450"/>
+                  <a:gd name="connsiteY3" fmla="*/ 641350 h 1247775"/>
+                  <a:gd name="connsiteX4" fmla="*/ 933450 w 933450"/>
+                  <a:gd name="connsiteY4" fmla="*/ 1247775 h 1247775"/>
+                  <a:gd name="connsiteX0" fmla="*/ 0 w 933450"/>
+                  <a:gd name="connsiteY0" fmla="*/ 0 h 1231900"/>
+                  <a:gd name="connsiteX1" fmla="*/ 288925 w 933450"/>
+                  <a:gd name="connsiteY1" fmla="*/ 209550 h 1231900"/>
+                  <a:gd name="connsiteX2" fmla="*/ 812800 w 933450"/>
+                  <a:gd name="connsiteY2" fmla="*/ 66675 h 1231900"/>
+                  <a:gd name="connsiteX3" fmla="*/ 568325 w 933450"/>
+                  <a:gd name="connsiteY3" fmla="*/ 625475 h 1231900"/>
+                  <a:gd name="connsiteX4" fmla="*/ 933450 w 933450"/>
+                  <a:gd name="connsiteY4" fmla="*/ 1231900 h 1231900"/>
+                  <a:gd name="connsiteX0" fmla="*/ 0 w 933450"/>
+                  <a:gd name="connsiteY0" fmla="*/ 0 h 1231900"/>
+                  <a:gd name="connsiteX1" fmla="*/ 288925 w 933450"/>
+                  <a:gd name="connsiteY1" fmla="*/ 209550 h 1231900"/>
+                  <a:gd name="connsiteX2" fmla="*/ 812800 w 933450"/>
+                  <a:gd name="connsiteY2" fmla="*/ 66675 h 1231900"/>
+                  <a:gd name="connsiteX3" fmla="*/ 568325 w 933450"/>
+                  <a:gd name="connsiteY3" fmla="*/ 625475 h 1231900"/>
+                  <a:gd name="connsiteX4" fmla="*/ 933450 w 933450"/>
+                  <a:gd name="connsiteY4" fmla="*/ 1231900 h 1231900"/>
+                  <a:gd name="connsiteX0" fmla="*/ 0 w 1057275"/>
+                  <a:gd name="connsiteY0" fmla="*/ 0 h 1368425"/>
+                  <a:gd name="connsiteX1" fmla="*/ 412750 w 1057275"/>
+                  <a:gd name="connsiteY1" fmla="*/ 346075 h 1368425"/>
+                  <a:gd name="connsiteX2" fmla="*/ 936625 w 1057275"/>
+                  <a:gd name="connsiteY2" fmla="*/ 203200 h 1368425"/>
+                  <a:gd name="connsiteX3" fmla="*/ 692150 w 1057275"/>
+                  <a:gd name="connsiteY3" fmla="*/ 762000 h 1368425"/>
+                  <a:gd name="connsiteX4" fmla="*/ 1057275 w 1057275"/>
+                  <a:gd name="connsiteY4" fmla="*/ 1368425 h 1368425"/>
+                  <a:gd name="connsiteX0" fmla="*/ 0 w 1057275"/>
+                  <a:gd name="connsiteY0" fmla="*/ 0 h 1368425"/>
+                  <a:gd name="connsiteX1" fmla="*/ 412750 w 1057275"/>
+                  <a:gd name="connsiteY1" fmla="*/ 346075 h 1368425"/>
+                  <a:gd name="connsiteX2" fmla="*/ 936625 w 1057275"/>
+                  <a:gd name="connsiteY2" fmla="*/ 203200 h 1368425"/>
+                  <a:gd name="connsiteX3" fmla="*/ 692150 w 1057275"/>
+                  <a:gd name="connsiteY3" fmla="*/ 762000 h 1368425"/>
+                  <a:gd name="connsiteX4" fmla="*/ 1057275 w 1057275"/>
+                  <a:gd name="connsiteY4" fmla="*/ 1368425 h 1368425"/>
+                  <a:gd name="connsiteX0" fmla="*/ 0 w 1095375"/>
+                  <a:gd name="connsiteY0" fmla="*/ 0 h 1362075"/>
+                  <a:gd name="connsiteX1" fmla="*/ 412750 w 1095375"/>
+                  <a:gd name="connsiteY1" fmla="*/ 346075 h 1362075"/>
+                  <a:gd name="connsiteX2" fmla="*/ 936625 w 1095375"/>
+                  <a:gd name="connsiteY2" fmla="*/ 203200 h 1362075"/>
+                  <a:gd name="connsiteX3" fmla="*/ 692150 w 1095375"/>
+                  <a:gd name="connsiteY3" fmla="*/ 762000 h 1362075"/>
+                  <a:gd name="connsiteX4" fmla="*/ 1095375 w 1095375"/>
+                  <a:gd name="connsiteY4" fmla="*/ 1362075 h 1362075"/>
+                  <a:gd name="connsiteX0" fmla="*/ 0 w 1095375"/>
+                  <a:gd name="connsiteY0" fmla="*/ 0 h 1362075"/>
+                  <a:gd name="connsiteX1" fmla="*/ 412750 w 1095375"/>
+                  <a:gd name="connsiteY1" fmla="*/ 346075 h 1362075"/>
+                  <a:gd name="connsiteX2" fmla="*/ 936625 w 1095375"/>
+                  <a:gd name="connsiteY2" fmla="*/ 203200 h 1362075"/>
+                  <a:gd name="connsiteX3" fmla="*/ 692150 w 1095375"/>
+                  <a:gd name="connsiteY3" fmla="*/ 762000 h 1362075"/>
+                  <a:gd name="connsiteX4" fmla="*/ 1095375 w 1095375"/>
+                  <a:gd name="connsiteY4" fmla="*/ 1362075 h 1362075"/>
+                  <a:gd name="connsiteX0" fmla="*/ 0 w 1095375"/>
+                  <a:gd name="connsiteY0" fmla="*/ 0 h 1346200"/>
+                  <a:gd name="connsiteX1" fmla="*/ 412750 w 1095375"/>
+                  <a:gd name="connsiteY1" fmla="*/ 346075 h 1346200"/>
+                  <a:gd name="connsiteX2" fmla="*/ 936625 w 1095375"/>
+                  <a:gd name="connsiteY2" fmla="*/ 203200 h 1346200"/>
+                  <a:gd name="connsiteX3" fmla="*/ 692150 w 1095375"/>
+                  <a:gd name="connsiteY3" fmla="*/ 762000 h 1346200"/>
+                  <a:gd name="connsiteX4" fmla="*/ 1095375 w 1095375"/>
+                  <a:gd name="connsiteY4" fmla="*/ 1346200 h 1346200"/>
+                  <a:gd name="connsiteX0" fmla="*/ 0 w 1095375"/>
+                  <a:gd name="connsiteY0" fmla="*/ 0 h 1346200"/>
+                  <a:gd name="connsiteX1" fmla="*/ 412750 w 1095375"/>
+                  <a:gd name="connsiteY1" fmla="*/ 346075 h 1346200"/>
+                  <a:gd name="connsiteX2" fmla="*/ 936625 w 1095375"/>
+                  <a:gd name="connsiteY2" fmla="*/ 203200 h 1346200"/>
+                  <a:gd name="connsiteX3" fmla="*/ 692150 w 1095375"/>
+                  <a:gd name="connsiteY3" fmla="*/ 762000 h 1346200"/>
+                  <a:gd name="connsiteX4" fmla="*/ 1095375 w 1095375"/>
+                  <a:gd name="connsiteY4" fmla="*/ 1346200 h 1346200"/>
+                  <a:gd name="connsiteX0" fmla="*/ 0 w 1095375"/>
+                  <a:gd name="connsiteY0" fmla="*/ 0 h 1346200"/>
+                  <a:gd name="connsiteX1" fmla="*/ 412750 w 1095375"/>
+                  <a:gd name="connsiteY1" fmla="*/ 346075 h 1346200"/>
+                  <a:gd name="connsiteX2" fmla="*/ 936625 w 1095375"/>
+                  <a:gd name="connsiteY2" fmla="*/ 203200 h 1346200"/>
+                  <a:gd name="connsiteX3" fmla="*/ 692150 w 1095375"/>
+                  <a:gd name="connsiteY3" fmla="*/ 762000 h 1346200"/>
+                  <a:gd name="connsiteX4" fmla="*/ 1095375 w 1095375"/>
+                  <a:gd name="connsiteY4" fmla="*/ 1346200 h 1346200"/>
+                  <a:gd name="connsiteX0" fmla="*/ 0 w 1063625"/>
+                  <a:gd name="connsiteY0" fmla="*/ 0 h 1330325"/>
+                  <a:gd name="connsiteX1" fmla="*/ 412750 w 1063625"/>
+                  <a:gd name="connsiteY1" fmla="*/ 346075 h 1330325"/>
+                  <a:gd name="connsiteX2" fmla="*/ 936625 w 1063625"/>
+                  <a:gd name="connsiteY2" fmla="*/ 203200 h 1330325"/>
+                  <a:gd name="connsiteX3" fmla="*/ 692150 w 1063625"/>
+                  <a:gd name="connsiteY3" fmla="*/ 762000 h 1330325"/>
+                  <a:gd name="connsiteX4" fmla="*/ 1063625 w 1063625"/>
+                  <a:gd name="connsiteY4" fmla="*/ 1330325 h 1330325"/>
+                  <a:gd name="connsiteX0" fmla="*/ 0 w 941695"/>
+                  <a:gd name="connsiteY0" fmla="*/ 0 h 1168400"/>
+                  <a:gd name="connsiteX1" fmla="*/ 412750 w 941695"/>
+                  <a:gd name="connsiteY1" fmla="*/ 346075 h 1168400"/>
+                  <a:gd name="connsiteX2" fmla="*/ 936625 w 941695"/>
+                  <a:gd name="connsiteY2" fmla="*/ 203200 h 1168400"/>
+                  <a:gd name="connsiteX3" fmla="*/ 692150 w 941695"/>
+                  <a:gd name="connsiteY3" fmla="*/ 762000 h 1168400"/>
+                  <a:gd name="connsiteX4" fmla="*/ 927100 w 941695"/>
+                  <a:gd name="connsiteY4" fmla="*/ 1168400 h 1168400"/>
+                  <a:gd name="connsiteX0" fmla="*/ 0 w 944327"/>
+                  <a:gd name="connsiteY0" fmla="*/ 0 h 1168400"/>
+                  <a:gd name="connsiteX1" fmla="*/ 336550 w 944327"/>
+                  <a:gd name="connsiteY1" fmla="*/ 320675 h 1168400"/>
+                  <a:gd name="connsiteX2" fmla="*/ 936625 w 944327"/>
+                  <a:gd name="connsiteY2" fmla="*/ 203200 h 1168400"/>
+                  <a:gd name="connsiteX3" fmla="*/ 692150 w 944327"/>
+                  <a:gd name="connsiteY3" fmla="*/ 762000 h 1168400"/>
+                  <a:gd name="connsiteX4" fmla="*/ 927100 w 944327"/>
+                  <a:gd name="connsiteY4" fmla="*/ 1168400 h 1168400"/>
+                  <a:gd name="connsiteX0" fmla="*/ 0 w 944327"/>
+                  <a:gd name="connsiteY0" fmla="*/ 0 h 1168400"/>
+                  <a:gd name="connsiteX1" fmla="*/ 336550 w 944327"/>
+                  <a:gd name="connsiteY1" fmla="*/ 320675 h 1168400"/>
+                  <a:gd name="connsiteX2" fmla="*/ 936625 w 944327"/>
+                  <a:gd name="connsiteY2" fmla="*/ 203200 h 1168400"/>
+                  <a:gd name="connsiteX3" fmla="*/ 692150 w 944327"/>
+                  <a:gd name="connsiteY3" fmla="*/ 762000 h 1168400"/>
+                  <a:gd name="connsiteX4" fmla="*/ 927100 w 944327"/>
+                  <a:gd name="connsiteY4" fmla="*/ 1168400 h 1168400"/>
+                  <a:gd name="connsiteX0" fmla="*/ 0 w 927100"/>
+                  <a:gd name="connsiteY0" fmla="*/ 0 h 1168400"/>
+                  <a:gd name="connsiteX1" fmla="*/ 336550 w 927100"/>
+                  <a:gd name="connsiteY1" fmla="*/ 320675 h 1168400"/>
+                  <a:gd name="connsiteX2" fmla="*/ 898525 w 927100"/>
+                  <a:gd name="connsiteY2" fmla="*/ 200025 h 1168400"/>
+                  <a:gd name="connsiteX3" fmla="*/ 692150 w 927100"/>
+                  <a:gd name="connsiteY3" fmla="*/ 762000 h 1168400"/>
+                  <a:gd name="connsiteX4" fmla="*/ 927100 w 927100"/>
+                  <a:gd name="connsiteY4" fmla="*/ 1168400 h 1168400"/>
+                  <a:gd name="connsiteX0" fmla="*/ 0 w 927100"/>
+                  <a:gd name="connsiteY0" fmla="*/ 0 h 1168400"/>
+                  <a:gd name="connsiteX1" fmla="*/ 336550 w 927100"/>
+                  <a:gd name="connsiteY1" fmla="*/ 320675 h 1168400"/>
+                  <a:gd name="connsiteX2" fmla="*/ 898525 w 927100"/>
+                  <a:gd name="connsiteY2" fmla="*/ 200025 h 1168400"/>
+                  <a:gd name="connsiteX3" fmla="*/ 692150 w 927100"/>
+                  <a:gd name="connsiteY3" fmla="*/ 762000 h 1168400"/>
+                  <a:gd name="connsiteX4" fmla="*/ 927100 w 927100"/>
+                  <a:gd name="connsiteY4" fmla="*/ 1168400 h 1168400"/>
+                  <a:gd name="connsiteX0" fmla="*/ 0 w 927100"/>
+                  <a:gd name="connsiteY0" fmla="*/ 0 h 1139825"/>
+                  <a:gd name="connsiteX1" fmla="*/ 336550 w 927100"/>
+                  <a:gd name="connsiteY1" fmla="*/ 292100 h 1139825"/>
+                  <a:gd name="connsiteX2" fmla="*/ 898525 w 927100"/>
+                  <a:gd name="connsiteY2" fmla="*/ 171450 h 1139825"/>
+                  <a:gd name="connsiteX3" fmla="*/ 692150 w 927100"/>
+                  <a:gd name="connsiteY3" fmla="*/ 733425 h 1139825"/>
+                  <a:gd name="connsiteX4" fmla="*/ 927100 w 927100"/>
+                  <a:gd name="connsiteY4" fmla="*/ 1139825 h 1139825"/>
+                  <a:gd name="connsiteX0" fmla="*/ 0 w 914400"/>
+                  <a:gd name="connsiteY0" fmla="*/ 0 h 1146175"/>
+                  <a:gd name="connsiteX1" fmla="*/ 323850 w 914400"/>
+                  <a:gd name="connsiteY1" fmla="*/ 298450 h 1146175"/>
+                  <a:gd name="connsiteX2" fmla="*/ 885825 w 914400"/>
+                  <a:gd name="connsiteY2" fmla="*/ 177800 h 1146175"/>
+                  <a:gd name="connsiteX3" fmla="*/ 679450 w 914400"/>
+                  <a:gd name="connsiteY3" fmla="*/ 739775 h 1146175"/>
+                  <a:gd name="connsiteX4" fmla="*/ 914400 w 914400"/>
+                  <a:gd name="connsiteY4" fmla="*/ 1146175 h 1146175"/>
+                  <a:gd name="connsiteX0" fmla="*/ 0 w 914400"/>
+                  <a:gd name="connsiteY0" fmla="*/ 0 h 1146175"/>
+                  <a:gd name="connsiteX1" fmla="*/ 323850 w 914400"/>
+                  <a:gd name="connsiteY1" fmla="*/ 298450 h 1146175"/>
+                  <a:gd name="connsiteX2" fmla="*/ 771525 w 914400"/>
+                  <a:gd name="connsiteY2" fmla="*/ 282575 h 1146175"/>
+                  <a:gd name="connsiteX3" fmla="*/ 679450 w 914400"/>
+                  <a:gd name="connsiteY3" fmla="*/ 739775 h 1146175"/>
+                  <a:gd name="connsiteX4" fmla="*/ 914400 w 914400"/>
+                  <a:gd name="connsiteY4" fmla="*/ 1146175 h 1146175"/>
+                  <a:gd name="connsiteX0" fmla="*/ 0 w 914400"/>
+                  <a:gd name="connsiteY0" fmla="*/ 0 h 1146175"/>
+                  <a:gd name="connsiteX1" fmla="*/ 323850 w 914400"/>
+                  <a:gd name="connsiteY1" fmla="*/ 298450 h 1146175"/>
+                  <a:gd name="connsiteX2" fmla="*/ 787400 w 914400"/>
+                  <a:gd name="connsiteY2" fmla="*/ 263525 h 1146175"/>
+                  <a:gd name="connsiteX3" fmla="*/ 679450 w 914400"/>
+                  <a:gd name="connsiteY3" fmla="*/ 739775 h 1146175"/>
+                  <a:gd name="connsiteX4" fmla="*/ 914400 w 914400"/>
+                  <a:gd name="connsiteY4" fmla="*/ 1146175 h 1146175"/>
+                  <a:gd name="connsiteX0" fmla="*/ 0 w 914400"/>
+                  <a:gd name="connsiteY0" fmla="*/ 0 h 1146175"/>
+                  <a:gd name="connsiteX1" fmla="*/ 323850 w 914400"/>
+                  <a:gd name="connsiteY1" fmla="*/ 298450 h 1146175"/>
+                  <a:gd name="connsiteX2" fmla="*/ 787400 w 914400"/>
+                  <a:gd name="connsiteY2" fmla="*/ 263525 h 1146175"/>
+                  <a:gd name="connsiteX3" fmla="*/ 635000 w 914400"/>
+                  <a:gd name="connsiteY3" fmla="*/ 768350 h 1146175"/>
+                  <a:gd name="connsiteX4" fmla="*/ 914400 w 914400"/>
+                  <a:gd name="connsiteY4" fmla="*/ 1146175 h 1146175"/>
+                  <a:gd name="connsiteX0" fmla="*/ 0 w 914400"/>
+                  <a:gd name="connsiteY0" fmla="*/ 0 h 1146175"/>
+                  <a:gd name="connsiteX1" fmla="*/ 323850 w 914400"/>
+                  <a:gd name="connsiteY1" fmla="*/ 298450 h 1146175"/>
+                  <a:gd name="connsiteX2" fmla="*/ 787400 w 914400"/>
+                  <a:gd name="connsiteY2" fmla="*/ 263525 h 1146175"/>
+                  <a:gd name="connsiteX3" fmla="*/ 663575 w 914400"/>
+                  <a:gd name="connsiteY3" fmla="*/ 768350 h 1146175"/>
+                  <a:gd name="connsiteX4" fmla="*/ 914400 w 914400"/>
+                  <a:gd name="connsiteY4" fmla="*/ 1146175 h 1146175"/>
+                  <a:gd name="connsiteX0" fmla="*/ 0 w 914400"/>
+                  <a:gd name="connsiteY0" fmla="*/ 0 h 1146175"/>
+                  <a:gd name="connsiteX1" fmla="*/ 323850 w 914400"/>
+                  <a:gd name="connsiteY1" fmla="*/ 298450 h 1146175"/>
+                  <a:gd name="connsiteX2" fmla="*/ 787400 w 914400"/>
+                  <a:gd name="connsiteY2" fmla="*/ 263525 h 1146175"/>
+                  <a:gd name="connsiteX3" fmla="*/ 673100 w 914400"/>
+                  <a:gd name="connsiteY3" fmla="*/ 762000 h 1146175"/>
+                  <a:gd name="connsiteX4" fmla="*/ 914400 w 914400"/>
+                  <a:gd name="connsiteY4" fmla="*/ 1146175 h 1146175"/>
+                </a:gdLst>
+                <a:ahLst/>
+                <a:cxnLst>
+                  <a:cxn ang="0">
+                    <a:pos x="connsiteX0" y="connsiteY0"/>
+                  </a:cxn>
+                  <a:cxn ang="0">
+                    <a:pos x="connsiteX1" y="connsiteY1"/>
+                  </a:cxn>
+                  <a:cxn ang="0">
+                    <a:pos x="connsiteX2" y="connsiteY2"/>
+                  </a:cxn>
+                  <a:cxn ang="0">
+                    <a:pos x="connsiteX3" y="connsiteY3"/>
+                  </a:cxn>
+                  <a:cxn ang="0">
+                    <a:pos x="connsiteX4" y="connsiteY4"/>
+                  </a:cxn>
+                </a:cxnLst>
+                <a:rect l="l" t="t" r="r" b="b"/>
+                <a:pathLst>
+                  <a:path w="914400" h="1146175">
+                    <a:moveTo>
+                      <a:pt x="0" y="0"/>
+                    </a:moveTo>
+                    <a:cubicBezTo>
+                      <a:pt x="103981" y="138377"/>
+                      <a:pt x="192617" y="254529"/>
+                      <a:pt x="323850" y="298450"/>
+                    </a:cubicBezTo>
+                    <a:cubicBezTo>
+                      <a:pt x="455083" y="342371"/>
+                      <a:pt x="729192" y="186267"/>
+                      <a:pt x="787400" y="263525"/>
+                    </a:cubicBezTo>
+                    <a:cubicBezTo>
+                      <a:pt x="845608" y="340783"/>
+                      <a:pt x="651933" y="614892"/>
+                      <a:pt x="673100" y="762000"/>
+                    </a:cubicBezTo>
+                    <a:cubicBezTo>
+                      <a:pt x="694267" y="909108"/>
+                      <a:pt x="823913" y="1020763"/>
+                      <a:pt x="914400" y="1146175"/>
+                    </a:cubicBezTo>
+                  </a:path>
+                </a:pathLst>
+              </a:custGeom>
+              <a:noFill/>
+              <a:ln>
+                <a:solidFill>
+                  <a:schemeClr val="accent2"/>
+                </a:solidFill>
+              </a:ln>
+            </p:spPr>
+            <p:style>
+              <a:lnRef idx="2">
+                <a:schemeClr val="accent1">
+                  <a:shade val="50000"/>
+                </a:schemeClr>
+              </a:lnRef>
+              <a:fillRef idx="1">
+                <a:schemeClr val="accent1"/>
+              </a:fillRef>
+              <a:effectRef idx="0">
+                <a:schemeClr val="accent1"/>
+              </a:effectRef>
+              <a:fontRef idx="minor">
+                <a:schemeClr val="lt1"/>
+              </a:fontRef>
+            </p:style>
+            <p:txBody>
+              <a:bodyPr rtlCol="0" anchor="ctr"/>
+              <a:lstStyle/>
+              <a:p>
+                <a:pPr algn="ctr"/>
+                <a:endParaRPr lang="zh-CN" altLang="en-US"/>
+              </a:p>
+            </p:txBody>
+          </p:sp>
+          <p:graphicFrame>
+            <p:nvGraphicFramePr>
+              <p:cNvPr id="135" name="对象 134">
+                <a:extLst>
+                  <a:ext uri="{FF2B5EF4-FFF2-40B4-BE49-F238E27FC236}">
+                    <a16:creationId xmlns:a16="http://schemas.microsoft.com/office/drawing/2014/main" id="{3DEDD734-F6BC-8CAA-73E0-0FA0A99C6662}"/>
+                  </a:ext>
+                </a:extLst>
+              </p:cNvPr>
+              <p:cNvGraphicFramePr>
+                <a:graphicFrameLocks noChangeAspect="1"/>
+              </p:cNvGraphicFramePr>
+              <p:nvPr>
+                <p:extLst>
+                  <p:ext uri="{D42A27DB-BD31-4B8C-83A1-F6EECF244321}">
+                    <p14:modId xmlns:p14="http://schemas.microsoft.com/office/powerpoint/2010/main" val="899098131"/>
+                  </p:ext>
+                </p:extLst>
+              </p:nvPr>
+            </p:nvGraphicFramePr>
+            <p:xfrm>
+              <a:off x="5300800" y="1881728"/>
+              <a:ext cx="268288" cy="188913"/>
+            </p:xfrm>
+            <a:graphic>
+              <a:graphicData uri="http://schemas.openxmlformats.org/presentationml/2006/ole">
+                <mc:AlternateContent xmlns:mc="http://schemas.openxmlformats.org/markup-compatibility/2006">
+                  <mc:Choice xmlns:v="urn:schemas-microsoft-com:vml" Requires="v">
+                    <p:oleObj name="AxMath" r:id="rId2" imgW="268560" imgH="188280" progId="Equation.AxMath">
+                      <p:embed/>
+                    </p:oleObj>
+                  </mc:Choice>
+                  <mc:Fallback>
+                    <p:oleObj name="AxMath" r:id="rId2" imgW="268560" imgH="188280" progId="Equation.AxMath">
+                      <p:embed/>
+                      <p:pic>
+                        <p:nvPicPr>
+                          <p:cNvPr id="0" name=""/>
+                          <p:cNvPicPr/>
+                          <p:nvPr/>
+                        </p:nvPicPr>
+                        <p:blipFill>
+                          <a:blip r:embed="rId3"/>
+                          <a:stretch>
+                            <a:fillRect/>
+                          </a:stretch>
+                        </p:blipFill>
+                        <p:spPr>
+                          <a:xfrm>
+                            <a:off x="5300800" y="1881728"/>
+                            <a:ext cx="268288" cy="188913"/>
+                          </a:xfrm>
+                          <a:prstGeom prst="rect">
+                            <a:avLst/>
+                          </a:prstGeom>
+                        </p:spPr>
+                      </p:pic>
+                    </p:oleObj>
+                  </mc:Fallback>
+                </mc:AlternateContent>
+              </a:graphicData>
+            </a:graphic>
+          </p:graphicFrame>
+          <p:sp>
+            <p:nvSpPr>
+              <p:cNvPr id="2" name="文本框 1">
+                <a:extLst>
+                  <a:ext uri="{FF2B5EF4-FFF2-40B4-BE49-F238E27FC236}">
+                    <a16:creationId xmlns:a16="http://schemas.microsoft.com/office/drawing/2014/main" id="{FA3C4815-E675-E0EC-875D-535E9C0A83A0}"/>
+                  </a:ext>
+                </a:extLst>
+              </p:cNvPr>
+              <p:cNvSpPr txBox="1"/>
+              <p:nvPr/>
+            </p:nvSpPr>
+            <p:spPr>
+              <a:xfrm>
+                <a:off x="2569280" y="3557992"/>
+                <a:ext cx="1482662" cy="276999"/>
+              </a:xfrm>
+              <a:prstGeom prst="rect">
+                <a:avLst/>
+              </a:prstGeom>
+              <a:noFill/>
+            </p:spPr>
+            <p:txBody>
+              <a:bodyPr wrap="square" rtlCol="0">
+                <a:spAutoFit/>
+              </a:bodyPr>
+              <a:lstStyle/>
+              <a:p>
+                <a:pPr algn="ctr"/>
+                <a:r>
+                  <a:rPr lang="en-US" altLang="zh-CN" sz="1200" dirty="0">
+                    <a:latin typeface="Consolas" panose="020B0609020204030204" pitchFamily="49" charset="0"/>
+                  </a:rPr>
+                  <a:t>reference image</a:t>
+                </a:r>
+                <a:endParaRPr lang="zh-CN" altLang="en-US" sz="1200" dirty="0">
+                  <a:latin typeface="Consolas" panose="020B0609020204030204" pitchFamily="49" charset="0"/>
+                </a:endParaRPr>
+              </a:p>
+            </p:txBody>
+          </p:sp>
+          <p:sp>
+            <p:nvSpPr>
+              <p:cNvPr id="3" name="文本框 2">
+                <a:extLst>
+                  <a:ext uri="{FF2B5EF4-FFF2-40B4-BE49-F238E27FC236}">
+                    <a16:creationId xmlns:a16="http://schemas.microsoft.com/office/drawing/2014/main" id="{FA2F8B2B-1CC7-AFA8-A67F-6B6FB47A249E}"/>
+                  </a:ext>
+                </a:extLst>
+              </p:cNvPr>
+              <p:cNvSpPr txBox="1"/>
+              <p:nvPr/>
+            </p:nvSpPr>
+            <p:spPr>
+              <a:xfrm>
+                <a:off x="5743650" y="3781449"/>
+                <a:ext cx="1136748" cy="276999"/>
+              </a:xfrm>
+              <a:prstGeom prst="rect">
+                <a:avLst/>
+              </a:prstGeom>
+              <a:noFill/>
+            </p:spPr>
+            <p:txBody>
+              <a:bodyPr wrap="square" rtlCol="0">
+                <a:spAutoFit/>
+              </a:bodyPr>
+              <a:lstStyle/>
+              <a:p>
+                <a:pPr algn="ctr"/>
+                <a:r>
+                  <a:rPr lang="en-US" altLang="zh-CN" sz="1200" dirty="0">
+                    <a:latin typeface="Consolas" panose="020B0609020204030204" pitchFamily="49" charset="0"/>
+                  </a:rPr>
+                  <a:t>novel view</a:t>
+                </a:r>
+                <a:endParaRPr lang="zh-CN" altLang="en-US" sz="1200" dirty="0">
+                  <a:latin typeface="Consolas" panose="020B0609020204030204" pitchFamily="49" charset="0"/>
+                </a:endParaRPr>
+              </a:p>
+            </p:txBody>
+          </p:sp>
         </p:grpSp>
-        <p:cxnSp>
-          <p:nvCxnSpPr>
-            <p:cNvPr id="79" name="直接连接符 78">
+      </p:grpSp>
+      <p:grpSp>
+        <p:nvGrpSpPr>
+          <p:cNvPr id="17" name="组合 16">
+            <a:extLst>
+              <a:ext uri="{FF2B5EF4-FFF2-40B4-BE49-F238E27FC236}">
+                <a16:creationId xmlns:a16="http://schemas.microsoft.com/office/drawing/2014/main" id="{CAD6D134-9302-FD6C-9787-1033A3472B3C}"/>
+              </a:ext>
+            </a:extLst>
+          </p:cNvPr>
+          <p:cNvGrpSpPr/>
+          <p:nvPr/>
+        </p:nvGrpSpPr>
+        <p:grpSpPr>
+          <a:xfrm>
+            <a:off x="839416" y="2930691"/>
+            <a:ext cx="10225136" cy="3522645"/>
+            <a:chOff x="839416" y="2930691"/>
+            <a:chExt cx="10225136" cy="3522645"/>
+          </a:xfrm>
+        </p:grpSpPr>
+        <p:sp>
+          <p:nvSpPr>
+            <p:cNvPr id="10" name="矩形 9">
               <a:extLst>
                 <a:ext uri="{FF2B5EF4-FFF2-40B4-BE49-F238E27FC236}">
-                  <a16:creationId xmlns:a16="http://schemas.microsoft.com/office/drawing/2014/main" id="{86C622B0-0173-28D5-5140-7EAB7A9D5B37}"/>
-                </a:ext>
-              </a:extLst>
-            </p:cNvPr>
-            <p:cNvCxnSpPr>
-              <a:cxnSpLocks/>
-            </p:cNvCxnSpPr>
-            <p:nvPr/>
-          </p:nvCxnSpPr>
-          <p:spPr>
-            <a:xfrm>
-              <a:off x="4943876" y="1864794"/>
-              <a:ext cx="1512168" cy="1872208"/>
-            </a:xfrm>
-            <a:prstGeom prst="line">
-              <a:avLst/>
-            </a:prstGeom>
-            <a:ln w="19050"/>
-          </p:spPr>
-          <p:style>
-            <a:lnRef idx="1">
-              <a:schemeClr val="accent1"/>
-            </a:lnRef>
-            <a:fillRef idx="0">
-              <a:schemeClr val="accent1"/>
-            </a:fillRef>
-            <a:effectRef idx="0">
-              <a:schemeClr val="accent1"/>
-            </a:effectRef>
-            <a:fontRef idx="minor">
-              <a:schemeClr val="tx1"/>
-            </a:fontRef>
-          </p:style>
-        </p:cxnSp>
-        <p:sp>
-          <p:nvSpPr>
-            <p:cNvPr id="82" name="椭圆 81">
-              <a:extLst>
-                <a:ext uri="{FF2B5EF4-FFF2-40B4-BE49-F238E27FC236}">
-                  <a16:creationId xmlns:a16="http://schemas.microsoft.com/office/drawing/2014/main" id="{2653B1E9-193F-B7B5-6C17-A4A28683D605}"/>
+                  <a16:creationId xmlns:a16="http://schemas.microsoft.com/office/drawing/2014/main" id="{FBD9C71B-AB07-5ABD-E50F-E48C4EAB6B63}"/>
                 </a:ext>
               </a:extLst>
             </p:cNvPr>
@@ -3765,37 +5210,30 @@
           </p:nvSpPr>
           <p:spPr>
             <a:xfrm>
-              <a:off x="5956968" y="3126827"/>
-              <a:ext cx="45719" cy="45719"/>
+              <a:off x="839416" y="2930691"/>
+              <a:ext cx="10225136" cy="3522645"/>
             </a:xfrm>
-            <a:prstGeom prst="ellipse">
+            <a:prstGeom prst="rect">
               <a:avLst/>
             </a:prstGeom>
             <a:solidFill>
-              <a:schemeClr val="accent5">
-                <a:lumMod val="60000"/>
-                <a:lumOff val="40000"/>
-              </a:schemeClr>
+              <a:schemeClr val="bg1"/>
             </a:solidFill>
             <a:ln>
-              <a:solidFill>
-                <a:schemeClr val="accent5">
-                  <a:lumMod val="75000"/>
-                </a:schemeClr>
-              </a:solidFill>
+              <a:noFill/>
             </a:ln>
           </p:spPr>
           <p:style>
             <a:lnRef idx="2">
-              <a:schemeClr val="dk1">
+              <a:schemeClr val="accent1">
                 <a:shade val="50000"/>
               </a:schemeClr>
             </a:lnRef>
             <a:fillRef idx="1">
-              <a:schemeClr val="dk1"/>
+              <a:schemeClr val="accent1"/>
             </a:fillRef>
             <a:effectRef idx="0">
-              <a:schemeClr val="dk1"/>
+              <a:schemeClr val="accent1"/>
             </a:effectRef>
             <a:fontRef idx="minor">
               <a:schemeClr val="lt1"/>
@@ -3810,70 +5248,1850 @@
             </a:p>
           </p:txBody>
         </p:sp>
-        <p:sp>
-          <p:nvSpPr>
-            <p:cNvPr id="83" name="椭圆 82">
+        <p:grpSp>
+          <p:nvGrpSpPr>
+            <p:cNvPr id="163" name="组合 162">
               <a:extLst>
                 <a:ext uri="{FF2B5EF4-FFF2-40B4-BE49-F238E27FC236}">
-                  <a16:creationId xmlns:a16="http://schemas.microsoft.com/office/drawing/2014/main" id="{A0E82041-C34E-69D7-FA5B-476F22246617}"/>
+                  <a16:creationId xmlns:a16="http://schemas.microsoft.com/office/drawing/2014/main" id="{E44A8F12-DF69-67A5-3F76-7362A19687E6}"/>
                 </a:ext>
               </a:extLst>
             </p:cNvPr>
-            <p:cNvSpPr/>
+            <p:cNvGrpSpPr/>
             <p:nvPr/>
-          </p:nvSpPr>
+          </p:nvGrpSpPr>
+          <p:grpSpPr>
+            <a:xfrm>
+              <a:off x="911424" y="2996507"/>
+              <a:ext cx="1509364" cy="3378859"/>
+              <a:chOff x="8763100" y="332656"/>
+              <a:chExt cx="1509364" cy="3378859"/>
+            </a:xfrm>
+          </p:grpSpPr>
+          <p:sp>
+            <p:nvSpPr>
+              <p:cNvPr id="208" name="矩形 207">
+                <a:extLst>
+                  <a:ext uri="{FF2B5EF4-FFF2-40B4-BE49-F238E27FC236}">
+                    <a16:creationId xmlns:a16="http://schemas.microsoft.com/office/drawing/2014/main" id="{7092DB90-5018-1DD9-E2A9-E334CC48DAA3}"/>
+                  </a:ext>
+                </a:extLst>
+              </p:cNvPr>
+              <p:cNvSpPr/>
+              <p:nvPr/>
+            </p:nvSpPr>
+            <p:spPr>
+              <a:xfrm>
+                <a:off x="8977722" y="332656"/>
+                <a:ext cx="1080120" cy="720080"/>
+              </a:xfrm>
+              <a:prstGeom prst="rect">
+                <a:avLst/>
+              </a:prstGeom>
+              <a:solidFill>
+                <a:schemeClr val="bg1"/>
+              </a:solidFill>
+              <a:ln w="19050">
+                <a:solidFill>
+                  <a:schemeClr val="accent5"/>
+                </a:solidFill>
+              </a:ln>
+            </p:spPr>
+            <p:style>
+              <a:lnRef idx="2">
+                <a:schemeClr val="accent1">
+                  <a:shade val="50000"/>
+                </a:schemeClr>
+              </a:lnRef>
+              <a:fillRef idx="1">
+                <a:schemeClr val="accent1"/>
+              </a:fillRef>
+              <a:effectRef idx="0">
+                <a:schemeClr val="accent1"/>
+              </a:effectRef>
+              <a:fontRef idx="minor">
+                <a:schemeClr val="lt1"/>
+              </a:fontRef>
+            </p:style>
+            <p:txBody>
+              <a:bodyPr rtlCol="0" anchor="ctr"/>
+              <a:lstStyle/>
+              <a:p>
+                <a:pPr algn="ctr"/>
+                <a:endParaRPr lang="zh-CN" altLang="en-US"/>
+              </a:p>
+            </p:txBody>
+          </p:sp>
+          <p:sp>
+            <p:nvSpPr>
+              <p:cNvPr id="209" name="矩形 208">
+                <a:extLst>
+                  <a:ext uri="{FF2B5EF4-FFF2-40B4-BE49-F238E27FC236}">
+                    <a16:creationId xmlns:a16="http://schemas.microsoft.com/office/drawing/2014/main" id="{CB039318-0885-C1A3-67F3-077CC84BCB92}"/>
+                  </a:ext>
+                </a:extLst>
+              </p:cNvPr>
+              <p:cNvSpPr/>
+              <p:nvPr/>
+            </p:nvSpPr>
+            <p:spPr>
+              <a:xfrm>
+                <a:off x="8977722" y="1214270"/>
+                <a:ext cx="1080120" cy="720080"/>
+              </a:xfrm>
+              <a:prstGeom prst="rect">
+                <a:avLst/>
+              </a:prstGeom>
+              <a:solidFill>
+                <a:schemeClr val="bg1"/>
+              </a:solidFill>
+              <a:ln w="19050">
+                <a:solidFill>
+                  <a:schemeClr val="accent2">
+                    <a:lumMod val="60000"/>
+                    <a:lumOff val="40000"/>
+                  </a:schemeClr>
+                </a:solidFill>
+              </a:ln>
+            </p:spPr>
+            <p:style>
+              <a:lnRef idx="2">
+                <a:schemeClr val="accent1">
+                  <a:shade val="50000"/>
+                </a:schemeClr>
+              </a:lnRef>
+              <a:fillRef idx="1">
+                <a:schemeClr val="accent1"/>
+              </a:fillRef>
+              <a:effectRef idx="0">
+                <a:schemeClr val="accent1"/>
+              </a:effectRef>
+              <a:fontRef idx="minor">
+                <a:schemeClr val="lt1"/>
+              </a:fontRef>
+            </p:style>
+            <p:txBody>
+              <a:bodyPr rtlCol="0" anchor="ctr"/>
+              <a:lstStyle/>
+              <a:p>
+                <a:pPr algn="ctr"/>
+                <a:endParaRPr lang="zh-CN" altLang="en-US"/>
+              </a:p>
+            </p:txBody>
+          </p:sp>
+          <p:sp>
+            <p:nvSpPr>
+              <p:cNvPr id="210" name="矩形 209">
+                <a:extLst>
+                  <a:ext uri="{FF2B5EF4-FFF2-40B4-BE49-F238E27FC236}">
+                    <a16:creationId xmlns:a16="http://schemas.microsoft.com/office/drawing/2014/main" id="{B626D248-5252-47FD-491E-B8F634660307}"/>
+                  </a:ext>
+                </a:extLst>
+              </p:cNvPr>
+              <p:cNvSpPr/>
+              <p:nvPr/>
+            </p:nvSpPr>
+            <p:spPr>
+              <a:xfrm>
+                <a:off x="8977722" y="2636912"/>
+                <a:ext cx="1080120" cy="720080"/>
+              </a:xfrm>
+              <a:prstGeom prst="rect">
+                <a:avLst/>
+              </a:prstGeom>
+              <a:solidFill>
+                <a:schemeClr val="bg1"/>
+              </a:solidFill>
+              <a:ln w="19050">
+                <a:solidFill>
+                  <a:schemeClr val="accent6">
+                    <a:lumMod val="60000"/>
+                    <a:lumOff val="40000"/>
+                  </a:schemeClr>
+                </a:solidFill>
+              </a:ln>
+            </p:spPr>
+            <p:style>
+              <a:lnRef idx="2">
+                <a:schemeClr val="accent1">
+                  <a:shade val="50000"/>
+                </a:schemeClr>
+              </a:lnRef>
+              <a:fillRef idx="1">
+                <a:schemeClr val="accent1"/>
+              </a:fillRef>
+              <a:effectRef idx="0">
+                <a:schemeClr val="accent1"/>
+              </a:effectRef>
+              <a:fontRef idx="minor">
+                <a:schemeClr val="lt1"/>
+              </a:fontRef>
+            </p:style>
+            <p:txBody>
+              <a:bodyPr rtlCol="0" anchor="ctr"/>
+              <a:lstStyle/>
+              <a:p>
+                <a:pPr algn="ctr"/>
+                <a:endParaRPr lang="zh-CN" altLang="en-US"/>
+              </a:p>
+            </p:txBody>
+          </p:sp>
+          <p:graphicFrame>
+            <p:nvGraphicFramePr>
+              <p:cNvPr id="211" name="对象 210">
+                <a:extLst>
+                  <a:ext uri="{FF2B5EF4-FFF2-40B4-BE49-F238E27FC236}">
+                    <a16:creationId xmlns:a16="http://schemas.microsoft.com/office/drawing/2014/main" id="{213E3437-B19B-4CC8-F898-ABCE53D7EAEB}"/>
+                  </a:ext>
+                </a:extLst>
+              </p:cNvPr>
+              <p:cNvGraphicFramePr>
+                <a:graphicFrameLocks noChangeAspect="1"/>
+              </p:cNvGraphicFramePr>
+              <p:nvPr>
+                <p:extLst>
+                  <p:ext uri="{D42A27DB-BD31-4B8C-83A1-F6EECF244321}">
+                    <p14:modId xmlns:p14="http://schemas.microsoft.com/office/powerpoint/2010/main" val="1600333959"/>
+                  </p:ext>
+                </p:extLst>
+              </p:nvPr>
+            </p:nvGraphicFramePr>
+            <p:xfrm>
+              <a:off x="9465060" y="2060848"/>
+              <a:ext cx="160730" cy="239087"/>
+            </p:xfrm>
+            <a:graphic>
+              <a:graphicData uri="http://schemas.openxmlformats.org/presentationml/2006/ole">
+                <mc:AlternateContent xmlns:mc="http://schemas.openxmlformats.org/markup-compatibility/2006">
+                  <mc:Choice xmlns:v="urn:schemas-microsoft-com:vml" Requires="v">
+                    <p:oleObj name="AxMath" r:id="rId4" imgW="126360" imgH="188280" progId="Equation.AxMath">
+                      <p:embed/>
+                    </p:oleObj>
+                  </mc:Choice>
+                  <mc:Fallback>
+                    <p:oleObj name="AxMath" r:id="rId4" imgW="126360" imgH="188280" progId="Equation.AxMath">
+                      <p:embed/>
+                      <p:pic>
+                        <p:nvPicPr>
+                          <p:cNvPr id="52" name="对象 51">
+                            <a:extLst>
+                              <a:ext uri="{FF2B5EF4-FFF2-40B4-BE49-F238E27FC236}">
+                                <a16:creationId xmlns:a16="http://schemas.microsoft.com/office/drawing/2014/main" id="{B5DDAE9C-EB02-7298-CD14-ED4A0F47A76A}"/>
+                              </a:ext>
+                            </a:extLst>
+                          </p:cNvPr>
+                          <p:cNvPicPr/>
+                          <p:nvPr/>
+                        </p:nvPicPr>
+                        <p:blipFill>
+                          <a:blip r:embed="rId5"/>
+                          <a:stretch>
+                            <a:fillRect/>
+                          </a:stretch>
+                        </p:blipFill>
+                        <p:spPr>
+                          <a:xfrm>
+                            <a:off x="9465060" y="2060848"/>
+                            <a:ext cx="160730" cy="239087"/>
+                          </a:xfrm>
+                          <a:prstGeom prst="rect">
+                            <a:avLst/>
+                          </a:prstGeom>
+                        </p:spPr>
+                      </p:pic>
+                    </p:oleObj>
+                  </mc:Fallback>
+                </mc:AlternateContent>
+              </a:graphicData>
+            </a:graphic>
+          </p:graphicFrame>
+          <p:graphicFrame>
+            <p:nvGraphicFramePr>
+              <p:cNvPr id="212" name="对象 211">
+                <a:extLst>
+                  <a:ext uri="{FF2B5EF4-FFF2-40B4-BE49-F238E27FC236}">
+                    <a16:creationId xmlns:a16="http://schemas.microsoft.com/office/drawing/2014/main" id="{6B2CC4FB-152D-1499-E4DF-146818A91F00}"/>
+                  </a:ext>
+                </a:extLst>
+              </p:cNvPr>
+              <p:cNvGraphicFramePr>
+                <a:graphicFrameLocks noChangeAspect="1"/>
+              </p:cNvGraphicFramePr>
+              <p:nvPr>
+                <p:extLst>
+                  <p:ext uri="{D42A27DB-BD31-4B8C-83A1-F6EECF244321}">
+                    <p14:modId xmlns:p14="http://schemas.microsoft.com/office/powerpoint/2010/main" val="2074915908"/>
+                  </p:ext>
+                </p:extLst>
+              </p:nvPr>
+            </p:nvGraphicFramePr>
+            <p:xfrm>
+              <a:off x="9465064" y="2299225"/>
+              <a:ext cx="160730" cy="239087"/>
+            </p:xfrm>
+            <a:graphic>
+              <a:graphicData uri="http://schemas.openxmlformats.org/presentationml/2006/ole">
+                <mc:AlternateContent xmlns:mc="http://schemas.openxmlformats.org/markup-compatibility/2006">
+                  <mc:Choice xmlns:v="urn:schemas-microsoft-com:vml" Requires="v">
+                    <p:oleObj name="AxMath" r:id="rId6" imgW="126360" imgH="188280" progId="Equation.AxMath">
+                      <p:embed/>
+                    </p:oleObj>
+                  </mc:Choice>
+                  <mc:Fallback>
+                    <p:oleObj name="AxMath" r:id="rId6" imgW="126360" imgH="188280" progId="Equation.AxMath">
+                      <p:embed/>
+                      <p:pic>
+                        <p:nvPicPr>
+                          <p:cNvPr id="53" name="对象 52">
+                            <a:extLst>
+                              <a:ext uri="{FF2B5EF4-FFF2-40B4-BE49-F238E27FC236}">
+                                <a16:creationId xmlns:a16="http://schemas.microsoft.com/office/drawing/2014/main" id="{984D6E97-E9DB-A884-40E6-22EDFD2E2CA9}"/>
+                              </a:ext>
+                            </a:extLst>
+                          </p:cNvPr>
+                          <p:cNvPicPr/>
+                          <p:nvPr/>
+                        </p:nvPicPr>
+                        <p:blipFill>
+                          <a:blip r:embed="rId5"/>
+                          <a:stretch>
+                            <a:fillRect/>
+                          </a:stretch>
+                        </p:blipFill>
+                        <p:spPr>
+                          <a:xfrm>
+                            <a:off x="9465064" y="2299225"/>
+                            <a:ext cx="160730" cy="239087"/>
+                          </a:xfrm>
+                          <a:prstGeom prst="rect">
+                            <a:avLst/>
+                          </a:prstGeom>
+                        </p:spPr>
+                      </p:pic>
+                    </p:oleObj>
+                  </mc:Fallback>
+                </mc:AlternateContent>
+              </a:graphicData>
+            </a:graphic>
+          </p:graphicFrame>
+          <p:sp>
+            <p:nvSpPr>
+              <p:cNvPr id="213" name="文本框 212">
+                <a:extLst>
+                  <a:ext uri="{FF2B5EF4-FFF2-40B4-BE49-F238E27FC236}">
+                    <a16:creationId xmlns:a16="http://schemas.microsoft.com/office/drawing/2014/main" id="{B549F30B-0835-E770-85F2-53F9D931A7B1}"/>
+                  </a:ext>
+                </a:extLst>
+              </p:cNvPr>
+              <p:cNvSpPr txBox="1"/>
+              <p:nvPr/>
+            </p:nvSpPr>
+            <p:spPr>
+              <a:xfrm>
+                <a:off x="8763100" y="3434516"/>
+                <a:ext cx="1509364" cy="276999"/>
+              </a:xfrm>
+              <a:prstGeom prst="rect">
+                <a:avLst/>
+              </a:prstGeom>
+              <a:noFill/>
+            </p:spPr>
+            <p:txBody>
+              <a:bodyPr wrap="square" rtlCol="0">
+                <a:spAutoFit/>
+              </a:bodyPr>
+              <a:lstStyle/>
+              <a:p>
+                <a:pPr algn="ctr"/>
+                <a:r>
+                  <a:rPr lang="zh-CN" altLang="en-US" sz="1200" dirty="0">
+                    <a:latin typeface="微软雅黑" panose="020B0503020204020204" pitchFamily="34" charset="-122"/>
+                    <a:ea typeface="微软雅黑" panose="020B0503020204020204" pitchFamily="34" charset="-122"/>
+                  </a:rPr>
+                  <a:t>取颜色的</a:t>
+                </a:r>
+                <a:r>
+                  <a:rPr lang="en-US" altLang="zh-CN" sz="1200">
+                    <a:latin typeface="微软雅黑" panose="020B0503020204020204" pitchFamily="34" charset="-122"/>
+                    <a:ea typeface="微软雅黑" panose="020B0503020204020204" pitchFamily="34" charset="-122"/>
+                  </a:rPr>
+                  <a:t>  </a:t>
+                </a:r>
+                <a:r>
+                  <a:rPr lang="zh-CN" altLang="en-US" sz="1200">
+                    <a:latin typeface="微软雅黑" panose="020B0503020204020204" pitchFamily="34" charset="-122"/>
+                    <a:ea typeface="微软雅黑" panose="020B0503020204020204" pitchFamily="34" charset="-122"/>
+                  </a:rPr>
+                  <a:t>个</a:t>
+                </a:r>
+                <a:r>
+                  <a:rPr lang="zh-CN" altLang="en-US" sz="1200" dirty="0">
+                    <a:latin typeface="微软雅黑" panose="020B0503020204020204" pitchFamily="34" charset="-122"/>
+                    <a:ea typeface="微软雅黑" panose="020B0503020204020204" pitchFamily="34" charset="-122"/>
+                  </a:rPr>
+                  <a:t>参考帧</a:t>
+                </a:r>
+              </a:p>
+            </p:txBody>
+          </p:sp>
+          <p:graphicFrame>
+            <p:nvGraphicFramePr>
+              <p:cNvPr id="214" name="对象 213">
+                <a:extLst>
+                  <a:ext uri="{FF2B5EF4-FFF2-40B4-BE49-F238E27FC236}">
+                    <a16:creationId xmlns:a16="http://schemas.microsoft.com/office/drawing/2014/main" id="{A114A576-49AB-DBA4-7784-B253B1156F97}"/>
+                  </a:ext>
+                </a:extLst>
+              </p:cNvPr>
+              <p:cNvGraphicFramePr>
+                <a:graphicFrameLocks noChangeAspect="1"/>
+              </p:cNvGraphicFramePr>
+              <p:nvPr>
+                <p:extLst>
+                  <p:ext uri="{D42A27DB-BD31-4B8C-83A1-F6EECF244321}">
+                    <p14:modId xmlns:p14="http://schemas.microsoft.com/office/powerpoint/2010/main" val="936588807"/>
+                  </p:ext>
+                </p:extLst>
+              </p:nvPr>
+            </p:nvGraphicFramePr>
+            <p:xfrm>
+              <a:off x="9465060" y="3468445"/>
+              <a:ext cx="127655" cy="241128"/>
+            </p:xfrm>
+            <a:graphic>
+              <a:graphicData uri="http://schemas.openxmlformats.org/presentationml/2006/ole">
+                <mc:AlternateContent xmlns:mc="http://schemas.openxmlformats.org/markup-compatibility/2006">
+                  <mc:Choice xmlns:v="urn:schemas-microsoft-com:vml" Requires="v">
+                    <p:oleObj name="AxMath" r:id="rId7" imgW="100440" imgH="188280" progId="Equation.AxMath">
+                      <p:embed/>
+                    </p:oleObj>
+                  </mc:Choice>
+                  <mc:Fallback>
+                    <p:oleObj name="AxMath" r:id="rId7" imgW="100440" imgH="188280" progId="Equation.AxMath">
+                      <p:embed/>
+                      <p:pic>
+                        <p:nvPicPr>
+                          <p:cNvPr id="16" name="对象 15">
+                            <a:extLst>
+                              <a:ext uri="{FF2B5EF4-FFF2-40B4-BE49-F238E27FC236}">
+                                <a16:creationId xmlns:a16="http://schemas.microsoft.com/office/drawing/2014/main" id="{710B99D1-0B23-9B4C-4F97-E4FE64DF9BC6}"/>
+                              </a:ext>
+                            </a:extLst>
+                          </p:cNvPr>
+                          <p:cNvPicPr/>
+                          <p:nvPr/>
+                        </p:nvPicPr>
+                        <p:blipFill>
+                          <a:blip r:embed="rId8"/>
+                          <a:stretch>
+                            <a:fillRect/>
+                          </a:stretch>
+                        </p:blipFill>
+                        <p:spPr>
+                          <a:xfrm>
+                            <a:off x="9465060" y="3468445"/>
+                            <a:ext cx="127655" cy="241128"/>
+                          </a:xfrm>
+                          <a:prstGeom prst="rect">
+                            <a:avLst/>
+                          </a:prstGeom>
+                        </p:spPr>
+                      </p:pic>
+                    </p:oleObj>
+                  </mc:Fallback>
+                </mc:AlternateContent>
+              </a:graphicData>
+            </a:graphic>
+          </p:graphicFrame>
+        </p:grpSp>
+        <p:cxnSp>
+          <p:nvCxnSpPr>
+            <p:cNvPr id="164" name="直接箭头连接符 112">
+              <a:extLst>
+                <a:ext uri="{FF2B5EF4-FFF2-40B4-BE49-F238E27FC236}">
+                  <a16:creationId xmlns:a16="http://schemas.microsoft.com/office/drawing/2014/main" id="{127D82DE-51AB-5DE7-AD20-8237FD8DE631}"/>
+                </a:ext>
+              </a:extLst>
+            </p:cNvPr>
+            <p:cNvCxnSpPr>
+              <a:cxnSpLocks/>
+              <a:stCxn id="187" idx="3"/>
+            </p:cNvCxnSpPr>
+            <p:nvPr/>
+          </p:nvCxnSpPr>
           <p:spPr>
             <a:xfrm>
-              <a:off x="5807972" y="2937712"/>
-              <a:ext cx="45719" cy="45719"/>
+              <a:off x="4651300" y="3353893"/>
+              <a:ext cx="885498" cy="1143336"/>
             </a:xfrm>
-            <a:prstGeom prst="ellipse">
-              <a:avLst/>
+            <a:prstGeom prst="bentConnector3">
+              <a:avLst>
+                <a:gd name="adj1" fmla="val 50000"/>
+              </a:avLst>
             </a:prstGeom>
-            <a:solidFill>
-              <a:schemeClr val="bg1">
-                <a:lumMod val="75000"/>
-              </a:schemeClr>
-            </a:solidFill>
-            <a:ln>
-              <a:solidFill>
-                <a:schemeClr val="bg1">
-                  <a:lumMod val="65000"/>
-                </a:schemeClr>
-              </a:solidFill>
+            <a:ln w="15875">
+              <a:prstDash val="dash"/>
+              <a:tailEnd type="triangle"/>
             </a:ln>
           </p:spPr>
           <p:style>
-            <a:lnRef idx="2">
-              <a:schemeClr val="dk1">
-                <a:shade val="50000"/>
-              </a:schemeClr>
+            <a:lnRef idx="1">
+              <a:schemeClr val="dk1"/>
             </a:lnRef>
-            <a:fillRef idx="1">
+            <a:fillRef idx="0">
               <a:schemeClr val="dk1"/>
             </a:fillRef>
             <a:effectRef idx="0">
               <a:schemeClr val="dk1"/>
             </a:effectRef>
             <a:fontRef idx="minor">
-              <a:schemeClr val="lt1"/>
+              <a:schemeClr val="tx1"/>
             </a:fontRef>
           </p:style>
-          <p:txBody>
-            <a:bodyPr rtlCol="0" anchor="ctr"/>
-            <a:lstStyle/>
-            <a:p>
-              <a:pPr algn="ctr"/>
-              <a:endParaRPr lang="zh-CN" altLang="en-US"/>
-            </a:p>
-          </p:txBody>
-        </p:sp>
+        </p:cxnSp>
         <p:cxnSp>
           <p:nvCxnSpPr>
-            <p:cNvPr id="104" name="直接连接符 103">
+            <p:cNvPr id="165" name="直接箭头连接符 112">
               <a:extLst>
                 <a:ext uri="{FF2B5EF4-FFF2-40B4-BE49-F238E27FC236}">
-                  <a16:creationId xmlns:a16="http://schemas.microsoft.com/office/drawing/2014/main" id="{CD1ADA8F-C77A-599D-22CE-28A6B03DC2AF}"/>
+                  <a16:creationId xmlns:a16="http://schemas.microsoft.com/office/drawing/2014/main" id="{2356821A-3D2E-DAF5-3557-657D042A09A0}"/>
+                </a:ext>
+              </a:extLst>
+            </p:cNvPr>
+            <p:cNvCxnSpPr>
+              <a:cxnSpLocks/>
+              <a:stCxn id="189" idx="3"/>
+            </p:cNvCxnSpPr>
+            <p:nvPr/>
+          </p:nvCxnSpPr>
+          <p:spPr>
+            <a:xfrm flipV="1">
+              <a:off x="4651300" y="4497229"/>
+              <a:ext cx="885498" cy="1160920"/>
+            </a:xfrm>
+            <a:prstGeom prst="bentConnector3">
+              <a:avLst>
+                <a:gd name="adj1" fmla="val 50000"/>
+              </a:avLst>
+            </a:prstGeom>
+            <a:ln w="15875">
+              <a:prstDash val="dash"/>
+              <a:tailEnd type="triangle"/>
+            </a:ln>
+          </p:spPr>
+          <p:style>
+            <a:lnRef idx="1">
+              <a:schemeClr val="dk1"/>
+            </a:lnRef>
+            <a:fillRef idx="0">
+              <a:schemeClr val="dk1"/>
+            </a:fillRef>
+            <a:effectRef idx="0">
+              <a:schemeClr val="dk1"/>
+            </a:effectRef>
+            <a:fontRef idx="minor">
+              <a:schemeClr val="tx1"/>
+            </a:fontRef>
+          </p:style>
+        </p:cxnSp>
+        <p:grpSp>
+          <p:nvGrpSpPr>
+            <p:cNvPr id="166" name="组合 165">
+              <a:extLst>
+                <a:ext uri="{FF2B5EF4-FFF2-40B4-BE49-F238E27FC236}">
+                  <a16:creationId xmlns:a16="http://schemas.microsoft.com/office/drawing/2014/main" id="{DFB040D5-3443-7C23-529C-256BCEC5F3F0}"/>
+                </a:ext>
+              </a:extLst>
+            </p:cNvPr>
+            <p:cNvGrpSpPr/>
+            <p:nvPr/>
+          </p:nvGrpSpPr>
+          <p:grpSpPr>
+            <a:xfrm flipH="1">
+              <a:off x="3077608" y="3334021"/>
+              <a:ext cx="336748" cy="2304256"/>
+              <a:chOff x="9146340" y="2972609"/>
+              <a:chExt cx="396045" cy="2304256"/>
+            </a:xfrm>
+          </p:grpSpPr>
+          <p:cxnSp>
+            <p:nvCxnSpPr>
+              <p:cNvPr id="205" name="直接箭头连接符 204">
+                <a:extLst>
+                  <a:ext uri="{FF2B5EF4-FFF2-40B4-BE49-F238E27FC236}">
+                    <a16:creationId xmlns:a16="http://schemas.microsoft.com/office/drawing/2014/main" id="{F93093C6-A4DB-683C-33F6-1B1218186703}"/>
+                  </a:ext>
+                </a:extLst>
+              </p:cNvPr>
+              <p:cNvCxnSpPr>
+                <a:cxnSpLocks/>
+              </p:cNvCxnSpPr>
+              <p:nvPr/>
+            </p:nvCxnSpPr>
+            <p:spPr>
+              <a:xfrm flipH="1">
+                <a:off x="9146341" y="2972609"/>
+                <a:ext cx="396044" cy="0"/>
+              </a:xfrm>
+              <a:prstGeom prst="straightConnector1">
+                <a:avLst/>
+              </a:prstGeom>
+              <a:ln w="15875">
+                <a:prstDash val="dash"/>
+                <a:tailEnd type="triangle"/>
+              </a:ln>
+            </p:spPr>
+            <p:style>
+              <a:lnRef idx="1">
+                <a:schemeClr val="dk1"/>
+              </a:lnRef>
+              <a:fillRef idx="0">
+                <a:schemeClr val="dk1"/>
+              </a:fillRef>
+              <a:effectRef idx="0">
+                <a:schemeClr val="dk1"/>
+              </a:effectRef>
+              <a:fontRef idx="minor">
+                <a:schemeClr val="tx1"/>
+              </a:fontRef>
+            </p:style>
+          </p:cxnSp>
+          <p:cxnSp>
+            <p:nvCxnSpPr>
+              <p:cNvPr id="206" name="直接箭头连接符 205">
+                <a:extLst>
+                  <a:ext uri="{FF2B5EF4-FFF2-40B4-BE49-F238E27FC236}">
+                    <a16:creationId xmlns:a16="http://schemas.microsoft.com/office/drawing/2014/main" id="{FF3A6AFF-28A6-B7C4-788A-C007584A81B0}"/>
+                  </a:ext>
+                </a:extLst>
+              </p:cNvPr>
+              <p:cNvCxnSpPr>
+                <a:cxnSpLocks/>
+              </p:cNvCxnSpPr>
+              <p:nvPr/>
+            </p:nvCxnSpPr>
+            <p:spPr>
+              <a:xfrm flipH="1">
+                <a:off x="9146340" y="3854223"/>
+                <a:ext cx="378042" cy="0"/>
+              </a:xfrm>
+              <a:prstGeom prst="straightConnector1">
+                <a:avLst/>
+              </a:prstGeom>
+              <a:ln w="15875">
+                <a:prstDash val="dash"/>
+                <a:tailEnd type="triangle"/>
+              </a:ln>
+            </p:spPr>
+            <p:style>
+              <a:lnRef idx="1">
+                <a:schemeClr val="dk1"/>
+              </a:lnRef>
+              <a:fillRef idx="0">
+                <a:schemeClr val="dk1"/>
+              </a:fillRef>
+              <a:effectRef idx="0">
+                <a:schemeClr val="dk1"/>
+              </a:effectRef>
+              <a:fontRef idx="minor">
+                <a:schemeClr val="tx1"/>
+              </a:fontRef>
+            </p:style>
+          </p:cxnSp>
+          <p:cxnSp>
+            <p:nvCxnSpPr>
+              <p:cNvPr id="207" name="直接箭头连接符 206">
+                <a:extLst>
+                  <a:ext uri="{FF2B5EF4-FFF2-40B4-BE49-F238E27FC236}">
+                    <a16:creationId xmlns:a16="http://schemas.microsoft.com/office/drawing/2014/main" id="{8E4FCB79-949C-DA8B-426B-6DB61EA57509}"/>
+                  </a:ext>
+                </a:extLst>
+              </p:cNvPr>
+              <p:cNvCxnSpPr>
+                <a:cxnSpLocks/>
+              </p:cNvCxnSpPr>
+              <p:nvPr/>
+            </p:nvCxnSpPr>
+            <p:spPr>
+              <a:xfrm flipH="1">
+                <a:off x="9146340" y="5276865"/>
+                <a:ext cx="396044" cy="0"/>
+              </a:xfrm>
+              <a:prstGeom prst="straightConnector1">
+                <a:avLst/>
+              </a:prstGeom>
+              <a:ln w="15875">
+                <a:prstDash val="dash"/>
+                <a:tailEnd type="triangle"/>
+              </a:ln>
+            </p:spPr>
+            <p:style>
+              <a:lnRef idx="1">
+                <a:schemeClr val="dk1"/>
+              </a:lnRef>
+              <a:fillRef idx="0">
+                <a:schemeClr val="dk1"/>
+              </a:fillRef>
+              <a:effectRef idx="0">
+                <a:schemeClr val="dk1"/>
+              </a:effectRef>
+              <a:fontRef idx="minor">
+                <a:schemeClr val="tx1"/>
+              </a:fontRef>
+            </p:style>
+          </p:cxnSp>
+        </p:grpSp>
+        <p:grpSp>
+          <p:nvGrpSpPr>
+            <p:cNvPr id="167" name="组合 166">
+              <a:extLst>
+                <a:ext uri="{FF2B5EF4-FFF2-40B4-BE49-F238E27FC236}">
+                  <a16:creationId xmlns:a16="http://schemas.microsoft.com/office/drawing/2014/main" id="{4A4EF48D-347F-BBB9-DF84-487BF54F7F0F}"/>
+                </a:ext>
+              </a:extLst>
+            </p:cNvPr>
+            <p:cNvGrpSpPr/>
+            <p:nvPr/>
+          </p:nvGrpSpPr>
+          <p:grpSpPr>
+            <a:xfrm>
+              <a:off x="2420788" y="3209055"/>
+              <a:ext cx="930050" cy="2548416"/>
+              <a:chOff x="7983742" y="571237"/>
+              <a:chExt cx="930050" cy="2548416"/>
+            </a:xfrm>
+          </p:grpSpPr>
+          <p:graphicFrame>
+            <p:nvGraphicFramePr>
+              <p:cNvPr id="201" name="对象 200">
+                <a:extLst>
+                  <a:ext uri="{FF2B5EF4-FFF2-40B4-BE49-F238E27FC236}">
+                    <a16:creationId xmlns:a16="http://schemas.microsoft.com/office/drawing/2014/main" id="{20235059-3ED4-4225-8D7D-F82A965745EC}"/>
+                  </a:ext>
+                </a:extLst>
+              </p:cNvPr>
+              <p:cNvGraphicFramePr>
+                <a:graphicFrameLocks noChangeAspect="1"/>
+              </p:cNvGraphicFramePr>
+              <p:nvPr>
+                <p:extLst>
+                  <p:ext uri="{D42A27DB-BD31-4B8C-83A1-F6EECF244321}">
+                    <p14:modId xmlns:p14="http://schemas.microsoft.com/office/powerpoint/2010/main" val="2256682606"/>
+                  </p:ext>
+                </p:extLst>
+              </p:nvPr>
+            </p:nvGraphicFramePr>
+            <p:xfrm>
+              <a:off x="8266832" y="571237"/>
+              <a:ext cx="344488" cy="242888"/>
+            </p:xfrm>
+            <a:graphic>
+              <a:graphicData uri="http://schemas.openxmlformats.org/presentationml/2006/ole">
+                <mc:AlternateContent xmlns:mc="http://schemas.openxmlformats.org/markup-compatibility/2006">
+                  <mc:Choice xmlns:v="urn:schemas-microsoft-com:vml" Requires="v">
+                    <p:oleObj name="AxMath" r:id="rId9" imgW="268560" imgH="188280" progId="Equation.AxMath">
+                      <p:embed/>
+                    </p:oleObj>
+                  </mc:Choice>
+                  <mc:Fallback>
+                    <p:oleObj name="AxMath" r:id="rId9" imgW="268560" imgH="188280" progId="Equation.AxMath">
+                      <p:embed/>
+                      <p:pic>
+                        <p:nvPicPr>
+                          <p:cNvPr id="17" name="对象 16">
+                            <a:extLst>
+                              <a:ext uri="{FF2B5EF4-FFF2-40B4-BE49-F238E27FC236}">
+                                <a16:creationId xmlns:a16="http://schemas.microsoft.com/office/drawing/2014/main" id="{89702277-7EE5-F38B-71CE-234BB73158F8}"/>
+                              </a:ext>
+                            </a:extLst>
+                          </p:cNvPr>
+                          <p:cNvPicPr/>
+                          <p:nvPr/>
+                        </p:nvPicPr>
+                        <p:blipFill>
+                          <a:blip r:embed="rId3"/>
+                          <a:stretch>
+                            <a:fillRect/>
+                          </a:stretch>
+                        </p:blipFill>
+                        <p:spPr>
+                          <a:xfrm>
+                            <a:off x="8266832" y="571237"/>
+                            <a:ext cx="344488" cy="242888"/>
+                          </a:xfrm>
+                          <a:prstGeom prst="rect">
+                            <a:avLst/>
+                          </a:prstGeom>
+                        </p:spPr>
+                      </p:pic>
+                    </p:oleObj>
+                  </mc:Fallback>
+                </mc:AlternateContent>
+              </a:graphicData>
+            </a:graphic>
+          </p:graphicFrame>
+          <p:graphicFrame>
+            <p:nvGraphicFramePr>
+              <p:cNvPr id="202" name="对象 201">
+                <a:extLst>
+                  <a:ext uri="{FF2B5EF4-FFF2-40B4-BE49-F238E27FC236}">
+                    <a16:creationId xmlns:a16="http://schemas.microsoft.com/office/drawing/2014/main" id="{76F56951-3681-AF33-C406-A23B30D063F7}"/>
+                  </a:ext>
+                </a:extLst>
+              </p:cNvPr>
+              <p:cNvGraphicFramePr>
+                <a:graphicFrameLocks noChangeAspect="1"/>
+              </p:cNvGraphicFramePr>
+              <p:nvPr>
+                <p:extLst>
+                  <p:ext uri="{D42A27DB-BD31-4B8C-83A1-F6EECF244321}">
+                    <p14:modId xmlns:p14="http://schemas.microsoft.com/office/powerpoint/2010/main" val="3414560322"/>
+                  </p:ext>
+                </p:extLst>
+              </p:nvPr>
+            </p:nvGraphicFramePr>
+            <p:xfrm>
+              <a:off x="8265557" y="1453123"/>
+              <a:ext cx="344210" cy="242374"/>
+            </p:xfrm>
+            <a:graphic>
+              <a:graphicData uri="http://schemas.openxmlformats.org/presentationml/2006/ole">
+                <mc:AlternateContent xmlns:mc="http://schemas.openxmlformats.org/markup-compatibility/2006">
+                  <mc:Choice xmlns:v="urn:schemas-microsoft-com:vml" Requires="v">
+                    <p:oleObj name="AxMath" r:id="rId2" imgW="268560" imgH="188280" progId="Equation.AxMath">
+                      <p:embed/>
+                    </p:oleObj>
+                  </mc:Choice>
+                  <mc:Fallback>
+                    <p:oleObj name="AxMath" r:id="rId2" imgW="268560" imgH="188280" progId="Equation.AxMath">
+                      <p:embed/>
+                      <p:pic>
+                        <p:nvPicPr>
+                          <p:cNvPr id="18" name="对象 17">
+                            <a:extLst>
+                              <a:ext uri="{FF2B5EF4-FFF2-40B4-BE49-F238E27FC236}">
+                                <a16:creationId xmlns:a16="http://schemas.microsoft.com/office/drawing/2014/main" id="{BDE2C920-CC10-4755-6138-D1D0D8A97959}"/>
+                              </a:ext>
+                            </a:extLst>
+                          </p:cNvPr>
+                          <p:cNvPicPr/>
+                          <p:nvPr/>
+                        </p:nvPicPr>
+                        <p:blipFill>
+                          <a:blip r:embed="rId3"/>
+                          <a:stretch>
+                            <a:fillRect/>
+                          </a:stretch>
+                        </p:blipFill>
+                        <p:spPr>
+                          <a:xfrm>
+                            <a:off x="8265557" y="1453123"/>
+                            <a:ext cx="344210" cy="242374"/>
+                          </a:xfrm>
+                          <a:prstGeom prst="rect">
+                            <a:avLst/>
+                          </a:prstGeom>
+                        </p:spPr>
+                      </p:pic>
+                    </p:oleObj>
+                  </mc:Fallback>
+                </mc:AlternateContent>
+              </a:graphicData>
+            </a:graphic>
+          </p:graphicFrame>
+          <p:graphicFrame>
+            <p:nvGraphicFramePr>
+              <p:cNvPr id="203" name="对象 202">
+                <a:extLst>
+                  <a:ext uri="{FF2B5EF4-FFF2-40B4-BE49-F238E27FC236}">
+                    <a16:creationId xmlns:a16="http://schemas.microsoft.com/office/drawing/2014/main" id="{8AA21E7F-AB31-46F5-8EAB-0C653F3757D1}"/>
+                  </a:ext>
+                </a:extLst>
+              </p:cNvPr>
+              <p:cNvGraphicFramePr>
+                <a:graphicFrameLocks noChangeAspect="1"/>
+              </p:cNvGraphicFramePr>
+              <p:nvPr>
+                <p:extLst>
+                  <p:ext uri="{D42A27DB-BD31-4B8C-83A1-F6EECF244321}">
+                    <p14:modId xmlns:p14="http://schemas.microsoft.com/office/powerpoint/2010/main" val="2097215804"/>
+                  </p:ext>
+                </p:extLst>
+              </p:nvPr>
+            </p:nvGraphicFramePr>
+            <p:xfrm>
+              <a:off x="8260236" y="2877279"/>
+              <a:ext cx="344210" cy="242374"/>
+            </p:xfrm>
+            <a:graphic>
+              <a:graphicData uri="http://schemas.openxmlformats.org/presentationml/2006/ole">
+                <mc:AlternateContent xmlns:mc="http://schemas.openxmlformats.org/markup-compatibility/2006">
+                  <mc:Choice xmlns:v="urn:schemas-microsoft-com:vml" Requires="v">
+                    <p:oleObj name="AxMath" r:id="rId2" imgW="268560" imgH="188280" progId="Equation.AxMath">
+                      <p:embed/>
+                    </p:oleObj>
+                  </mc:Choice>
+                  <mc:Fallback>
+                    <p:oleObj name="AxMath" r:id="rId2" imgW="268560" imgH="188280" progId="Equation.AxMath">
+                      <p:embed/>
+                      <p:pic>
+                        <p:nvPicPr>
+                          <p:cNvPr id="20" name="对象 19">
+                            <a:extLst>
+                              <a:ext uri="{FF2B5EF4-FFF2-40B4-BE49-F238E27FC236}">
+                                <a16:creationId xmlns:a16="http://schemas.microsoft.com/office/drawing/2014/main" id="{3D26C97A-013D-5F16-A4FB-E6448A869389}"/>
+                              </a:ext>
+                            </a:extLst>
+                          </p:cNvPr>
+                          <p:cNvPicPr/>
+                          <p:nvPr/>
+                        </p:nvPicPr>
+                        <p:blipFill>
+                          <a:blip r:embed="rId3"/>
+                          <a:stretch>
+                            <a:fillRect/>
+                          </a:stretch>
+                        </p:blipFill>
+                        <p:spPr>
+                          <a:xfrm>
+                            <a:off x="8260236" y="2877279"/>
+                            <a:ext cx="344210" cy="242374"/>
+                          </a:xfrm>
+                          <a:prstGeom prst="rect">
+                            <a:avLst/>
+                          </a:prstGeom>
+                        </p:spPr>
+                      </p:pic>
+                    </p:oleObj>
+                  </mc:Fallback>
+                </mc:AlternateContent>
+              </a:graphicData>
+            </a:graphic>
+          </p:graphicFrame>
+          <p:sp>
+            <p:nvSpPr>
+              <p:cNvPr id="204" name="文本框 203">
+                <a:extLst>
+                  <a:ext uri="{FF2B5EF4-FFF2-40B4-BE49-F238E27FC236}">
+                    <a16:creationId xmlns:a16="http://schemas.microsoft.com/office/drawing/2014/main" id="{8FFCB2FA-9E0E-0461-9E02-0ABDD060D6C4}"/>
+                  </a:ext>
+                </a:extLst>
+              </p:cNvPr>
+              <p:cNvSpPr txBox="1"/>
+              <p:nvPr/>
+            </p:nvSpPr>
+            <p:spPr>
+              <a:xfrm>
+                <a:off x="7983742" y="2127510"/>
+                <a:ext cx="930050" cy="276999"/>
+              </a:xfrm>
+              <a:prstGeom prst="rect">
+                <a:avLst/>
+              </a:prstGeom>
+              <a:noFill/>
+            </p:spPr>
+            <p:txBody>
+              <a:bodyPr wrap="square" rtlCol="0">
+                <a:spAutoFit/>
+              </a:bodyPr>
+              <a:lstStyle/>
+              <a:p>
+                <a:pPr algn="ctr"/>
+                <a:r>
+                  <a:rPr lang="en-US" altLang="zh-CN" sz="1200" i="1">
+                    <a:latin typeface="Consolas" panose="020B0609020204030204" pitchFamily="49" charset="0"/>
+                  </a:rPr>
+                  <a:t>render</a:t>
+                </a:r>
+                <a:endParaRPr lang="zh-CN" altLang="en-US" sz="1200" i="1" dirty="0">
+                  <a:latin typeface="Consolas" panose="020B0609020204030204" pitchFamily="49" charset="0"/>
+                </a:endParaRPr>
+              </a:p>
+            </p:txBody>
+          </p:sp>
+        </p:grpSp>
+        <p:grpSp>
+          <p:nvGrpSpPr>
+            <p:cNvPr id="168" name="组合 167">
+              <a:extLst>
+                <a:ext uri="{FF2B5EF4-FFF2-40B4-BE49-F238E27FC236}">
+                  <a16:creationId xmlns:a16="http://schemas.microsoft.com/office/drawing/2014/main" id="{E5C7AE14-9936-9906-04E8-6A2C5255F1C8}"/>
+                </a:ext>
+              </a:extLst>
+            </p:cNvPr>
+            <p:cNvGrpSpPr/>
+            <p:nvPr/>
+          </p:nvGrpSpPr>
+          <p:grpSpPr>
+            <a:xfrm>
+              <a:off x="2309867" y="3334021"/>
+              <a:ext cx="302356" cy="2304256"/>
+              <a:chOff x="10074757" y="2972609"/>
+              <a:chExt cx="366290" cy="2304256"/>
+            </a:xfrm>
+          </p:grpSpPr>
+          <p:cxnSp>
+            <p:nvCxnSpPr>
+              <p:cNvPr id="198" name="直接箭头连接符 197">
+                <a:extLst>
+                  <a:ext uri="{FF2B5EF4-FFF2-40B4-BE49-F238E27FC236}">
+                    <a16:creationId xmlns:a16="http://schemas.microsoft.com/office/drawing/2014/main" id="{1DDB4EBE-A81C-527A-438C-F067558D2FAB}"/>
+                  </a:ext>
+                </a:extLst>
+              </p:cNvPr>
+              <p:cNvCxnSpPr>
+                <a:cxnSpLocks/>
+              </p:cNvCxnSpPr>
+              <p:nvPr/>
+            </p:nvCxnSpPr>
+            <p:spPr>
+              <a:xfrm flipH="1">
+                <a:off x="10074757" y="2972609"/>
+                <a:ext cx="366269" cy="0"/>
+              </a:xfrm>
+              <a:prstGeom prst="straightConnector1">
+                <a:avLst/>
+              </a:prstGeom>
+              <a:ln w="15875">
+                <a:prstDash val="dash"/>
+                <a:tailEnd type="none"/>
+              </a:ln>
+            </p:spPr>
+            <p:style>
+              <a:lnRef idx="1">
+                <a:schemeClr val="dk1"/>
+              </a:lnRef>
+              <a:fillRef idx="0">
+                <a:schemeClr val="dk1"/>
+              </a:fillRef>
+              <a:effectRef idx="0">
+                <a:schemeClr val="dk1"/>
+              </a:effectRef>
+              <a:fontRef idx="minor">
+                <a:schemeClr val="tx1"/>
+              </a:fontRef>
+            </p:style>
+          </p:cxnSp>
+          <p:cxnSp>
+            <p:nvCxnSpPr>
+              <p:cNvPr id="199" name="直接箭头连接符 198">
+                <a:extLst>
+                  <a:ext uri="{FF2B5EF4-FFF2-40B4-BE49-F238E27FC236}">
+                    <a16:creationId xmlns:a16="http://schemas.microsoft.com/office/drawing/2014/main" id="{2A9ED93A-7F7D-911D-C51F-EE0AFE86B4CC}"/>
+                  </a:ext>
+                </a:extLst>
+              </p:cNvPr>
+              <p:cNvCxnSpPr>
+                <a:cxnSpLocks/>
+              </p:cNvCxnSpPr>
+              <p:nvPr/>
+            </p:nvCxnSpPr>
+            <p:spPr>
+              <a:xfrm flipH="1">
+                <a:off x="10074764" y="3854223"/>
+                <a:ext cx="366269" cy="0"/>
+              </a:xfrm>
+              <a:prstGeom prst="straightConnector1">
+                <a:avLst/>
+              </a:prstGeom>
+              <a:ln w="15875">
+                <a:prstDash val="dash"/>
+                <a:tailEnd type="none"/>
+              </a:ln>
+            </p:spPr>
+            <p:style>
+              <a:lnRef idx="1">
+                <a:schemeClr val="dk1"/>
+              </a:lnRef>
+              <a:fillRef idx="0">
+                <a:schemeClr val="dk1"/>
+              </a:fillRef>
+              <a:effectRef idx="0">
+                <a:schemeClr val="dk1"/>
+              </a:effectRef>
+              <a:fontRef idx="minor">
+                <a:schemeClr val="tx1"/>
+              </a:fontRef>
+            </p:style>
+          </p:cxnSp>
+          <p:cxnSp>
+            <p:nvCxnSpPr>
+              <p:cNvPr id="200" name="直接箭头连接符 199">
+                <a:extLst>
+                  <a:ext uri="{FF2B5EF4-FFF2-40B4-BE49-F238E27FC236}">
+                    <a16:creationId xmlns:a16="http://schemas.microsoft.com/office/drawing/2014/main" id="{BC522B78-13E3-D1D9-5F8E-7C197E27B587}"/>
+                  </a:ext>
+                </a:extLst>
+              </p:cNvPr>
+              <p:cNvCxnSpPr>
+                <a:cxnSpLocks/>
+              </p:cNvCxnSpPr>
+              <p:nvPr/>
+            </p:nvCxnSpPr>
+            <p:spPr>
+              <a:xfrm flipH="1">
+                <a:off x="10074777" y="5276865"/>
+                <a:ext cx="366270" cy="0"/>
+              </a:xfrm>
+              <a:prstGeom prst="straightConnector1">
+                <a:avLst/>
+              </a:prstGeom>
+              <a:ln w="15875">
+                <a:prstDash val="dash"/>
+                <a:tailEnd type="none"/>
+              </a:ln>
+            </p:spPr>
+            <p:style>
+              <a:lnRef idx="1">
+                <a:schemeClr val="dk1"/>
+              </a:lnRef>
+              <a:fillRef idx="0">
+                <a:schemeClr val="dk1"/>
+              </a:fillRef>
+              <a:effectRef idx="0">
+                <a:schemeClr val="dk1"/>
+              </a:effectRef>
+              <a:fontRef idx="minor">
+                <a:schemeClr val="tx1"/>
+              </a:fontRef>
+            </p:style>
+          </p:cxnSp>
+        </p:grpSp>
+        <p:grpSp>
+          <p:nvGrpSpPr>
+            <p:cNvPr id="169" name="组合 168">
+              <a:extLst>
+                <a:ext uri="{FF2B5EF4-FFF2-40B4-BE49-F238E27FC236}">
+                  <a16:creationId xmlns:a16="http://schemas.microsoft.com/office/drawing/2014/main" id="{4B0B4C73-C360-EB35-6A33-461548E4DBC2}"/>
+                </a:ext>
+              </a:extLst>
+            </p:cNvPr>
+            <p:cNvGrpSpPr/>
+            <p:nvPr/>
+          </p:nvGrpSpPr>
+          <p:grpSpPr>
+            <a:xfrm>
+              <a:off x="3571180" y="2993853"/>
+              <a:ext cx="1080120" cy="3378859"/>
+              <a:chOff x="6745474" y="332656"/>
+              <a:chExt cx="1080120" cy="3378859"/>
+            </a:xfrm>
+          </p:grpSpPr>
+          <p:sp>
+            <p:nvSpPr>
+              <p:cNvPr id="187" name="矩形 186">
+                <a:extLst>
+                  <a:ext uri="{FF2B5EF4-FFF2-40B4-BE49-F238E27FC236}">
+                    <a16:creationId xmlns:a16="http://schemas.microsoft.com/office/drawing/2014/main" id="{7CA25555-E3BF-FE19-103E-FA901A6CF7F7}"/>
+                  </a:ext>
+                </a:extLst>
+              </p:cNvPr>
+              <p:cNvSpPr/>
+              <p:nvPr/>
+            </p:nvSpPr>
+            <p:spPr>
+              <a:xfrm>
+                <a:off x="6745474" y="332656"/>
+                <a:ext cx="1080120" cy="720080"/>
+              </a:xfrm>
+              <a:prstGeom prst="rect">
+                <a:avLst/>
+              </a:prstGeom>
+              <a:solidFill>
+                <a:schemeClr val="bg1"/>
+              </a:solidFill>
+              <a:ln w="19050">
+                <a:solidFill>
+                  <a:schemeClr val="accent5"/>
+                </a:solidFill>
+              </a:ln>
+            </p:spPr>
+            <p:style>
+              <a:lnRef idx="2">
+                <a:schemeClr val="accent1">
+                  <a:shade val="50000"/>
+                </a:schemeClr>
+              </a:lnRef>
+              <a:fillRef idx="1">
+                <a:schemeClr val="accent1"/>
+              </a:fillRef>
+              <a:effectRef idx="0">
+                <a:schemeClr val="accent1"/>
+              </a:effectRef>
+              <a:fontRef idx="minor">
+                <a:schemeClr val="lt1"/>
+              </a:fontRef>
+            </p:style>
+            <p:txBody>
+              <a:bodyPr rtlCol="0" anchor="ctr"/>
+              <a:lstStyle/>
+              <a:p>
+                <a:pPr algn="ctr"/>
+                <a:endParaRPr lang="zh-CN" altLang="en-US"/>
+              </a:p>
+            </p:txBody>
+          </p:sp>
+          <p:sp>
+            <p:nvSpPr>
+              <p:cNvPr id="188" name="矩形 187">
+                <a:extLst>
+                  <a:ext uri="{FF2B5EF4-FFF2-40B4-BE49-F238E27FC236}">
+                    <a16:creationId xmlns:a16="http://schemas.microsoft.com/office/drawing/2014/main" id="{6CFA5BF8-175B-0498-C960-354755A3B325}"/>
+                  </a:ext>
+                </a:extLst>
+              </p:cNvPr>
+              <p:cNvSpPr/>
+              <p:nvPr/>
+            </p:nvSpPr>
+            <p:spPr>
+              <a:xfrm>
+                <a:off x="6745474" y="1214270"/>
+                <a:ext cx="1080120" cy="720080"/>
+              </a:xfrm>
+              <a:prstGeom prst="rect">
+                <a:avLst/>
+              </a:prstGeom>
+              <a:solidFill>
+                <a:schemeClr val="bg1"/>
+              </a:solidFill>
+              <a:ln w="19050">
+                <a:solidFill>
+                  <a:schemeClr val="accent2">
+                    <a:lumMod val="60000"/>
+                    <a:lumOff val="40000"/>
+                  </a:schemeClr>
+                </a:solidFill>
+              </a:ln>
+            </p:spPr>
+            <p:style>
+              <a:lnRef idx="2">
+                <a:schemeClr val="accent1">
+                  <a:shade val="50000"/>
+                </a:schemeClr>
+              </a:lnRef>
+              <a:fillRef idx="1">
+                <a:schemeClr val="accent1"/>
+              </a:fillRef>
+              <a:effectRef idx="0">
+                <a:schemeClr val="accent1"/>
+              </a:effectRef>
+              <a:fontRef idx="minor">
+                <a:schemeClr val="lt1"/>
+              </a:fontRef>
+            </p:style>
+            <p:txBody>
+              <a:bodyPr rtlCol="0" anchor="ctr"/>
+              <a:lstStyle/>
+              <a:p>
+                <a:pPr algn="ctr"/>
+                <a:endParaRPr lang="zh-CN" altLang="en-US"/>
+              </a:p>
+            </p:txBody>
+          </p:sp>
+          <p:sp>
+            <p:nvSpPr>
+              <p:cNvPr id="189" name="矩形 188">
+                <a:extLst>
+                  <a:ext uri="{FF2B5EF4-FFF2-40B4-BE49-F238E27FC236}">
+                    <a16:creationId xmlns:a16="http://schemas.microsoft.com/office/drawing/2014/main" id="{EC32A4EE-7583-CB03-652F-1F4EA47204ED}"/>
+                  </a:ext>
+                </a:extLst>
+              </p:cNvPr>
+              <p:cNvSpPr/>
+              <p:nvPr/>
+            </p:nvSpPr>
+            <p:spPr>
+              <a:xfrm>
+                <a:off x="6745474" y="2636912"/>
+                <a:ext cx="1080120" cy="720080"/>
+              </a:xfrm>
+              <a:prstGeom prst="rect">
+                <a:avLst/>
+              </a:prstGeom>
+              <a:solidFill>
+                <a:schemeClr val="bg1"/>
+              </a:solidFill>
+              <a:ln w="19050">
+                <a:solidFill>
+                  <a:schemeClr val="accent6">
+                    <a:lumMod val="60000"/>
+                    <a:lumOff val="40000"/>
+                  </a:schemeClr>
+                </a:solidFill>
+              </a:ln>
+            </p:spPr>
+            <p:style>
+              <a:lnRef idx="2">
+                <a:schemeClr val="accent1">
+                  <a:shade val="50000"/>
+                </a:schemeClr>
+              </a:lnRef>
+              <a:fillRef idx="1">
+                <a:schemeClr val="accent1"/>
+              </a:fillRef>
+              <a:effectRef idx="0">
+                <a:schemeClr val="accent1"/>
+              </a:effectRef>
+              <a:fontRef idx="minor">
+                <a:schemeClr val="lt1"/>
+              </a:fontRef>
+            </p:style>
+            <p:txBody>
+              <a:bodyPr rtlCol="0" anchor="ctr"/>
+              <a:lstStyle/>
+              <a:p>
+                <a:pPr algn="ctr"/>
+                <a:endParaRPr lang="zh-CN" altLang="en-US"/>
+              </a:p>
+            </p:txBody>
+          </p:sp>
+          <p:grpSp>
+            <p:nvGrpSpPr>
+              <p:cNvPr id="190" name="组合 189">
+                <a:extLst>
+                  <a:ext uri="{FF2B5EF4-FFF2-40B4-BE49-F238E27FC236}">
+                    <a16:creationId xmlns:a16="http://schemas.microsoft.com/office/drawing/2014/main" id="{88DB2B3C-780C-B47D-9805-08F0A5FC5E01}"/>
+                  </a:ext>
+                </a:extLst>
+              </p:cNvPr>
+              <p:cNvGrpSpPr/>
+              <p:nvPr/>
+            </p:nvGrpSpPr>
+            <p:grpSpPr>
+              <a:xfrm>
+                <a:off x="7232812" y="2060848"/>
+                <a:ext cx="160734" cy="477464"/>
+                <a:chOff x="4439813" y="5183789"/>
+                <a:chExt cx="127003" cy="377265"/>
+              </a:xfrm>
+            </p:grpSpPr>
+            <p:graphicFrame>
+              <p:nvGraphicFramePr>
+                <p:cNvPr id="196" name="对象 195">
+                  <a:extLst>
+                    <a:ext uri="{FF2B5EF4-FFF2-40B4-BE49-F238E27FC236}">
+                      <a16:creationId xmlns:a16="http://schemas.microsoft.com/office/drawing/2014/main" id="{994910F8-4E5F-D7E8-4822-981AA30426F3}"/>
+                    </a:ext>
+                  </a:extLst>
+                </p:cNvPr>
+                <p:cNvGraphicFramePr>
+                  <a:graphicFrameLocks noChangeAspect="1"/>
+                </p:cNvGraphicFramePr>
+                <p:nvPr>
+                  <p:extLst>
+                    <p:ext uri="{D42A27DB-BD31-4B8C-83A1-F6EECF244321}">
+                      <p14:modId xmlns:p14="http://schemas.microsoft.com/office/powerpoint/2010/main" val="3225272421"/>
+                    </p:ext>
+                  </p:extLst>
+                </p:nvPr>
+              </p:nvGraphicFramePr>
+              <p:xfrm>
+                <a:off x="4439813" y="5183789"/>
+                <a:ext cx="127000" cy="188913"/>
+              </p:xfrm>
+              <a:graphic>
+                <a:graphicData uri="http://schemas.openxmlformats.org/presentationml/2006/ole">
+                  <mc:AlternateContent xmlns:mc="http://schemas.openxmlformats.org/markup-compatibility/2006">
+                    <mc:Choice xmlns:v="urn:schemas-microsoft-com:vml" Requires="v">
+                      <p:oleObj name="AxMath" r:id="rId10" imgW="126360" imgH="188280" progId="Equation.AxMath">
+                        <p:embed/>
+                      </p:oleObj>
+                    </mc:Choice>
+                    <mc:Fallback>
+                      <p:oleObj name="AxMath" r:id="rId10" imgW="126360" imgH="188280" progId="Equation.AxMath">
+                        <p:embed/>
+                        <p:pic>
+                          <p:nvPicPr>
+                            <p:cNvPr id="79" name="对象 78">
+                              <a:extLst>
+                                <a:ext uri="{FF2B5EF4-FFF2-40B4-BE49-F238E27FC236}">
+                                  <a16:creationId xmlns:a16="http://schemas.microsoft.com/office/drawing/2014/main" id="{E473D673-0404-6BD4-5BDD-CF153C536FE8}"/>
+                                </a:ext>
+                              </a:extLst>
+                            </p:cNvPr>
+                            <p:cNvPicPr/>
+                            <p:nvPr/>
+                          </p:nvPicPr>
+                          <p:blipFill>
+                            <a:blip r:embed="rId5"/>
+                            <a:stretch>
+                              <a:fillRect/>
+                            </a:stretch>
+                          </p:blipFill>
+                          <p:spPr>
+                            <a:xfrm>
+                              <a:off x="4439813" y="5183789"/>
+                              <a:ext cx="127000" cy="188913"/>
+                            </a:xfrm>
+                            <a:prstGeom prst="rect">
+                              <a:avLst/>
+                            </a:prstGeom>
+                          </p:spPr>
+                        </p:pic>
+                      </p:oleObj>
+                    </mc:Fallback>
+                  </mc:AlternateContent>
+                </a:graphicData>
+              </a:graphic>
+            </p:graphicFrame>
+            <p:graphicFrame>
+              <p:nvGraphicFramePr>
+                <p:cNvPr id="197" name="对象 196">
+                  <a:extLst>
+                    <a:ext uri="{FF2B5EF4-FFF2-40B4-BE49-F238E27FC236}">
+                      <a16:creationId xmlns:a16="http://schemas.microsoft.com/office/drawing/2014/main" id="{B0D2466F-08F8-7FC7-E565-8CF45399DDBE}"/>
+                    </a:ext>
+                  </a:extLst>
+                </p:cNvPr>
+                <p:cNvGraphicFramePr>
+                  <a:graphicFrameLocks noChangeAspect="1"/>
+                </p:cNvGraphicFramePr>
+                <p:nvPr>
+                  <p:extLst>
+                    <p:ext uri="{D42A27DB-BD31-4B8C-83A1-F6EECF244321}">
+                      <p14:modId xmlns:p14="http://schemas.microsoft.com/office/powerpoint/2010/main" val="227222789"/>
+                    </p:ext>
+                  </p:extLst>
+                </p:nvPr>
+              </p:nvGraphicFramePr>
+              <p:xfrm>
+                <a:off x="4439816" y="5372141"/>
+                <a:ext cx="127000" cy="188913"/>
+              </p:xfrm>
+              <a:graphic>
+                <a:graphicData uri="http://schemas.openxmlformats.org/presentationml/2006/ole">
+                  <mc:AlternateContent xmlns:mc="http://schemas.openxmlformats.org/markup-compatibility/2006">
+                    <mc:Choice xmlns:v="urn:schemas-microsoft-com:vml" Requires="v">
+                      <p:oleObj name="AxMath" r:id="rId11" imgW="126360" imgH="188280" progId="Equation.AxMath">
+                        <p:embed/>
+                      </p:oleObj>
+                    </mc:Choice>
+                    <mc:Fallback>
+                      <p:oleObj name="AxMath" r:id="rId11" imgW="126360" imgH="188280" progId="Equation.AxMath">
+                        <p:embed/>
+                        <p:pic>
+                          <p:nvPicPr>
+                            <p:cNvPr id="80" name="对象 79">
+                              <a:extLst>
+                                <a:ext uri="{FF2B5EF4-FFF2-40B4-BE49-F238E27FC236}">
+                                  <a16:creationId xmlns:a16="http://schemas.microsoft.com/office/drawing/2014/main" id="{96F5BD2A-1C61-3D2D-AAA5-5A6C71C07FF2}"/>
+                                </a:ext>
+                              </a:extLst>
+                            </p:cNvPr>
+                            <p:cNvPicPr/>
+                            <p:nvPr/>
+                          </p:nvPicPr>
+                          <p:blipFill>
+                            <a:blip r:embed="rId5"/>
+                            <a:stretch>
+                              <a:fillRect/>
+                            </a:stretch>
+                          </p:blipFill>
+                          <p:spPr>
+                            <a:xfrm>
+                              <a:off x="4439816" y="5372141"/>
+                              <a:ext cx="127000" cy="188913"/>
+                            </a:xfrm>
+                            <a:prstGeom prst="rect">
+                              <a:avLst/>
+                            </a:prstGeom>
+                          </p:spPr>
+                        </p:pic>
+                      </p:oleObj>
+                    </mc:Fallback>
+                  </mc:AlternateContent>
+                </a:graphicData>
+              </a:graphic>
+            </p:graphicFrame>
+          </p:grpSp>
+          <p:sp>
+            <p:nvSpPr>
+              <p:cNvPr id="191" name="文本框 190">
+                <a:extLst>
+                  <a:ext uri="{FF2B5EF4-FFF2-40B4-BE49-F238E27FC236}">
+                    <a16:creationId xmlns:a16="http://schemas.microsoft.com/office/drawing/2014/main" id="{A8E0E946-4F12-1B21-2AD6-B945B5AC497C}"/>
+                  </a:ext>
+                </a:extLst>
+              </p:cNvPr>
+              <p:cNvSpPr txBox="1"/>
+              <p:nvPr/>
+            </p:nvSpPr>
+            <p:spPr>
+              <a:xfrm>
+                <a:off x="6745474" y="3434516"/>
+                <a:ext cx="1080120" cy="276999"/>
+              </a:xfrm>
+              <a:prstGeom prst="rect">
+                <a:avLst/>
+              </a:prstGeom>
+              <a:noFill/>
+            </p:spPr>
+            <p:txBody>
+              <a:bodyPr wrap="square" rtlCol="0">
+                <a:spAutoFit/>
+              </a:bodyPr>
+              <a:lstStyle/>
+              <a:p>
+                <a:pPr algn="ctr"/>
+                <a:r>
+                  <a:rPr lang="zh-CN" altLang="en-US" sz="1200" dirty="0">
+                    <a:latin typeface="微软雅黑" panose="020B0503020204020204" pitchFamily="34" charset="-122"/>
+                    <a:ea typeface="微软雅黑" panose="020B0503020204020204" pitchFamily="34" charset="-122"/>
+                  </a:rPr>
+                  <a:t>渲染出</a:t>
+                </a:r>
+                <a:r>
+                  <a:rPr lang="en-US" altLang="zh-CN" sz="1200">
+                    <a:latin typeface="微软雅黑" panose="020B0503020204020204" pitchFamily="34" charset="-122"/>
+                    <a:ea typeface="微软雅黑" panose="020B0503020204020204" pitchFamily="34" charset="-122"/>
+                  </a:rPr>
+                  <a:t>  </a:t>
+                </a:r>
+                <a:r>
+                  <a:rPr lang="zh-CN" altLang="en-US" sz="1200">
+                    <a:latin typeface="微软雅黑" panose="020B0503020204020204" pitchFamily="34" charset="-122"/>
+                    <a:ea typeface="微软雅黑" panose="020B0503020204020204" pitchFamily="34" charset="-122"/>
+                  </a:rPr>
+                  <a:t>张</a:t>
+                </a:r>
+                <a:r>
+                  <a:rPr lang="zh-CN" altLang="en-US" sz="1200" dirty="0">
+                    <a:latin typeface="微软雅黑" panose="020B0503020204020204" pitchFamily="34" charset="-122"/>
+                    <a:ea typeface="微软雅黑" panose="020B0503020204020204" pitchFamily="34" charset="-122"/>
+                  </a:rPr>
+                  <a:t>图</a:t>
+                </a:r>
+              </a:p>
+            </p:txBody>
+          </p:sp>
+          <p:graphicFrame>
+            <p:nvGraphicFramePr>
+              <p:cNvPr id="192" name="对象 191">
+                <a:extLst>
+                  <a:ext uri="{FF2B5EF4-FFF2-40B4-BE49-F238E27FC236}">
+                    <a16:creationId xmlns:a16="http://schemas.microsoft.com/office/drawing/2014/main" id="{AAB9C607-EDCC-2C6C-E758-0B5573D6BA3F}"/>
+                  </a:ext>
+                </a:extLst>
+              </p:cNvPr>
+              <p:cNvGraphicFramePr>
+                <a:graphicFrameLocks noChangeAspect="1"/>
+              </p:cNvGraphicFramePr>
+              <p:nvPr>
+                <p:extLst>
+                  <p:ext uri="{D42A27DB-BD31-4B8C-83A1-F6EECF244321}">
+                    <p14:modId xmlns:p14="http://schemas.microsoft.com/office/powerpoint/2010/main" val="1373591145"/>
+                  </p:ext>
+                </p:extLst>
+              </p:nvPr>
+            </p:nvGraphicFramePr>
+            <p:xfrm>
+              <a:off x="7307759" y="3468445"/>
+              <a:ext cx="127655" cy="241128"/>
+            </p:xfrm>
+            <a:graphic>
+              <a:graphicData uri="http://schemas.openxmlformats.org/presentationml/2006/ole">
+                <mc:AlternateContent xmlns:mc="http://schemas.openxmlformats.org/markup-compatibility/2006">
+                  <mc:Choice xmlns:v="urn:schemas-microsoft-com:vml" Requires="v">
+                    <p:oleObj name="AxMath" r:id="rId12" imgW="100440" imgH="188280" progId="Equation.AxMath">
+                      <p:embed/>
+                    </p:oleObj>
+                  </mc:Choice>
+                  <mc:Fallback>
+                    <p:oleObj name="AxMath" r:id="rId12" imgW="100440" imgH="188280" progId="Equation.AxMath">
+                      <p:embed/>
+                      <p:pic>
+                        <p:nvPicPr>
+                          <p:cNvPr id="75" name="对象 74">
+                            <a:extLst>
+                              <a:ext uri="{FF2B5EF4-FFF2-40B4-BE49-F238E27FC236}">
+                                <a16:creationId xmlns:a16="http://schemas.microsoft.com/office/drawing/2014/main" id="{49AA2A9C-1B88-8416-6671-DAFC4E1F7479}"/>
+                              </a:ext>
+                            </a:extLst>
+                          </p:cNvPr>
+                          <p:cNvPicPr/>
+                          <p:nvPr/>
+                        </p:nvPicPr>
+                        <p:blipFill>
+                          <a:blip r:embed="rId8"/>
+                          <a:stretch>
+                            <a:fillRect/>
+                          </a:stretch>
+                        </p:blipFill>
+                        <p:spPr>
+                          <a:xfrm>
+                            <a:off x="7307759" y="3468445"/>
+                            <a:ext cx="127655" cy="241128"/>
+                          </a:xfrm>
+                          <a:prstGeom prst="rect">
+                            <a:avLst/>
+                          </a:prstGeom>
+                        </p:spPr>
+                      </p:pic>
+                    </p:oleObj>
+                  </mc:Fallback>
+                </mc:AlternateContent>
+              </a:graphicData>
+            </a:graphic>
+          </p:graphicFrame>
+          <p:graphicFrame>
+            <p:nvGraphicFramePr>
+              <p:cNvPr id="193" name="对象 192">
+                <a:extLst>
+                  <a:ext uri="{FF2B5EF4-FFF2-40B4-BE49-F238E27FC236}">
+                    <a16:creationId xmlns:a16="http://schemas.microsoft.com/office/drawing/2014/main" id="{1D498CE9-2DD1-5D56-BD07-7D99C3293279}"/>
+                  </a:ext>
+                </a:extLst>
+              </p:cNvPr>
+              <p:cNvGraphicFramePr>
+                <a:graphicFrameLocks noChangeAspect="1"/>
+              </p:cNvGraphicFramePr>
+              <p:nvPr>
+                <p:extLst>
+                  <p:ext uri="{D42A27DB-BD31-4B8C-83A1-F6EECF244321}">
+                    <p14:modId xmlns:p14="http://schemas.microsoft.com/office/powerpoint/2010/main" val="2717008440"/>
+                  </p:ext>
+                </p:extLst>
+              </p:nvPr>
+            </p:nvGraphicFramePr>
+            <p:xfrm>
+              <a:off x="7547695" y="807775"/>
+              <a:ext cx="254000" cy="266700"/>
+            </p:xfrm>
+            <a:graphic>
+              <a:graphicData uri="http://schemas.openxmlformats.org/presentationml/2006/ole">
+                <mc:AlternateContent xmlns:mc="http://schemas.openxmlformats.org/markup-compatibility/2006">
+                  <mc:Choice xmlns:v="urn:schemas-microsoft-com:vml" Requires="v">
+                    <p:oleObj name="AxMath" r:id="rId13" imgW="208440" imgH="220680" progId="Equation.AxMath">
+                      <p:embed/>
+                    </p:oleObj>
+                  </mc:Choice>
+                  <mc:Fallback>
+                    <p:oleObj name="AxMath" r:id="rId13" imgW="208440" imgH="220680" progId="Equation.AxMath">
+                      <p:embed/>
+                      <p:pic>
+                        <p:nvPicPr>
+                          <p:cNvPr id="76" name="对象 75">
+                            <a:extLst>
+                              <a:ext uri="{FF2B5EF4-FFF2-40B4-BE49-F238E27FC236}">
+                                <a16:creationId xmlns:a16="http://schemas.microsoft.com/office/drawing/2014/main" id="{38F7C3BC-2776-1FE0-1ACA-5FC461B9BFFA}"/>
+                              </a:ext>
+                            </a:extLst>
+                          </p:cNvPr>
+                          <p:cNvPicPr/>
+                          <p:nvPr/>
+                        </p:nvPicPr>
+                        <p:blipFill>
+                          <a:blip r:embed="rId14"/>
+                          <a:stretch>
+                            <a:fillRect/>
+                          </a:stretch>
+                        </p:blipFill>
+                        <p:spPr>
+                          <a:xfrm>
+                            <a:off x="7547695" y="807775"/>
+                            <a:ext cx="254000" cy="266700"/>
+                          </a:xfrm>
+                          <a:prstGeom prst="rect">
+                            <a:avLst/>
+                          </a:prstGeom>
+                        </p:spPr>
+                      </p:pic>
+                    </p:oleObj>
+                  </mc:Fallback>
+                </mc:AlternateContent>
+              </a:graphicData>
+            </a:graphic>
+          </p:graphicFrame>
+          <p:graphicFrame>
+            <p:nvGraphicFramePr>
+              <p:cNvPr id="194" name="对象 193">
+                <a:extLst>
+                  <a:ext uri="{FF2B5EF4-FFF2-40B4-BE49-F238E27FC236}">
+                    <a16:creationId xmlns:a16="http://schemas.microsoft.com/office/drawing/2014/main" id="{C66F3EDA-4D7D-01A9-82D8-A4A1A1AE43E8}"/>
+                  </a:ext>
+                </a:extLst>
+              </p:cNvPr>
+              <p:cNvGraphicFramePr>
+                <a:graphicFrameLocks noChangeAspect="1"/>
+              </p:cNvGraphicFramePr>
+              <p:nvPr>
+                <p:extLst>
+                  <p:ext uri="{D42A27DB-BD31-4B8C-83A1-F6EECF244321}">
+                    <p14:modId xmlns:p14="http://schemas.microsoft.com/office/powerpoint/2010/main" val="112973481"/>
+                  </p:ext>
+                </p:extLst>
+              </p:nvPr>
+            </p:nvGraphicFramePr>
+            <p:xfrm>
+              <a:off x="7547695" y="1690425"/>
+              <a:ext cx="254000" cy="266700"/>
+            </p:xfrm>
+            <a:graphic>
+              <a:graphicData uri="http://schemas.openxmlformats.org/presentationml/2006/ole">
+                <mc:AlternateContent xmlns:mc="http://schemas.openxmlformats.org/markup-compatibility/2006">
+                  <mc:Choice xmlns:v="urn:schemas-microsoft-com:vml" Requires="v">
+                    <p:oleObj name="AxMath" r:id="rId15" imgW="208440" imgH="220680" progId="Equation.AxMath">
+                      <p:embed/>
+                    </p:oleObj>
+                  </mc:Choice>
+                  <mc:Fallback>
+                    <p:oleObj name="AxMath" r:id="rId15" imgW="208440" imgH="220680" progId="Equation.AxMath">
+                      <p:embed/>
+                      <p:pic>
+                        <p:nvPicPr>
+                          <p:cNvPr id="77" name="对象 76">
+                            <a:extLst>
+                              <a:ext uri="{FF2B5EF4-FFF2-40B4-BE49-F238E27FC236}">
+                                <a16:creationId xmlns:a16="http://schemas.microsoft.com/office/drawing/2014/main" id="{B2BBD983-4245-89F0-5483-726AC0D4B230}"/>
+                              </a:ext>
+                            </a:extLst>
+                          </p:cNvPr>
+                          <p:cNvPicPr/>
+                          <p:nvPr/>
+                        </p:nvPicPr>
+                        <p:blipFill>
+                          <a:blip r:embed="rId16"/>
+                          <a:stretch>
+                            <a:fillRect/>
+                          </a:stretch>
+                        </p:blipFill>
+                        <p:spPr>
+                          <a:xfrm>
+                            <a:off x="7547695" y="1690425"/>
+                            <a:ext cx="254000" cy="266700"/>
+                          </a:xfrm>
+                          <a:prstGeom prst="rect">
+                            <a:avLst/>
+                          </a:prstGeom>
+                        </p:spPr>
+                      </p:pic>
+                    </p:oleObj>
+                  </mc:Fallback>
+                </mc:AlternateContent>
+              </a:graphicData>
+            </a:graphic>
+          </p:graphicFrame>
+          <p:graphicFrame>
+            <p:nvGraphicFramePr>
+              <p:cNvPr id="195" name="对象 194">
+                <a:extLst>
+                  <a:ext uri="{FF2B5EF4-FFF2-40B4-BE49-F238E27FC236}">
+                    <a16:creationId xmlns:a16="http://schemas.microsoft.com/office/drawing/2014/main" id="{89C9E04F-10C3-93D6-4638-C8C5475B2BED}"/>
+                  </a:ext>
+                </a:extLst>
+              </p:cNvPr>
+              <p:cNvGraphicFramePr>
+                <a:graphicFrameLocks noChangeAspect="1"/>
+              </p:cNvGraphicFramePr>
+              <p:nvPr>
+                <p:extLst>
+                  <p:ext uri="{D42A27DB-BD31-4B8C-83A1-F6EECF244321}">
+                    <p14:modId xmlns:p14="http://schemas.microsoft.com/office/powerpoint/2010/main" val="385909025"/>
+                  </p:ext>
+                </p:extLst>
+              </p:nvPr>
+            </p:nvGraphicFramePr>
+            <p:xfrm>
+              <a:off x="7555211" y="3109650"/>
+              <a:ext cx="238125" cy="266700"/>
+            </p:xfrm>
+            <a:graphic>
+              <a:graphicData uri="http://schemas.openxmlformats.org/presentationml/2006/ole">
+                <mc:AlternateContent xmlns:mc="http://schemas.openxmlformats.org/markup-compatibility/2006">
+                  <mc:Choice xmlns:v="urn:schemas-microsoft-com:vml" Requires="v">
+                    <p:oleObj name="AxMath" r:id="rId17" imgW="195840" imgH="220680" progId="Equation.AxMath">
+                      <p:embed/>
+                    </p:oleObj>
+                  </mc:Choice>
+                  <mc:Fallback>
+                    <p:oleObj name="AxMath" r:id="rId17" imgW="195840" imgH="220680" progId="Equation.AxMath">
+                      <p:embed/>
+                      <p:pic>
+                        <p:nvPicPr>
+                          <p:cNvPr id="78" name="对象 77">
+                            <a:extLst>
+                              <a:ext uri="{FF2B5EF4-FFF2-40B4-BE49-F238E27FC236}">
+                                <a16:creationId xmlns:a16="http://schemas.microsoft.com/office/drawing/2014/main" id="{CFC9D866-8B33-99DF-5541-FD771C948D27}"/>
+                              </a:ext>
+                            </a:extLst>
+                          </p:cNvPr>
+                          <p:cNvPicPr/>
+                          <p:nvPr/>
+                        </p:nvPicPr>
+                        <p:blipFill>
+                          <a:blip r:embed="rId18"/>
+                          <a:stretch>
+                            <a:fillRect/>
+                          </a:stretch>
+                        </p:blipFill>
+                        <p:spPr>
+                          <a:xfrm>
+                            <a:off x="7555211" y="3109650"/>
+                            <a:ext cx="238125" cy="266700"/>
+                          </a:xfrm>
+                          <a:prstGeom prst="rect">
+                            <a:avLst/>
+                          </a:prstGeom>
+                        </p:spPr>
+                      </p:pic>
+                    </p:oleObj>
+                  </mc:Fallback>
+                </mc:AlternateContent>
+              </a:graphicData>
+            </a:graphic>
+          </p:graphicFrame>
+        </p:grpSp>
+        <p:cxnSp>
+          <p:nvCxnSpPr>
+            <p:cNvPr id="170" name="直接箭头连接符 112">
+              <a:extLst>
+                <a:ext uri="{FF2B5EF4-FFF2-40B4-BE49-F238E27FC236}">
+                  <a16:creationId xmlns:a16="http://schemas.microsoft.com/office/drawing/2014/main" id="{6E8A9F3C-124D-AA20-FF0F-9C5809E5DC31}"/>
+                </a:ext>
+              </a:extLst>
+            </p:cNvPr>
+            <p:cNvCxnSpPr>
+              <a:cxnSpLocks/>
+              <a:stCxn id="188" idx="3"/>
+            </p:cNvCxnSpPr>
+            <p:nvPr/>
+          </p:nvCxnSpPr>
+          <p:spPr>
+            <a:xfrm>
+              <a:off x="4651300" y="4235507"/>
+              <a:ext cx="885498" cy="261722"/>
+            </a:xfrm>
+            <a:prstGeom prst="bentConnector3">
+              <a:avLst>
+                <a:gd name="adj1" fmla="val 50000"/>
+              </a:avLst>
+            </a:prstGeom>
+            <a:ln w="15875">
+              <a:prstDash val="dash"/>
+              <a:tailEnd type="triangle"/>
+            </a:ln>
+          </p:spPr>
+          <p:style>
+            <a:lnRef idx="1">
+              <a:schemeClr val="dk1"/>
+            </a:lnRef>
+            <a:fillRef idx="0">
+              <a:schemeClr val="dk1"/>
+            </a:fillRef>
+            <a:effectRef idx="0">
+              <a:schemeClr val="dk1"/>
+            </a:effectRef>
+            <a:fontRef idx="minor">
+              <a:schemeClr val="tx1"/>
+            </a:fontRef>
+          </p:style>
+        </p:cxnSp>
+        <p:cxnSp>
+          <p:nvCxnSpPr>
+            <p:cNvPr id="171" name="直接箭头连接符 170">
+              <a:extLst>
+                <a:ext uri="{FF2B5EF4-FFF2-40B4-BE49-F238E27FC236}">
+                  <a16:creationId xmlns:a16="http://schemas.microsoft.com/office/drawing/2014/main" id="{6EC42ADE-DEF7-350E-7E03-9E48A48164BF}"/>
                 </a:ext>
               </a:extLst>
             </p:cNvPr>
@@ -3883,139 +7101,108 @@
             <p:nvPr/>
           </p:nvCxnSpPr>
           <p:spPr>
-            <a:xfrm flipV="1">
-              <a:off x="2495604" y="2414416"/>
-              <a:ext cx="2860426" cy="814787"/>
+            <a:xfrm>
+              <a:off x="6245964" y="4497229"/>
+              <a:ext cx="432328" cy="3320"/>
             </a:xfrm>
-            <a:prstGeom prst="line">
+            <a:prstGeom prst="straightConnector1">
               <a:avLst/>
             </a:prstGeom>
-            <a:ln w="19050">
-              <a:solidFill>
-                <a:schemeClr val="accent6">
-                  <a:lumMod val="60000"/>
-                  <a:lumOff val="40000"/>
-                </a:schemeClr>
-              </a:solidFill>
+            <a:ln w="15875">
               <a:prstDash val="dash"/>
+              <a:tailEnd type="triangle"/>
             </a:ln>
           </p:spPr>
           <p:style>
             <a:lnRef idx="1">
-              <a:schemeClr val="accent1"/>
+              <a:schemeClr val="dk1"/>
             </a:lnRef>
             <a:fillRef idx="0">
-              <a:schemeClr val="accent1"/>
+              <a:schemeClr val="dk1"/>
             </a:fillRef>
             <a:effectRef idx="0">
-              <a:schemeClr val="accent1"/>
+              <a:schemeClr val="dk1"/>
             </a:effectRef>
             <a:fontRef idx="minor">
               <a:schemeClr val="tx1"/>
             </a:fontRef>
           </p:style>
         </p:cxnSp>
-        <p:cxnSp>
-          <p:nvCxnSpPr>
-            <p:cNvPr id="108" name="直接连接符 107">
+        <p:graphicFrame>
+          <p:nvGraphicFramePr>
+            <p:cNvPr id="172" name="对象 171">
               <a:extLst>
                 <a:ext uri="{FF2B5EF4-FFF2-40B4-BE49-F238E27FC236}">
-                  <a16:creationId xmlns:a16="http://schemas.microsoft.com/office/drawing/2014/main" id="{B39AE0B9-8B3A-FA60-5898-4BA615841912}"/>
+                  <a16:creationId xmlns:a16="http://schemas.microsoft.com/office/drawing/2014/main" id="{DEA9294C-53DA-09E3-53C3-6A82FC257316}"/>
                 </a:ext>
               </a:extLst>
             </p:cNvPr>
-            <p:cNvCxnSpPr>
-              <a:cxnSpLocks/>
-            </p:cNvCxnSpPr>
-            <p:nvPr/>
-          </p:nvCxnSpPr>
-          <p:spPr>
-            <a:xfrm flipV="1">
-              <a:off x="2495604" y="2678735"/>
-              <a:ext cx="3075930" cy="554211"/>
-            </a:xfrm>
-            <a:prstGeom prst="line">
-              <a:avLst/>
-            </a:prstGeom>
-            <a:ln w="19050">
-              <a:solidFill>
-                <a:schemeClr val="accent6">
-                  <a:lumMod val="60000"/>
-                  <a:lumOff val="40000"/>
-                </a:schemeClr>
-              </a:solidFill>
-              <a:prstDash val="dash"/>
-            </a:ln>
-          </p:spPr>
-          <p:style>
-            <a:lnRef idx="1">
-              <a:schemeClr val="accent1"/>
-            </a:lnRef>
-            <a:fillRef idx="0">
-              <a:schemeClr val="accent1"/>
-            </a:fillRef>
-            <a:effectRef idx="0">
-              <a:schemeClr val="accent1"/>
-            </a:effectRef>
-            <a:fontRef idx="minor">
-              <a:schemeClr val="tx1"/>
-            </a:fontRef>
-          </p:style>
-        </p:cxnSp>
-        <p:cxnSp>
-          <p:nvCxnSpPr>
-            <p:cNvPr id="111" name="直接连接符 110">
+            <p:cNvGraphicFramePr>
+              <a:graphicFrameLocks noChangeAspect="1"/>
+            </p:cNvGraphicFramePr>
+            <p:nvPr>
+              <p:extLst>
+                <p:ext uri="{D42A27DB-BD31-4B8C-83A1-F6EECF244321}">
+                  <p14:modId xmlns:p14="http://schemas.microsoft.com/office/powerpoint/2010/main" val="3270174287"/>
+                </p:ext>
+              </p:extLst>
+            </p:nvPr>
+          </p:nvGraphicFramePr>
+          <p:xfrm>
+            <a:off x="5608806" y="4368642"/>
+            <a:ext cx="565150" cy="257175"/>
+          </p:xfrm>
+          <a:graphic>
+            <a:graphicData uri="http://schemas.openxmlformats.org/presentationml/2006/ole">
+              <mc:AlternateContent xmlns:mc="http://schemas.openxmlformats.org/markup-compatibility/2006">
+                <mc:Choice xmlns:v="urn:schemas-microsoft-com:vml" Requires="v">
+                  <p:oleObj name="AxMath" r:id="rId19" imgW="437760" imgH="199440" progId="Equation.AxMath">
+                    <p:embed/>
+                  </p:oleObj>
+                </mc:Choice>
+                <mc:Fallback>
+                  <p:oleObj name="AxMath" r:id="rId19" imgW="437760" imgH="199440" progId="Equation.AxMath">
+                    <p:embed/>
+                    <p:pic>
+                      <p:nvPicPr>
+                        <p:cNvPr id="90" name="对象 89">
+                          <a:extLst>
+                            <a:ext uri="{FF2B5EF4-FFF2-40B4-BE49-F238E27FC236}">
+                              <a16:creationId xmlns:a16="http://schemas.microsoft.com/office/drawing/2014/main" id="{95816E56-231F-BF21-FC62-EBAE55DAA826}"/>
+                            </a:ext>
+                          </a:extLst>
+                        </p:cNvPr>
+                        <p:cNvPicPr/>
+                        <p:nvPr/>
+                      </p:nvPicPr>
+                      <p:blipFill>
+                        <a:blip r:embed="rId20"/>
+                        <a:stretch>
+                          <a:fillRect/>
+                        </a:stretch>
+                      </p:blipFill>
+                      <p:spPr>
+                        <a:xfrm>
+                          <a:off x="5608806" y="4368642"/>
+                          <a:ext cx="565150" cy="257175"/>
+                        </a:xfrm>
+                        <a:prstGeom prst="rect">
+                          <a:avLst/>
+                        </a:prstGeom>
+                      </p:spPr>
+                    </p:pic>
+                  </p:oleObj>
+                </mc:Fallback>
+              </mc:AlternateContent>
+            </a:graphicData>
+          </a:graphic>
+        </p:graphicFrame>
+        <p:sp>
+          <p:nvSpPr>
+            <p:cNvPr id="173" name="矩形 172">
               <a:extLst>
                 <a:ext uri="{FF2B5EF4-FFF2-40B4-BE49-F238E27FC236}">
-                  <a16:creationId xmlns:a16="http://schemas.microsoft.com/office/drawing/2014/main" id="{30F4146A-4161-F28E-55B8-D1BE96E0C2A9}"/>
-                </a:ext>
-              </a:extLst>
-            </p:cNvPr>
-            <p:cNvCxnSpPr>
-              <a:cxnSpLocks/>
-              <a:endCxn id="83" idx="2"/>
-            </p:cNvCxnSpPr>
-            <p:nvPr/>
-          </p:nvCxnSpPr>
-          <p:spPr>
-            <a:xfrm flipV="1">
-              <a:off x="2495600" y="2960572"/>
-              <a:ext cx="3312372" cy="268631"/>
-            </a:xfrm>
-            <a:prstGeom prst="line">
-              <a:avLst/>
-            </a:prstGeom>
-            <a:ln w="19050">
-              <a:solidFill>
-                <a:schemeClr val="accent6">
-                  <a:lumMod val="60000"/>
-                  <a:lumOff val="40000"/>
-                </a:schemeClr>
-              </a:solidFill>
-              <a:prstDash val="dash"/>
-            </a:ln>
-          </p:spPr>
-          <p:style>
-            <a:lnRef idx="1">
-              <a:schemeClr val="accent1"/>
-            </a:lnRef>
-            <a:fillRef idx="0">
-              <a:schemeClr val="accent1"/>
-            </a:fillRef>
-            <a:effectRef idx="0">
-              <a:schemeClr val="accent1"/>
-            </a:effectRef>
-            <a:fontRef idx="minor">
-              <a:schemeClr val="tx1"/>
-            </a:fontRef>
-          </p:style>
-        </p:cxnSp>
-        <p:sp>
-          <p:nvSpPr>
-            <p:cNvPr id="84" name="椭圆 83">
-              <a:extLst>
-                <a:ext uri="{FF2B5EF4-FFF2-40B4-BE49-F238E27FC236}">
-                  <a16:creationId xmlns:a16="http://schemas.microsoft.com/office/drawing/2014/main" id="{5BF94C95-ED11-BB60-9294-83728030BC3D}"/>
+                  <a16:creationId xmlns:a16="http://schemas.microsoft.com/office/drawing/2014/main" id="{D89E8974-53C4-5CD7-0B23-43EBF152BB87}"/>
                 </a:ext>
               </a:extLst>
             </p:cNvPr>
@@ -4024,911 +7211,21 @@
           </p:nvSpPr>
           <p:spPr>
             <a:xfrm>
-              <a:off x="5569088" y="2649395"/>
-              <a:ext cx="45719" cy="45719"/>
+              <a:off x="7144572" y="3797725"/>
+              <a:ext cx="1080120" cy="720080"/>
             </a:xfrm>
-            <a:prstGeom prst="ellipse">
+            <a:prstGeom prst="rect">
               <a:avLst/>
             </a:prstGeom>
             <a:solidFill>
-              <a:schemeClr val="bg1">
-                <a:lumMod val="75000"/>
-              </a:schemeClr>
+              <a:schemeClr val="bg1"/>
             </a:solidFill>
-            <a:ln>
-              <a:solidFill>
-                <a:schemeClr val="bg1">
-                  <a:lumMod val="65000"/>
-                </a:schemeClr>
-              </a:solidFill>
-            </a:ln>
-          </p:spPr>
-          <p:style>
-            <a:lnRef idx="2">
-              <a:schemeClr val="dk1">
-                <a:shade val="50000"/>
-              </a:schemeClr>
-            </a:lnRef>
-            <a:fillRef idx="1">
-              <a:schemeClr val="dk1"/>
-            </a:fillRef>
-            <a:effectRef idx="0">
-              <a:schemeClr val="dk1"/>
-            </a:effectRef>
-            <a:fontRef idx="minor">
-              <a:schemeClr val="lt1"/>
-            </a:fontRef>
-          </p:style>
-          <p:txBody>
-            <a:bodyPr rtlCol="0" anchor="ctr"/>
-            <a:lstStyle/>
-            <a:p>
-              <a:pPr algn="ctr"/>
-              <a:endParaRPr lang="zh-CN" altLang="en-US"/>
-            </a:p>
-          </p:txBody>
-        </p:sp>
-        <p:cxnSp>
-          <p:nvCxnSpPr>
-            <p:cNvPr id="92" name="直接连接符 91">
-              <a:extLst>
-                <a:ext uri="{FF2B5EF4-FFF2-40B4-BE49-F238E27FC236}">
-                  <a16:creationId xmlns:a16="http://schemas.microsoft.com/office/drawing/2014/main" id="{9C8CBA88-2F7C-7DEF-59B2-BC9E893C5D42}"/>
-                </a:ext>
-              </a:extLst>
-            </p:cNvPr>
-            <p:cNvCxnSpPr>
-              <a:cxnSpLocks/>
-            </p:cNvCxnSpPr>
-            <p:nvPr/>
-          </p:nvCxnSpPr>
-          <p:spPr>
-            <a:xfrm flipV="1">
-              <a:off x="2495604" y="1984601"/>
-              <a:ext cx="2538958" cy="1248345"/>
-            </a:xfrm>
-            <a:prstGeom prst="line">
-              <a:avLst/>
-            </a:prstGeom>
             <a:ln w="19050">
               <a:solidFill>
                 <a:schemeClr val="accent6">
                   <a:lumMod val="60000"/>
                   <a:lumOff val="40000"/>
                 </a:schemeClr>
-              </a:solidFill>
-              <a:prstDash val="dash"/>
-            </a:ln>
-          </p:spPr>
-          <p:style>
-            <a:lnRef idx="1">
-              <a:schemeClr val="accent1"/>
-            </a:lnRef>
-            <a:fillRef idx="0">
-              <a:schemeClr val="accent1"/>
-            </a:fillRef>
-            <a:effectRef idx="0">
-              <a:schemeClr val="accent1"/>
-            </a:effectRef>
-            <a:fontRef idx="minor">
-              <a:schemeClr val="tx1"/>
-            </a:fontRef>
-          </p:style>
-        </p:cxnSp>
-        <p:sp>
-          <p:nvSpPr>
-            <p:cNvPr id="91" name="椭圆 90">
-              <a:extLst>
-                <a:ext uri="{FF2B5EF4-FFF2-40B4-BE49-F238E27FC236}">
-                  <a16:creationId xmlns:a16="http://schemas.microsoft.com/office/drawing/2014/main" id="{F93EE5C1-7D3E-F311-C9E8-2ABF94AA788C}"/>
-                </a:ext>
-              </a:extLst>
-            </p:cNvPr>
-            <p:cNvSpPr/>
-            <p:nvPr/>
-          </p:nvSpPr>
-          <p:spPr>
-            <a:xfrm>
-              <a:off x="5017050" y="1959775"/>
-              <a:ext cx="45719" cy="45719"/>
-            </a:xfrm>
-            <a:prstGeom prst="ellipse">
-              <a:avLst/>
-            </a:prstGeom>
-            <a:solidFill>
-              <a:schemeClr val="bg1">
-                <a:lumMod val="75000"/>
-              </a:schemeClr>
-            </a:solidFill>
-            <a:ln>
-              <a:solidFill>
-                <a:schemeClr val="bg1">
-                  <a:lumMod val="65000"/>
-                </a:schemeClr>
-              </a:solidFill>
-            </a:ln>
-          </p:spPr>
-          <p:style>
-            <a:lnRef idx="2">
-              <a:schemeClr val="dk1">
-                <a:shade val="50000"/>
-              </a:schemeClr>
-            </a:lnRef>
-            <a:fillRef idx="1">
-              <a:schemeClr val="dk1"/>
-            </a:fillRef>
-            <a:effectRef idx="0">
-              <a:schemeClr val="dk1"/>
-            </a:effectRef>
-            <a:fontRef idx="minor">
-              <a:schemeClr val="lt1"/>
-            </a:fontRef>
-          </p:style>
-          <p:txBody>
-            <a:bodyPr rtlCol="0" anchor="ctr"/>
-            <a:lstStyle/>
-            <a:p>
-              <a:pPr algn="ctr"/>
-              <a:endParaRPr lang="zh-CN" altLang="en-US"/>
-            </a:p>
-          </p:txBody>
-        </p:sp>
-        <p:sp>
-          <p:nvSpPr>
-            <p:cNvPr id="125" name="椭圆 124">
-              <a:extLst>
-                <a:ext uri="{FF2B5EF4-FFF2-40B4-BE49-F238E27FC236}">
-                  <a16:creationId xmlns:a16="http://schemas.microsoft.com/office/drawing/2014/main" id="{9D363600-48C7-71E5-6470-058429B7AB6D}"/>
-                </a:ext>
-              </a:extLst>
-            </p:cNvPr>
-            <p:cNvSpPr/>
-            <p:nvPr/>
-          </p:nvSpPr>
-          <p:spPr>
-            <a:xfrm>
-              <a:off x="3311493" y="2793554"/>
-              <a:ext cx="45719" cy="45719"/>
-            </a:xfrm>
-            <a:prstGeom prst="ellipse">
-              <a:avLst/>
-            </a:prstGeom>
-            <a:solidFill>
-              <a:schemeClr val="accent6">
-                <a:lumMod val="60000"/>
-                <a:lumOff val="40000"/>
-              </a:schemeClr>
-            </a:solidFill>
-            <a:ln>
-              <a:solidFill>
-                <a:schemeClr val="accent6">
-                  <a:lumMod val="75000"/>
-                </a:schemeClr>
-              </a:solidFill>
-            </a:ln>
-          </p:spPr>
-          <p:style>
-            <a:lnRef idx="2">
-              <a:schemeClr val="dk1">
-                <a:shade val="50000"/>
-              </a:schemeClr>
-            </a:lnRef>
-            <a:fillRef idx="1">
-              <a:schemeClr val="dk1"/>
-            </a:fillRef>
-            <a:effectRef idx="0">
-              <a:schemeClr val="dk1"/>
-            </a:effectRef>
-            <a:fontRef idx="minor">
-              <a:schemeClr val="lt1"/>
-            </a:fontRef>
-          </p:style>
-          <p:txBody>
-            <a:bodyPr rtlCol="0" anchor="ctr"/>
-            <a:lstStyle/>
-            <a:p>
-              <a:pPr algn="ctr"/>
-              <a:endParaRPr lang="zh-CN" altLang="en-US"/>
-            </a:p>
-          </p:txBody>
-        </p:sp>
-        <p:sp>
-          <p:nvSpPr>
-            <p:cNvPr id="126" name="椭圆 125">
-              <a:extLst>
-                <a:ext uri="{FF2B5EF4-FFF2-40B4-BE49-F238E27FC236}">
-                  <a16:creationId xmlns:a16="http://schemas.microsoft.com/office/drawing/2014/main" id="{17D322CF-82DF-A334-605E-4D9CAFBCA01F}"/>
-                </a:ext>
-              </a:extLst>
-            </p:cNvPr>
-            <p:cNvSpPr/>
-            <p:nvPr/>
-          </p:nvSpPr>
-          <p:spPr>
-            <a:xfrm>
-              <a:off x="3469885" y="2915774"/>
-              <a:ext cx="45719" cy="45719"/>
-            </a:xfrm>
-            <a:prstGeom prst="ellipse">
-              <a:avLst/>
-            </a:prstGeom>
-            <a:solidFill>
-              <a:schemeClr val="accent6">
-                <a:lumMod val="60000"/>
-                <a:lumOff val="40000"/>
-              </a:schemeClr>
-            </a:solidFill>
-            <a:ln>
-              <a:solidFill>
-                <a:schemeClr val="accent6">
-                  <a:lumMod val="75000"/>
-                </a:schemeClr>
-              </a:solidFill>
-            </a:ln>
-          </p:spPr>
-          <p:style>
-            <a:lnRef idx="2">
-              <a:schemeClr val="dk1">
-                <a:shade val="50000"/>
-              </a:schemeClr>
-            </a:lnRef>
-            <a:fillRef idx="1">
-              <a:schemeClr val="dk1"/>
-            </a:fillRef>
-            <a:effectRef idx="0">
-              <a:schemeClr val="dk1"/>
-            </a:effectRef>
-            <a:fontRef idx="minor">
-              <a:schemeClr val="lt1"/>
-            </a:fontRef>
-          </p:style>
-          <p:txBody>
-            <a:bodyPr rtlCol="0" anchor="ctr"/>
-            <a:lstStyle/>
-            <a:p>
-              <a:pPr algn="ctr"/>
-              <a:endParaRPr lang="zh-CN" altLang="en-US"/>
-            </a:p>
-          </p:txBody>
-        </p:sp>
-        <p:sp>
-          <p:nvSpPr>
-            <p:cNvPr id="127" name="椭圆 126">
-              <a:extLst>
-                <a:ext uri="{FF2B5EF4-FFF2-40B4-BE49-F238E27FC236}">
-                  <a16:creationId xmlns:a16="http://schemas.microsoft.com/office/drawing/2014/main" id="{9E85CBC8-D317-E62B-5B5D-A282C7BE95AC}"/>
-                </a:ext>
-              </a:extLst>
-            </p:cNvPr>
-            <p:cNvSpPr/>
-            <p:nvPr/>
-          </p:nvSpPr>
-          <p:spPr>
-            <a:xfrm>
-              <a:off x="3609566" y="3003428"/>
-              <a:ext cx="45719" cy="45719"/>
-            </a:xfrm>
-            <a:prstGeom prst="ellipse">
-              <a:avLst/>
-            </a:prstGeom>
-            <a:solidFill>
-              <a:schemeClr val="accent6">
-                <a:lumMod val="60000"/>
-                <a:lumOff val="40000"/>
-              </a:schemeClr>
-            </a:solidFill>
-            <a:ln>
-              <a:solidFill>
-                <a:schemeClr val="accent6">
-                  <a:lumMod val="75000"/>
-                </a:schemeClr>
-              </a:solidFill>
-            </a:ln>
-          </p:spPr>
-          <p:style>
-            <a:lnRef idx="2">
-              <a:schemeClr val="dk1">
-                <a:shade val="50000"/>
-              </a:schemeClr>
-            </a:lnRef>
-            <a:fillRef idx="1">
-              <a:schemeClr val="dk1"/>
-            </a:fillRef>
-            <a:effectRef idx="0">
-              <a:schemeClr val="dk1"/>
-            </a:effectRef>
-            <a:fontRef idx="minor">
-              <a:schemeClr val="lt1"/>
-            </a:fontRef>
-          </p:style>
-          <p:txBody>
-            <a:bodyPr rtlCol="0" anchor="ctr"/>
-            <a:lstStyle/>
-            <a:p>
-              <a:pPr algn="ctr"/>
-              <a:endParaRPr lang="zh-CN" altLang="en-US"/>
-            </a:p>
-          </p:txBody>
-        </p:sp>
-        <p:sp>
-          <p:nvSpPr>
-            <p:cNvPr id="128" name="椭圆 127">
-              <a:extLst>
-                <a:ext uri="{FF2B5EF4-FFF2-40B4-BE49-F238E27FC236}">
-                  <a16:creationId xmlns:a16="http://schemas.microsoft.com/office/drawing/2014/main" id="{B62291C9-BAEB-EB11-3326-784C98DA2062}"/>
-                </a:ext>
-              </a:extLst>
-            </p:cNvPr>
-            <p:cNvSpPr/>
-            <p:nvPr/>
-          </p:nvSpPr>
-          <p:spPr>
-            <a:xfrm>
-              <a:off x="3759674" y="3100709"/>
-              <a:ext cx="45719" cy="45719"/>
-            </a:xfrm>
-            <a:prstGeom prst="ellipse">
-              <a:avLst/>
-            </a:prstGeom>
-            <a:solidFill>
-              <a:schemeClr val="accent6">
-                <a:lumMod val="60000"/>
-                <a:lumOff val="40000"/>
-              </a:schemeClr>
-            </a:solidFill>
-            <a:ln>
-              <a:solidFill>
-                <a:schemeClr val="accent6">
-                  <a:lumMod val="75000"/>
-                </a:schemeClr>
-              </a:solidFill>
-            </a:ln>
-          </p:spPr>
-          <p:style>
-            <a:lnRef idx="2">
-              <a:schemeClr val="dk1">
-                <a:shade val="50000"/>
-              </a:schemeClr>
-            </a:lnRef>
-            <a:fillRef idx="1">
-              <a:schemeClr val="dk1"/>
-            </a:fillRef>
-            <a:effectRef idx="0">
-              <a:schemeClr val="dk1"/>
-            </a:effectRef>
-            <a:fontRef idx="minor">
-              <a:schemeClr val="lt1"/>
-            </a:fontRef>
-          </p:style>
-          <p:txBody>
-            <a:bodyPr rtlCol="0" anchor="ctr"/>
-            <a:lstStyle/>
-            <a:p>
-              <a:pPr algn="ctr"/>
-              <a:endParaRPr lang="zh-CN" altLang="en-US"/>
-            </a:p>
-          </p:txBody>
-        </p:sp>
-        <p:sp>
-          <p:nvSpPr>
-            <p:cNvPr id="87" name="椭圆 86">
-              <a:extLst>
-                <a:ext uri="{FF2B5EF4-FFF2-40B4-BE49-F238E27FC236}">
-                  <a16:creationId xmlns:a16="http://schemas.microsoft.com/office/drawing/2014/main" id="{D71CCD90-0BA9-7201-E3FA-7296616D60C4}"/>
-                </a:ext>
-              </a:extLst>
-            </p:cNvPr>
-            <p:cNvSpPr/>
-            <p:nvPr/>
-          </p:nvSpPr>
-          <p:spPr>
-            <a:xfrm>
-              <a:off x="5354615" y="2383940"/>
-              <a:ext cx="45719" cy="45719"/>
-            </a:xfrm>
-            <a:prstGeom prst="ellipse">
-              <a:avLst/>
-            </a:prstGeom>
-            <a:solidFill>
-              <a:schemeClr val="tx1"/>
-            </a:solidFill>
-            <a:ln>
-              <a:solidFill>
-                <a:schemeClr val="tx1"/>
-              </a:solidFill>
-            </a:ln>
-          </p:spPr>
-          <p:style>
-            <a:lnRef idx="2">
-              <a:schemeClr val="dk1">
-                <a:shade val="50000"/>
-              </a:schemeClr>
-            </a:lnRef>
-            <a:fillRef idx="1">
-              <a:schemeClr val="dk1"/>
-            </a:fillRef>
-            <a:effectRef idx="0">
-              <a:schemeClr val="dk1"/>
-            </a:effectRef>
-            <a:fontRef idx="minor">
-              <a:schemeClr val="lt1"/>
-            </a:fontRef>
-          </p:style>
-          <p:txBody>
-            <a:bodyPr rtlCol="0" anchor="ctr"/>
-            <a:lstStyle/>
-            <a:p>
-              <a:pPr algn="ctr"/>
-              <a:endParaRPr lang="zh-CN" altLang="en-US"/>
-            </a:p>
-          </p:txBody>
-        </p:sp>
-        <p:sp>
-          <p:nvSpPr>
-            <p:cNvPr id="134" name="任意多边形: 形状 133">
-              <a:extLst>
-                <a:ext uri="{FF2B5EF4-FFF2-40B4-BE49-F238E27FC236}">
-                  <a16:creationId xmlns:a16="http://schemas.microsoft.com/office/drawing/2014/main" id="{87ED1B84-C7CE-50FA-76DE-11CCD2F879D7}"/>
-                </a:ext>
-              </a:extLst>
-            </p:cNvPr>
-            <p:cNvSpPr/>
-            <p:nvPr/>
-          </p:nvSpPr>
-          <p:spPr>
-            <a:xfrm>
-              <a:off x="5000101" y="1844824"/>
-              <a:ext cx="914400" cy="1146175"/>
-            </a:xfrm>
-            <a:custGeom>
-              <a:avLst/>
-              <a:gdLst>
-                <a:gd name="connsiteX0" fmla="*/ 5441 w 1243104"/>
-                <a:gd name="connsiteY0" fmla="*/ 0 h 1371722"/>
-                <a:gd name="connsiteX1" fmla="*/ 122916 w 1243104"/>
-                <a:gd name="connsiteY1" fmla="*/ 323850 h 1371722"/>
-                <a:gd name="connsiteX2" fmla="*/ 834116 w 1243104"/>
-                <a:gd name="connsiteY2" fmla="*/ 53975 h 1371722"/>
-                <a:gd name="connsiteX3" fmla="*/ 468991 w 1243104"/>
-                <a:gd name="connsiteY3" fmla="*/ 673100 h 1371722"/>
-                <a:gd name="connsiteX4" fmla="*/ 1040491 w 1243104"/>
-                <a:gd name="connsiteY4" fmla="*/ 1212850 h 1371722"/>
-                <a:gd name="connsiteX5" fmla="*/ 1215116 w 1243104"/>
-                <a:gd name="connsiteY5" fmla="*/ 1355725 h 1371722"/>
-                <a:gd name="connsiteX6" fmla="*/ 1240516 w 1243104"/>
-                <a:gd name="connsiteY6" fmla="*/ 1362075 h 1371722"/>
-                <a:gd name="connsiteX0" fmla="*/ 8350 w 1230138"/>
-                <a:gd name="connsiteY0" fmla="*/ 0 h 1400297"/>
-                <a:gd name="connsiteX1" fmla="*/ 109950 w 1230138"/>
-                <a:gd name="connsiteY1" fmla="*/ 352425 h 1400297"/>
-                <a:gd name="connsiteX2" fmla="*/ 821150 w 1230138"/>
-                <a:gd name="connsiteY2" fmla="*/ 82550 h 1400297"/>
-                <a:gd name="connsiteX3" fmla="*/ 456025 w 1230138"/>
-                <a:gd name="connsiteY3" fmla="*/ 701675 h 1400297"/>
-                <a:gd name="connsiteX4" fmla="*/ 1027525 w 1230138"/>
-                <a:gd name="connsiteY4" fmla="*/ 1241425 h 1400297"/>
-                <a:gd name="connsiteX5" fmla="*/ 1202150 w 1230138"/>
-                <a:gd name="connsiteY5" fmla="*/ 1384300 h 1400297"/>
-                <a:gd name="connsiteX6" fmla="*/ 1227550 w 1230138"/>
-                <a:gd name="connsiteY6" fmla="*/ 1390650 h 1400297"/>
-                <a:gd name="connsiteX0" fmla="*/ 0 w 1221788"/>
-                <a:gd name="connsiteY0" fmla="*/ 0 h 1400297"/>
-                <a:gd name="connsiteX1" fmla="*/ 101600 w 1221788"/>
-                <a:gd name="connsiteY1" fmla="*/ 352425 h 1400297"/>
-                <a:gd name="connsiteX2" fmla="*/ 812800 w 1221788"/>
-                <a:gd name="connsiteY2" fmla="*/ 82550 h 1400297"/>
-                <a:gd name="connsiteX3" fmla="*/ 447675 w 1221788"/>
-                <a:gd name="connsiteY3" fmla="*/ 701675 h 1400297"/>
-                <a:gd name="connsiteX4" fmla="*/ 1019175 w 1221788"/>
-                <a:gd name="connsiteY4" fmla="*/ 1241425 h 1400297"/>
-                <a:gd name="connsiteX5" fmla="*/ 1193800 w 1221788"/>
-                <a:gd name="connsiteY5" fmla="*/ 1384300 h 1400297"/>
-                <a:gd name="connsiteX6" fmla="*/ 1219200 w 1221788"/>
-                <a:gd name="connsiteY6" fmla="*/ 1390650 h 1400297"/>
-                <a:gd name="connsiteX0" fmla="*/ 0 w 1221788"/>
-                <a:gd name="connsiteY0" fmla="*/ 0 h 1400297"/>
-                <a:gd name="connsiteX1" fmla="*/ 254000 w 1221788"/>
-                <a:gd name="connsiteY1" fmla="*/ 257175 h 1400297"/>
-                <a:gd name="connsiteX2" fmla="*/ 812800 w 1221788"/>
-                <a:gd name="connsiteY2" fmla="*/ 82550 h 1400297"/>
-                <a:gd name="connsiteX3" fmla="*/ 447675 w 1221788"/>
-                <a:gd name="connsiteY3" fmla="*/ 701675 h 1400297"/>
-                <a:gd name="connsiteX4" fmla="*/ 1019175 w 1221788"/>
-                <a:gd name="connsiteY4" fmla="*/ 1241425 h 1400297"/>
-                <a:gd name="connsiteX5" fmla="*/ 1193800 w 1221788"/>
-                <a:gd name="connsiteY5" fmla="*/ 1384300 h 1400297"/>
-                <a:gd name="connsiteX6" fmla="*/ 1219200 w 1221788"/>
-                <a:gd name="connsiteY6" fmla="*/ 1390650 h 1400297"/>
-                <a:gd name="connsiteX0" fmla="*/ 0 w 1221788"/>
-                <a:gd name="connsiteY0" fmla="*/ 0 h 1400297"/>
-                <a:gd name="connsiteX1" fmla="*/ 234950 w 1221788"/>
-                <a:gd name="connsiteY1" fmla="*/ 273050 h 1400297"/>
-                <a:gd name="connsiteX2" fmla="*/ 812800 w 1221788"/>
-                <a:gd name="connsiteY2" fmla="*/ 82550 h 1400297"/>
-                <a:gd name="connsiteX3" fmla="*/ 447675 w 1221788"/>
-                <a:gd name="connsiteY3" fmla="*/ 701675 h 1400297"/>
-                <a:gd name="connsiteX4" fmla="*/ 1019175 w 1221788"/>
-                <a:gd name="connsiteY4" fmla="*/ 1241425 h 1400297"/>
-                <a:gd name="connsiteX5" fmla="*/ 1193800 w 1221788"/>
-                <a:gd name="connsiteY5" fmla="*/ 1384300 h 1400297"/>
-                <a:gd name="connsiteX6" fmla="*/ 1219200 w 1221788"/>
-                <a:gd name="connsiteY6" fmla="*/ 1390650 h 1400297"/>
-                <a:gd name="connsiteX0" fmla="*/ 0 w 1221788"/>
-                <a:gd name="connsiteY0" fmla="*/ 0 h 1400297"/>
-                <a:gd name="connsiteX1" fmla="*/ 266700 w 1221788"/>
-                <a:gd name="connsiteY1" fmla="*/ 241300 h 1400297"/>
-                <a:gd name="connsiteX2" fmla="*/ 812800 w 1221788"/>
-                <a:gd name="connsiteY2" fmla="*/ 82550 h 1400297"/>
-                <a:gd name="connsiteX3" fmla="*/ 447675 w 1221788"/>
-                <a:gd name="connsiteY3" fmla="*/ 701675 h 1400297"/>
-                <a:gd name="connsiteX4" fmla="*/ 1019175 w 1221788"/>
-                <a:gd name="connsiteY4" fmla="*/ 1241425 h 1400297"/>
-                <a:gd name="connsiteX5" fmla="*/ 1193800 w 1221788"/>
-                <a:gd name="connsiteY5" fmla="*/ 1384300 h 1400297"/>
-                <a:gd name="connsiteX6" fmla="*/ 1219200 w 1221788"/>
-                <a:gd name="connsiteY6" fmla="*/ 1390650 h 1400297"/>
-                <a:gd name="connsiteX0" fmla="*/ 0 w 1221788"/>
-                <a:gd name="connsiteY0" fmla="*/ 0 h 1400297"/>
-                <a:gd name="connsiteX1" fmla="*/ 247650 w 1221788"/>
-                <a:gd name="connsiteY1" fmla="*/ 250825 h 1400297"/>
-                <a:gd name="connsiteX2" fmla="*/ 812800 w 1221788"/>
-                <a:gd name="connsiteY2" fmla="*/ 82550 h 1400297"/>
-                <a:gd name="connsiteX3" fmla="*/ 447675 w 1221788"/>
-                <a:gd name="connsiteY3" fmla="*/ 701675 h 1400297"/>
-                <a:gd name="connsiteX4" fmla="*/ 1019175 w 1221788"/>
-                <a:gd name="connsiteY4" fmla="*/ 1241425 h 1400297"/>
-                <a:gd name="connsiteX5" fmla="*/ 1193800 w 1221788"/>
-                <a:gd name="connsiteY5" fmla="*/ 1384300 h 1400297"/>
-                <a:gd name="connsiteX6" fmla="*/ 1219200 w 1221788"/>
-                <a:gd name="connsiteY6" fmla="*/ 1390650 h 1400297"/>
-                <a:gd name="connsiteX0" fmla="*/ 0 w 1221788"/>
-                <a:gd name="connsiteY0" fmla="*/ 0 h 1400297"/>
-                <a:gd name="connsiteX1" fmla="*/ 247650 w 1221788"/>
-                <a:gd name="connsiteY1" fmla="*/ 250825 h 1400297"/>
-                <a:gd name="connsiteX2" fmla="*/ 812800 w 1221788"/>
-                <a:gd name="connsiteY2" fmla="*/ 82550 h 1400297"/>
-                <a:gd name="connsiteX3" fmla="*/ 536575 w 1221788"/>
-                <a:gd name="connsiteY3" fmla="*/ 631825 h 1400297"/>
-                <a:gd name="connsiteX4" fmla="*/ 1019175 w 1221788"/>
-                <a:gd name="connsiteY4" fmla="*/ 1241425 h 1400297"/>
-                <a:gd name="connsiteX5" fmla="*/ 1193800 w 1221788"/>
-                <a:gd name="connsiteY5" fmla="*/ 1384300 h 1400297"/>
-                <a:gd name="connsiteX6" fmla="*/ 1219200 w 1221788"/>
-                <a:gd name="connsiteY6" fmla="*/ 1390650 h 1400297"/>
-                <a:gd name="connsiteX0" fmla="*/ 0 w 1193800"/>
-                <a:gd name="connsiteY0" fmla="*/ 0 h 1384300"/>
-                <a:gd name="connsiteX1" fmla="*/ 247650 w 1193800"/>
-                <a:gd name="connsiteY1" fmla="*/ 250825 h 1384300"/>
-                <a:gd name="connsiteX2" fmla="*/ 812800 w 1193800"/>
-                <a:gd name="connsiteY2" fmla="*/ 82550 h 1384300"/>
-                <a:gd name="connsiteX3" fmla="*/ 536575 w 1193800"/>
-                <a:gd name="connsiteY3" fmla="*/ 631825 h 1384300"/>
-                <a:gd name="connsiteX4" fmla="*/ 1019175 w 1193800"/>
-                <a:gd name="connsiteY4" fmla="*/ 1241425 h 1384300"/>
-                <a:gd name="connsiteX5" fmla="*/ 1193800 w 1193800"/>
-                <a:gd name="connsiteY5" fmla="*/ 1384300 h 1384300"/>
-                <a:gd name="connsiteX0" fmla="*/ 0 w 1019175"/>
-                <a:gd name="connsiteY0" fmla="*/ 0 h 1241425"/>
-                <a:gd name="connsiteX1" fmla="*/ 247650 w 1019175"/>
-                <a:gd name="connsiteY1" fmla="*/ 250825 h 1241425"/>
-                <a:gd name="connsiteX2" fmla="*/ 812800 w 1019175"/>
-                <a:gd name="connsiteY2" fmla="*/ 82550 h 1241425"/>
-                <a:gd name="connsiteX3" fmla="*/ 536575 w 1019175"/>
-                <a:gd name="connsiteY3" fmla="*/ 631825 h 1241425"/>
-                <a:gd name="connsiteX4" fmla="*/ 1019175 w 1019175"/>
-                <a:gd name="connsiteY4" fmla="*/ 1241425 h 1241425"/>
-                <a:gd name="connsiteX0" fmla="*/ 0 w 968375"/>
-                <a:gd name="connsiteY0" fmla="*/ 0 h 1228725"/>
-                <a:gd name="connsiteX1" fmla="*/ 247650 w 968375"/>
-                <a:gd name="connsiteY1" fmla="*/ 250825 h 1228725"/>
-                <a:gd name="connsiteX2" fmla="*/ 812800 w 968375"/>
-                <a:gd name="connsiteY2" fmla="*/ 82550 h 1228725"/>
-                <a:gd name="connsiteX3" fmla="*/ 536575 w 968375"/>
-                <a:gd name="connsiteY3" fmla="*/ 631825 h 1228725"/>
-                <a:gd name="connsiteX4" fmla="*/ 968375 w 968375"/>
-                <a:gd name="connsiteY4" fmla="*/ 1228725 h 1228725"/>
-                <a:gd name="connsiteX0" fmla="*/ 0 w 933450"/>
-                <a:gd name="connsiteY0" fmla="*/ 0 h 1247775"/>
-                <a:gd name="connsiteX1" fmla="*/ 247650 w 933450"/>
-                <a:gd name="connsiteY1" fmla="*/ 250825 h 1247775"/>
-                <a:gd name="connsiteX2" fmla="*/ 812800 w 933450"/>
-                <a:gd name="connsiteY2" fmla="*/ 82550 h 1247775"/>
-                <a:gd name="connsiteX3" fmla="*/ 536575 w 933450"/>
-                <a:gd name="connsiteY3" fmla="*/ 631825 h 1247775"/>
-                <a:gd name="connsiteX4" fmla="*/ 933450 w 933450"/>
-                <a:gd name="connsiteY4" fmla="*/ 1247775 h 1247775"/>
-                <a:gd name="connsiteX0" fmla="*/ 0 w 933450"/>
-                <a:gd name="connsiteY0" fmla="*/ 0 h 1247775"/>
-                <a:gd name="connsiteX1" fmla="*/ 288925 w 933450"/>
-                <a:gd name="connsiteY1" fmla="*/ 225425 h 1247775"/>
-                <a:gd name="connsiteX2" fmla="*/ 812800 w 933450"/>
-                <a:gd name="connsiteY2" fmla="*/ 82550 h 1247775"/>
-                <a:gd name="connsiteX3" fmla="*/ 536575 w 933450"/>
-                <a:gd name="connsiteY3" fmla="*/ 631825 h 1247775"/>
-                <a:gd name="connsiteX4" fmla="*/ 933450 w 933450"/>
-                <a:gd name="connsiteY4" fmla="*/ 1247775 h 1247775"/>
-                <a:gd name="connsiteX0" fmla="*/ 0 w 933450"/>
-                <a:gd name="connsiteY0" fmla="*/ 0 h 1247775"/>
-                <a:gd name="connsiteX1" fmla="*/ 288925 w 933450"/>
-                <a:gd name="connsiteY1" fmla="*/ 225425 h 1247775"/>
-                <a:gd name="connsiteX2" fmla="*/ 812800 w 933450"/>
-                <a:gd name="connsiteY2" fmla="*/ 82550 h 1247775"/>
-                <a:gd name="connsiteX3" fmla="*/ 568325 w 933450"/>
-                <a:gd name="connsiteY3" fmla="*/ 641350 h 1247775"/>
-                <a:gd name="connsiteX4" fmla="*/ 933450 w 933450"/>
-                <a:gd name="connsiteY4" fmla="*/ 1247775 h 1247775"/>
-                <a:gd name="connsiteX0" fmla="*/ 0 w 933450"/>
-                <a:gd name="connsiteY0" fmla="*/ 0 h 1231900"/>
-                <a:gd name="connsiteX1" fmla="*/ 288925 w 933450"/>
-                <a:gd name="connsiteY1" fmla="*/ 209550 h 1231900"/>
-                <a:gd name="connsiteX2" fmla="*/ 812800 w 933450"/>
-                <a:gd name="connsiteY2" fmla="*/ 66675 h 1231900"/>
-                <a:gd name="connsiteX3" fmla="*/ 568325 w 933450"/>
-                <a:gd name="connsiteY3" fmla="*/ 625475 h 1231900"/>
-                <a:gd name="connsiteX4" fmla="*/ 933450 w 933450"/>
-                <a:gd name="connsiteY4" fmla="*/ 1231900 h 1231900"/>
-                <a:gd name="connsiteX0" fmla="*/ 0 w 933450"/>
-                <a:gd name="connsiteY0" fmla="*/ 0 h 1231900"/>
-                <a:gd name="connsiteX1" fmla="*/ 288925 w 933450"/>
-                <a:gd name="connsiteY1" fmla="*/ 209550 h 1231900"/>
-                <a:gd name="connsiteX2" fmla="*/ 812800 w 933450"/>
-                <a:gd name="connsiteY2" fmla="*/ 66675 h 1231900"/>
-                <a:gd name="connsiteX3" fmla="*/ 568325 w 933450"/>
-                <a:gd name="connsiteY3" fmla="*/ 625475 h 1231900"/>
-                <a:gd name="connsiteX4" fmla="*/ 933450 w 933450"/>
-                <a:gd name="connsiteY4" fmla="*/ 1231900 h 1231900"/>
-                <a:gd name="connsiteX0" fmla="*/ 0 w 1057275"/>
-                <a:gd name="connsiteY0" fmla="*/ 0 h 1368425"/>
-                <a:gd name="connsiteX1" fmla="*/ 412750 w 1057275"/>
-                <a:gd name="connsiteY1" fmla="*/ 346075 h 1368425"/>
-                <a:gd name="connsiteX2" fmla="*/ 936625 w 1057275"/>
-                <a:gd name="connsiteY2" fmla="*/ 203200 h 1368425"/>
-                <a:gd name="connsiteX3" fmla="*/ 692150 w 1057275"/>
-                <a:gd name="connsiteY3" fmla="*/ 762000 h 1368425"/>
-                <a:gd name="connsiteX4" fmla="*/ 1057275 w 1057275"/>
-                <a:gd name="connsiteY4" fmla="*/ 1368425 h 1368425"/>
-                <a:gd name="connsiteX0" fmla="*/ 0 w 1057275"/>
-                <a:gd name="connsiteY0" fmla="*/ 0 h 1368425"/>
-                <a:gd name="connsiteX1" fmla="*/ 412750 w 1057275"/>
-                <a:gd name="connsiteY1" fmla="*/ 346075 h 1368425"/>
-                <a:gd name="connsiteX2" fmla="*/ 936625 w 1057275"/>
-                <a:gd name="connsiteY2" fmla="*/ 203200 h 1368425"/>
-                <a:gd name="connsiteX3" fmla="*/ 692150 w 1057275"/>
-                <a:gd name="connsiteY3" fmla="*/ 762000 h 1368425"/>
-                <a:gd name="connsiteX4" fmla="*/ 1057275 w 1057275"/>
-                <a:gd name="connsiteY4" fmla="*/ 1368425 h 1368425"/>
-                <a:gd name="connsiteX0" fmla="*/ 0 w 1095375"/>
-                <a:gd name="connsiteY0" fmla="*/ 0 h 1362075"/>
-                <a:gd name="connsiteX1" fmla="*/ 412750 w 1095375"/>
-                <a:gd name="connsiteY1" fmla="*/ 346075 h 1362075"/>
-                <a:gd name="connsiteX2" fmla="*/ 936625 w 1095375"/>
-                <a:gd name="connsiteY2" fmla="*/ 203200 h 1362075"/>
-                <a:gd name="connsiteX3" fmla="*/ 692150 w 1095375"/>
-                <a:gd name="connsiteY3" fmla="*/ 762000 h 1362075"/>
-                <a:gd name="connsiteX4" fmla="*/ 1095375 w 1095375"/>
-                <a:gd name="connsiteY4" fmla="*/ 1362075 h 1362075"/>
-                <a:gd name="connsiteX0" fmla="*/ 0 w 1095375"/>
-                <a:gd name="connsiteY0" fmla="*/ 0 h 1362075"/>
-                <a:gd name="connsiteX1" fmla="*/ 412750 w 1095375"/>
-                <a:gd name="connsiteY1" fmla="*/ 346075 h 1362075"/>
-                <a:gd name="connsiteX2" fmla="*/ 936625 w 1095375"/>
-                <a:gd name="connsiteY2" fmla="*/ 203200 h 1362075"/>
-                <a:gd name="connsiteX3" fmla="*/ 692150 w 1095375"/>
-                <a:gd name="connsiteY3" fmla="*/ 762000 h 1362075"/>
-                <a:gd name="connsiteX4" fmla="*/ 1095375 w 1095375"/>
-                <a:gd name="connsiteY4" fmla="*/ 1362075 h 1362075"/>
-                <a:gd name="connsiteX0" fmla="*/ 0 w 1095375"/>
-                <a:gd name="connsiteY0" fmla="*/ 0 h 1346200"/>
-                <a:gd name="connsiteX1" fmla="*/ 412750 w 1095375"/>
-                <a:gd name="connsiteY1" fmla="*/ 346075 h 1346200"/>
-                <a:gd name="connsiteX2" fmla="*/ 936625 w 1095375"/>
-                <a:gd name="connsiteY2" fmla="*/ 203200 h 1346200"/>
-                <a:gd name="connsiteX3" fmla="*/ 692150 w 1095375"/>
-                <a:gd name="connsiteY3" fmla="*/ 762000 h 1346200"/>
-                <a:gd name="connsiteX4" fmla="*/ 1095375 w 1095375"/>
-                <a:gd name="connsiteY4" fmla="*/ 1346200 h 1346200"/>
-                <a:gd name="connsiteX0" fmla="*/ 0 w 1095375"/>
-                <a:gd name="connsiteY0" fmla="*/ 0 h 1346200"/>
-                <a:gd name="connsiteX1" fmla="*/ 412750 w 1095375"/>
-                <a:gd name="connsiteY1" fmla="*/ 346075 h 1346200"/>
-                <a:gd name="connsiteX2" fmla="*/ 936625 w 1095375"/>
-                <a:gd name="connsiteY2" fmla="*/ 203200 h 1346200"/>
-                <a:gd name="connsiteX3" fmla="*/ 692150 w 1095375"/>
-                <a:gd name="connsiteY3" fmla="*/ 762000 h 1346200"/>
-                <a:gd name="connsiteX4" fmla="*/ 1095375 w 1095375"/>
-                <a:gd name="connsiteY4" fmla="*/ 1346200 h 1346200"/>
-                <a:gd name="connsiteX0" fmla="*/ 0 w 1095375"/>
-                <a:gd name="connsiteY0" fmla="*/ 0 h 1346200"/>
-                <a:gd name="connsiteX1" fmla="*/ 412750 w 1095375"/>
-                <a:gd name="connsiteY1" fmla="*/ 346075 h 1346200"/>
-                <a:gd name="connsiteX2" fmla="*/ 936625 w 1095375"/>
-                <a:gd name="connsiteY2" fmla="*/ 203200 h 1346200"/>
-                <a:gd name="connsiteX3" fmla="*/ 692150 w 1095375"/>
-                <a:gd name="connsiteY3" fmla="*/ 762000 h 1346200"/>
-                <a:gd name="connsiteX4" fmla="*/ 1095375 w 1095375"/>
-                <a:gd name="connsiteY4" fmla="*/ 1346200 h 1346200"/>
-                <a:gd name="connsiteX0" fmla="*/ 0 w 1063625"/>
-                <a:gd name="connsiteY0" fmla="*/ 0 h 1330325"/>
-                <a:gd name="connsiteX1" fmla="*/ 412750 w 1063625"/>
-                <a:gd name="connsiteY1" fmla="*/ 346075 h 1330325"/>
-                <a:gd name="connsiteX2" fmla="*/ 936625 w 1063625"/>
-                <a:gd name="connsiteY2" fmla="*/ 203200 h 1330325"/>
-                <a:gd name="connsiteX3" fmla="*/ 692150 w 1063625"/>
-                <a:gd name="connsiteY3" fmla="*/ 762000 h 1330325"/>
-                <a:gd name="connsiteX4" fmla="*/ 1063625 w 1063625"/>
-                <a:gd name="connsiteY4" fmla="*/ 1330325 h 1330325"/>
-                <a:gd name="connsiteX0" fmla="*/ 0 w 941695"/>
-                <a:gd name="connsiteY0" fmla="*/ 0 h 1168400"/>
-                <a:gd name="connsiteX1" fmla="*/ 412750 w 941695"/>
-                <a:gd name="connsiteY1" fmla="*/ 346075 h 1168400"/>
-                <a:gd name="connsiteX2" fmla="*/ 936625 w 941695"/>
-                <a:gd name="connsiteY2" fmla="*/ 203200 h 1168400"/>
-                <a:gd name="connsiteX3" fmla="*/ 692150 w 941695"/>
-                <a:gd name="connsiteY3" fmla="*/ 762000 h 1168400"/>
-                <a:gd name="connsiteX4" fmla="*/ 927100 w 941695"/>
-                <a:gd name="connsiteY4" fmla="*/ 1168400 h 1168400"/>
-                <a:gd name="connsiteX0" fmla="*/ 0 w 944327"/>
-                <a:gd name="connsiteY0" fmla="*/ 0 h 1168400"/>
-                <a:gd name="connsiteX1" fmla="*/ 336550 w 944327"/>
-                <a:gd name="connsiteY1" fmla="*/ 320675 h 1168400"/>
-                <a:gd name="connsiteX2" fmla="*/ 936625 w 944327"/>
-                <a:gd name="connsiteY2" fmla="*/ 203200 h 1168400"/>
-                <a:gd name="connsiteX3" fmla="*/ 692150 w 944327"/>
-                <a:gd name="connsiteY3" fmla="*/ 762000 h 1168400"/>
-                <a:gd name="connsiteX4" fmla="*/ 927100 w 944327"/>
-                <a:gd name="connsiteY4" fmla="*/ 1168400 h 1168400"/>
-                <a:gd name="connsiteX0" fmla="*/ 0 w 944327"/>
-                <a:gd name="connsiteY0" fmla="*/ 0 h 1168400"/>
-                <a:gd name="connsiteX1" fmla="*/ 336550 w 944327"/>
-                <a:gd name="connsiteY1" fmla="*/ 320675 h 1168400"/>
-                <a:gd name="connsiteX2" fmla="*/ 936625 w 944327"/>
-                <a:gd name="connsiteY2" fmla="*/ 203200 h 1168400"/>
-                <a:gd name="connsiteX3" fmla="*/ 692150 w 944327"/>
-                <a:gd name="connsiteY3" fmla="*/ 762000 h 1168400"/>
-                <a:gd name="connsiteX4" fmla="*/ 927100 w 944327"/>
-                <a:gd name="connsiteY4" fmla="*/ 1168400 h 1168400"/>
-                <a:gd name="connsiteX0" fmla="*/ 0 w 927100"/>
-                <a:gd name="connsiteY0" fmla="*/ 0 h 1168400"/>
-                <a:gd name="connsiteX1" fmla="*/ 336550 w 927100"/>
-                <a:gd name="connsiteY1" fmla="*/ 320675 h 1168400"/>
-                <a:gd name="connsiteX2" fmla="*/ 898525 w 927100"/>
-                <a:gd name="connsiteY2" fmla="*/ 200025 h 1168400"/>
-                <a:gd name="connsiteX3" fmla="*/ 692150 w 927100"/>
-                <a:gd name="connsiteY3" fmla="*/ 762000 h 1168400"/>
-                <a:gd name="connsiteX4" fmla="*/ 927100 w 927100"/>
-                <a:gd name="connsiteY4" fmla="*/ 1168400 h 1168400"/>
-                <a:gd name="connsiteX0" fmla="*/ 0 w 927100"/>
-                <a:gd name="connsiteY0" fmla="*/ 0 h 1168400"/>
-                <a:gd name="connsiteX1" fmla="*/ 336550 w 927100"/>
-                <a:gd name="connsiteY1" fmla="*/ 320675 h 1168400"/>
-                <a:gd name="connsiteX2" fmla="*/ 898525 w 927100"/>
-                <a:gd name="connsiteY2" fmla="*/ 200025 h 1168400"/>
-                <a:gd name="connsiteX3" fmla="*/ 692150 w 927100"/>
-                <a:gd name="connsiteY3" fmla="*/ 762000 h 1168400"/>
-                <a:gd name="connsiteX4" fmla="*/ 927100 w 927100"/>
-                <a:gd name="connsiteY4" fmla="*/ 1168400 h 1168400"/>
-                <a:gd name="connsiteX0" fmla="*/ 0 w 927100"/>
-                <a:gd name="connsiteY0" fmla="*/ 0 h 1139825"/>
-                <a:gd name="connsiteX1" fmla="*/ 336550 w 927100"/>
-                <a:gd name="connsiteY1" fmla="*/ 292100 h 1139825"/>
-                <a:gd name="connsiteX2" fmla="*/ 898525 w 927100"/>
-                <a:gd name="connsiteY2" fmla="*/ 171450 h 1139825"/>
-                <a:gd name="connsiteX3" fmla="*/ 692150 w 927100"/>
-                <a:gd name="connsiteY3" fmla="*/ 733425 h 1139825"/>
-                <a:gd name="connsiteX4" fmla="*/ 927100 w 927100"/>
-                <a:gd name="connsiteY4" fmla="*/ 1139825 h 1139825"/>
-                <a:gd name="connsiteX0" fmla="*/ 0 w 914400"/>
-                <a:gd name="connsiteY0" fmla="*/ 0 h 1146175"/>
-                <a:gd name="connsiteX1" fmla="*/ 323850 w 914400"/>
-                <a:gd name="connsiteY1" fmla="*/ 298450 h 1146175"/>
-                <a:gd name="connsiteX2" fmla="*/ 885825 w 914400"/>
-                <a:gd name="connsiteY2" fmla="*/ 177800 h 1146175"/>
-                <a:gd name="connsiteX3" fmla="*/ 679450 w 914400"/>
-                <a:gd name="connsiteY3" fmla="*/ 739775 h 1146175"/>
-                <a:gd name="connsiteX4" fmla="*/ 914400 w 914400"/>
-                <a:gd name="connsiteY4" fmla="*/ 1146175 h 1146175"/>
-                <a:gd name="connsiteX0" fmla="*/ 0 w 914400"/>
-                <a:gd name="connsiteY0" fmla="*/ 0 h 1146175"/>
-                <a:gd name="connsiteX1" fmla="*/ 323850 w 914400"/>
-                <a:gd name="connsiteY1" fmla="*/ 298450 h 1146175"/>
-                <a:gd name="connsiteX2" fmla="*/ 771525 w 914400"/>
-                <a:gd name="connsiteY2" fmla="*/ 282575 h 1146175"/>
-                <a:gd name="connsiteX3" fmla="*/ 679450 w 914400"/>
-                <a:gd name="connsiteY3" fmla="*/ 739775 h 1146175"/>
-                <a:gd name="connsiteX4" fmla="*/ 914400 w 914400"/>
-                <a:gd name="connsiteY4" fmla="*/ 1146175 h 1146175"/>
-                <a:gd name="connsiteX0" fmla="*/ 0 w 914400"/>
-                <a:gd name="connsiteY0" fmla="*/ 0 h 1146175"/>
-                <a:gd name="connsiteX1" fmla="*/ 323850 w 914400"/>
-                <a:gd name="connsiteY1" fmla="*/ 298450 h 1146175"/>
-                <a:gd name="connsiteX2" fmla="*/ 787400 w 914400"/>
-                <a:gd name="connsiteY2" fmla="*/ 263525 h 1146175"/>
-                <a:gd name="connsiteX3" fmla="*/ 679450 w 914400"/>
-                <a:gd name="connsiteY3" fmla="*/ 739775 h 1146175"/>
-                <a:gd name="connsiteX4" fmla="*/ 914400 w 914400"/>
-                <a:gd name="connsiteY4" fmla="*/ 1146175 h 1146175"/>
-                <a:gd name="connsiteX0" fmla="*/ 0 w 914400"/>
-                <a:gd name="connsiteY0" fmla="*/ 0 h 1146175"/>
-                <a:gd name="connsiteX1" fmla="*/ 323850 w 914400"/>
-                <a:gd name="connsiteY1" fmla="*/ 298450 h 1146175"/>
-                <a:gd name="connsiteX2" fmla="*/ 787400 w 914400"/>
-                <a:gd name="connsiteY2" fmla="*/ 263525 h 1146175"/>
-                <a:gd name="connsiteX3" fmla="*/ 635000 w 914400"/>
-                <a:gd name="connsiteY3" fmla="*/ 768350 h 1146175"/>
-                <a:gd name="connsiteX4" fmla="*/ 914400 w 914400"/>
-                <a:gd name="connsiteY4" fmla="*/ 1146175 h 1146175"/>
-                <a:gd name="connsiteX0" fmla="*/ 0 w 914400"/>
-                <a:gd name="connsiteY0" fmla="*/ 0 h 1146175"/>
-                <a:gd name="connsiteX1" fmla="*/ 323850 w 914400"/>
-                <a:gd name="connsiteY1" fmla="*/ 298450 h 1146175"/>
-                <a:gd name="connsiteX2" fmla="*/ 787400 w 914400"/>
-                <a:gd name="connsiteY2" fmla="*/ 263525 h 1146175"/>
-                <a:gd name="connsiteX3" fmla="*/ 663575 w 914400"/>
-                <a:gd name="connsiteY3" fmla="*/ 768350 h 1146175"/>
-                <a:gd name="connsiteX4" fmla="*/ 914400 w 914400"/>
-                <a:gd name="connsiteY4" fmla="*/ 1146175 h 1146175"/>
-                <a:gd name="connsiteX0" fmla="*/ 0 w 914400"/>
-                <a:gd name="connsiteY0" fmla="*/ 0 h 1146175"/>
-                <a:gd name="connsiteX1" fmla="*/ 323850 w 914400"/>
-                <a:gd name="connsiteY1" fmla="*/ 298450 h 1146175"/>
-                <a:gd name="connsiteX2" fmla="*/ 787400 w 914400"/>
-                <a:gd name="connsiteY2" fmla="*/ 263525 h 1146175"/>
-                <a:gd name="connsiteX3" fmla="*/ 673100 w 914400"/>
-                <a:gd name="connsiteY3" fmla="*/ 762000 h 1146175"/>
-                <a:gd name="connsiteX4" fmla="*/ 914400 w 914400"/>
-                <a:gd name="connsiteY4" fmla="*/ 1146175 h 1146175"/>
-              </a:gdLst>
-              <a:ahLst/>
-              <a:cxnLst>
-                <a:cxn ang="0">
-                  <a:pos x="connsiteX0" y="connsiteY0"/>
-                </a:cxn>
-                <a:cxn ang="0">
-                  <a:pos x="connsiteX1" y="connsiteY1"/>
-                </a:cxn>
-                <a:cxn ang="0">
-                  <a:pos x="connsiteX2" y="connsiteY2"/>
-                </a:cxn>
-                <a:cxn ang="0">
-                  <a:pos x="connsiteX3" y="connsiteY3"/>
-                </a:cxn>
-                <a:cxn ang="0">
-                  <a:pos x="connsiteX4" y="connsiteY4"/>
-                </a:cxn>
-              </a:cxnLst>
-              <a:rect l="l" t="t" r="r" b="b"/>
-              <a:pathLst>
-                <a:path w="914400" h="1146175">
-                  <a:moveTo>
-                    <a:pt x="0" y="0"/>
-                  </a:moveTo>
-                  <a:cubicBezTo>
-                    <a:pt x="103981" y="138377"/>
-                    <a:pt x="192617" y="254529"/>
-                    <a:pt x="323850" y="298450"/>
-                  </a:cubicBezTo>
-                  <a:cubicBezTo>
-                    <a:pt x="455083" y="342371"/>
-                    <a:pt x="729192" y="186267"/>
-                    <a:pt x="787400" y="263525"/>
-                  </a:cubicBezTo>
-                  <a:cubicBezTo>
-                    <a:pt x="845608" y="340783"/>
-                    <a:pt x="651933" y="614892"/>
-                    <a:pt x="673100" y="762000"/>
-                  </a:cubicBezTo>
-                  <a:cubicBezTo>
-                    <a:pt x="694267" y="909108"/>
-                    <a:pt x="823913" y="1020763"/>
-                    <a:pt x="914400" y="1146175"/>
-                  </a:cubicBezTo>
-                </a:path>
-              </a:pathLst>
-            </a:custGeom>
-            <a:noFill/>
-            <a:ln>
-              <a:solidFill>
-                <a:schemeClr val="accent2"/>
               </a:solidFill>
             </a:ln>
           </p:spPr>
@@ -4957,75 +7254,232 @@
             </a:p>
           </p:txBody>
         </p:sp>
-        <p:graphicFrame>
-          <p:nvGraphicFramePr>
-            <p:cNvPr id="135" name="对象 134">
+        <p:sp>
+          <p:nvSpPr>
+            <p:cNvPr id="174" name="矩形 173">
               <a:extLst>
                 <a:ext uri="{FF2B5EF4-FFF2-40B4-BE49-F238E27FC236}">
-                  <a16:creationId xmlns:a16="http://schemas.microsoft.com/office/drawing/2014/main" id="{3DEDD734-F6BC-8CAA-73E0-0FA0A99C6662}"/>
+                  <a16:creationId xmlns:a16="http://schemas.microsoft.com/office/drawing/2014/main" id="{CDCE1C9D-28FD-05BA-DDC2-8A22D1598138}"/>
                 </a:ext>
               </a:extLst>
             </p:cNvPr>
-            <p:cNvGraphicFramePr>
-              <a:graphicFrameLocks noChangeAspect="1"/>
-            </p:cNvGraphicFramePr>
-            <p:nvPr>
-              <p:extLst>
-                <p:ext uri="{D42A27DB-BD31-4B8C-83A1-F6EECF244321}">
-                  <p14:modId xmlns:p14="http://schemas.microsoft.com/office/powerpoint/2010/main" val="899098131"/>
-                </p:ext>
-              </p:extLst>
-            </p:nvPr>
-          </p:nvGraphicFramePr>
-          <p:xfrm>
-            <a:off x="5300800" y="1881728"/>
-            <a:ext cx="268288" cy="188913"/>
-          </p:xfrm>
-          <a:graphic>
-            <a:graphicData uri="http://schemas.openxmlformats.org/presentationml/2006/ole">
-              <mc:AlternateContent xmlns:mc="http://schemas.openxmlformats.org/markup-compatibility/2006">
-                <mc:Choice xmlns:v="urn:schemas-microsoft-com:vml" Requires="v">
-                  <p:oleObj name="AxMath" r:id="rId2" imgW="268560" imgH="188280" progId="Equation.AxMath">
-                    <p:embed/>
-                  </p:oleObj>
-                </mc:Choice>
-                <mc:Fallback>
-                  <p:oleObj name="AxMath" r:id="rId2" imgW="268560" imgH="188280" progId="Equation.AxMath">
-                    <p:embed/>
-                    <p:pic>
-                      <p:nvPicPr>
-                        <p:cNvPr id="0" name=""/>
-                        <p:cNvPicPr/>
-                        <p:nvPr/>
-                      </p:nvPicPr>
-                      <p:blipFill>
-                        <a:blip r:embed="rId3"/>
-                        <a:stretch>
-                          <a:fillRect/>
-                        </a:stretch>
-                      </p:blipFill>
-                      <p:spPr>
-                        <a:xfrm>
-                          <a:off x="5300800" y="1881728"/>
-                          <a:ext cx="268288" cy="188913"/>
-                        </a:xfrm>
-                        <a:prstGeom prst="rect">
-                          <a:avLst/>
-                        </a:prstGeom>
-                      </p:spPr>
-                    </p:pic>
-                  </p:oleObj>
-                </mc:Fallback>
-              </mc:AlternateContent>
-            </a:graphicData>
-          </a:graphic>
-        </p:graphicFrame>
+            <p:cNvSpPr/>
+            <p:nvPr/>
+          </p:nvSpPr>
+          <p:spPr>
+            <a:xfrm>
+              <a:off x="6960594" y="3981524"/>
+              <a:ext cx="1080120" cy="720080"/>
+            </a:xfrm>
+            <a:prstGeom prst="rect">
+              <a:avLst/>
+            </a:prstGeom>
+            <a:solidFill>
+              <a:schemeClr val="bg1"/>
+            </a:solidFill>
+            <a:ln w="19050">
+              <a:solidFill>
+                <a:schemeClr val="accent2">
+                  <a:lumMod val="60000"/>
+                  <a:lumOff val="40000"/>
+                </a:schemeClr>
+              </a:solidFill>
+            </a:ln>
+          </p:spPr>
+          <p:style>
+            <a:lnRef idx="2">
+              <a:schemeClr val="accent1">
+                <a:shade val="50000"/>
+              </a:schemeClr>
+            </a:lnRef>
+            <a:fillRef idx="1">
+              <a:schemeClr val="accent1"/>
+            </a:fillRef>
+            <a:effectRef idx="0">
+              <a:schemeClr val="accent1"/>
+            </a:effectRef>
+            <a:fontRef idx="minor">
+              <a:schemeClr val="lt1"/>
+            </a:fontRef>
+          </p:style>
+          <p:txBody>
+            <a:bodyPr rtlCol="0" anchor="ctr"/>
+            <a:lstStyle/>
+            <a:p>
+              <a:pPr algn="ctr"/>
+              <a:endParaRPr lang="zh-CN" altLang="en-US"/>
+            </a:p>
+          </p:txBody>
+        </p:sp>
         <p:sp>
           <p:nvSpPr>
-            <p:cNvPr id="2" name="文本框 1">
+            <p:cNvPr id="175" name="矩形 174">
               <a:extLst>
                 <a:ext uri="{FF2B5EF4-FFF2-40B4-BE49-F238E27FC236}">
-                  <a16:creationId xmlns:a16="http://schemas.microsoft.com/office/drawing/2014/main" id="{FA3C4815-E675-E0EC-875D-535E9C0A83A0}"/>
+                  <a16:creationId xmlns:a16="http://schemas.microsoft.com/office/drawing/2014/main" id="{3F87576B-7EC8-8A82-5A53-3961C42A7BAF}"/>
+                </a:ext>
+              </a:extLst>
+            </p:cNvPr>
+            <p:cNvSpPr/>
+            <p:nvPr/>
+          </p:nvSpPr>
+          <p:spPr>
+            <a:xfrm>
+              <a:off x="6796965" y="4133775"/>
+              <a:ext cx="1080120" cy="720080"/>
+            </a:xfrm>
+            <a:prstGeom prst="rect">
+              <a:avLst/>
+            </a:prstGeom>
+            <a:solidFill>
+              <a:schemeClr val="bg1"/>
+            </a:solidFill>
+            <a:ln w="19050">
+              <a:solidFill>
+                <a:schemeClr val="accent5"/>
+              </a:solidFill>
+            </a:ln>
+          </p:spPr>
+          <p:style>
+            <a:lnRef idx="2">
+              <a:schemeClr val="accent1">
+                <a:shade val="50000"/>
+              </a:schemeClr>
+            </a:lnRef>
+            <a:fillRef idx="1">
+              <a:schemeClr val="accent1"/>
+            </a:fillRef>
+            <a:effectRef idx="0">
+              <a:schemeClr val="accent1"/>
+            </a:effectRef>
+            <a:fontRef idx="minor">
+              <a:schemeClr val="lt1"/>
+            </a:fontRef>
+          </p:style>
+          <p:txBody>
+            <a:bodyPr rtlCol="0" anchor="ctr"/>
+            <a:lstStyle/>
+            <a:p>
+              <a:pPr algn="ctr"/>
+              <a:endParaRPr lang="zh-CN" altLang="en-US"/>
+            </a:p>
+          </p:txBody>
+        </p:sp>
+        <p:sp>
+          <p:nvSpPr>
+            <p:cNvPr id="176" name="立方体 175">
+              <a:extLst>
+                <a:ext uri="{FF2B5EF4-FFF2-40B4-BE49-F238E27FC236}">
+                  <a16:creationId xmlns:a16="http://schemas.microsoft.com/office/drawing/2014/main" id="{45932E65-29F9-44A2-BD58-2A6B45EC229D}"/>
+                </a:ext>
+              </a:extLst>
+            </p:cNvPr>
+            <p:cNvSpPr/>
+            <p:nvPr/>
+          </p:nvSpPr>
+          <p:spPr>
+            <a:xfrm>
+              <a:off x="7261407" y="4205783"/>
+              <a:ext cx="463833" cy="463833"/>
+            </a:xfrm>
+            <a:prstGeom prst="cube">
+              <a:avLst>
+                <a:gd name="adj" fmla="val 73471"/>
+              </a:avLst>
+            </a:prstGeom>
+            <a:noFill/>
+            <a:ln>
+              <a:solidFill>
+                <a:schemeClr val="tx1"/>
+              </a:solidFill>
+              <a:prstDash val="dash"/>
+            </a:ln>
+          </p:spPr>
+          <p:style>
+            <a:lnRef idx="2">
+              <a:schemeClr val="accent1">
+                <a:shade val="50000"/>
+              </a:schemeClr>
+            </a:lnRef>
+            <a:fillRef idx="1">
+              <a:schemeClr val="accent1"/>
+            </a:fillRef>
+            <a:effectRef idx="0">
+              <a:schemeClr val="accent1"/>
+            </a:effectRef>
+            <a:fontRef idx="minor">
+              <a:schemeClr val="lt1"/>
+            </a:fontRef>
+          </p:style>
+          <p:txBody>
+            <a:bodyPr rtlCol="0" anchor="ctr"/>
+            <a:lstStyle/>
+            <a:p>
+              <a:pPr algn="ctr"/>
+              <a:endParaRPr lang="zh-CN" altLang="en-US"/>
+            </a:p>
+          </p:txBody>
+        </p:sp>
+        <p:sp>
+          <p:nvSpPr>
+            <p:cNvPr id="177" name="矩形 176">
+              <a:extLst>
+                <a:ext uri="{FF2B5EF4-FFF2-40B4-BE49-F238E27FC236}">
+                  <a16:creationId xmlns:a16="http://schemas.microsoft.com/office/drawing/2014/main" id="{C1ED6368-8EF4-5DD4-8CE7-4FCFBAE6F35B}"/>
+                </a:ext>
+              </a:extLst>
+            </p:cNvPr>
+            <p:cNvSpPr/>
+            <p:nvPr/>
+          </p:nvSpPr>
+          <p:spPr>
+            <a:xfrm>
+              <a:off x="7261407" y="4545630"/>
+              <a:ext cx="123986" cy="123986"/>
+            </a:xfrm>
+            <a:prstGeom prst="rect">
+              <a:avLst/>
+            </a:prstGeom>
+            <a:solidFill>
+              <a:schemeClr val="bg1"/>
+            </a:solidFill>
+            <a:ln>
+              <a:solidFill>
+                <a:schemeClr val="tx1"/>
+              </a:solidFill>
+            </a:ln>
+          </p:spPr>
+          <p:style>
+            <a:lnRef idx="2">
+              <a:schemeClr val="accent1">
+                <a:shade val="50000"/>
+              </a:schemeClr>
+            </a:lnRef>
+            <a:fillRef idx="1">
+              <a:schemeClr val="accent1"/>
+            </a:fillRef>
+            <a:effectRef idx="0">
+              <a:schemeClr val="accent1"/>
+            </a:effectRef>
+            <a:fontRef idx="minor">
+              <a:schemeClr val="lt1"/>
+            </a:fontRef>
+          </p:style>
+          <p:txBody>
+            <a:bodyPr rtlCol="0" anchor="ctr"/>
+            <a:lstStyle/>
+            <a:p>
+              <a:pPr algn="ctr"/>
+              <a:endParaRPr lang="zh-CN" altLang="en-US"/>
+            </a:p>
+          </p:txBody>
+        </p:sp>
+        <p:sp>
+          <p:nvSpPr>
+            <p:cNvPr id="178" name="文本框 177">
+              <a:extLst>
+                <a:ext uri="{FF2B5EF4-FFF2-40B4-BE49-F238E27FC236}">
+                  <a16:creationId xmlns:a16="http://schemas.microsoft.com/office/drawing/2014/main" id="{84D365E9-740D-2646-C288-C33D0D92FB53}"/>
                 </a:ext>
               </a:extLst>
             </p:cNvPr>
@@ -5034,8 +7488,8 @@
           </p:nvSpPr>
           <p:spPr>
             <a:xfrm>
-              <a:off x="2230491" y="3557992"/>
-              <a:ext cx="2160240" cy="276999"/>
+              <a:off x="6456042" y="3243539"/>
+              <a:ext cx="1954994" cy="276999"/>
             </a:xfrm>
             <a:prstGeom prst="rect">
               <a:avLst/>
@@ -5050,23 +7504,66 @@
             <a:p>
               <a:pPr algn="ctr"/>
               <a:r>
-                <a:rPr lang="en-US" altLang="zh-CN" sz="1200" dirty="0">
+                <a:rPr lang="en-US" altLang="zh-CN" sz="1200" i="1" dirty="0">
                   <a:latin typeface="Consolas" panose="020B0609020204030204" pitchFamily="49" charset="0"/>
+                  <a:ea typeface="微软雅黑" panose="020B0503020204020204" pitchFamily="34" charset="-122"/>
                 </a:rPr>
-                <a:t>reference image</a:t>
+                <a:t>take minimum along</a:t>
               </a:r>
-              <a:endParaRPr lang="zh-CN" altLang="en-US" sz="1200" dirty="0">
+              <a:endParaRPr lang="zh-CN" altLang="en-US" sz="1200" i="1" dirty="0">
                 <a:latin typeface="Consolas" panose="020B0609020204030204" pitchFamily="49" charset="0"/>
+                <a:ea typeface="微软雅黑" panose="020B0503020204020204" pitchFamily="34" charset="-122"/>
               </a:endParaRPr>
             </a:p>
           </p:txBody>
         </p:sp>
+        <p:cxnSp>
+          <p:nvCxnSpPr>
+            <p:cNvPr id="179" name="直接箭头连接符 178">
+              <a:extLst>
+                <a:ext uri="{FF2B5EF4-FFF2-40B4-BE49-F238E27FC236}">
+                  <a16:creationId xmlns:a16="http://schemas.microsoft.com/office/drawing/2014/main" id="{B4E42271-93E6-FA81-DE04-12F26FF03A47}"/>
+                </a:ext>
+              </a:extLst>
+            </p:cNvPr>
+            <p:cNvCxnSpPr>
+              <a:cxnSpLocks/>
+            </p:cNvCxnSpPr>
+            <p:nvPr/>
+          </p:nvCxnSpPr>
+          <p:spPr>
+            <a:xfrm flipV="1">
+              <a:off x="7433539" y="3540245"/>
+              <a:ext cx="0" cy="775363"/>
+            </a:xfrm>
+            <a:prstGeom prst="straightConnector1">
+              <a:avLst/>
+            </a:prstGeom>
+            <a:ln w="12700">
+              <a:tailEnd type="triangle"/>
+            </a:ln>
+          </p:spPr>
+          <p:style>
+            <a:lnRef idx="1">
+              <a:schemeClr val="dk1"/>
+            </a:lnRef>
+            <a:fillRef idx="0">
+              <a:schemeClr val="dk1"/>
+            </a:fillRef>
+            <a:effectRef idx="0">
+              <a:schemeClr val="dk1"/>
+            </a:effectRef>
+            <a:fontRef idx="minor">
+              <a:schemeClr val="tx1"/>
+            </a:fontRef>
+          </p:style>
+        </p:cxnSp>
         <p:sp>
           <p:nvSpPr>
-            <p:cNvPr id="3" name="文本框 2">
+            <p:cNvPr id="180" name="文本框 179">
               <a:extLst>
                 <a:ext uri="{FF2B5EF4-FFF2-40B4-BE49-F238E27FC236}">
-                  <a16:creationId xmlns:a16="http://schemas.microsoft.com/office/drawing/2014/main" id="{FA2F8B2B-1CC7-AFA8-A67F-6B6FB47A249E}"/>
+                  <a16:creationId xmlns:a16="http://schemas.microsoft.com/office/drawing/2014/main" id="{B704D32F-7AE2-317F-4A89-AF9DAE17CF60}"/>
                 </a:ext>
               </a:extLst>
             </p:cNvPr>
@@ -5075,8 +7572,8 @@
           </p:nvSpPr>
           <p:spPr>
             <a:xfrm>
-              <a:off x="5231904" y="3781449"/>
-              <a:ext cx="2160240" cy="276999"/>
+              <a:off x="6228020" y="4992244"/>
+              <a:ext cx="2550022" cy="461665"/>
             </a:xfrm>
             <a:prstGeom prst="rect">
               <a:avLst/>
@@ -5091,17 +7588,342 @@
             <a:p>
               <a:pPr algn="ctr"/>
               <a:r>
-                <a:rPr lang="en-US" altLang="zh-CN" sz="1200" dirty="0">
+                <a:rPr lang="en-US" altLang="zh-CN" sz="1200" i="1">
                   <a:latin typeface="Consolas" panose="020B0609020204030204" pitchFamily="49" charset="0"/>
+                  <a:ea typeface="微软雅黑" panose="020B0503020204020204" pitchFamily="34" charset="-122"/>
                 </a:rPr>
-                <a:t>novel view</a:t>
+                <a:t>reduction: per-pixel minimum</a:t>
+              </a:r>
+            </a:p>
+            <a:p>
+              <a:pPr algn="ctr"/>
+              <a:r>
+                <a:rPr lang="en-US" altLang="zh-CN" sz="1200" i="1">
+                  <a:latin typeface="Consolas" panose="020B0609020204030204" pitchFamily="49" charset="0"/>
+                  <a:ea typeface="微软雅黑" panose="020B0503020204020204" pitchFamily="34" charset="-122"/>
+                </a:rPr>
+                <a:t>along different loss image</a:t>
               </a:r>
               <a:endParaRPr lang="zh-CN" altLang="en-US" sz="1200" dirty="0">
                 <a:latin typeface="Consolas" panose="020B0609020204030204" pitchFamily="49" charset="0"/>
+                <a:ea typeface="微软雅黑" panose="020B0503020204020204" pitchFamily="34" charset="-122"/>
               </a:endParaRPr>
             </a:p>
           </p:txBody>
         </p:sp>
+        <p:cxnSp>
+          <p:nvCxnSpPr>
+            <p:cNvPr id="181" name="直接箭头连接符 180">
+              <a:extLst>
+                <a:ext uri="{FF2B5EF4-FFF2-40B4-BE49-F238E27FC236}">
+                  <a16:creationId xmlns:a16="http://schemas.microsoft.com/office/drawing/2014/main" id="{D7BA05DB-EBCA-E1C0-634A-B606978F70B7}"/>
+                </a:ext>
+              </a:extLst>
+            </p:cNvPr>
+            <p:cNvCxnSpPr>
+              <a:cxnSpLocks/>
+            </p:cNvCxnSpPr>
+            <p:nvPr/>
+          </p:nvCxnSpPr>
+          <p:spPr>
+            <a:xfrm>
+              <a:off x="8502912" y="4484972"/>
+              <a:ext cx="597693" cy="0"/>
+            </a:xfrm>
+            <a:prstGeom prst="straightConnector1">
+              <a:avLst/>
+            </a:prstGeom>
+            <a:ln w="15875">
+              <a:prstDash val="dash"/>
+              <a:tailEnd type="triangle"/>
+            </a:ln>
+          </p:spPr>
+          <p:style>
+            <a:lnRef idx="1">
+              <a:schemeClr val="dk1"/>
+            </a:lnRef>
+            <a:fillRef idx="0">
+              <a:schemeClr val="dk1"/>
+            </a:fillRef>
+            <a:effectRef idx="0">
+              <a:schemeClr val="dk1"/>
+            </a:effectRef>
+            <a:fontRef idx="minor">
+              <a:schemeClr val="tx1"/>
+            </a:fontRef>
+          </p:style>
+        </p:cxnSp>
+        <p:grpSp>
+          <p:nvGrpSpPr>
+            <p:cNvPr id="182" name="组合 181">
+              <a:extLst>
+                <a:ext uri="{FF2B5EF4-FFF2-40B4-BE49-F238E27FC236}">
+                  <a16:creationId xmlns:a16="http://schemas.microsoft.com/office/drawing/2014/main" id="{1D7BB30B-E668-3FC1-243F-04C178FBCC32}"/>
+                </a:ext>
+              </a:extLst>
+            </p:cNvPr>
+            <p:cNvGrpSpPr/>
+            <p:nvPr/>
+          </p:nvGrpSpPr>
+          <p:grpSpPr>
+            <a:xfrm>
+              <a:off x="9221106" y="4110356"/>
+              <a:ext cx="1763713" cy="1251827"/>
+              <a:chOff x="8785069" y="4597587"/>
+              <a:chExt cx="1763713" cy="1251827"/>
+            </a:xfrm>
+          </p:grpSpPr>
+          <p:sp>
+            <p:nvSpPr>
+              <p:cNvPr id="184" name="矩形 183">
+                <a:extLst>
+                  <a:ext uri="{FF2B5EF4-FFF2-40B4-BE49-F238E27FC236}">
+                    <a16:creationId xmlns:a16="http://schemas.microsoft.com/office/drawing/2014/main" id="{E7831DC5-BF04-FA60-5841-6310285D2D1E}"/>
+                  </a:ext>
+                </a:extLst>
+              </p:cNvPr>
+              <p:cNvSpPr/>
+              <p:nvPr/>
+            </p:nvSpPr>
+            <p:spPr>
+              <a:xfrm>
+                <a:off x="9288448" y="4597587"/>
+                <a:ext cx="1080120" cy="720080"/>
+              </a:xfrm>
+              <a:prstGeom prst="rect">
+                <a:avLst/>
+              </a:prstGeom>
+              <a:solidFill>
+                <a:schemeClr val="bg1"/>
+              </a:solidFill>
+              <a:ln w="19050">
+                <a:solidFill>
+                  <a:schemeClr val="tx1"/>
+                </a:solidFill>
+              </a:ln>
+            </p:spPr>
+            <p:style>
+              <a:lnRef idx="2">
+                <a:schemeClr val="accent1">
+                  <a:shade val="50000"/>
+                </a:schemeClr>
+              </a:lnRef>
+              <a:fillRef idx="1">
+                <a:schemeClr val="accent1"/>
+              </a:fillRef>
+              <a:effectRef idx="0">
+                <a:schemeClr val="accent1"/>
+              </a:effectRef>
+              <a:fontRef idx="minor">
+                <a:schemeClr val="lt1"/>
+              </a:fontRef>
+            </p:style>
+            <p:txBody>
+              <a:bodyPr rtlCol="0" anchor="ctr"/>
+              <a:lstStyle/>
+              <a:p>
+                <a:pPr algn="ctr"/>
+                <a:endParaRPr lang="zh-CN" altLang="en-US"/>
+              </a:p>
+            </p:txBody>
+          </p:sp>
+          <p:sp>
+            <p:nvSpPr>
+              <p:cNvPr id="185" name="文本框 184">
+                <a:extLst>
+                  <a:ext uri="{FF2B5EF4-FFF2-40B4-BE49-F238E27FC236}">
+                    <a16:creationId xmlns:a16="http://schemas.microsoft.com/office/drawing/2014/main" id="{2D032161-9264-A6A5-DC22-1482752C5195}"/>
+                  </a:ext>
+                </a:extLst>
+              </p:cNvPr>
+              <p:cNvSpPr txBox="1"/>
+              <p:nvPr/>
+            </p:nvSpPr>
+            <p:spPr>
+              <a:xfrm>
+                <a:off x="9064265" y="5572415"/>
+                <a:ext cx="1276218" cy="276999"/>
+              </a:xfrm>
+              <a:prstGeom prst="rect">
+                <a:avLst/>
+              </a:prstGeom>
+              <a:noFill/>
+            </p:spPr>
+            <p:txBody>
+              <a:bodyPr wrap="square" rtlCol="0">
+                <a:spAutoFit/>
+              </a:bodyPr>
+              <a:lstStyle/>
+              <a:p>
+                <a:pPr algn="ctr"/>
+                <a:r>
+                  <a:rPr lang="en-US" altLang="zh-CN" sz="1200" i="1" dirty="0">
+                    <a:latin typeface="Consolas" panose="020B0609020204030204" pitchFamily="49" charset="0"/>
+                    <a:ea typeface="微软雅黑" panose="020B0503020204020204" pitchFamily="34" charset="-122"/>
+                  </a:rPr>
+                  <a:t>final loss</a:t>
+                </a:r>
+                <a:endParaRPr lang="zh-CN" altLang="en-US" sz="1200" dirty="0">
+                  <a:latin typeface="Consolas" panose="020B0609020204030204" pitchFamily="49" charset="0"/>
+                  <a:ea typeface="微软雅黑" panose="020B0503020204020204" pitchFamily="34" charset="-122"/>
+                </a:endParaRPr>
+              </a:p>
+            </p:txBody>
+          </p:sp>
+          <p:graphicFrame>
+            <p:nvGraphicFramePr>
+              <p:cNvPr id="186" name="对象 185">
+                <a:extLst>
+                  <a:ext uri="{FF2B5EF4-FFF2-40B4-BE49-F238E27FC236}">
+                    <a16:creationId xmlns:a16="http://schemas.microsoft.com/office/drawing/2014/main" id="{6B053E8F-7E16-8BC7-6538-32C5B75192E0}"/>
+                  </a:ext>
+                </a:extLst>
+              </p:cNvPr>
+              <p:cNvGraphicFramePr>
+                <a:graphicFrameLocks noChangeAspect="1"/>
+              </p:cNvGraphicFramePr>
+              <p:nvPr>
+                <p:extLst>
+                  <p:ext uri="{D42A27DB-BD31-4B8C-83A1-F6EECF244321}">
+                    <p14:modId xmlns:p14="http://schemas.microsoft.com/office/powerpoint/2010/main" val="2605112502"/>
+                  </p:ext>
+                </p:extLst>
+              </p:nvPr>
+            </p:nvGraphicFramePr>
+            <p:xfrm>
+              <a:off x="8785069" y="4835642"/>
+              <a:ext cx="1763713" cy="277812"/>
+            </p:xfrm>
+            <a:graphic>
+              <a:graphicData uri="http://schemas.openxmlformats.org/presentationml/2006/ole">
+                <mc:AlternateContent xmlns:mc="http://schemas.openxmlformats.org/markup-compatibility/2006">
+                  <mc:Choice xmlns:v="urn:schemas-microsoft-com:vml" Requires="v">
+                    <p:oleObj name="AxMath" r:id="rId21" imgW="1200960" imgH="188280" progId="Equation.AxMath">
+                      <p:embed/>
+                    </p:oleObj>
+                  </mc:Choice>
+                  <mc:Fallback>
+                    <p:oleObj name="AxMath" r:id="rId21" imgW="1200960" imgH="188280" progId="Equation.AxMath">
+                      <p:embed/>
+                      <p:pic>
+                        <p:nvPicPr>
+                          <p:cNvPr id="103" name="对象 102">
+                            <a:extLst>
+                              <a:ext uri="{FF2B5EF4-FFF2-40B4-BE49-F238E27FC236}">
+                                <a16:creationId xmlns:a16="http://schemas.microsoft.com/office/drawing/2014/main" id="{20AC12C6-8402-F8B0-E96E-14D16DD497C8}"/>
+                              </a:ext>
+                            </a:extLst>
+                          </p:cNvPr>
+                          <p:cNvPicPr/>
+                          <p:nvPr/>
+                        </p:nvPicPr>
+                        <p:blipFill>
+                          <a:blip r:embed="rId22"/>
+                          <a:stretch>
+                            <a:fillRect/>
+                          </a:stretch>
+                        </p:blipFill>
+                        <p:spPr>
+                          <a:xfrm>
+                            <a:off x="8785069" y="4835642"/>
+                            <a:ext cx="1763713" cy="277812"/>
+                          </a:xfrm>
+                          <a:prstGeom prst="rect">
+                            <a:avLst/>
+                          </a:prstGeom>
+                        </p:spPr>
+                      </p:pic>
+                    </p:oleObj>
+                  </mc:Fallback>
+                </mc:AlternateContent>
+              </a:graphicData>
+            </a:graphic>
+          </p:graphicFrame>
+        </p:grpSp>
+        <p:cxnSp>
+          <p:nvCxnSpPr>
+            <p:cNvPr id="183" name="直接箭头连接符 182">
+              <a:extLst>
+                <a:ext uri="{FF2B5EF4-FFF2-40B4-BE49-F238E27FC236}">
+                  <a16:creationId xmlns:a16="http://schemas.microsoft.com/office/drawing/2014/main" id="{012C6CE3-2508-70F6-B9B6-B8CB64A67ECE}"/>
+                </a:ext>
+              </a:extLst>
+            </p:cNvPr>
+            <p:cNvCxnSpPr>
+              <a:cxnSpLocks/>
+            </p:cNvCxnSpPr>
+            <p:nvPr/>
+          </p:nvCxnSpPr>
+          <p:spPr>
+            <a:xfrm flipV="1">
+              <a:off x="8260784" y="3327500"/>
+              <a:ext cx="114917" cy="114917"/>
+            </a:xfrm>
+            <a:prstGeom prst="straightConnector1">
+              <a:avLst/>
+            </a:prstGeom>
+            <a:ln w="15875">
+              <a:prstDash val="solid"/>
+              <a:tailEnd type="triangle"/>
+            </a:ln>
+          </p:spPr>
+          <p:style>
+            <a:lnRef idx="1">
+              <a:schemeClr val="dk1"/>
+            </a:lnRef>
+            <a:fillRef idx="0">
+              <a:schemeClr val="dk1"/>
+            </a:fillRef>
+            <a:effectRef idx="0">
+              <a:schemeClr val="dk1"/>
+            </a:effectRef>
+            <a:fontRef idx="minor">
+              <a:schemeClr val="tx1"/>
+            </a:fontRef>
+          </p:style>
+        </p:cxnSp>
+        <p:cxnSp>
+          <p:nvCxnSpPr>
+            <p:cNvPr id="14" name="直接箭头连接符 13">
+              <a:extLst>
+                <a:ext uri="{FF2B5EF4-FFF2-40B4-BE49-F238E27FC236}">
+                  <a16:creationId xmlns:a16="http://schemas.microsoft.com/office/drawing/2014/main" id="{2F18123B-2440-5EDC-5069-46D1F5C79AD2}"/>
+                </a:ext>
+              </a:extLst>
+            </p:cNvPr>
+            <p:cNvCxnSpPr>
+              <a:cxnSpLocks/>
+            </p:cNvCxnSpPr>
+            <p:nvPr/>
+          </p:nvCxnSpPr>
+          <p:spPr>
+            <a:xfrm flipV="1">
+              <a:off x="7578118" y="4437699"/>
+              <a:ext cx="165817" cy="165817"/>
+            </a:xfrm>
+            <a:prstGeom prst="straightConnector1">
+              <a:avLst/>
+            </a:prstGeom>
+            <a:ln w="15875">
+              <a:prstDash val="solid"/>
+              <a:tailEnd type="triangle"/>
+            </a:ln>
+          </p:spPr>
+          <p:style>
+            <a:lnRef idx="1">
+              <a:schemeClr val="dk1"/>
+            </a:lnRef>
+            <a:fillRef idx="0">
+              <a:schemeClr val="dk1"/>
+            </a:fillRef>
+            <a:effectRef idx="0">
+              <a:schemeClr val="dk1"/>
+            </a:effectRef>
+            <a:fontRef idx="minor">
+              <a:schemeClr val="tx1"/>
+            </a:fontRef>
+          </p:style>
+        </p:cxnSp>
       </p:grpSp>
     </p:spTree>
     <p:extLst>

--- a/src/raw/RawFigure.pptx
+++ b/src/raw/RawFigure.pptx
@@ -6,6 +6,7 @@
   </p:sldMasterIdLst>
   <p:sldIdLst>
     <p:sldId id="256" r:id="rId2"/>
+    <p:sldId id="257" r:id="rId3"/>
   </p:sldIdLst>
   <p:sldSz cx="12192000" cy="6858000"/>
   <p:notesSz cx="6858000" cy="9144000"/>
@@ -259,7 +260,7 @@
           <a:p>
             <a:fld id="{4D4988A0-7A80-4B0D-9F1E-5E5F806F686B}" type="datetimeFigureOut">
               <a:rPr lang="zh-CN" altLang="en-US" smtClean="0"/>
-              <a:t>2023/4/9</a:t>
+              <a:t>2023/4/23</a:t>
             </a:fld>
             <a:endParaRPr lang="zh-CN" altLang="en-US"/>
           </a:p>
@@ -457,7 +458,7 @@
           <a:p>
             <a:fld id="{4D4988A0-7A80-4B0D-9F1E-5E5F806F686B}" type="datetimeFigureOut">
               <a:rPr lang="zh-CN" altLang="en-US" smtClean="0"/>
-              <a:t>2023/4/9</a:t>
+              <a:t>2023/4/23</a:t>
             </a:fld>
             <a:endParaRPr lang="zh-CN" altLang="en-US"/>
           </a:p>
@@ -665,7 +666,7 @@
           <a:p>
             <a:fld id="{4D4988A0-7A80-4B0D-9F1E-5E5F806F686B}" type="datetimeFigureOut">
               <a:rPr lang="zh-CN" altLang="en-US" smtClean="0"/>
-              <a:t>2023/4/9</a:t>
+              <a:t>2023/4/23</a:t>
             </a:fld>
             <a:endParaRPr lang="zh-CN" altLang="en-US"/>
           </a:p>
@@ -863,7 +864,7 @@
           <a:p>
             <a:fld id="{4D4988A0-7A80-4B0D-9F1E-5E5F806F686B}" type="datetimeFigureOut">
               <a:rPr lang="zh-CN" altLang="en-US" smtClean="0"/>
-              <a:t>2023/4/9</a:t>
+              <a:t>2023/4/23</a:t>
             </a:fld>
             <a:endParaRPr lang="zh-CN" altLang="en-US"/>
           </a:p>
@@ -1138,7 +1139,7 @@
           <a:p>
             <a:fld id="{4D4988A0-7A80-4B0D-9F1E-5E5F806F686B}" type="datetimeFigureOut">
               <a:rPr lang="zh-CN" altLang="en-US" smtClean="0"/>
-              <a:t>2023/4/9</a:t>
+              <a:t>2023/4/23</a:t>
             </a:fld>
             <a:endParaRPr lang="zh-CN" altLang="en-US"/>
           </a:p>
@@ -1403,7 +1404,7 @@
           <a:p>
             <a:fld id="{4D4988A0-7A80-4B0D-9F1E-5E5F806F686B}" type="datetimeFigureOut">
               <a:rPr lang="zh-CN" altLang="en-US" smtClean="0"/>
-              <a:t>2023/4/9</a:t>
+              <a:t>2023/4/23</a:t>
             </a:fld>
             <a:endParaRPr lang="zh-CN" altLang="en-US"/>
           </a:p>
@@ -1815,7 +1816,7 @@
           <a:p>
             <a:fld id="{4D4988A0-7A80-4B0D-9F1E-5E5F806F686B}" type="datetimeFigureOut">
               <a:rPr lang="zh-CN" altLang="en-US" smtClean="0"/>
-              <a:t>2023/4/9</a:t>
+              <a:t>2023/4/23</a:t>
             </a:fld>
             <a:endParaRPr lang="zh-CN" altLang="en-US"/>
           </a:p>
@@ -1956,7 +1957,7 @@
           <a:p>
             <a:fld id="{4D4988A0-7A80-4B0D-9F1E-5E5F806F686B}" type="datetimeFigureOut">
               <a:rPr lang="zh-CN" altLang="en-US" smtClean="0"/>
-              <a:t>2023/4/9</a:t>
+              <a:t>2023/4/23</a:t>
             </a:fld>
             <a:endParaRPr lang="zh-CN" altLang="en-US"/>
           </a:p>
@@ -2069,7 +2070,7 @@
           <a:p>
             <a:fld id="{4D4988A0-7A80-4B0D-9F1E-5E5F806F686B}" type="datetimeFigureOut">
               <a:rPr lang="zh-CN" altLang="en-US" smtClean="0"/>
-              <a:t>2023/4/9</a:t>
+              <a:t>2023/4/23</a:t>
             </a:fld>
             <a:endParaRPr lang="zh-CN" altLang="en-US"/>
           </a:p>
@@ -2380,7 +2381,7 @@
           <a:p>
             <a:fld id="{4D4988A0-7A80-4B0D-9F1E-5E5F806F686B}" type="datetimeFigureOut">
               <a:rPr lang="zh-CN" altLang="en-US" smtClean="0"/>
-              <a:t>2023/4/9</a:t>
+              <a:t>2023/4/23</a:t>
             </a:fld>
             <a:endParaRPr lang="zh-CN" altLang="en-US"/>
           </a:p>
@@ -2668,7 +2669,7 @@
           <a:p>
             <a:fld id="{4D4988A0-7A80-4B0D-9F1E-5E5F806F686B}" type="datetimeFigureOut">
               <a:rPr lang="zh-CN" altLang="en-US" smtClean="0"/>
-              <a:t>2023/4/9</a:t>
+              <a:t>2023/4/23</a:t>
             </a:fld>
             <a:endParaRPr lang="zh-CN" altLang="en-US"/>
           </a:p>
@@ -2909,7 +2910,7 @@
           <a:p>
             <a:fld id="{4D4988A0-7A80-4B0D-9F1E-5E5F806F686B}" type="datetimeFigureOut">
               <a:rPr lang="zh-CN" altLang="en-US" smtClean="0"/>
-              <a:t>2023/4/9</a:t>
+              <a:t>2023/4/23</a:t>
             </a:fld>
             <a:endParaRPr lang="zh-CN" altLang="en-US"/>
           </a:p>
@@ -7938,6 +7939,3730 @@
 </p:sld>
 </file>
 
+<file path=ppt/slides/slide2.xml><?xml version="1.0" encoding="utf-8"?>
+<p:sld xmlns:a="http://schemas.openxmlformats.org/drawingml/2006/main" xmlns:r="http://schemas.openxmlformats.org/officeDocument/2006/relationships" xmlns:p="http://schemas.openxmlformats.org/presentationml/2006/main">
+  <p:cSld>
+    <p:spTree>
+      <p:nvGrpSpPr>
+        <p:cNvPr id="1" name=""/>
+        <p:cNvGrpSpPr/>
+        <p:nvPr/>
+      </p:nvGrpSpPr>
+      <p:grpSpPr>
+        <a:xfrm>
+          <a:off x="0" y="0"/>
+          <a:ext cx="0" cy="0"/>
+          <a:chOff x="0" y="0"/>
+          <a:chExt cx="0" cy="0"/>
+        </a:xfrm>
+      </p:grpSpPr>
+      <p:grpSp>
+        <p:nvGrpSpPr>
+          <p:cNvPr id="110" name="组合 109">
+            <a:extLst>
+              <a:ext uri="{FF2B5EF4-FFF2-40B4-BE49-F238E27FC236}">
+                <a16:creationId xmlns:a16="http://schemas.microsoft.com/office/drawing/2014/main" id="{FFCF8569-D387-A772-E541-6D85F2718D30}"/>
+              </a:ext>
+            </a:extLst>
+          </p:cNvPr>
+          <p:cNvGrpSpPr/>
+          <p:nvPr/>
+        </p:nvGrpSpPr>
+        <p:grpSpPr>
+          <a:xfrm>
+            <a:off x="1362536" y="1312543"/>
+            <a:ext cx="6750158" cy="2952328"/>
+            <a:chOff x="1362536" y="1312543"/>
+            <a:chExt cx="6750158" cy="2952328"/>
+          </a:xfrm>
+        </p:grpSpPr>
+        <p:sp>
+          <p:nvSpPr>
+            <p:cNvPr id="109" name="矩形 108">
+              <a:extLst>
+                <a:ext uri="{FF2B5EF4-FFF2-40B4-BE49-F238E27FC236}">
+                  <a16:creationId xmlns:a16="http://schemas.microsoft.com/office/drawing/2014/main" id="{E440B202-661B-7686-FE27-1CEF633995ED}"/>
+                </a:ext>
+              </a:extLst>
+            </p:cNvPr>
+            <p:cNvSpPr/>
+            <p:nvPr/>
+          </p:nvSpPr>
+          <p:spPr>
+            <a:xfrm>
+              <a:off x="1362536" y="1312543"/>
+              <a:ext cx="6750158" cy="2952328"/>
+            </a:xfrm>
+            <a:prstGeom prst="rect">
+              <a:avLst/>
+            </a:prstGeom>
+            <a:solidFill>
+              <a:schemeClr val="bg1"/>
+            </a:solidFill>
+            <a:ln>
+              <a:noFill/>
+            </a:ln>
+          </p:spPr>
+          <p:style>
+            <a:lnRef idx="2">
+              <a:schemeClr val="accent1">
+                <a:shade val="50000"/>
+              </a:schemeClr>
+            </a:lnRef>
+            <a:fillRef idx="1">
+              <a:schemeClr val="accent1"/>
+            </a:fillRef>
+            <a:effectRef idx="0">
+              <a:schemeClr val="accent1"/>
+            </a:effectRef>
+            <a:fontRef idx="minor">
+              <a:schemeClr val="lt1"/>
+            </a:fontRef>
+          </p:style>
+          <p:txBody>
+            <a:bodyPr rtlCol="0" anchor="ctr"/>
+            <a:lstStyle/>
+            <a:p>
+              <a:pPr algn="ctr"/>
+              <a:endParaRPr lang="zh-CN" altLang="en-US"/>
+            </a:p>
+          </p:txBody>
+        </p:sp>
+        <p:grpSp>
+          <p:nvGrpSpPr>
+            <p:cNvPr id="108" name="组合 107">
+              <a:extLst>
+                <a:ext uri="{FF2B5EF4-FFF2-40B4-BE49-F238E27FC236}">
+                  <a16:creationId xmlns:a16="http://schemas.microsoft.com/office/drawing/2014/main" id="{E06F2F6A-842D-E096-739C-A18C6CD7C31E}"/>
+                </a:ext>
+              </a:extLst>
+            </p:cNvPr>
+            <p:cNvGrpSpPr/>
+            <p:nvPr/>
+          </p:nvGrpSpPr>
+          <p:grpSpPr>
+            <a:xfrm>
+              <a:off x="1362536" y="1404578"/>
+              <a:ext cx="6677680" cy="2765958"/>
+              <a:chOff x="1362536" y="1404578"/>
+              <a:chExt cx="6677680" cy="2765958"/>
+            </a:xfrm>
+          </p:grpSpPr>
+          <p:grpSp>
+            <p:nvGrpSpPr>
+              <p:cNvPr id="107" name="组合 106">
+                <a:extLst>
+                  <a:ext uri="{FF2B5EF4-FFF2-40B4-BE49-F238E27FC236}">
+                    <a16:creationId xmlns:a16="http://schemas.microsoft.com/office/drawing/2014/main" id="{285D189D-5126-2855-CCDC-509539BC2E7B}"/>
+                  </a:ext>
+                </a:extLst>
+              </p:cNvPr>
+              <p:cNvGrpSpPr/>
+              <p:nvPr/>
+            </p:nvGrpSpPr>
+            <p:grpSpPr>
+              <a:xfrm>
+                <a:off x="4684312" y="1404578"/>
+                <a:ext cx="3355904" cy="2765958"/>
+                <a:chOff x="5447928" y="1404578"/>
+                <a:chExt cx="3355904" cy="2765958"/>
+              </a:xfrm>
+            </p:grpSpPr>
+            <p:cxnSp>
+              <p:nvCxnSpPr>
+                <p:cNvPr id="69" name="直接连接符 68">
+                  <a:extLst>
+                    <a:ext uri="{FF2B5EF4-FFF2-40B4-BE49-F238E27FC236}">
+                      <a16:creationId xmlns:a16="http://schemas.microsoft.com/office/drawing/2014/main" id="{905DCF0D-1531-EF84-4705-ABFAE3C25009}"/>
+                    </a:ext>
+                  </a:extLst>
+                </p:cNvPr>
+                <p:cNvCxnSpPr>
+                  <a:cxnSpLocks/>
+                </p:cNvCxnSpPr>
+                <p:nvPr/>
+              </p:nvCxnSpPr>
+              <p:spPr>
+                <a:xfrm flipV="1">
+                  <a:off x="6527110" y="3425825"/>
+                  <a:ext cx="0" cy="430213"/>
+                </a:xfrm>
+                <a:prstGeom prst="line">
+                  <a:avLst/>
+                </a:prstGeom>
+                <a:ln w="12700">
+                  <a:solidFill>
+                    <a:schemeClr val="tx1"/>
+                  </a:solidFill>
+                  <a:prstDash val="dash"/>
+                </a:ln>
+              </p:spPr>
+              <p:style>
+                <a:lnRef idx="1">
+                  <a:schemeClr val="dk1"/>
+                </a:lnRef>
+                <a:fillRef idx="0">
+                  <a:schemeClr val="dk1"/>
+                </a:fillRef>
+                <a:effectRef idx="0">
+                  <a:schemeClr val="dk1"/>
+                </a:effectRef>
+                <a:fontRef idx="minor">
+                  <a:schemeClr val="tx1"/>
+                </a:fontRef>
+              </p:style>
+            </p:cxnSp>
+            <p:cxnSp>
+              <p:nvCxnSpPr>
+                <p:cNvPr id="65" name="直接连接符 64">
+                  <a:extLst>
+                    <a:ext uri="{FF2B5EF4-FFF2-40B4-BE49-F238E27FC236}">
+                      <a16:creationId xmlns:a16="http://schemas.microsoft.com/office/drawing/2014/main" id="{7B81A70D-22DD-1DFD-9C06-4A8DCE93C29B}"/>
+                    </a:ext>
+                  </a:extLst>
+                </p:cNvPr>
+                <p:cNvCxnSpPr>
+                  <a:cxnSpLocks/>
+                </p:cNvCxnSpPr>
+                <p:nvPr/>
+              </p:nvCxnSpPr>
+              <p:spPr>
+                <a:xfrm flipV="1">
+                  <a:off x="7027770" y="2344738"/>
+                  <a:ext cx="0" cy="364182"/>
+                </a:xfrm>
+                <a:prstGeom prst="line">
+                  <a:avLst/>
+                </a:prstGeom>
+                <a:ln w="12700">
+                  <a:solidFill>
+                    <a:schemeClr val="tx1"/>
+                  </a:solidFill>
+                  <a:prstDash val="dash"/>
+                </a:ln>
+              </p:spPr>
+              <p:style>
+                <a:lnRef idx="1">
+                  <a:schemeClr val="dk1"/>
+                </a:lnRef>
+                <a:fillRef idx="0">
+                  <a:schemeClr val="dk1"/>
+                </a:fillRef>
+                <a:effectRef idx="0">
+                  <a:schemeClr val="dk1"/>
+                </a:effectRef>
+                <a:fontRef idx="minor">
+                  <a:schemeClr val="tx1"/>
+                </a:fontRef>
+              </p:style>
+            </p:cxnSp>
+            <p:cxnSp>
+              <p:nvCxnSpPr>
+                <p:cNvPr id="3" name="直接箭头连接符 2">
+                  <a:extLst>
+                    <a:ext uri="{FF2B5EF4-FFF2-40B4-BE49-F238E27FC236}">
+                      <a16:creationId xmlns:a16="http://schemas.microsoft.com/office/drawing/2014/main" id="{F687AEA6-FD2B-2ECE-307E-8ABDBA6185D3}"/>
+                    </a:ext>
+                  </a:extLst>
+                </p:cNvPr>
+                <p:cNvCxnSpPr>
+                  <a:cxnSpLocks/>
+                </p:cNvCxnSpPr>
+                <p:nvPr/>
+              </p:nvCxnSpPr>
+              <p:spPr>
+                <a:xfrm flipV="1">
+                  <a:off x="6096000" y="1628552"/>
+                  <a:ext cx="0" cy="2541984"/>
+                </a:xfrm>
+                <a:prstGeom prst="straightConnector1">
+                  <a:avLst/>
+                </a:prstGeom>
+                <a:ln w="12700">
+                  <a:tailEnd type="triangle"/>
+                </a:ln>
+              </p:spPr>
+              <p:style>
+                <a:lnRef idx="1">
+                  <a:schemeClr val="dk1"/>
+                </a:lnRef>
+                <a:fillRef idx="0">
+                  <a:schemeClr val="dk1"/>
+                </a:fillRef>
+                <a:effectRef idx="0">
+                  <a:schemeClr val="dk1"/>
+                </a:effectRef>
+                <a:fontRef idx="minor">
+                  <a:schemeClr val="tx1"/>
+                </a:fontRef>
+              </p:style>
+            </p:cxnSp>
+            <p:cxnSp>
+              <p:nvCxnSpPr>
+                <p:cNvPr id="4" name="直接箭头连接符 3">
+                  <a:extLst>
+                    <a:ext uri="{FF2B5EF4-FFF2-40B4-BE49-F238E27FC236}">
+                      <a16:creationId xmlns:a16="http://schemas.microsoft.com/office/drawing/2014/main" id="{AA150C27-B2A1-C0EC-1294-6D6353CE68D6}"/>
+                    </a:ext>
+                  </a:extLst>
+                </p:cNvPr>
+                <p:cNvCxnSpPr>
+                  <a:cxnSpLocks/>
+                </p:cNvCxnSpPr>
+                <p:nvPr/>
+              </p:nvCxnSpPr>
+              <p:spPr>
+                <a:xfrm>
+                  <a:off x="5807968" y="3860800"/>
+                  <a:ext cx="2808312" cy="0"/>
+                </a:xfrm>
+                <a:prstGeom prst="straightConnector1">
+                  <a:avLst/>
+                </a:prstGeom>
+                <a:ln w="12700">
+                  <a:tailEnd type="triangle"/>
+                </a:ln>
+              </p:spPr>
+              <p:style>
+                <a:lnRef idx="1">
+                  <a:schemeClr val="dk1"/>
+                </a:lnRef>
+                <a:fillRef idx="0">
+                  <a:schemeClr val="dk1"/>
+                </a:fillRef>
+                <a:effectRef idx="0">
+                  <a:schemeClr val="dk1"/>
+                </a:effectRef>
+                <a:fontRef idx="minor">
+                  <a:schemeClr val="tx1"/>
+                </a:fontRef>
+              </p:style>
+            </p:cxnSp>
+            <p:cxnSp>
+              <p:nvCxnSpPr>
+                <p:cNvPr id="6" name="直接连接符 5">
+                  <a:extLst>
+                    <a:ext uri="{FF2B5EF4-FFF2-40B4-BE49-F238E27FC236}">
+                      <a16:creationId xmlns:a16="http://schemas.microsoft.com/office/drawing/2014/main" id="{EFC624BC-9B02-F6CA-2FF6-0795F60F0DEC}"/>
+                    </a:ext>
+                  </a:extLst>
+                </p:cNvPr>
+                <p:cNvCxnSpPr>
+                  <a:cxnSpLocks/>
+                </p:cNvCxnSpPr>
+                <p:nvPr/>
+              </p:nvCxnSpPr>
+              <p:spPr>
+                <a:xfrm>
+                  <a:off x="6096000" y="3860800"/>
+                  <a:ext cx="432048" cy="0"/>
+                </a:xfrm>
+                <a:prstGeom prst="line">
+                  <a:avLst/>
+                </a:prstGeom>
+                <a:ln w="19050">
+                  <a:solidFill>
+                    <a:schemeClr val="accent1"/>
+                  </a:solidFill>
+                </a:ln>
+              </p:spPr>
+              <p:style>
+                <a:lnRef idx="1">
+                  <a:schemeClr val="dk1"/>
+                </a:lnRef>
+                <a:fillRef idx="0">
+                  <a:schemeClr val="dk1"/>
+                </a:fillRef>
+                <a:effectRef idx="0">
+                  <a:schemeClr val="dk1"/>
+                </a:effectRef>
+                <a:fontRef idx="minor">
+                  <a:schemeClr val="tx1"/>
+                </a:fontRef>
+              </p:style>
+            </p:cxnSp>
+            <p:cxnSp>
+              <p:nvCxnSpPr>
+                <p:cNvPr id="7" name="直接连接符 6">
+                  <a:extLst>
+                    <a:ext uri="{FF2B5EF4-FFF2-40B4-BE49-F238E27FC236}">
+                      <a16:creationId xmlns:a16="http://schemas.microsoft.com/office/drawing/2014/main" id="{6ACE0202-CDBE-7792-1F02-618417F5B907}"/>
+                    </a:ext>
+                  </a:extLst>
+                </p:cNvPr>
+                <p:cNvCxnSpPr>
+                  <a:cxnSpLocks/>
+                </p:cNvCxnSpPr>
+                <p:nvPr/>
+              </p:nvCxnSpPr>
+              <p:spPr>
+                <a:xfrm>
+                  <a:off x="6528617" y="3428752"/>
+                  <a:ext cx="495498" cy="0"/>
+                </a:xfrm>
+                <a:prstGeom prst="line">
+                  <a:avLst/>
+                </a:prstGeom>
+                <a:ln w="19050">
+                  <a:solidFill>
+                    <a:schemeClr val="accent1"/>
+                  </a:solidFill>
+                </a:ln>
+              </p:spPr>
+              <p:style>
+                <a:lnRef idx="1">
+                  <a:schemeClr val="dk1"/>
+                </a:lnRef>
+                <a:fillRef idx="0">
+                  <a:schemeClr val="dk1"/>
+                </a:fillRef>
+                <a:effectRef idx="0">
+                  <a:schemeClr val="dk1"/>
+                </a:effectRef>
+                <a:fontRef idx="minor">
+                  <a:schemeClr val="tx1"/>
+                </a:fontRef>
+              </p:style>
+            </p:cxnSp>
+            <p:graphicFrame>
+              <p:nvGraphicFramePr>
+                <p:cNvPr id="10" name="对象 9">
+                  <a:extLst>
+                    <a:ext uri="{FF2B5EF4-FFF2-40B4-BE49-F238E27FC236}">
+                      <a16:creationId xmlns:a16="http://schemas.microsoft.com/office/drawing/2014/main" id="{9A3A4EA4-4FF7-08AB-69B5-60B02F290DC0}"/>
+                    </a:ext>
+                  </a:extLst>
+                </p:cNvPr>
+                <p:cNvGraphicFramePr>
+                  <a:graphicFrameLocks noChangeAspect="1"/>
+                </p:cNvGraphicFramePr>
+                <p:nvPr>
+                  <p:extLst>
+                    <p:ext uri="{D42A27DB-BD31-4B8C-83A1-F6EECF244321}">
+                      <p14:modId xmlns:p14="http://schemas.microsoft.com/office/powerpoint/2010/main" val="3365978493"/>
+                    </p:ext>
+                  </p:extLst>
+                </p:nvPr>
+              </p:nvGraphicFramePr>
+              <p:xfrm>
+                <a:off x="6928810" y="3861048"/>
+                <a:ext cx="195297" cy="266314"/>
+              </p:xfrm>
+              <a:graphic>
+                <a:graphicData uri="http://schemas.openxmlformats.org/presentationml/2006/ole">
+                  <mc:AlternateContent xmlns:mc="http://schemas.openxmlformats.org/markup-compatibility/2006">
+                    <mc:Choice xmlns:v="urn:schemas-microsoft-com:vml" Requires="v">
+                      <p:oleObj name="AxMath" r:id="rId2" imgW="139320" imgH="189720" progId="Equation.AxMath">
+                        <p:embed/>
+                      </p:oleObj>
+                    </mc:Choice>
+                    <mc:Fallback>
+                      <p:oleObj name="AxMath" r:id="rId2" imgW="139320" imgH="189720" progId="Equation.AxMath">
+                        <p:embed/>
+                        <p:pic>
+                          <p:nvPicPr>
+                            <p:cNvPr id="32" name="对象 31">
+                              <a:extLst>
+                                <a:ext uri="{FF2B5EF4-FFF2-40B4-BE49-F238E27FC236}">
+                                  <a16:creationId xmlns:a16="http://schemas.microsoft.com/office/drawing/2014/main" id="{434399C6-557A-9DBF-7C4F-A6993FE2ED55}"/>
+                                </a:ext>
+                              </a:extLst>
+                            </p:cNvPr>
+                            <p:cNvPicPr/>
+                            <p:nvPr/>
+                          </p:nvPicPr>
+                          <p:blipFill>
+                            <a:blip r:embed="rId3"/>
+                            <a:stretch>
+                              <a:fillRect/>
+                            </a:stretch>
+                          </p:blipFill>
+                          <p:spPr>
+                            <a:xfrm>
+                              <a:off x="6928810" y="3861048"/>
+                              <a:ext cx="195297" cy="266314"/>
+                            </a:xfrm>
+                            <a:prstGeom prst="rect">
+                              <a:avLst/>
+                            </a:prstGeom>
+                          </p:spPr>
+                        </p:pic>
+                      </p:oleObj>
+                    </mc:Fallback>
+                  </mc:AlternateContent>
+                </a:graphicData>
+              </a:graphic>
+            </p:graphicFrame>
+            <p:graphicFrame>
+              <p:nvGraphicFramePr>
+                <p:cNvPr id="11" name="对象 10">
+                  <a:extLst>
+                    <a:ext uri="{FF2B5EF4-FFF2-40B4-BE49-F238E27FC236}">
+                      <a16:creationId xmlns:a16="http://schemas.microsoft.com/office/drawing/2014/main" id="{C038B34A-A9AF-4CEE-2DC9-9C9FB142EFAC}"/>
+                    </a:ext>
+                  </a:extLst>
+                </p:cNvPr>
+                <p:cNvGraphicFramePr>
+                  <a:graphicFrameLocks noChangeAspect="1"/>
+                </p:cNvGraphicFramePr>
+                <p:nvPr>
+                  <p:extLst>
+                    <p:ext uri="{D42A27DB-BD31-4B8C-83A1-F6EECF244321}">
+                      <p14:modId xmlns:p14="http://schemas.microsoft.com/office/powerpoint/2010/main" val="714999828"/>
+                    </p:ext>
+                  </p:extLst>
+                </p:nvPr>
+              </p:nvGraphicFramePr>
+              <p:xfrm>
+                <a:off x="7439005" y="3860553"/>
+                <a:ext cx="194309" cy="274567"/>
+              </p:xfrm>
+              <a:graphic>
+                <a:graphicData uri="http://schemas.openxmlformats.org/presentationml/2006/ole">
+                  <mc:AlternateContent xmlns:mc="http://schemas.openxmlformats.org/markup-compatibility/2006">
+                    <mc:Choice xmlns:v="urn:schemas-microsoft-com:vml" Requires="v">
+                      <p:oleObj name="AxMath" r:id="rId4" imgW="134280" imgH="189720" progId="Equation.AxMath">
+                        <p:embed/>
+                      </p:oleObj>
+                    </mc:Choice>
+                    <mc:Fallback>
+                      <p:oleObj name="AxMath" r:id="rId4" imgW="134280" imgH="189720" progId="Equation.AxMath">
+                        <p:embed/>
+                        <p:pic>
+                          <p:nvPicPr>
+                            <p:cNvPr id="34" name="对象 33">
+                              <a:extLst>
+                                <a:ext uri="{FF2B5EF4-FFF2-40B4-BE49-F238E27FC236}">
+                                  <a16:creationId xmlns:a16="http://schemas.microsoft.com/office/drawing/2014/main" id="{30A8D8EB-FC14-AA02-3C36-A89974955CD0}"/>
+                                </a:ext>
+                              </a:extLst>
+                            </p:cNvPr>
+                            <p:cNvPicPr/>
+                            <p:nvPr/>
+                          </p:nvPicPr>
+                          <p:blipFill>
+                            <a:blip r:embed="rId5"/>
+                            <a:stretch>
+                              <a:fillRect/>
+                            </a:stretch>
+                          </p:blipFill>
+                          <p:spPr>
+                            <a:xfrm>
+                              <a:off x="7439005" y="3860553"/>
+                              <a:ext cx="194309" cy="274567"/>
+                            </a:xfrm>
+                            <a:prstGeom prst="rect">
+                              <a:avLst/>
+                            </a:prstGeom>
+                          </p:spPr>
+                        </p:pic>
+                      </p:oleObj>
+                    </mc:Fallback>
+                  </mc:AlternateContent>
+                </a:graphicData>
+              </a:graphic>
+            </p:graphicFrame>
+            <p:graphicFrame>
+              <p:nvGraphicFramePr>
+                <p:cNvPr id="14" name="对象 13">
+                  <a:extLst>
+                    <a:ext uri="{FF2B5EF4-FFF2-40B4-BE49-F238E27FC236}">
+                      <a16:creationId xmlns:a16="http://schemas.microsoft.com/office/drawing/2014/main" id="{E0FD5EC0-4D84-0C2A-9D4D-40D1CE99307F}"/>
+                    </a:ext>
+                  </a:extLst>
+                </p:cNvPr>
+                <p:cNvGraphicFramePr>
+                  <a:graphicFrameLocks noChangeAspect="1"/>
+                </p:cNvGraphicFramePr>
+                <p:nvPr>
+                  <p:extLst>
+                    <p:ext uri="{D42A27DB-BD31-4B8C-83A1-F6EECF244321}">
+                      <p14:modId xmlns:p14="http://schemas.microsoft.com/office/powerpoint/2010/main" val="2599977920"/>
+                    </p:ext>
+                  </p:extLst>
+                </p:nvPr>
+              </p:nvGraphicFramePr>
+              <p:xfrm>
+                <a:off x="5879976" y="1404578"/>
+                <a:ext cx="444160" cy="226730"/>
+              </p:xfrm>
+              <a:graphic>
+                <a:graphicData uri="http://schemas.openxmlformats.org/presentationml/2006/ole">
+                  <mc:AlternateContent xmlns:mc="http://schemas.openxmlformats.org/markup-compatibility/2006">
+                    <mc:Choice xmlns:v="urn:schemas-microsoft-com:vml" Requires="v">
+                      <p:oleObj name="AxMath" r:id="rId6" imgW="375120" imgH="189720" progId="Equation.AxMath">
+                        <p:embed/>
+                      </p:oleObj>
+                    </mc:Choice>
+                    <mc:Fallback>
+                      <p:oleObj name="AxMath" r:id="rId6" imgW="375120" imgH="189720" progId="Equation.AxMath">
+                        <p:embed/>
+                        <p:pic>
+                          <p:nvPicPr>
+                            <p:cNvPr id="37" name="对象 36">
+                              <a:extLst>
+                                <a:ext uri="{FF2B5EF4-FFF2-40B4-BE49-F238E27FC236}">
+                                  <a16:creationId xmlns:a16="http://schemas.microsoft.com/office/drawing/2014/main" id="{2EBA2B6F-2EB2-4D02-48F2-80605E5DC11E}"/>
+                                </a:ext>
+                              </a:extLst>
+                            </p:cNvPr>
+                            <p:cNvPicPr/>
+                            <p:nvPr/>
+                          </p:nvPicPr>
+                          <p:blipFill>
+                            <a:blip r:embed="rId7"/>
+                            <a:stretch>
+                              <a:fillRect/>
+                            </a:stretch>
+                          </p:blipFill>
+                          <p:spPr>
+                            <a:xfrm>
+                              <a:off x="5879976" y="1404578"/>
+                              <a:ext cx="444160" cy="226730"/>
+                            </a:xfrm>
+                            <a:prstGeom prst="rect">
+                              <a:avLst/>
+                            </a:prstGeom>
+                          </p:spPr>
+                        </p:pic>
+                      </p:oleObj>
+                    </mc:Fallback>
+                  </mc:AlternateContent>
+                </a:graphicData>
+              </a:graphic>
+            </p:graphicFrame>
+            <p:sp>
+              <p:nvSpPr>
+                <p:cNvPr id="15" name="文本框 14">
+                  <a:extLst>
+                    <a:ext uri="{FF2B5EF4-FFF2-40B4-BE49-F238E27FC236}">
+                      <a16:creationId xmlns:a16="http://schemas.microsoft.com/office/drawing/2014/main" id="{6183027B-7612-6B0B-B7DE-F05638F59C8A}"/>
+                    </a:ext>
+                  </a:extLst>
+                </p:cNvPr>
+                <p:cNvSpPr txBox="1"/>
+                <p:nvPr/>
+              </p:nvSpPr>
+              <p:spPr>
+                <a:xfrm>
+                  <a:off x="5689723" y="3289380"/>
+                  <a:ext cx="453970" cy="276999"/>
+                </a:xfrm>
+                <a:prstGeom prst="rect">
+                  <a:avLst/>
+                </a:prstGeom>
+                <a:noFill/>
+              </p:spPr>
+              <p:txBody>
+                <a:bodyPr wrap="none" rtlCol="0">
+                  <a:spAutoFit/>
+                </a:bodyPr>
+                <a:lstStyle/>
+                <a:p>
+                  <a:r>
+                    <a:rPr lang="en-US" altLang="zh-CN" sz="1200" dirty="0">
+                      <a:latin typeface="Times New Roman" panose="02020603050405020304" pitchFamily="18" charset="0"/>
+                      <a:ea typeface="阿里巴巴普惠体 Medium" panose="00020600040101010101" pitchFamily="18" charset="-122"/>
+                      <a:cs typeface="Times New Roman" panose="02020603050405020304" pitchFamily="18" charset="0"/>
+                    </a:rPr>
+                    <a:t>0.25</a:t>
+                  </a:r>
+                  <a:endParaRPr lang="zh-CN" altLang="en-US" sz="1200" dirty="0">
+                    <a:latin typeface="Times New Roman" panose="02020603050405020304" pitchFamily="18" charset="0"/>
+                    <a:ea typeface="阿里巴巴普惠体 Medium" panose="00020600040101010101" pitchFamily="18" charset="-122"/>
+                    <a:cs typeface="Times New Roman" panose="02020603050405020304" pitchFamily="18" charset="0"/>
+                  </a:endParaRPr>
+                </a:p>
+              </p:txBody>
+            </p:sp>
+            <p:sp>
+              <p:nvSpPr>
+                <p:cNvPr id="17" name="文本框 16">
+                  <a:extLst>
+                    <a:ext uri="{FF2B5EF4-FFF2-40B4-BE49-F238E27FC236}">
+                      <a16:creationId xmlns:a16="http://schemas.microsoft.com/office/drawing/2014/main" id="{80300239-FAAA-370B-57EE-EC6182C3D20D}"/>
+                    </a:ext>
+                  </a:extLst>
+                </p:cNvPr>
+                <p:cNvSpPr txBox="1"/>
+                <p:nvPr/>
+              </p:nvSpPr>
+              <p:spPr>
+                <a:xfrm>
+                  <a:off x="5881064" y="3827040"/>
+                  <a:ext cx="261610" cy="276999"/>
+                </a:xfrm>
+                <a:prstGeom prst="rect">
+                  <a:avLst/>
+                </a:prstGeom>
+                <a:noFill/>
+              </p:spPr>
+              <p:txBody>
+                <a:bodyPr wrap="none" rtlCol="0">
+                  <a:spAutoFit/>
+                </a:bodyPr>
+                <a:lstStyle/>
+                <a:p>
+                  <a:r>
+                    <a:rPr lang="en-US" altLang="zh-CN" sz="1200" dirty="0">
+                      <a:latin typeface="Times New Roman" panose="02020603050405020304" pitchFamily="18" charset="0"/>
+                      <a:ea typeface="阿里巴巴普惠体 Medium" panose="00020600040101010101" pitchFamily="18" charset="-122"/>
+                      <a:cs typeface="Times New Roman" panose="02020603050405020304" pitchFamily="18" charset="0"/>
+                    </a:rPr>
+                    <a:t>0</a:t>
+                  </a:r>
+                  <a:endParaRPr lang="zh-CN" altLang="en-US" sz="1200" dirty="0">
+                    <a:latin typeface="Times New Roman" panose="02020603050405020304" pitchFamily="18" charset="0"/>
+                    <a:ea typeface="阿里巴巴普惠体 Medium" panose="00020600040101010101" pitchFamily="18" charset="-122"/>
+                    <a:cs typeface="Times New Roman" panose="02020603050405020304" pitchFamily="18" charset="0"/>
+                  </a:endParaRPr>
+                </a:p>
+              </p:txBody>
+            </p:sp>
+            <p:sp>
+              <p:nvSpPr>
+                <p:cNvPr id="18" name="文本框 17">
+                  <a:extLst>
+                    <a:ext uri="{FF2B5EF4-FFF2-40B4-BE49-F238E27FC236}">
+                      <a16:creationId xmlns:a16="http://schemas.microsoft.com/office/drawing/2014/main" id="{04F0C231-42DB-0058-6728-18DFF2663198}"/>
+                    </a:ext>
+                  </a:extLst>
+                </p:cNvPr>
+                <p:cNvSpPr txBox="1"/>
+                <p:nvPr/>
+              </p:nvSpPr>
+              <p:spPr>
+                <a:xfrm>
+                  <a:off x="5565193" y="2210131"/>
+                  <a:ext cx="579005" cy="276999"/>
+                </a:xfrm>
+                <a:prstGeom prst="rect">
+                  <a:avLst/>
+                </a:prstGeom>
+                <a:noFill/>
+              </p:spPr>
+              <p:txBody>
+                <a:bodyPr wrap="none" rtlCol="0">
+                  <a:spAutoFit/>
+                </a:bodyPr>
+                <a:lstStyle/>
+                <a:p>
+                  <a:r>
+                    <a:rPr lang="en-US" altLang="zh-CN" sz="1200" dirty="0">
+                      <a:solidFill>
+                        <a:srgbClr val="75B54A"/>
+                      </a:solidFill>
+                      <a:latin typeface="Times New Roman" panose="02020603050405020304" pitchFamily="18" charset="0"/>
+                      <a:ea typeface="阿里巴巴普惠体 Medium" panose="00020600040101010101" pitchFamily="18" charset="-122"/>
+                      <a:cs typeface="Times New Roman" panose="02020603050405020304" pitchFamily="18" charset="0"/>
+                    </a:rPr>
+                    <a:t>= 0.85</a:t>
+                  </a:r>
+                  <a:endParaRPr lang="zh-CN" altLang="en-US" sz="1200" dirty="0">
+                    <a:solidFill>
+                      <a:srgbClr val="75B54A"/>
+                    </a:solidFill>
+                    <a:latin typeface="Times New Roman" panose="02020603050405020304" pitchFamily="18" charset="0"/>
+                    <a:ea typeface="阿里巴巴普惠体 Medium" panose="00020600040101010101" pitchFamily="18" charset="-122"/>
+                    <a:cs typeface="Times New Roman" panose="02020603050405020304" pitchFamily="18" charset="0"/>
+                  </a:endParaRPr>
+                </a:p>
+              </p:txBody>
+            </p:sp>
+            <p:sp>
+              <p:nvSpPr>
+                <p:cNvPr id="19" name="文本框 18">
+                  <a:extLst>
+                    <a:ext uri="{FF2B5EF4-FFF2-40B4-BE49-F238E27FC236}">
+                      <a16:creationId xmlns:a16="http://schemas.microsoft.com/office/drawing/2014/main" id="{9C2B10FB-2133-C441-3B17-767CA213AC45}"/>
+                    </a:ext>
+                  </a:extLst>
+                </p:cNvPr>
+                <p:cNvSpPr txBox="1"/>
+                <p:nvPr/>
+              </p:nvSpPr>
+              <p:spPr>
+                <a:xfrm>
+                  <a:off x="5727406" y="1850914"/>
+                  <a:ext cx="377026" cy="276999"/>
+                </a:xfrm>
+                <a:prstGeom prst="rect">
+                  <a:avLst/>
+                </a:prstGeom>
+                <a:noFill/>
+              </p:spPr>
+              <p:txBody>
+                <a:bodyPr wrap="none" rtlCol="0">
+                  <a:spAutoFit/>
+                </a:bodyPr>
+                <a:lstStyle/>
+                <a:p>
+                  <a:r>
+                    <a:rPr lang="en-US" altLang="zh-CN" sz="1200" dirty="0">
+                      <a:latin typeface="Times New Roman" panose="02020603050405020304" pitchFamily="18" charset="0"/>
+                      <a:ea typeface="阿里巴巴普惠体 Medium" panose="00020600040101010101" pitchFamily="18" charset="-122"/>
+                      <a:cs typeface="Times New Roman" panose="02020603050405020304" pitchFamily="18" charset="0"/>
+                    </a:rPr>
+                    <a:t>1.0</a:t>
+                  </a:r>
+                  <a:endParaRPr lang="zh-CN" altLang="en-US" sz="1200" dirty="0">
+                    <a:latin typeface="Times New Roman" panose="02020603050405020304" pitchFamily="18" charset="0"/>
+                    <a:ea typeface="阿里巴巴普惠体 Medium" panose="00020600040101010101" pitchFamily="18" charset="-122"/>
+                    <a:cs typeface="Times New Roman" panose="02020603050405020304" pitchFamily="18" charset="0"/>
+                  </a:endParaRPr>
+                </a:p>
+              </p:txBody>
+            </p:sp>
+            <p:cxnSp>
+              <p:nvCxnSpPr>
+                <p:cNvPr id="20" name="直接连接符 19">
+                  <a:extLst>
+                    <a:ext uri="{FF2B5EF4-FFF2-40B4-BE49-F238E27FC236}">
+                      <a16:creationId xmlns:a16="http://schemas.microsoft.com/office/drawing/2014/main" id="{ADE3D698-9616-7F28-ABA3-F7D4E763703B}"/>
+                    </a:ext>
+                  </a:extLst>
+                </p:cNvPr>
+                <p:cNvCxnSpPr>
+                  <a:cxnSpLocks/>
+                </p:cNvCxnSpPr>
+                <p:nvPr/>
+              </p:nvCxnSpPr>
+              <p:spPr>
+                <a:xfrm flipH="1">
+                  <a:off x="6095999" y="3428752"/>
+                  <a:ext cx="432049" cy="0"/>
+                </a:xfrm>
+                <a:prstGeom prst="line">
+                  <a:avLst/>
+                </a:prstGeom>
+                <a:ln w="12700">
+                  <a:solidFill>
+                    <a:schemeClr val="tx1"/>
+                  </a:solidFill>
+                  <a:prstDash val="dash"/>
+                </a:ln>
+              </p:spPr>
+              <p:style>
+                <a:lnRef idx="1">
+                  <a:schemeClr val="dk1"/>
+                </a:lnRef>
+                <a:fillRef idx="0">
+                  <a:schemeClr val="dk1"/>
+                </a:fillRef>
+                <a:effectRef idx="0">
+                  <a:schemeClr val="dk1"/>
+                </a:effectRef>
+                <a:fontRef idx="minor">
+                  <a:schemeClr val="tx1"/>
+                </a:fontRef>
+              </p:style>
+            </p:cxnSp>
+            <p:cxnSp>
+              <p:nvCxnSpPr>
+                <p:cNvPr id="22" name="直接连接符 21">
+                  <a:extLst>
+                    <a:ext uri="{FF2B5EF4-FFF2-40B4-BE49-F238E27FC236}">
+                      <a16:creationId xmlns:a16="http://schemas.microsoft.com/office/drawing/2014/main" id="{E99204EF-9DC5-9EB1-71B9-05C55FD6204D}"/>
+                    </a:ext>
+                  </a:extLst>
+                </p:cNvPr>
+                <p:cNvCxnSpPr>
+                  <a:cxnSpLocks/>
+                </p:cNvCxnSpPr>
+                <p:nvPr/>
+              </p:nvCxnSpPr>
+              <p:spPr>
+                <a:xfrm flipH="1">
+                  <a:off x="6095999" y="1994107"/>
+                  <a:ext cx="1440161" cy="0"/>
+                </a:xfrm>
+                <a:prstGeom prst="line">
+                  <a:avLst/>
+                </a:prstGeom>
+                <a:ln w="12700">
+                  <a:solidFill>
+                    <a:schemeClr val="tx1"/>
+                  </a:solidFill>
+                  <a:prstDash val="dash"/>
+                </a:ln>
+              </p:spPr>
+              <p:style>
+                <a:lnRef idx="1">
+                  <a:schemeClr val="dk1"/>
+                </a:lnRef>
+                <a:fillRef idx="0">
+                  <a:schemeClr val="dk1"/>
+                </a:fillRef>
+                <a:effectRef idx="0">
+                  <a:schemeClr val="dk1"/>
+                </a:effectRef>
+                <a:fontRef idx="minor">
+                  <a:schemeClr val="tx1"/>
+                </a:fontRef>
+              </p:style>
+            </p:cxnSp>
+            <p:cxnSp>
+              <p:nvCxnSpPr>
+                <p:cNvPr id="27" name="直接连接符 26">
+                  <a:extLst>
+                    <a:ext uri="{FF2B5EF4-FFF2-40B4-BE49-F238E27FC236}">
+                      <a16:creationId xmlns:a16="http://schemas.microsoft.com/office/drawing/2014/main" id="{45FA619A-C08A-3B06-529F-82B8CF3686F0}"/>
+                    </a:ext>
+                  </a:extLst>
+                </p:cNvPr>
+                <p:cNvCxnSpPr>
+                  <a:cxnSpLocks/>
+                </p:cNvCxnSpPr>
+                <p:nvPr/>
+              </p:nvCxnSpPr>
+              <p:spPr>
+                <a:xfrm>
+                  <a:off x="7536160" y="1994107"/>
+                  <a:ext cx="812804" cy="0"/>
+                </a:xfrm>
+                <a:prstGeom prst="line">
+                  <a:avLst/>
+                </a:prstGeom>
+                <a:ln w="19050">
+                  <a:solidFill>
+                    <a:schemeClr val="accent1"/>
+                  </a:solidFill>
+                </a:ln>
+              </p:spPr>
+              <p:style>
+                <a:lnRef idx="1">
+                  <a:schemeClr val="dk1"/>
+                </a:lnRef>
+                <a:fillRef idx="0">
+                  <a:schemeClr val="dk1"/>
+                </a:fillRef>
+                <a:effectRef idx="0">
+                  <a:schemeClr val="dk1"/>
+                </a:effectRef>
+                <a:fontRef idx="minor">
+                  <a:schemeClr val="tx1"/>
+                </a:fontRef>
+              </p:style>
+            </p:cxnSp>
+            <p:cxnSp>
+              <p:nvCxnSpPr>
+                <p:cNvPr id="29" name="直接连接符 28">
+                  <a:extLst>
+                    <a:ext uri="{FF2B5EF4-FFF2-40B4-BE49-F238E27FC236}">
+                      <a16:creationId xmlns:a16="http://schemas.microsoft.com/office/drawing/2014/main" id="{1FCEFD33-4444-346D-29F2-213F550296D1}"/>
+                    </a:ext>
+                  </a:extLst>
+                </p:cNvPr>
+                <p:cNvCxnSpPr>
+                  <a:cxnSpLocks/>
+                </p:cNvCxnSpPr>
+                <p:nvPr/>
+              </p:nvCxnSpPr>
+              <p:spPr>
+                <a:xfrm flipV="1">
+                  <a:off x="7530716" y="1984375"/>
+                  <a:ext cx="0" cy="358775"/>
+                </a:xfrm>
+                <a:prstGeom prst="line">
+                  <a:avLst/>
+                </a:prstGeom>
+                <a:ln w="12700">
+                  <a:solidFill>
+                    <a:schemeClr val="tx1"/>
+                  </a:solidFill>
+                  <a:prstDash val="dash"/>
+                </a:ln>
+              </p:spPr>
+              <p:style>
+                <a:lnRef idx="1">
+                  <a:schemeClr val="dk1"/>
+                </a:lnRef>
+                <a:fillRef idx="0">
+                  <a:schemeClr val="dk1"/>
+                </a:fillRef>
+                <a:effectRef idx="0">
+                  <a:schemeClr val="dk1"/>
+                </a:effectRef>
+                <a:fontRef idx="minor">
+                  <a:schemeClr val="tx1"/>
+                </a:fontRef>
+              </p:style>
+            </p:cxnSp>
+            <p:sp>
+              <p:nvSpPr>
+                <p:cNvPr id="30" name="椭圆 29">
+                  <a:extLst>
+                    <a:ext uri="{FF2B5EF4-FFF2-40B4-BE49-F238E27FC236}">
+                      <a16:creationId xmlns:a16="http://schemas.microsoft.com/office/drawing/2014/main" id="{E600D5EB-5585-2A17-C33F-C30BDCF03F66}"/>
+                    </a:ext>
+                  </a:extLst>
+                </p:cNvPr>
+                <p:cNvSpPr/>
+                <p:nvPr/>
+              </p:nvSpPr>
+              <p:spPr>
+                <a:xfrm>
+                  <a:off x="6504251" y="3405018"/>
+                  <a:ext cx="45719" cy="45719"/>
+                </a:xfrm>
+                <a:prstGeom prst="ellipse">
+                  <a:avLst/>
+                </a:prstGeom>
+                <a:solidFill>
+                  <a:schemeClr val="tx1"/>
+                </a:solidFill>
+                <a:ln>
+                  <a:solidFill>
+                    <a:schemeClr val="tx1"/>
+                  </a:solidFill>
+                </a:ln>
+              </p:spPr>
+              <p:style>
+                <a:lnRef idx="2">
+                  <a:schemeClr val="accent1">
+                    <a:shade val="50000"/>
+                  </a:schemeClr>
+                </a:lnRef>
+                <a:fillRef idx="1">
+                  <a:schemeClr val="accent1"/>
+                </a:fillRef>
+                <a:effectRef idx="0">
+                  <a:schemeClr val="accent1"/>
+                </a:effectRef>
+                <a:fontRef idx="minor">
+                  <a:schemeClr val="lt1"/>
+                </a:fontRef>
+              </p:style>
+              <p:txBody>
+                <a:bodyPr rtlCol="0" anchor="ctr"/>
+                <a:lstStyle/>
+                <a:p>
+                  <a:pPr algn="ctr"/>
+                  <a:endParaRPr lang="zh-CN" altLang="en-US"/>
+                </a:p>
+              </p:txBody>
+            </p:sp>
+            <p:sp>
+              <p:nvSpPr>
+                <p:cNvPr id="35" name="椭圆 34">
+                  <a:extLst>
+                    <a:ext uri="{FF2B5EF4-FFF2-40B4-BE49-F238E27FC236}">
+                      <a16:creationId xmlns:a16="http://schemas.microsoft.com/office/drawing/2014/main" id="{8F944B44-0EFF-9A61-1F08-B0E64B062F82}"/>
+                    </a:ext>
+                  </a:extLst>
+                </p:cNvPr>
+                <p:cNvSpPr/>
+                <p:nvPr/>
+              </p:nvSpPr>
+              <p:spPr>
+                <a:xfrm>
+                  <a:off x="7507856" y="1970492"/>
+                  <a:ext cx="45719" cy="45719"/>
+                </a:xfrm>
+                <a:prstGeom prst="ellipse">
+                  <a:avLst/>
+                </a:prstGeom>
+                <a:solidFill>
+                  <a:schemeClr val="tx1"/>
+                </a:solidFill>
+                <a:ln>
+                  <a:solidFill>
+                    <a:schemeClr val="tx1"/>
+                  </a:solidFill>
+                </a:ln>
+              </p:spPr>
+              <p:style>
+                <a:lnRef idx="2">
+                  <a:schemeClr val="accent1">
+                    <a:shade val="50000"/>
+                  </a:schemeClr>
+                </a:lnRef>
+                <a:fillRef idx="1">
+                  <a:schemeClr val="accent1"/>
+                </a:fillRef>
+                <a:effectRef idx="0">
+                  <a:schemeClr val="accent1"/>
+                </a:effectRef>
+                <a:fontRef idx="minor">
+                  <a:schemeClr val="lt1"/>
+                </a:fontRef>
+              </p:style>
+              <p:txBody>
+                <a:bodyPr rtlCol="0" anchor="ctr"/>
+                <a:lstStyle/>
+                <a:p>
+                  <a:pPr algn="ctr"/>
+                  <a:endParaRPr lang="zh-CN" altLang="en-US"/>
+                </a:p>
+              </p:txBody>
+            </p:sp>
+            <p:sp>
+              <p:nvSpPr>
+                <p:cNvPr id="38" name="椭圆 37">
+                  <a:extLst>
+                    <a:ext uri="{FF2B5EF4-FFF2-40B4-BE49-F238E27FC236}">
+                      <a16:creationId xmlns:a16="http://schemas.microsoft.com/office/drawing/2014/main" id="{7882CB4F-3A2D-94B1-FE98-EB3FFFD96373}"/>
+                    </a:ext>
+                  </a:extLst>
+                </p:cNvPr>
+                <p:cNvSpPr/>
+                <p:nvPr/>
+              </p:nvSpPr>
+              <p:spPr>
+                <a:xfrm>
+                  <a:off x="6998314" y="3395124"/>
+                  <a:ext cx="58914" cy="58914"/>
+                </a:xfrm>
+                <a:prstGeom prst="ellipse">
+                  <a:avLst/>
+                </a:prstGeom>
+                <a:noFill/>
+                <a:ln>
+                  <a:solidFill>
+                    <a:schemeClr val="tx1"/>
+                  </a:solidFill>
+                </a:ln>
+              </p:spPr>
+              <p:style>
+                <a:lnRef idx="2">
+                  <a:schemeClr val="accent1">
+                    <a:shade val="50000"/>
+                  </a:schemeClr>
+                </a:lnRef>
+                <a:fillRef idx="1">
+                  <a:schemeClr val="accent1"/>
+                </a:fillRef>
+                <a:effectRef idx="0">
+                  <a:schemeClr val="accent1"/>
+                </a:effectRef>
+                <a:fontRef idx="minor">
+                  <a:schemeClr val="lt1"/>
+                </a:fontRef>
+              </p:style>
+              <p:txBody>
+                <a:bodyPr rtlCol="0" anchor="ctr"/>
+                <a:lstStyle/>
+                <a:p>
+                  <a:pPr algn="ctr"/>
+                  <a:endParaRPr lang="zh-CN" altLang="en-US"/>
+                </a:p>
+              </p:txBody>
+            </p:sp>
+            <p:sp>
+              <p:nvSpPr>
+                <p:cNvPr id="39" name="椭圆 38">
+                  <a:extLst>
+                    <a:ext uri="{FF2B5EF4-FFF2-40B4-BE49-F238E27FC236}">
+                      <a16:creationId xmlns:a16="http://schemas.microsoft.com/office/drawing/2014/main" id="{C19274D6-B8AA-056D-16E8-37C0DA2D67C0}"/>
+                    </a:ext>
+                  </a:extLst>
+                </p:cNvPr>
+                <p:cNvSpPr/>
+                <p:nvPr/>
+              </p:nvSpPr>
+              <p:spPr>
+                <a:xfrm>
+                  <a:off x="6498481" y="3827040"/>
+                  <a:ext cx="58920" cy="58920"/>
+                </a:xfrm>
+                <a:prstGeom prst="ellipse">
+                  <a:avLst/>
+                </a:prstGeom>
+                <a:noFill/>
+                <a:ln>
+                  <a:solidFill>
+                    <a:schemeClr val="tx1"/>
+                  </a:solidFill>
+                </a:ln>
+              </p:spPr>
+              <p:style>
+                <a:lnRef idx="2">
+                  <a:schemeClr val="accent1">
+                    <a:shade val="50000"/>
+                  </a:schemeClr>
+                </a:lnRef>
+                <a:fillRef idx="1">
+                  <a:schemeClr val="accent1"/>
+                </a:fillRef>
+                <a:effectRef idx="0">
+                  <a:schemeClr val="accent1"/>
+                </a:effectRef>
+                <a:fontRef idx="minor">
+                  <a:schemeClr val="lt1"/>
+                </a:fontRef>
+              </p:style>
+              <p:txBody>
+                <a:bodyPr rtlCol="0" anchor="ctr"/>
+                <a:lstStyle/>
+                <a:p>
+                  <a:pPr algn="ctr"/>
+                  <a:endParaRPr lang="zh-CN" altLang="en-US"/>
+                </a:p>
+              </p:txBody>
+            </p:sp>
+            <p:sp>
+              <p:nvSpPr>
+                <p:cNvPr id="41" name="椭圆 40">
+                  <a:extLst>
+                    <a:ext uri="{FF2B5EF4-FFF2-40B4-BE49-F238E27FC236}">
+                      <a16:creationId xmlns:a16="http://schemas.microsoft.com/office/drawing/2014/main" id="{67A4BC20-E99C-99AB-4A46-811B2E951468}"/>
+                    </a:ext>
+                  </a:extLst>
+                </p:cNvPr>
+                <p:cNvSpPr/>
+                <p:nvPr/>
+              </p:nvSpPr>
+              <p:spPr>
+                <a:xfrm>
+                  <a:off x="6073090" y="3837943"/>
+                  <a:ext cx="45719" cy="45719"/>
+                </a:xfrm>
+                <a:prstGeom prst="ellipse">
+                  <a:avLst/>
+                </a:prstGeom>
+                <a:solidFill>
+                  <a:schemeClr val="tx1"/>
+                </a:solidFill>
+                <a:ln>
+                  <a:solidFill>
+                    <a:schemeClr val="tx1"/>
+                  </a:solidFill>
+                </a:ln>
+              </p:spPr>
+              <p:style>
+                <a:lnRef idx="2">
+                  <a:schemeClr val="accent1">
+                    <a:shade val="50000"/>
+                  </a:schemeClr>
+                </a:lnRef>
+                <a:fillRef idx="1">
+                  <a:schemeClr val="accent1"/>
+                </a:fillRef>
+                <a:effectRef idx="0">
+                  <a:schemeClr val="accent1"/>
+                </a:effectRef>
+                <a:fontRef idx="minor">
+                  <a:schemeClr val="lt1"/>
+                </a:fontRef>
+              </p:style>
+              <p:txBody>
+                <a:bodyPr rtlCol="0" anchor="ctr"/>
+                <a:lstStyle/>
+                <a:p>
+                  <a:pPr algn="ctr"/>
+                  <a:endParaRPr lang="zh-CN" altLang="en-US"/>
+                </a:p>
+              </p:txBody>
+            </p:sp>
+            <p:grpSp>
+              <p:nvGrpSpPr>
+                <p:cNvPr id="82" name="组合 81">
+                  <a:extLst>
+                    <a:ext uri="{FF2B5EF4-FFF2-40B4-BE49-F238E27FC236}">
+                      <a16:creationId xmlns:a16="http://schemas.microsoft.com/office/drawing/2014/main" id="{C8D04373-034B-1240-B509-6F9EC62F17D8}"/>
+                    </a:ext>
+                  </a:extLst>
+                </p:cNvPr>
+                <p:cNvGrpSpPr/>
+                <p:nvPr/>
+              </p:nvGrpSpPr>
+              <p:grpSpPr>
+                <a:xfrm>
+                  <a:off x="6095949" y="2708921"/>
+                  <a:ext cx="931821" cy="1145530"/>
+                  <a:chOff x="6095949" y="2708920"/>
+                  <a:chExt cx="931821" cy="1151879"/>
+                </a:xfrm>
+              </p:grpSpPr>
+              <p:cxnSp>
+                <p:nvCxnSpPr>
+                  <p:cNvPr id="50" name="直接连接符 49">
+                    <a:extLst>
+                      <a:ext uri="{FF2B5EF4-FFF2-40B4-BE49-F238E27FC236}">
+                        <a16:creationId xmlns:a16="http://schemas.microsoft.com/office/drawing/2014/main" id="{E2FA39FB-A759-3644-1403-61DC5A4A5E93}"/>
+                      </a:ext>
+                    </a:extLst>
+                  </p:cNvPr>
+                  <p:cNvCxnSpPr>
+                    <a:cxnSpLocks/>
+                  </p:cNvCxnSpPr>
+                  <p:nvPr/>
+                </p:nvCxnSpPr>
+                <p:spPr>
+                  <a:xfrm flipH="1">
+                    <a:off x="6095949" y="2711426"/>
+                    <a:ext cx="931821" cy="0"/>
+                  </a:xfrm>
+                  <a:prstGeom prst="line">
+                    <a:avLst/>
+                  </a:prstGeom>
+                  <a:ln w="19050">
+                    <a:solidFill>
+                      <a:schemeClr val="accent1">
+                        <a:lumMod val="60000"/>
+                        <a:lumOff val="40000"/>
+                      </a:schemeClr>
+                    </a:solidFill>
+                    <a:prstDash val="solid"/>
+                    <a:headEnd type="oval" w="sm" len="sm"/>
+                    <a:tailEnd type="oval" w="sm" len="sm"/>
+                  </a:ln>
+                </p:spPr>
+                <p:style>
+                  <a:lnRef idx="1">
+                    <a:schemeClr val="dk1"/>
+                  </a:lnRef>
+                  <a:fillRef idx="0">
+                    <a:schemeClr val="dk1"/>
+                  </a:fillRef>
+                  <a:effectRef idx="0">
+                    <a:schemeClr val="dk1"/>
+                  </a:effectRef>
+                  <a:fontRef idx="minor">
+                    <a:schemeClr val="tx1"/>
+                  </a:fontRef>
+                </p:style>
+              </p:cxnSp>
+              <p:cxnSp>
+                <p:nvCxnSpPr>
+                  <p:cNvPr id="53" name="直接连接符 52">
+                    <a:extLst>
+                      <a:ext uri="{FF2B5EF4-FFF2-40B4-BE49-F238E27FC236}">
+                        <a16:creationId xmlns:a16="http://schemas.microsoft.com/office/drawing/2014/main" id="{C44EB146-E35A-5DC1-6786-0831C5843193}"/>
+                      </a:ext>
+                    </a:extLst>
+                  </p:cNvPr>
+                  <p:cNvCxnSpPr>
+                    <a:cxnSpLocks/>
+                  </p:cNvCxnSpPr>
+                  <p:nvPr/>
+                </p:nvCxnSpPr>
+                <p:spPr>
+                  <a:xfrm flipV="1">
+                    <a:off x="7027770" y="2708920"/>
+                    <a:ext cx="0" cy="1151879"/>
+                  </a:xfrm>
+                  <a:prstGeom prst="line">
+                    <a:avLst/>
+                  </a:prstGeom>
+                  <a:ln w="19050">
+                    <a:solidFill>
+                      <a:schemeClr val="accent1">
+                        <a:lumMod val="60000"/>
+                        <a:lumOff val="40000"/>
+                      </a:schemeClr>
+                    </a:solidFill>
+                    <a:prstDash val="solid"/>
+                    <a:headEnd type="triangle"/>
+                  </a:ln>
+                </p:spPr>
+                <p:style>
+                  <a:lnRef idx="1">
+                    <a:schemeClr val="dk1"/>
+                  </a:lnRef>
+                  <a:fillRef idx="0">
+                    <a:schemeClr val="dk1"/>
+                  </a:fillRef>
+                  <a:effectRef idx="0">
+                    <a:schemeClr val="dk1"/>
+                  </a:effectRef>
+                  <a:fontRef idx="minor">
+                    <a:schemeClr val="tx1"/>
+                  </a:fontRef>
+                </p:style>
+              </p:cxnSp>
+            </p:grpSp>
+            <p:grpSp>
+              <p:nvGrpSpPr>
+                <p:cNvPr id="80" name="组合 79">
+                  <a:extLst>
+                    <a:ext uri="{FF2B5EF4-FFF2-40B4-BE49-F238E27FC236}">
+                      <a16:creationId xmlns:a16="http://schemas.microsoft.com/office/drawing/2014/main" id="{B64291E8-0497-A1B3-A4AB-4E4DF96390D2}"/>
+                    </a:ext>
+                  </a:extLst>
+                </p:cNvPr>
+                <p:cNvGrpSpPr/>
+                <p:nvPr/>
+              </p:nvGrpSpPr>
+              <p:grpSpPr>
+                <a:xfrm>
+                  <a:off x="6097874" y="2345307"/>
+                  <a:ext cx="1432841" cy="1509144"/>
+                  <a:chOff x="6097874" y="2343348"/>
+                  <a:chExt cx="931821" cy="1151879"/>
+                </a:xfrm>
+              </p:grpSpPr>
+              <p:cxnSp>
+                <p:nvCxnSpPr>
+                  <p:cNvPr id="78" name="直接连接符 77">
+                    <a:extLst>
+                      <a:ext uri="{FF2B5EF4-FFF2-40B4-BE49-F238E27FC236}">
+                        <a16:creationId xmlns:a16="http://schemas.microsoft.com/office/drawing/2014/main" id="{16A468B5-FF41-5D71-FADE-C7527D719A90}"/>
+                      </a:ext>
+                    </a:extLst>
+                  </p:cNvPr>
+                  <p:cNvCxnSpPr>
+                    <a:cxnSpLocks/>
+                  </p:cNvCxnSpPr>
+                  <p:nvPr/>
+                </p:nvCxnSpPr>
+                <p:spPr>
+                  <a:xfrm flipH="1">
+                    <a:off x="6097874" y="2345854"/>
+                    <a:ext cx="931821" cy="0"/>
+                  </a:xfrm>
+                  <a:prstGeom prst="line">
+                    <a:avLst/>
+                  </a:prstGeom>
+                  <a:ln w="19050">
+                    <a:solidFill>
+                      <a:schemeClr val="accent6">
+                        <a:lumMod val="60000"/>
+                        <a:lumOff val="40000"/>
+                      </a:schemeClr>
+                    </a:solidFill>
+                    <a:prstDash val="solid"/>
+                    <a:headEnd type="oval" w="sm" len="sm"/>
+                    <a:tailEnd type="oval" w="sm" len="sm"/>
+                  </a:ln>
+                </p:spPr>
+                <p:style>
+                  <a:lnRef idx="1">
+                    <a:schemeClr val="dk1"/>
+                  </a:lnRef>
+                  <a:fillRef idx="0">
+                    <a:schemeClr val="dk1"/>
+                  </a:fillRef>
+                  <a:effectRef idx="0">
+                    <a:schemeClr val="dk1"/>
+                  </a:effectRef>
+                  <a:fontRef idx="minor">
+                    <a:schemeClr val="tx1"/>
+                  </a:fontRef>
+                </p:style>
+              </p:cxnSp>
+              <p:cxnSp>
+                <p:nvCxnSpPr>
+                  <p:cNvPr id="79" name="直接连接符 78">
+                    <a:extLst>
+                      <a:ext uri="{FF2B5EF4-FFF2-40B4-BE49-F238E27FC236}">
+                        <a16:creationId xmlns:a16="http://schemas.microsoft.com/office/drawing/2014/main" id="{D5035023-4942-8238-CFA0-DF15D7DF5B7A}"/>
+                      </a:ext>
+                    </a:extLst>
+                  </p:cNvPr>
+                  <p:cNvCxnSpPr>
+                    <a:cxnSpLocks/>
+                  </p:cNvCxnSpPr>
+                  <p:nvPr/>
+                </p:nvCxnSpPr>
+                <p:spPr>
+                  <a:xfrm flipV="1">
+                    <a:off x="7029695" y="2343348"/>
+                    <a:ext cx="0" cy="1151879"/>
+                  </a:xfrm>
+                  <a:prstGeom prst="line">
+                    <a:avLst/>
+                  </a:prstGeom>
+                  <a:ln w="19050">
+                    <a:solidFill>
+                      <a:schemeClr val="accent6">
+                        <a:lumMod val="60000"/>
+                        <a:lumOff val="40000"/>
+                      </a:schemeClr>
+                    </a:solidFill>
+                    <a:prstDash val="solid"/>
+                    <a:headEnd type="triangle"/>
+                  </a:ln>
+                </p:spPr>
+                <p:style>
+                  <a:lnRef idx="1">
+                    <a:schemeClr val="dk1"/>
+                  </a:lnRef>
+                  <a:fillRef idx="0">
+                    <a:schemeClr val="dk1"/>
+                  </a:fillRef>
+                  <a:effectRef idx="0">
+                    <a:schemeClr val="dk1"/>
+                  </a:effectRef>
+                  <a:fontRef idx="minor">
+                    <a:schemeClr val="tx1"/>
+                  </a:fontRef>
+                </p:style>
+              </p:cxnSp>
+            </p:grpSp>
+            <p:cxnSp>
+              <p:nvCxnSpPr>
+                <p:cNvPr id="26" name="直接连接符 25">
+                  <a:extLst>
+                    <a:ext uri="{FF2B5EF4-FFF2-40B4-BE49-F238E27FC236}">
+                      <a16:creationId xmlns:a16="http://schemas.microsoft.com/office/drawing/2014/main" id="{14878691-91FC-3B35-5625-26C74C2E071F}"/>
+                    </a:ext>
+                  </a:extLst>
+                </p:cNvPr>
+                <p:cNvCxnSpPr>
+                  <a:cxnSpLocks/>
+                </p:cNvCxnSpPr>
+                <p:nvPr/>
+              </p:nvCxnSpPr>
+              <p:spPr>
+                <a:xfrm>
+                  <a:off x="7019946" y="2348632"/>
+                  <a:ext cx="510771" cy="0"/>
+                </a:xfrm>
+                <a:prstGeom prst="line">
+                  <a:avLst/>
+                </a:prstGeom>
+                <a:ln w="19050">
+                  <a:solidFill>
+                    <a:schemeClr val="accent1"/>
+                  </a:solidFill>
+                </a:ln>
+              </p:spPr>
+              <p:style>
+                <a:lnRef idx="1">
+                  <a:schemeClr val="dk1"/>
+                </a:lnRef>
+                <a:fillRef idx="0">
+                  <a:schemeClr val="dk1"/>
+                </a:fillRef>
+                <a:effectRef idx="0">
+                  <a:schemeClr val="dk1"/>
+                </a:effectRef>
+                <a:fontRef idx="minor">
+                  <a:schemeClr val="tx1"/>
+                </a:fontRef>
+              </p:style>
+            </p:cxnSp>
+            <p:sp>
+              <p:nvSpPr>
+                <p:cNvPr id="40" name="椭圆 39">
+                  <a:extLst>
+                    <a:ext uri="{FF2B5EF4-FFF2-40B4-BE49-F238E27FC236}">
+                      <a16:creationId xmlns:a16="http://schemas.microsoft.com/office/drawing/2014/main" id="{9D0A98DA-2687-E3E8-5751-FDDF201BD5F8}"/>
+                    </a:ext>
+                  </a:extLst>
+                </p:cNvPr>
+                <p:cNvSpPr/>
+                <p:nvPr/>
+              </p:nvSpPr>
+              <p:spPr>
+                <a:xfrm>
+                  <a:off x="7501258" y="2316329"/>
+                  <a:ext cx="58916" cy="58916"/>
+                </a:xfrm>
+                <a:prstGeom prst="ellipse">
+                  <a:avLst/>
+                </a:prstGeom>
+                <a:noFill/>
+                <a:ln>
+                  <a:solidFill>
+                    <a:schemeClr val="tx1"/>
+                  </a:solidFill>
+                </a:ln>
+              </p:spPr>
+              <p:style>
+                <a:lnRef idx="2">
+                  <a:schemeClr val="accent1">
+                    <a:shade val="50000"/>
+                  </a:schemeClr>
+                </a:lnRef>
+                <a:fillRef idx="1">
+                  <a:schemeClr val="accent1"/>
+                </a:fillRef>
+                <a:effectRef idx="0">
+                  <a:schemeClr val="accent1"/>
+                </a:effectRef>
+                <a:fontRef idx="minor">
+                  <a:schemeClr val="lt1"/>
+                </a:fontRef>
+              </p:style>
+              <p:txBody>
+                <a:bodyPr rtlCol="0" anchor="ctr"/>
+                <a:lstStyle/>
+                <a:p>
+                  <a:pPr algn="ctr"/>
+                  <a:endParaRPr lang="zh-CN" altLang="en-US"/>
+                </a:p>
+              </p:txBody>
+            </p:sp>
+            <p:sp>
+              <p:nvSpPr>
+                <p:cNvPr id="33" name="椭圆 32">
+                  <a:extLst>
+                    <a:ext uri="{FF2B5EF4-FFF2-40B4-BE49-F238E27FC236}">
+                      <a16:creationId xmlns:a16="http://schemas.microsoft.com/office/drawing/2014/main" id="{CE5910ED-43FB-ED75-AB4E-DD8EE4EFEE4A}"/>
+                    </a:ext>
+                  </a:extLst>
+                </p:cNvPr>
+                <p:cNvSpPr/>
+                <p:nvPr/>
+              </p:nvSpPr>
+              <p:spPr>
+                <a:xfrm>
+                  <a:off x="7004911" y="2324897"/>
+                  <a:ext cx="45719" cy="45719"/>
+                </a:xfrm>
+                <a:prstGeom prst="ellipse">
+                  <a:avLst/>
+                </a:prstGeom>
+                <a:solidFill>
+                  <a:schemeClr val="tx1"/>
+                </a:solidFill>
+                <a:ln>
+                  <a:solidFill>
+                    <a:schemeClr val="tx1"/>
+                  </a:solidFill>
+                </a:ln>
+              </p:spPr>
+              <p:style>
+                <a:lnRef idx="2">
+                  <a:schemeClr val="accent1">
+                    <a:shade val="50000"/>
+                  </a:schemeClr>
+                </a:lnRef>
+                <a:fillRef idx="1">
+                  <a:schemeClr val="accent1"/>
+                </a:fillRef>
+                <a:effectRef idx="0">
+                  <a:schemeClr val="accent1"/>
+                </a:effectRef>
+                <a:fontRef idx="minor">
+                  <a:schemeClr val="lt1"/>
+                </a:fontRef>
+              </p:style>
+              <p:txBody>
+                <a:bodyPr rtlCol="0" anchor="ctr"/>
+                <a:lstStyle/>
+                <a:p>
+                  <a:pPr algn="ctr"/>
+                  <a:endParaRPr lang="zh-CN" altLang="en-US"/>
+                </a:p>
+              </p:txBody>
+            </p:sp>
+            <p:graphicFrame>
+              <p:nvGraphicFramePr>
+                <p:cNvPr id="85" name="对象 84">
+                  <a:extLst>
+                    <a:ext uri="{FF2B5EF4-FFF2-40B4-BE49-F238E27FC236}">
+                      <a16:creationId xmlns:a16="http://schemas.microsoft.com/office/drawing/2014/main" id="{CFC3D312-D7EC-3F21-562A-CB2C7F512081}"/>
+                    </a:ext>
+                  </a:extLst>
+                </p:cNvPr>
+                <p:cNvGraphicFramePr>
+                  <a:graphicFrameLocks noChangeAspect="1"/>
+                </p:cNvGraphicFramePr>
+                <p:nvPr>
+                  <p:extLst>
+                    <p:ext uri="{D42A27DB-BD31-4B8C-83A1-F6EECF244321}">
+                      <p14:modId xmlns:p14="http://schemas.microsoft.com/office/powerpoint/2010/main" val="2360593609"/>
+                    </p:ext>
+                  </p:extLst>
+                </p:nvPr>
+              </p:nvGraphicFramePr>
+              <p:xfrm>
+                <a:off x="6436089" y="3861048"/>
+                <a:ext cx="176213" cy="265112"/>
+              </p:xfrm>
+              <a:graphic>
+                <a:graphicData uri="http://schemas.openxmlformats.org/presentationml/2006/ole">
+                  <mc:AlternateContent xmlns:mc="http://schemas.openxmlformats.org/markup-compatibility/2006">
+                    <mc:Choice xmlns:v="urn:schemas-microsoft-com:vml" Requires="v">
+                      <p:oleObj name="AxMath" r:id="rId8" imgW="124920" imgH="189720" progId="Equation.AxMath">
+                        <p:embed/>
+                      </p:oleObj>
+                    </mc:Choice>
+                    <mc:Fallback>
+                      <p:oleObj name="AxMath" r:id="rId8" imgW="124920" imgH="189720" progId="Equation.AxMath">
+                        <p:embed/>
+                        <p:pic>
+                          <p:nvPicPr>
+                            <p:cNvPr id="10" name="对象 9">
+                              <a:extLst>
+                                <a:ext uri="{FF2B5EF4-FFF2-40B4-BE49-F238E27FC236}">
+                                  <a16:creationId xmlns:a16="http://schemas.microsoft.com/office/drawing/2014/main" id="{9A3A4EA4-4FF7-08AB-69B5-60B02F290DC0}"/>
+                                </a:ext>
+                              </a:extLst>
+                            </p:cNvPr>
+                            <p:cNvPicPr/>
+                            <p:nvPr/>
+                          </p:nvPicPr>
+                          <p:blipFill>
+                            <a:blip r:embed="rId9"/>
+                            <a:stretch>
+                              <a:fillRect/>
+                            </a:stretch>
+                          </p:blipFill>
+                          <p:spPr>
+                            <a:xfrm>
+                              <a:off x="6436089" y="3861048"/>
+                              <a:ext cx="176213" cy="265112"/>
+                            </a:xfrm>
+                            <a:prstGeom prst="rect">
+                              <a:avLst/>
+                            </a:prstGeom>
+                          </p:spPr>
+                        </p:pic>
+                      </p:oleObj>
+                    </mc:Fallback>
+                  </mc:AlternateContent>
+                </a:graphicData>
+              </a:graphic>
+            </p:graphicFrame>
+            <p:graphicFrame>
+              <p:nvGraphicFramePr>
+                <p:cNvPr id="86" name="对象 85">
+                  <a:extLst>
+                    <a:ext uri="{FF2B5EF4-FFF2-40B4-BE49-F238E27FC236}">
+                      <a16:creationId xmlns:a16="http://schemas.microsoft.com/office/drawing/2014/main" id="{E64AF96C-08A4-7A9B-BBF7-53490548A712}"/>
+                    </a:ext>
+                  </a:extLst>
+                </p:cNvPr>
+                <p:cNvGraphicFramePr>
+                  <a:graphicFrameLocks noChangeAspect="1"/>
+                </p:cNvGraphicFramePr>
+                <p:nvPr>
+                  <p:extLst>
+                    <p:ext uri="{D42A27DB-BD31-4B8C-83A1-F6EECF244321}">
+                      <p14:modId xmlns:p14="http://schemas.microsoft.com/office/powerpoint/2010/main" val="646526459"/>
+                    </p:ext>
+                  </p:extLst>
+                </p:nvPr>
+              </p:nvGraphicFramePr>
+              <p:xfrm>
+                <a:off x="8659370" y="3722142"/>
+                <a:ext cx="144462" cy="271462"/>
+              </p:xfrm>
+              <a:graphic>
+                <a:graphicData uri="http://schemas.openxmlformats.org/presentationml/2006/ole">
+                  <mc:AlternateContent xmlns:mc="http://schemas.openxmlformats.org/markup-compatibility/2006">
+                    <mc:Choice xmlns:v="urn:schemas-microsoft-com:vml" Requires="v">
+                      <p:oleObj name="AxMath" r:id="rId10" imgW="99720" imgH="188280" progId="Equation.AxMath">
+                        <p:embed/>
+                      </p:oleObj>
+                    </mc:Choice>
+                    <mc:Fallback>
+                      <p:oleObj name="AxMath" r:id="rId10" imgW="99720" imgH="188280" progId="Equation.AxMath">
+                        <p:embed/>
+                        <p:pic>
+                          <p:nvPicPr>
+                            <p:cNvPr id="11" name="对象 10">
+                              <a:extLst>
+                                <a:ext uri="{FF2B5EF4-FFF2-40B4-BE49-F238E27FC236}">
+                                  <a16:creationId xmlns:a16="http://schemas.microsoft.com/office/drawing/2014/main" id="{C038B34A-A9AF-4CEE-2DC9-9C9FB142EFAC}"/>
+                                </a:ext>
+                              </a:extLst>
+                            </p:cNvPr>
+                            <p:cNvPicPr/>
+                            <p:nvPr/>
+                          </p:nvPicPr>
+                          <p:blipFill>
+                            <a:blip r:embed="rId11"/>
+                            <a:stretch>
+                              <a:fillRect/>
+                            </a:stretch>
+                          </p:blipFill>
+                          <p:spPr>
+                            <a:xfrm>
+                              <a:off x="8659370" y="3722142"/>
+                              <a:ext cx="144462" cy="271462"/>
+                            </a:xfrm>
+                            <a:prstGeom prst="rect">
+                              <a:avLst/>
+                            </a:prstGeom>
+                          </p:spPr>
+                        </p:pic>
+                      </p:oleObj>
+                    </mc:Fallback>
+                  </mc:AlternateContent>
+                </a:graphicData>
+              </a:graphic>
+            </p:graphicFrame>
+            <p:graphicFrame>
+              <p:nvGraphicFramePr>
+                <p:cNvPr id="87" name="对象 86">
+                  <a:extLst>
+                    <a:ext uri="{FF2B5EF4-FFF2-40B4-BE49-F238E27FC236}">
+                      <a16:creationId xmlns:a16="http://schemas.microsoft.com/office/drawing/2014/main" id="{5C4FACDE-6632-32EB-2385-4CFBE395BE5F}"/>
+                    </a:ext>
+                  </a:extLst>
+                </p:cNvPr>
+                <p:cNvGraphicFramePr>
+                  <a:graphicFrameLocks noChangeAspect="1"/>
+                </p:cNvGraphicFramePr>
+                <p:nvPr>
+                  <p:extLst>
+                    <p:ext uri="{D42A27DB-BD31-4B8C-83A1-F6EECF244321}">
+                      <p14:modId xmlns:p14="http://schemas.microsoft.com/office/powerpoint/2010/main" val="1314149751"/>
+                    </p:ext>
+                  </p:extLst>
+                </p:nvPr>
+              </p:nvGraphicFramePr>
+              <p:xfrm>
+                <a:off x="5879976" y="2565834"/>
+                <a:ext cx="174625" cy="274638"/>
+              </p:xfrm>
+              <a:graphic>
+                <a:graphicData uri="http://schemas.openxmlformats.org/presentationml/2006/ole">
+                  <mc:AlternateContent xmlns:mc="http://schemas.openxmlformats.org/markup-compatibility/2006">
+                    <mc:Choice xmlns:v="urn:schemas-microsoft-com:vml" Requires="v">
+                      <p:oleObj name="AxMath" r:id="rId12" imgW="120600" imgH="189720" progId="Equation.AxMath">
+                        <p:embed/>
+                      </p:oleObj>
+                    </mc:Choice>
+                    <mc:Fallback>
+                      <p:oleObj name="AxMath" r:id="rId12" imgW="120600" imgH="189720" progId="Equation.AxMath">
+                        <p:embed/>
+                        <p:pic>
+                          <p:nvPicPr>
+                            <p:cNvPr id="11" name="对象 10">
+                              <a:extLst>
+                                <a:ext uri="{FF2B5EF4-FFF2-40B4-BE49-F238E27FC236}">
+                                  <a16:creationId xmlns:a16="http://schemas.microsoft.com/office/drawing/2014/main" id="{C038B34A-A9AF-4CEE-2DC9-9C9FB142EFAC}"/>
+                                </a:ext>
+                              </a:extLst>
+                            </p:cNvPr>
+                            <p:cNvPicPr/>
+                            <p:nvPr/>
+                          </p:nvPicPr>
+                          <p:blipFill>
+                            <a:blip r:embed="rId13"/>
+                            <a:stretch>
+                              <a:fillRect/>
+                            </a:stretch>
+                          </p:blipFill>
+                          <p:spPr>
+                            <a:xfrm>
+                              <a:off x="5879976" y="2565834"/>
+                              <a:ext cx="174625" cy="274638"/>
+                            </a:xfrm>
+                            <a:prstGeom prst="rect">
+                              <a:avLst/>
+                            </a:prstGeom>
+                          </p:spPr>
+                        </p:pic>
+                      </p:oleObj>
+                    </mc:Fallback>
+                  </mc:AlternateContent>
+                </a:graphicData>
+              </a:graphic>
+            </p:graphicFrame>
+            <p:graphicFrame>
+              <p:nvGraphicFramePr>
+                <p:cNvPr id="88" name="对象 87">
+                  <a:extLst>
+                    <a:ext uri="{FF2B5EF4-FFF2-40B4-BE49-F238E27FC236}">
+                      <a16:creationId xmlns:a16="http://schemas.microsoft.com/office/drawing/2014/main" id="{8F032FB1-E859-50BF-DB71-C9E20C78CAC4}"/>
+                    </a:ext>
+                  </a:extLst>
+                </p:cNvPr>
+                <p:cNvGraphicFramePr>
+                  <a:graphicFrameLocks noChangeAspect="1"/>
+                </p:cNvGraphicFramePr>
+                <p:nvPr>
+                  <p:extLst>
+                    <p:ext uri="{D42A27DB-BD31-4B8C-83A1-F6EECF244321}">
+                      <p14:modId xmlns:p14="http://schemas.microsoft.com/office/powerpoint/2010/main" val="3855670393"/>
+                    </p:ext>
+                  </p:extLst>
+                </p:nvPr>
+              </p:nvGraphicFramePr>
+              <p:xfrm>
+                <a:off x="5447928" y="2206625"/>
+                <a:ext cx="196850" cy="274638"/>
+              </p:xfrm>
+              <a:graphic>
+                <a:graphicData uri="http://schemas.openxmlformats.org/presentationml/2006/ole">
+                  <mc:AlternateContent xmlns:mc="http://schemas.openxmlformats.org/markup-compatibility/2006">
+                    <mc:Choice xmlns:v="urn:schemas-microsoft-com:vml" Requires="v">
+                      <p:oleObj name="AxMath" r:id="rId14" imgW="135000" imgH="189720" progId="Equation.AxMath">
+                        <p:embed/>
+                      </p:oleObj>
+                    </mc:Choice>
+                    <mc:Fallback>
+                      <p:oleObj name="AxMath" r:id="rId14" imgW="135000" imgH="189720" progId="Equation.AxMath">
+                        <p:embed/>
+                        <p:pic>
+                          <p:nvPicPr>
+                            <p:cNvPr id="87" name="对象 86">
+                              <a:extLst>
+                                <a:ext uri="{FF2B5EF4-FFF2-40B4-BE49-F238E27FC236}">
+                                  <a16:creationId xmlns:a16="http://schemas.microsoft.com/office/drawing/2014/main" id="{5C4FACDE-6632-32EB-2385-4CFBE395BE5F}"/>
+                                </a:ext>
+                              </a:extLst>
+                            </p:cNvPr>
+                            <p:cNvPicPr/>
+                            <p:nvPr/>
+                          </p:nvPicPr>
+                          <p:blipFill>
+                            <a:blip r:embed="rId15"/>
+                            <a:stretch>
+                              <a:fillRect/>
+                            </a:stretch>
+                          </p:blipFill>
+                          <p:spPr>
+                            <a:xfrm>
+                              <a:off x="5447928" y="2206625"/>
+                              <a:ext cx="196850" cy="274638"/>
+                            </a:xfrm>
+                            <a:prstGeom prst="rect">
+                              <a:avLst/>
+                            </a:prstGeom>
+                          </p:spPr>
+                        </p:pic>
+                      </p:oleObj>
+                    </mc:Fallback>
+                  </mc:AlternateContent>
+                </a:graphicData>
+              </a:graphic>
+            </p:graphicFrame>
+          </p:grpSp>
+          <p:grpSp>
+            <p:nvGrpSpPr>
+              <p:cNvPr id="105" name="组合 104">
+                <a:extLst>
+                  <a:ext uri="{FF2B5EF4-FFF2-40B4-BE49-F238E27FC236}">
+                    <a16:creationId xmlns:a16="http://schemas.microsoft.com/office/drawing/2014/main" id="{9E0594DC-3C33-873C-79EF-FF6AA597B609}"/>
+                  </a:ext>
+                </a:extLst>
+              </p:cNvPr>
+              <p:cNvGrpSpPr/>
+              <p:nvPr/>
+            </p:nvGrpSpPr>
+            <p:grpSpPr>
+              <a:xfrm>
+                <a:off x="1362536" y="1404578"/>
+                <a:ext cx="3112078" cy="2765958"/>
+                <a:chOff x="1362536" y="1404578"/>
+                <a:chExt cx="3112078" cy="2765958"/>
+              </a:xfrm>
+            </p:grpSpPr>
+            <p:cxnSp>
+              <p:nvCxnSpPr>
+                <p:cNvPr id="5" name="直接箭头连接符 4">
+                  <a:extLst>
+                    <a:ext uri="{FF2B5EF4-FFF2-40B4-BE49-F238E27FC236}">
+                      <a16:creationId xmlns:a16="http://schemas.microsoft.com/office/drawing/2014/main" id="{4A3EF913-0214-A937-09A4-3FBA101FBA6D}"/>
+                    </a:ext>
+                  </a:extLst>
+                </p:cNvPr>
+                <p:cNvCxnSpPr>
+                  <a:cxnSpLocks/>
+                </p:cNvCxnSpPr>
+                <p:nvPr/>
+              </p:nvCxnSpPr>
+              <p:spPr>
+                <a:xfrm flipV="1">
+                  <a:off x="1774072" y="1628552"/>
+                  <a:ext cx="0" cy="2541984"/>
+                </a:xfrm>
+                <a:prstGeom prst="straightConnector1">
+                  <a:avLst/>
+                </a:prstGeom>
+                <a:ln w="12700">
+                  <a:tailEnd type="triangle"/>
+                </a:ln>
+              </p:spPr>
+              <p:style>
+                <a:lnRef idx="1">
+                  <a:schemeClr val="dk1"/>
+                </a:lnRef>
+                <a:fillRef idx="0">
+                  <a:schemeClr val="dk1"/>
+                </a:fillRef>
+                <a:effectRef idx="0">
+                  <a:schemeClr val="dk1"/>
+                </a:effectRef>
+                <a:fontRef idx="minor">
+                  <a:schemeClr val="tx1"/>
+                </a:fontRef>
+              </p:style>
+            </p:cxnSp>
+            <p:cxnSp>
+              <p:nvCxnSpPr>
+                <p:cNvPr id="8" name="直接箭头连接符 7">
+                  <a:extLst>
+                    <a:ext uri="{FF2B5EF4-FFF2-40B4-BE49-F238E27FC236}">
+                      <a16:creationId xmlns:a16="http://schemas.microsoft.com/office/drawing/2014/main" id="{C2B6D58E-39E4-6B4A-984A-5AB272AC5E7E}"/>
+                    </a:ext>
+                  </a:extLst>
+                </p:cNvPr>
+                <p:cNvCxnSpPr>
+                  <a:cxnSpLocks/>
+                </p:cNvCxnSpPr>
+                <p:nvPr/>
+              </p:nvCxnSpPr>
+              <p:spPr>
+                <a:xfrm>
+                  <a:off x="1486040" y="3860800"/>
+                  <a:ext cx="2808312" cy="0"/>
+                </a:xfrm>
+                <a:prstGeom prst="straightConnector1">
+                  <a:avLst/>
+                </a:prstGeom>
+                <a:ln w="12700">
+                  <a:tailEnd type="triangle"/>
+                </a:ln>
+              </p:spPr>
+              <p:style>
+                <a:lnRef idx="1">
+                  <a:schemeClr val="dk1"/>
+                </a:lnRef>
+                <a:fillRef idx="0">
+                  <a:schemeClr val="dk1"/>
+                </a:fillRef>
+                <a:effectRef idx="0">
+                  <a:schemeClr val="dk1"/>
+                </a:effectRef>
+                <a:fontRef idx="minor">
+                  <a:schemeClr val="tx1"/>
+                </a:fontRef>
+              </p:style>
+            </p:cxnSp>
+            <p:cxnSp>
+              <p:nvCxnSpPr>
+                <p:cNvPr id="12" name="直接连接符 11">
+                  <a:extLst>
+                    <a:ext uri="{FF2B5EF4-FFF2-40B4-BE49-F238E27FC236}">
+                      <a16:creationId xmlns:a16="http://schemas.microsoft.com/office/drawing/2014/main" id="{05128E8A-FB9E-A530-B717-72B53EA5F570}"/>
+                    </a:ext>
+                  </a:extLst>
+                </p:cNvPr>
+                <p:cNvCxnSpPr>
+                  <a:cxnSpLocks/>
+                </p:cNvCxnSpPr>
+                <p:nvPr/>
+              </p:nvCxnSpPr>
+              <p:spPr>
+                <a:xfrm>
+                  <a:off x="1774072" y="3860800"/>
+                  <a:ext cx="432048" cy="0"/>
+                </a:xfrm>
+                <a:prstGeom prst="line">
+                  <a:avLst/>
+                </a:prstGeom>
+                <a:ln w="19050">
+                  <a:solidFill>
+                    <a:schemeClr val="accent1"/>
+                  </a:solidFill>
+                </a:ln>
+              </p:spPr>
+              <p:style>
+                <a:lnRef idx="1">
+                  <a:schemeClr val="dk1"/>
+                </a:lnRef>
+                <a:fillRef idx="0">
+                  <a:schemeClr val="dk1"/>
+                </a:fillRef>
+                <a:effectRef idx="0">
+                  <a:schemeClr val="dk1"/>
+                </a:effectRef>
+                <a:fontRef idx="minor">
+                  <a:schemeClr val="tx1"/>
+                </a:fontRef>
+              </p:style>
+            </p:cxnSp>
+            <p:cxnSp>
+              <p:nvCxnSpPr>
+                <p:cNvPr id="16" name="直接连接符 15">
+                  <a:extLst>
+                    <a:ext uri="{FF2B5EF4-FFF2-40B4-BE49-F238E27FC236}">
+                      <a16:creationId xmlns:a16="http://schemas.microsoft.com/office/drawing/2014/main" id="{C8124E5E-7DB0-2AEF-3072-C08892E96128}"/>
+                    </a:ext>
+                  </a:extLst>
+                </p:cNvPr>
+                <p:cNvCxnSpPr>
+                  <a:cxnSpLocks/>
+                </p:cNvCxnSpPr>
+                <p:nvPr/>
+              </p:nvCxnSpPr>
+              <p:spPr>
+                <a:xfrm>
+                  <a:off x="2206689" y="3428752"/>
+                  <a:ext cx="495498" cy="0"/>
+                </a:xfrm>
+                <a:prstGeom prst="line">
+                  <a:avLst/>
+                </a:prstGeom>
+                <a:ln w="19050">
+                  <a:solidFill>
+                    <a:schemeClr val="accent1"/>
+                  </a:solidFill>
+                </a:ln>
+              </p:spPr>
+              <p:style>
+                <a:lnRef idx="1">
+                  <a:schemeClr val="dk1"/>
+                </a:lnRef>
+                <a:fillRef idx="0">
+                  <a:schemeClr val="dk1"/>
+                </a:fillRef>
+                <a:effectRef idx="0">
+                  <a:schemeClr val="dk1"/>
+                </a:effectRef>
+                <a:fontRef idx="minor">
+                  <a:schemeClr val="tx1"/>
+                </a:fontRef>
+              </p:style>
+            </p:cxnSp>
+            <p:graphicFrame>
+              <p:nvGraphicFramePr>
+                <p:cNvPr id="37" name="对象 36">
+                  <a:extLst>
+                    <a:ext uri="{FF2B5EF4-FFF2-40B4-BE49-F238E27FC236}">
+                      <a16:creationId xmlns:a16="http://schemas.microsoft.com/office/drawing/2014/main" id="{2EBA2B6F-2EB2-4D02-48F2-80605E5DC11E}"/>
+                    </a:ext>
+                  </a:extLst>
+                </p:cNvPr>
+                <p:cNvGraphicFramePr>
+                  <a:graphicFrameLocks noChangeAspect="1"/>
+                </p:cNvGraphicFramePr>
+                <p:nvPr>
+                  <p:extLst>
+                    <p:ext uri="{D42A27DB-BD31-4B8C-83A1-F6EECF244321}">
+                      <p14:modId xmlns:p14="http://schemas.microsoft.com/office/powerpoint/2010/main" val="3360492767"/>
+                    </p:ext>
+                  </p:extLst>
+                </p:nvPr>
+              </p:nvGraphicFramePr>
+              <p:xfrm>
+                <a:off x="1558048" y="1404578"/>
+                <a:ext cx="444160" cy="226730"/>
+              </p:xfrm>
+              <a:graphic>
+                <a:graphicData uri="http://schemas.openxmlformats.org/presentationml/2006/ole">
+                  <mc:AlternateContent xmlns:mc="http://schemas.openxmlformats.org/markup-compatibility/2006">
+                    <mc:Choice xmlns:v="urn:schemas-microsoft-com:vml" Requires="v">
+                      <p:oleObj name="AxMath" r:id="rId6" imgW="375120" imgH="189720" progId="Equation.AxMath">
+                        <p:embed/>
+                      </p:oleObj>
+                    </mc:Choice>
+                    <mc:Fallback>
+                      <p:oleObj name="AxMath" r:id="rId6" imgW="375120" imgH="189720" progId="Equation.AxMath">
+                        <p:embed/>
+                        <p:pic>
+                          <p:nvPicPr>
+                            <p:cNvPr id="36" name="对象 35">
+                              <a:extLst>
+                                <a:ext uri="{FF2B5EF4-FFF2-40B4-BE49-F238E27FC236}">
+                                  <a16:creationId xmlns:a16="http://schemas.microsoft.com/office/drawing/2014/main" id="{8B2EFFB7-C0A0-4470-5725-D6F6B14EA0C8}"/>
+                                </a:ext>
+                              </a:extLst>
+                            </p:cNvPr>
+                            <p:cNvPicPr/>
+                            <p:nvPr/>
+                          </p:nvPicPr>
+                          <p:blipFill>
+                            <a:blip r:embed="rId7"/>
+                            <a:stretch>
+                              <a:fillRect/>
+                            </a:stretch>
+                          </p:blipFill>
+                          <p:spPr>
+                            <a:xfrm>
+                              <a:off x="1558048" y="1404578"/>
+                              <a:ext cx="444160" cy="226730"/>
+                            </a:xfrm>
+                            <a:prstGeom prst="rect">
+                              <a:avLst/>
+                            </a:prstGeom>
+                          </p:spPr>
+                        </p:pic>
+                      </p:oleObj>
+                    </mc:Fallback>
+                  </mc:AlternateContent>
+                </a:graphicData>
+              </a:graphic>
+            </p:graphicFrame>
+            <p:sp>
+              <p:nvSpPr>
+                <p:cNvPr id="45" name="文本框 44">
+                  <a:extLst>
+                    <a:ext uri="{FF2B5EF4-FFF2-40B4-BE49-F238E27FC236}">
+                      <a16:creationId xmlns:a16="http://schemas.microsoft.com/office/drawing/2014/main" id="{85A3B6AB-36F7-DF79-A779-5A5DD8E83C89}"/>
+                    </a:ext>
+                  </a:extLst>
+                </p:cNvPr>
+                <p:cNvSpPr txBox="1"/>
+                <p:nvPr/>
+              </p:nvSpPr>
+              <p:spPr>
+                <a:xfrm>
+                  <a:off x="1367795" y="3289380"/>
+                  <a:ext cx="453970" cy="276999"/>
+                </a:xfrm>
+                <a:prstGeom prst="rect">
+                  <a:avLst/>
+                </a:prstGeom>
+                <a:noFill/>
+              </p:spPr>
+              <p:txBody>
+                <a:bodyPr wrap="none" rtlCol="0">
+                  <a:spAutoFit/>
+                </a:bodyPr>
+                <a:lstStyle/>
+                <a:p>
+                  <a:r>
+                    <a:rPr lang="en-US" altLang="zh-CN" sz="1200" dirty="0">
+                      <a:latin typeface="Times New Roman" panose="02020603050405020304" pitchFamily="18" charset="0"/>
+                      <a:ea typeface="阿里巴巴普惠体 Medium" panose="00020600040101010101" pitchFamily="18" charset="-122"/>
+                      <a:cs typeface="Times New Roman" panose="02020603050405020304" pitchFamily="18" charset="0"/>
+                    </a:rPr>
+                    <a:t>0.25</a:t>
+                  </a:r>
+                  <a:endParaRPr lang="zh-CN" altLang="en-US" sz="1200" dirty="0">
+                    <a:latin typeface="Times New Roman" panose="02020603050405020304" pitchFamily="18" charset="0"/>
+                    <a:ea typeface="阿里巴巴普惠体 Medium" panose="00020600040101010101" pitchFamily="18" charset="-122"/>
+                    <a:cs typeface="Times New Roman" panose="02020603050405020304" pitchFamily="18" charset="0"/>
+                  </a:endParaRPr>
+                </a:p>
+              </p:txBody>
+            </p:sp>
+            <p:sp>
+              <p:nvSpPr>
+                <p:cNvPr id="46" name="文本框 45">
+                  <a:extLst>
+                    <a:ext uri="{FF2B5EF4-FFF2-40B4-BE49-F238E27FC236}">
+                      <a16:creationId xmlns:a16="http://schemas.microsoft.com/office/drawing/2014/main" id="{099DC7AB-08DD-0738-7AC0-ED165E706CC9}"/>
+                    </a:ext>
+                  </a:extLst>
+                </p:cNvPr>
+                <p:cNvSpPr txBox="1"/>
+                <p:nvPr/>
+              </p:nvSpPr>
+              <p:spPr>
+                <a:xfrm>
+                  <a:off x="1559136" y="3827040"/>
+                  <a:ext cx="261610" cy="276999"/>
+                </a:xfrm>
+                <a:prstGeom prst="rect">
+                  <a:avLst/>
+                </a:prstGeom>
+                <a:noFill/>
+              </p:spPr>
+              <p:txBody>
+                <a:bodyPr wrap="none" rtlCol="0">
+                  <a:spAutoFit/>
+                </a:bodyPr>
+                <a:lstStyle/>
+                <a:p>
+                  <a:r>
+                    <a:rPr lang="en-US" altLang="zh-CN" sz="1200" dirty="0">
+                      <a:latin typeface="Times New Roman" panose="02020603050405020304" pitchFamily="18" charset="0"/>
+                      <a:ea typeface="阿里巴巴普惠体 Medium" panose="00020600040101010101" pitchFamily="18" charset="-122"/>
+                      <a:cs typeface="Times New Roman" panose="02020603050405020304" pitchFamily="18" charset="0"/>
+                    </a:rPr>
+                    <a:t>0</a:t>
+                  </a:r>
+                  <a:endParaRPr lang="zh-CN" altLang="en-US" sz="1200" dirty="0">
+                    <a:latin typeface="Times New Roman" panose="02020603050405020304" pitchFamily="18" charset="0"/>
+                    <a:ea typeface="阿里巴巴普惠体 Medium" panose="00020600040101010101" pitchFamily="18" charset="-122"/>
+                    <a:cs typeface="Times New Roman" panose="02020603050405020304" pitchFamily="18" charset="0"/>
+                  </a:endParaRPr>
+                </a:p>
+              </p:txBody>
+            </p:sp>
+            <p:sp>
+              <p:nvSpPr>
+                <p:cNvPr id="47" name="文本框 46">
+                  <a:extLst>
+                    <a:ext uri="{FF2B5EF4-FFF2-40B4-BE49-F238E27FC236}">
+                      <a16:creationId xmlns:a16="http://schemas.microsoft.com/office/drawing/2014/main" id="{5438E959-26EB-8DD2-8CC4-2509B72F1D77}"/>
+                    </a:ext>
+                  </a:extLst>
+                </p:cNvPr>
+                <p:cNvSpPr txBox="1"/>
+                <p:nvPr/>
+              </p:nvSpPr>
+              <p:spPr>
+                <a:xfrm>
+                  <a:off x="1362536" y="2210131"/>
+                  <a:ext cx="453970" cy="276999"/>
+                </a:xfrm>
+                <a:prstGeom prst="rect">
+                  <a:avLst/>
+                </a:prstGeom>
+                <a:noFill/>
+              </p:spPr>
+              <p:txBody>
+                <a:bodyPr wrap="none" rtlCol="0">
+                  <a:spAutoFit/>
+                </a:bodyPr>
+                <a:lstStyle/>
+                <a:p>
+                  <a:r>
+                    <a:rPr lang="en-US" altLang="zh-CN" sz="1200" dirty="0">
+                      <a:latin typeface="Times New Roman" panose="02020603050405020304" pitchFamily="18" charset="0"/>
+                      <a:ea typeface="阿里巴巴普惠体 Medium" panose="00020600040101010101" pitchFamily="18" charset="-122"/>
+                      <a:cs typeface="Times New Roman" panose="02020603050405020304" pitchFamily="18" charset="0"/>
+                    </a:rPr>
+                    <a:t>0.85</a:t>
+                  </a:r>
+                  <a:endParaRPr lang="zh-CN" altLang="en-US" sz="1200" dirty="0">
+                    <a:latin typeface="Times New Roman" panose="02020603050405020304" pitchFamily="18" charset="0"/>
+                    <a:ea typeface="阿里巴巴普惠体 Medium" panose="00020600040101010101" pitchFamily="18" charset="-122"/>
+                    <a:cs typeface="Times New Roman" panose="02020603050405020304" pitchFamily="18" charset="0"/>
+                  </a:endParaRPr>
+                </a:p>
+              </p:txBody>
+            </p:sp>
+            <p:sp>
+              <p:nvSpPr>
+                <p:cNvPr id="49" name="文本框 48">
+                  <a:extLst>
+                    <a:ext uri="{FF2B5EF4-FFF2-40B4-BE49-F238E27FC236}">
+                      <a16:creationId xmlns:a16="http://schemas.microsoft.com/office/drawing/2014/main" id="{EE9A3D31-9DF4-35BE-4B16-5C8DFB5770C1}"/>
+                    </a:ext>
+                  </a:extLst>
+                </p:cNvPr>
+                <p:cNvSpPr txBox="1"/>
+                <p:nvPr/>
+              </p:nvSpPr>
+              <p:spPr>
+                <a:xfrm>
+                  <a:off x="1405478" y="1850914"/>
+                  <a:ext cx="377026" cy="276999"/>
+                </a:xfrm>
+                <a:prstGeom prst="rect">
+                  <a:avLst/>
+                </a:prstGeom>
+                <a:noFill/>
+              </p:spPr>
+              <p:txBody>
+                <a:bodyPr wrap="none" rtlCol="0">
+                  <a:spAutoFit/>
+                </a:bodyPr>
+                <a:lstStyle/>
+                <a:p>
+                  <a:r>
+                    <a:rPr lang="en-US" altLang="zh-CN" sz="1200" dirty="0">
+                      <a:latin typeface="Times New Roman" panose="02020603050405020304" pitchFamily="18" charset="0"/>
+                      <a:ea typeface="阿里巴巴普惠体 Medium" panose="00020600040101010101" pitchFamily="18" charset="-122"/>
+                      <a:cs typeface="Times New Roman" panose="02020603050405020304" pitchFamily="18" charset="0"/>
+                    </a:rPr>
+                    <a:t>1.0</a:t>
+                  </a:r>
+                  <a:endParaRPr lang="zh-CN" altLang="en-US" sz="1200" dirty="0">
+                    <a:latin typeface="Times New Roman" panose="02020603050405020304" pitchFamily="18" charset="0"/>
+                    <a:ea typeface="阿里巴巴普惠体 Medium" panose="00020600040101010101" pitchFamily="18" charset="-122"/>
+                    <a:cs typeface="Times New Roman" panose="02020603050405020304" pitchFamily="18" charset="0"/>
+                  </a:endParaRPr>
+                </a:p>
+              </p:txBody>
+            </p:sp>
+            <p:cxnSp>
+              <p:nvCxnSpPr>
+                <p:cNvPr id="57" name="直接连接符 56">
+                  <a:extLst>
+                    <a:ext uri="{FF2B5EF4-FFF2-40B4-BE49-F238E27FC236}">
+                      <a16:creationId xmlns:a16="http://schemas.microsoft.com/office/drawing/2014/main" id="{5674FF67-9F49-8549-173D-D2DF5E07C961}"/>
+                    </a:ext>
+                  </a:extLst>
+                </p:cNvPr>
+                <p:cNvCxnSpPr>
+                  <a:cxnSpLocks/>
+                </p:cNvCxnSpPr>
+                <p:nvPr/>
+              </p:nvCxnSpPr>
+              <p:spPr>
+                <a:xfrm flipH="1">
+                  <a:off x="1774071" y="3428752"/>
+                  <a:ext cx="432049" cy="0"/>
+                </a:xfrm>
+                <a:prstGeom prst="line">
+                  <a:avLst/>
+                </a:prstGeom>
+                <a:ln w="12700">
+                  <a:solidFill>
+                    <a:schemeClr val="tx1"/>
+                  </a:solidFill>
+                  <a:prstDash val="dash"/>
+                </a:ln>
+              </p:spPr>
+              <p:style>
+                <a:lnRef idx="1">
+                  <a:schemeClr val="dk1"/>
+                </a:lnRef>
+                <a:fillRef idx="0">
+                  <a:schemeClr val="dk1"/>
+                </a:fillRef>
+                <a:effectRef idx="0">
+                  <a:schemeClr val="dk1"/>
+                </a:effectRef>
+                <a:fontRef idx="minor">
+                  <a:schemeClr val="tx1"/>
+                </a:fontRef>
+              </p:style>
+            </p:cxnSp>
+            <p:cxnSp>
+              <p:nvCxnSpPr>
+                <p:cNvPr id="59" name="直接连接符 58">
+                  <a:extLst>
+                    <a:ext uri="{FF2B5EF4-FFF2-40B4-BE49-F238E27FC236}">
+                      <a16:creationId xmlns:a16="http://schemas.microsoft.com/office/drawing/2014/main" id="{2DE351D6-9738-F047-3EDD-53E4D0D6439A}"/>
+                    </a:ext>
+                  </a:extLst>
+                </p:cNvPr>
+                <p:cNvCxnSpPr>
+                  <a:cxnSpLocks/>
+                </p:cNvCxnSpPr>
+                <p:nvPr/>
+              </p:nvCxnSpPr>
+              <p:spPr>
+                <a:xfrm flipH="1">
+                  <a:off x="1774022" y="2348632"/>
+                  <a:ext cx="923996" cy="0"/>
+                </a:xfrm>
+                <a:prstGeom prst="line">
+                  <a:avLst/>
+                </a:prstGeom>
+                <a:ln w="12700">
+                  <a:solidFill>
+                    <a:schemeClr val="tx1"/>
+                  </a:solidFill>
+                  <a:prstDash val="dash"/>
+                </a:ln>
+              </p:spPr>
+              <p:style>
+                <a:lnRef idx="1">
+                  <a:schemeClr val="dk1"/>
+                </a:lnRef>
+                <a:fillRef idx="0">
+                  <a:schemeClr val="dk1"/>
+                </a:fillRef>
+                <a:effectRef idx="0">
+                  <a:schemeClr val="dk1"/>
+                </a:effectRef>
+                <a:fontRef idx="minor">
+                  <a:schemeClr val="tx1"/>
+                </a:fontRef>
+              </p:style>
+            </p:cxnSp>
+            <p:cxnSp>
+              <p:nvCxnSpPr>
+                <p:cNvPr id="61" name="直接连接符 60">
+                  <a:extLst>
+                    <a:ext uri="{FF2B5EF4-FFF2-40B4-BE49-F238E27FC236}">
+                      <a16:creationId xmlns:a16="http://schemas.microsoft.com/office/drawing/2014/main" id="{2DD8E52E-00A0-4AB2-7995-1B5F9C716A68}"/>
+                    </a:ext>
+                  </a:extLst>
+                </p:cNvPr>
+                <p:cNvCxnSpPr>
+                  <a:cxnSpLocks/>
+                </p:cNvCxnSpPr>
+                <p:nvPr/>
+              </p:nvCxnSpPr>
+              <p:spPr>
+                <a:xfrm flipH="1">
+                  <a:off x="1774071" y="1994107"/>
+                  <a:ext cx="1440161" cy="0"/>
+                </a:xfrm>
+                <a:prstGeom prst="line">
+                  <a:avLst/>
+                </a:prstGeom>
+                <a:ln w="12700">
+                  <a:solidFill>
+                    <a:schemeClr val="tx1"/>
+                  </a:solidFill>
+                  <a:prstDash val="dash"/>
+                </a:ln>
+              </p:spPr>
+              <p:style>
+                <a:lnRef idx="1">
+                  <a:schemeClr val="dk1"/>
+                </a:lnRef>
+                <a:fillRef idx="0">
+                  <a:schemeClr val="dk1"/>
+                </a:fillRef>
+                <a:effectRef idx="0">
+                  <a:schemeClr val="dk1"/>
+                </a:effectRef>
+                <a:fontRef idx="minor">
+                  <a:schemeClr val="tx1"/>
+                </a:fontRef>
+              </p:style>
+            </p:cxnSp>
+            <p:cxnSp>
+              <p:nvCxnSpPr>
+                <p:cNvPr id="92" name="直接连接符 91">
+                  <a:extLst>
+                    <a:ext uri="{FF2B5EF4-FFF2-40B4-BE49-F238E27FC236}">
+                      <a16:creationId xmlns:a16="http://schemas.microsoft.com/office/drawing/2014/main" id="{D2AECBF1-4652-083E-1C25-B5EF639B1636}"/>
+                    </a:ext>
+                  </a:extLst>
+                </p:cNvPr>
+                <p:cNvCxnSpPr>
+                  <a:cxnSpLocks/>
+                </p:cNvCxnSpPr>
+                <p:nvPr/>
+              </p:nvCxnSpPr>
+              <p:spPr>
+                <a:xfrm>
+                  <a:off x="2698018" y="2348632"/>
+                  <a:ext cx="510771" cy="0"/>
+                </a:xfrm>
+                <a:prstGeom prst="line">
+                  <a:avLst/>
+                </a:prstGeom>
+                <a:ln w="19050">
+                  <a:solidFill>
+                    <a:schemeClr val="accent1"/>
+                  </a:solidFill>
+                </a:ln>
+              </p:spPr>
+              <p:style>
+                <a:lnRef idx="1">
+                  <a:schemeClr val="dk1"/>
+                </a:lnRef>
+                <a:fillRef idx="0">
+                  <a:schemeClr val="dk1"/>
+                </a:fillRef>
+                <a:effectRef idx="0">
+                  <a:schemeClr val="dk1"/>
+                </a:effectRef>
+                <a:fontRef idx="minor">
+                  <a:schemeClr val="tx1"/>
+                </a:fontRef>
+              </p:style>
+            </p:cxnSp>
+            <p:cxnSp>
+              <p:nvCxnSpPr>
+                <p:cNvPr id="93" name="直接连接符 92">
+                  <a:extLst>
+                    <a:ext uri="{FF2B5EF4-FFF2-40B4-BE49-F238E27FC236}">
+                      <a16:creationId xmlns:a16="http://schemas.microsoft.com/office/drawing/2014/main" id="{9FE96E04-4CB1-9DBA-3D17-65A0472FD0F2}"/>
+                    </a:ext>
+                  </a:extLst>
+                </p:cNvPr>
+                <p:cNvCxnSpPr>
+                  <a:cxnSpLocks/>
+                </p:cNvCxnSpPr>
+                <p:nvPr/>
+              </p:nvCxnSpPr>
+              <p:spPr>
+                <a:xfrm>
+                  <a:off x="3214232" y="1994107"/>
+                  <a:ext cx="812804" cy="0"/>
+                </a:xfrm>
+                <a:prstGeom prst="line">
+                  <a:avLst/>
+                </a:prstGeom>
+                <a:ln w="19050">
+                  <a:solidFill>
+                    <a:schemeClr val="accent1"/>
+                  </a:solidFill>
+                </a:ln>
+              </p:spPr>
+              <p:style>
+                <a:lnRef idx="1">
+                  <a:schemeClr val="dk1"/>
+                </a:lnRef>
+                <a:fillRef idx="0">
+                  <a:schemeClr val="dk1"/>
+                </a:fillRef>
+                <a:effectRef idx="0">
+                  <a:schemeClr val="dk1"/>
+                </a:effectRef>
+                <a:fontRef idx="minor">
+                  <a:schemeClr val="tx1"/>
+                </a:fontRef>
+              </p:style>
+            </p:cxnSp>
+            <p:cxnSp>
+              <p:nvCxnSpPr>
+                <p:cNvPr id="103" name="直接连接符 102">
+                  <a:extLst>
+                    <a:ext uri="{FF2B5EF4-FFF2-40B4-BE49-F238E27FC236}">
+                      <a16:creationId xmlns:a16="http://schemas.microsoft.com/office/drawing/2014/main" id="{DEFCA64D-74E1-BE3B-4096-6EECEBB540DF}"/>
+                    </a:ext>
+                  </a:extLst>
+                </p:cNvPr>
+                <p:cNvCxnSpPr>
+                  <a:cxnSpLocks/>
+                </p:cNvCxnSpPr>
+                <p:nvPr/>
+              </p:nvCxnSpPr>
+              <p:spPr>
+                <a:xfrm flipV="1">
+                  <a:off x="2705843" y="3427879"/>
+                  <a:ext cx="0" cy="432673"/>
+                </a:xfrm>
+                <a:prstGeom prst="line">
+                  <a:avLst/>
+                </a:prstGeom>
+                <a:ln w="12700">
+                  <a:solidFill>
+                    <a:schemeClr val="tx1"/>
+                  </a:solidFill>
+                  <a:prstDash val="dash"/>
+                </a:ln>
+              </p:spPr>
+              <p:style>
+                <a:lnRef idx="1">
+                  <a:schemeClr val="dk1"/>
+                </a:lnRef>
+                <a:fillRef idx="0">
+                  <a:schemeClr val="dk1"/>
+                </a:fillRef>
+                <a:effectRef idx="0">
+                  <a:schemeClr val="dk1"/>
+                </a:effectRef>
+                <a:fontRef idx="minor">
+                  <a:schemeClr val="tx1"/>
+                </a:fontRef>
+              </p:style>
+            </p:cxnSp>
+            <p:cxnSp>
+              <p:nvCxnSpPr>
+                <p:cNvPr id="106" name="直接连接符 105">
+                  <a:extLst>
+                    <a:ext uri="{FF2B5EF4-FFF2-40B4-BE49-F238E27FC236}">
+                      <a16:creationId xmlns:a16="http://schemas.microsoft.com/office/drawing/2014/main" id="{CA4B84E2-1ED8-7C45-F8B8-5EC788BFDAE2}"/>
+                    </a:ext>
+                  </a:extLst>
+                </p:cNvPr>
+                <p:cNvCxnSpPr>
+                  <a:cxnSpLocks/>
+                </p:cNvCxnSpPr>
+                <p:nvPr/>
+              </p:nvCxnSpPr>
+              <p:spPr>
+                <a:xfrm flipV="1">
+                  <a:off x="3208788" y="2349085"/>
+                  <a:ext cx="0" cy="1505117"/>
+                </a:xfrm>
+                <a:prstGeom prst="line">
+                  <a:avLst/>
+                </a:prstGeom>
+                <a:ln w="12700">
+                  <a:solidFill>
+                    <a:schemeClr val="tx1"/>
+                  </a:solidFill>
+                  <a:prstDash val="dash"/>
+                </a:ln>
+              </p:spPr>
+              <p:style>
+                <a:lnRef idx="1">
+                  <a:schemeClr val="dk1"/>
+                </a:lnRef>
+                <a:fillRef idx="0">
+                  <a:schemeClr val="dk1"/>
+                </a:fillRef>
+                <a:effectRef idx="0">
+                  <a:schemeClr val="dk1"/>
+                </a:effectRef>
+                <a:fontRef idx="minor">
+                  <a:schemeClr val="tx1"/>
+                </a:fontRef>
+              </p:style>
+            </p:cxnSp>
+            <p:sp>
+              <p:nvSpPr>
+                <p:cNvPr id="113" name="椭圆 112">
+                  <a:extLst>
+                    <a:ext uri="{FF2B5EF4-FFF2-40B4-BE49-F238E27FC236}">
+                      <a16:creationId xmlns:a16="http://schemas.microsoft.com/office/drawing/2014/main" id="{53AC7213-C11E-2BFA-4213-49467BD857BC}"/>
+                    </a:ext>
+                  </a:extLst>
+                </p:cNvPr>
+                <p:cNvSpPr/>
+                <p:nvPr/>
+              </p:nvSpPr>
+              <p:spPr>
+                <a:xfrm>
+                  <a:off x="2182323" y="3405018"/>
+                  <a:ext cx="45719" cy="45719"/>
+                </a:xfrm>
+                <a:prstGeom prst="ellipse">
+                  <a:avLst/>
+                </a:prstGeom>
+                <a:solidFill>
+                  <a:schemeClr val="tx1"/>
+                </a:solidFill>
+                <a:ln>
+                  <a:solidFill>
+                    <a:schemeClr val="tx1"/>
+                  </a:solidFill>
+                </a:ln>
+              </p:spPr>
+              <p:style>
+                <a:lnRef idx="2">
+                  <a:schemeClr val="accent1">
+                    <a:shade val="50000"/>
+                  </a:schemeClr>
+                </a:lnRef>
+                <a:fillRef idx="1">
+                  <a:schemeClr val="accent1"/>
+                </a:fillRef>
+                <a:effectRef idx="0">
+                  <a:schemeClr val="accent1"/>
+                </a:effectRef>
+                <a:fontRef idx="minor">
+                  <a:schemeClr val="lt1"/>
+                </a:fontRef>
+              </p:style>
+              <p:txBody>
+                <a:bodyPr rtlCol="0" anchor="ctr"/>
+                <a:lstStyle/>
+                <a:p>
+                  <a:pPr algn="ctr"/>
+                  <a:endParaRPr lang="zh-CN" altLang="en-US"/>
+                </a:p>
+              </p:txBody>
+            </p:sp>
+            <p:sp>
+              <p:nvSpPr>
+                <p:cNvPr id="114" name="椭圆 113">
+                  <a:extLst>
+                    <a:ext uri="{FF2B5EF4-FFF2-40B4-BE49-F238E27FC236}">
+                      <a16:creationId xmlns:a16="http://schemas.microsoft.com/office/drawing/2014/main" id="{97AB0DCC-5B70-56DC-899C-09B8A4D9B533}"/>
+                    </a:ext>
+                  </a:extLst>
+                </p:cNvPr>
+                <p:cNvSpPr/>
+                <p:nvPr/>
+              </p:nvSpPr>
+              <p:spPr>
+                <a:xfrm>
+                  <a:off x="2682983" y="2324897"/>
+                  <a:ext cx="45719" cy="45719"/>
+                </a:xfrm>
+                <a:prstGeom prst="ellipse">
+                  <a:avLst/>
+                </a:prstGeom>
+                <a:solidFill>
+                  <a:schemeClr val="tx1"/>
+                </a:solidFill>
+                <a:ln>
+                  <a:solidFill>
+                    <a:schemeClr val="tx1"/>
+                  </a:solidFill>
+                </a:ln>
+              </p:spPr>
+              <p:style>
+                <a:lnRef idx="2">
+                  <a:schemeClr val="accent1">
+                    <a:shade val="50000"/>
+                  </a:schemeClr>
+                </a:lnRef>
+                <a:fillRef idx="1">
+                  <a:schemeClr val="accent1"/>
+                </a:fillRef>
+                <a:effectRef idx="0">
+                  <a:schemeClr val="accent1"/>
+                </a:effectRef>
+                <a:fontRef idx="minor">
+                  <a:schemeClr val="lt1"/>
+                </a:fontRef>
+              </p:style>
+              <p:txBody>
+                <a:bodyPr rtlCol="0" anchor="ctr"/>
+                <a:lstStyle/>
+                <a:p>
+                  <a:pPr algn="ctr"/>
+                  <a:endParaRPr lang="zh-CN" altLang="en-US"/>
+                </a:p>
+              </p:txBody>
+            </p:sp>
+            <p:sp>
+              <p:nvSpPr>
+                <p:cNvPr id="115" name="椭圆 114">
+                  <a:extLst>
+                    <a:ext uri="{FF2B5EF4-FFF2-40B4-BE49-F238E27FC236}">
+                      <a16:creationId xmlns:a16="http://schemas.microsoft.com/office/drawing/2014/main" id="{A3360B79-6706-6B53-6948-D13A263C3196}"/>
+                    </a:ext>
+                  </a:extLst>
+                </p:cNvPr>
+                <p:cNvSpPr/>
+                <p:nvPr/>
+              </p:nvSpPr>
+              <p:spPr>
+                <a:xfrm>
+                  <a:off x="3185928" y="1970492"/>
+                  <a:ext cx="45719" cy="45719"/>
+                </a:xfrm>
+                <a:prstGeom prst="ellipse">
+                  <a:avLst/>
+                </a:prstGeom>
+                <a:solidFill>
+                  <a:schemeClr val="tx1"/>
+                </a:solidFill>
+                <a:ln>
+                  <a:solidFill>
+                    <a:schemeClr val="tx1"/>
+                  </a:solidFill>
+                </a:ln>
+              </p:spPr>
+              <p:style>
+                <a:lnRef idx="2">
+                  <a:schemeClr val="accent1">
+                    <a:shade val="50000"/>
+                  </a:schemeClr>
+                </a:lnRef>
+                <a:fillRef idx="1">
+                  <a:schemeClr val="accent1"/>
+                </a:fillRef>
+                <a:effectRef idx="0">
+                  <a:schemeClr val="accent1"/>
+                </a:effectRef>
+                <a:fontRef idx="minor">
+                  <a:schemeClr val="lt1"/>
+                </a:fontRef>
+              </p:style>
+              <p:txBody>
+                <a:bodyPr rtlCol="0" anchor="ctr"/>
+                <a:lstStyle/>
+                <a:p>
+                  <a:pPr algn="ctr"/>
+                  <a:endParaRPr lang="zh-CN" altLang="en-US"/>
+                </a:p>
+              </p:txBody>
+            </p:sp>
+            <p:sp>
+              <p:nvSpPr>
+                <p:cNvPr id="116" name="椭圆 115">
+                  <a:extLst>
+                    <a:ext uri="{FF2B5EF4-FFF2-40B4-BE49-F238E27FC236}">
+                      <a16:creationId xmlns:a16="http://schemas.microsoft.com/office/drawing/2014/main" id="{00A507F7-B31D-2CBF-20D9-95F017F3FC63}"/>
+                    </a:ext>
+                  </a:extLst>
+                </p:cNvPr>
+                <p:cNvSpPr/>
+                <p:nvPr/>
+              </p:nvSpPr>
+              <p:spPr>
+                <a:xfrm>
+                  <a:off x="2676386" y="3395124"/>
+                  <a:ext cx="58914" cy="58914"/>
+                </a:xfrm>
+                <a:prstGeom prst="ellipse">
+                  <a:avLst/>
+                </a:prstGeom>
+                <a:noFill/>
+                <a:ln>
+                  <a:solidFill>
+                    <a:schemeClr val="tx1"/>
+                  </a:solidFill>
+                </a:ln>
+              </p:spPr>
+              <p:style>
+                <a:lnRef idx="2">
+                  <a:schemeClr val="accent1">
+                    <a:shade val="50000"/>
+                  </a:schemeClr>
+                </a:lnRef>
+                <a:fillRef idx="1">
+                  <a:schemeClr val="accent1"/>
+                </a:fillRef>
+                <a:effectRef idx="0">
+                  <a:schemeClr val="accent1"/>
+                </a:effectRef>
+                <a:fontRef idx="minor">
+                  <a:schemeClr val="lt1"/>
+                </a:fontRef>
+              </p:style>
+              <p:txBody>
+                <a:bodyPr rtlCol="0" anchor="ctr"/>
+                <a:lstStyle/>
+                <a:p>
+                  <a:pPr algn="ctr"/>
+                  <a:endParaRPr lang="zh-CN" altLang="en-US"/>
+                </a:p>
+              </p:txBody>
+            </p:sp>
+            <p:sp>
+              <p:nvSpPr>
+                <p:cNvPr id="117" name="椭圆 116">
+                  <a:extLst>
+                    <a:ext uri="{FF2B5EF4-FFF2-40B4-BE49-F238E27FC236}">
+                      <a16:creationId xmlns:a16="http://schemas.microsoft.com/office/drawing/2014/main" id="{6A8F8D84-1B32-39DE-18A4-E41E9DB11B42}"/>
+                    </a:ext>
+                  </a:extLst>
+                </p:cNvPr>
+                <p:cNvSpPr/>
+                <p:nvPr/>
+              </p:nvSpPr>
+              <p:spPr>
+                <a:xfrm>
+                  <a:off x="2176553" y="3827040"/>
+                  <a:ext cx="58920" cy="58920"/>
+                </a:xfrm>
+                <a:prstGeom prst="ellipse">
+                  <a:avLst/>
+                </a:prstGeom>
+                <a:noFill/>
+                <a:ln>
+                  <a:solidFill>
+                    <a:schemeClr val="tx1"/>
+                  </a:solidFill>
+                </a:ln>
+              </p:spPr>
+              <p:style>
+                <a:lnRef idx="2">
+                  <a:schemeClr val="accent1">
+                    <a:shade val="50000"/>
+                  </a:schemeClr>
+                </a:lnRef>
+                <a:fillRef idx="1">
+                  <a:schemeClr val="accent1"/>
+                </a:fillRef>
+                <a:effectRef idx="0">
+                  <a:schemeClr val="accent1"/>
+                </a:effectRef>
+                <a:fontRef idx="minor">
+                  <a:schemeClr val="lt1"/>
+                </a:fontRef>
+              </p:style>
+              <p:txBody>
+                <a:bodyPr rtlCol="0" anchor="ctr"/>
+                <a:lstStyle/>
+                <a:p>
+                  <a:pPr algn="ctr"/>
+                  <a:endParaRPr lang="zh-CN" altLang="en-US"/>
+                </a:p>
+              </p:txBody>
+            </p:sp>
+            <p:sp>
+              <p:nvSpPr>
+                <p:cNvPr id="118" name="椭圆 117">
+                  <a:extLst>
+                    <a:ext uri="{FF2B5EF4-FFF2-40B4-BE49-F238E27FC236}">
+                      <a16:creationId xmlns:a16="http://schemas.microsoft.com/office/drawing/2014/main" id="{E599BD55-158D-0F3F-8740-A5DA0448541E}"/>
+                    </a:ext>
+                  </a:extLst>
+                </p:cNvPr>
+                <p:cNvSpPr/>
+                <p:nvPr/>
+              </p:nvSpPr>
+              <p:spPr>
+                <a:xfrm>
+                  <a:off x="3179330" y="2316329"/>
+                  <a:ext cx="58916" cy="58916"/>
+                </a:xfrm>
+                <a:prstGeom prst="ellipse">
+                  <a:avLst/>
+                </a:prstGeom>
+                <a:noFill/>
+                <a:ln>
+                  <a:solidFill>
+                    <a:schemeClr val="tx1"/>
+                  </a:solidFill>
+                </a:ln>
+              </p:spPr>
+              <p:style>
+                <a:lnRef idx="2">
+                  <a:schemeClr val="accent1">
+                    <a:shade val="50000"/>
+                  </a:schemeClr>
+                </a:lnRef>
+                <a:fillRef idx="1">
+                  <a:schemeClr val="accent1"/>
+                </a:fillRef>
+                <a:effectRef idx="0">
+                  <a:schemeClr val="accent1"/>
+                </a:effectRef>
+                <a:fontRef idx="minor">
+                  <a:schemeClr val="lt1"/>
+                </a:fontRef>
+              </p:style>
+              <p:txBody>
+                <a:bodyPr rtlCol="0" anchor="ctr"/>
+                <a:lstStyle/>
+                <a:p>
+                  <a:pPr algn="ctr"/>
+                  <a:endParaRPr lang="zh-CN" altLang="en-US"/>
+                </a:p>
+              </p:txBody>
+            </p:sp>
+            <p:sp>
+              <p:nvSpPr>
+                <p:cNvPr id="2" name="椭圆 1">
+                  <a:extLst>
+                    <a:ext uri="{FF2B5EF4-FFF2-40B4-BE49-F238E27FC236}">
+                      <a16:creationId xmlns:a16="http://schemas.microsoft.com/office/drawing/2014/main" id="{2D19FC02-950A-CD64-5387-34BDA3A1C3AA}"/>
+                    </a:ext>
+                  </a:extLst>
+                </p:cNvPr>
+                <p:cNvSpPr/>
+                <p:nvPr/>
+              </p:nvSpPr>
+              <p:spPr>
+                <a:xfrm>
+                  <a:off x="1751162" y="3837943"/>
+                  <a:ext cx="45719" cy="45719"/>
+                </a:xfrm>
+                <a:prstGeom prst="ellipse">
+                  <a:avLst/>
+                </a:prstGeom>
+                <a:solidFill>
+                  <a:schemeClr val="tx1"/>
+                </a:solidFill>
+                <a:ln>
+                  <a:solidFill>
+                    <a:schemeClr val="tx1"/>
+                  </a:solidFill>
+                </a:ln>
+              </p:spPr>
+              <p:style>
+                <a:lnRef idx="2">
+                  <a:schemeClr val="accent1">
+                    <a:shade val="50000"/>
+                  </a:schemeClr>
+                </a:lnRef>
+                <a:fillRef idx="1">
+                  <a:schemeClr val="accent1"/>
+                </a:fillRef>
+                <a:effectRef idx="0">
+                  <a:schemeClr val="accent1"/>
+                </a:effectRef>
+                <a:fontRef idx="minor">
+                  <a:schemeClr val="lt1"/>
+                </a:fontRef>
+              </p:style>
+              <p:txBody>
+                <a:bodyPr rtlCol="0" anchor="ctr"/>
+                <a:lstStyle/>
+                <a:p>
+                  <a:pPr algn="ctr"/>
+                  <a:endParaRPr lang="zh-CN" altLang="en-US"/>
+                </a:p>
+              </p:txBody>
+            </p:sp>
+            <p:sp>
+              <p:nvSpPr>
+                <p:cNvPr id="58" name="文本框 57">
+                  <a:extLst>
+                    <a:ext uri="{FF2B5EF4-FFF2-40B4-BE49-F238E27FC236}">
+                      <a16:creationId xmlns:a16="http://schemas.microsoft.com/office/drawing/2014/main" id="{E243B69C-7E1B-1DFE-299B-7AC4E85B881F}"/>
+                    </a:ext>
+                  </a:extLst>
+                </p:cNvPr>
+                <p:cNvSpPr txBox="1"/>
+                <p:nvPr/>
+              </p:nvSpPr>
+              <p:spPr>
+                <a:xfrm>
+                  <a:off x="2184198" y="3500531"/>
+                  <a:ext cx="453970" cy="276999"/>
+                </a:xfrm>
+                <a:prstGeom prst="rect">
+                  <a:avLst/>
+                </a:prstGeom>
+                <a:noFill/>
+              </p:spPr>
+              <p:txBody>
+                <a:bodyPr wrap="none" rtlCol="0">
+                  <a:spAutoFit/>
+                </a:bodyPr>
+                <a:lstStyle/>
+                <a:p>
+                  <a:r>
+                    <a:rPr lang="en-US" altLang="zh-CN" sz="1200" dirty="0">
+                      <a:latin typeface="Times New Roman" panose="02020603050405020304" pitchFamily="18" charset="0"/>
+                      <a:ea typeface="阿里巴巴普惠体 Medium" panose="00020600040101010101" pitchFamily="18" charset="-122"/>
+                      <a:cs typeface="Times New Roman" panose="02020603050405020304" pitchFamily="18" charset="0"/>
+                    </a:rPr>
+                    <a:t>0.25</a:t>
+                  </a:r>
+                  <a:endParaRPr lang="zh-CN" altLang="en-US" sz="1200" dirty="0">
+                    <a:latin typeface="Times New Roman" panose="02020603050405020304" pitchFamily="18" charset="0"/>
+                    <a:ea typeface="阿里巴巴普惠体 Medium" panose="00020600040101010101" pitchFamily="18" charset="-122"/>
+                    <a:cs typeface="Times New Roman" panose="02020603050405020304" pitchFamily="18" charset="0"/>
+                  </a:endParaRPr>
+                </a:p>
+              </p:txBody>
+            </p:sp>
+            <p:sp>
+              <p:nvSpPr>
+                <p:cNvPr id="60" name="文本框 59">
+                  <a:extLst>
+                    <a:ext uri="{FF2B5EF4-FFF2-40B4-BE49-F238E27FC236}">
+                      <a16:creationId xmlns:a16="http://schemas.microsoft.com/office/drawing/2014/main" id="{DA79801B-EB41-19F8-71A1-320C66D7934D}"/>
+                    </a:ext>
+                  </a:extLst>
+                </p:cNvPr>
+                <p:cNvSpPr txBox="1"/>
+                <p:nvPr/>
+              </p:nvSpPr>
+              <p:spPr>
+                <a:xfrm>
+                  <a:off x="2693190" y="2788707"/>
+                  <a:ext cx="377026" cy="276999"/>
+                </a:xfrm>
+                <a:prstGeom prst="rect">
+                  <a:avLst/>
+                </a:prstGeom>
+                <a:noFill/>
+              </p:spPr>
+              <p:txBody>
+                <a:bodyPr wrap="none" rtlCol="0">
+                  <a:spAutoFit/>
+                </a:bodyPr>
+                <a:lstStyle/>
+                <a:p>
+                  <a:r>
+                    <a:rPr lang="en-US" altLang="zh-CN" sz="1200" dirty="0">
+                      <a:latin typeface="Times New Roman" panose="02020603050405020304" pitchFamily="18" charset="0"/>
+                      <a:ea typeface="阿里巴巴普惠体 Medium" panose="00020600040101010101" pitchFamily="18" charset="-122"/>
+                      <a:cs typeface="Times New Roman" panose="02020603050405020304" pitchFamily="18" charset="0"/>
+                    </a:rPr>
+                    <a:t>0.6</a:t>
+                  </a:r>
+                  <a:endParaRPr lang="zh-CN" altLang="en-US" sz="1200" dirty="0">
+                    <a:latin typeface="Times New Roman" panose="02020603050405020304" pitchFamily="18" charset="0"/>
+                    <a:ea typeface="阿里巴巴普惠体 Medium" panose="00020600040101010101" pitchFamily="18" charset="-122"/>
+                    <a:cs typeface="Times New Roman" panose="02020603050405020304" pitchFamily="18" charset="0"/>
+                  </a:endParaRPr>
+                </a:p>
+              </p:txBody>
+            </p:sp>
+            <p:graphicFrame>
+              <p:nvGraphicFramePr>
+                <p:cNvPr id="89" name="对象 88">
+                  <a:extLst>
+                    <a:ext uri="{FF2B5EF4-FFF2-40B4-BE49-F238E27FC236}">
+                      <a16:creationId xmlns:a16="http://schemas.microsoft.com/office/drawing/2014/main" id="{47166154-7E09-B123-5BF2-6D8E2F999D64}"/>
+                    </a:ext>
+                  </a:extLst>
+                </p:cNvPr>
+                <p:cNvGraphicFramePr>
+                  <a:graphicFrameLocks noChangeAspect="1"/>
+                </p:cNvGraphicFramePr>
+                <p:nvPr>
+                  <p:extLst>
+                    <p:ext uri="{D42A27DB-BD31-4B8C-83A1-F6EECF244321}">
+                      <p14:modId xmlns:p14="http://schemas.microsoft.com/office/powerpoint/2010/main" val="213614529"/>
+                    </p:ext>
+                  </p:extLst>
+                </p:nvPr>
+              </p:nvGraphicFramePr>
+              <p:xfrm>
+                <a:off x="2599592" y="3856382"/>
+                <a:ext cx="195297" cy="266314"/>
+              </p:xfrm>
+              <a:graphic>
+                <a:graphicData uri="http://schemas.openxmlformats.org/presentationml/2006/ole">
+                  <mc:AlternateContent xmlns:mc="http://schemas.openxmlformats.org/markup-compatibility/2006">
+                    <mc:Choice xmlns:v="urn:schemas-microsoft-com:vml" Requires="v">
+                      <p:oleObj name="AxMath" r:id="rId2" imgW="139320" imgH="189720" progId="Equation.AxMath">
+                        <p:embed/>
+                      </p:oleObj>
+                    </mc:Choice>
+                    <mc:Fallback>
+                      <p:oleObj name="AxMath" r:id="rId2" imgW="139320" imgH="189720" progId="Equation.AxMath">
+                        <p:embed/>
+                        <p:pic>
+                          <p:nvPicPr>
+                            <p:cNvPr id="10" name="对象 9">
+                              <a:extLst>
+                                <a:ext uri="{FF2B5EF4-FFF2-40B4-BE49-F238E27FC236}">
+                                  <a16:creationId xmlns:a16="http://schemas.microsoft.com/office/drawing/2014/main" id="{9A3A4EA4-4FF7-08AB-69B5-60B02F290DC0}"/>
+                                </a:ext>
+                              </a:extLst>
+                            </p:cNvPr>
+                            <p:cNvPicPr/>
+                            <p:nvPr/>
+                          </p:nvPicPr>
+                          <p:blipFill>
+                            <a:blip r:embed="rId3"/>
+                            <a:stretch>
+                              <a:fillRect/>
+                            </a:stretch>
+                          </p:blipFill>
+                          <p:spPr>
+                            <a:xfrm>
+                              <a:off x="2599592" y="3856382"/>
+                              <a:ext cx="195297" cy="266314"/>
+                            </a:xfrm>
+                            <a:prstGeom prst="rect">
+                              <a:avLst/>
+                            </a:prstGeom>
+                          </p:spPr>
+                        </p:pic>
+                      </p:oleObj>
+                    </mc:Fallback>
+                  </mc:AlternateContent>
+                </a:graphicData>
+              </a:graphic>
+            </p:graphicFrame>
+            <p:graphicFrame>
+              <p:nvGraphicFramePr>
+                <p:cNvPr id="90" name="对象 89">
+                  <a:extLst>
+                    <a:ext uri="{FF2B5EF4-FFF2-40B4-BE49-F238E27FC236}">
+                      <a16:creationId xmlns:a16="http://schemas.microsoft.com/office/drawing/2014/main" id="{B6A348B8-661E-A683-0914-DD9F795731D1}"/>
+                    </a:ext>
+                  </a:extLst>
+                </p:cNvPr>
+                <p:cNvGraphicFramePr>
+                  <a:graphicFrameLocks noChangeAspect="1"/>
+                </p:cNvGraphicFramePr>
+                <p:nvPr>
+                  <p:extLst>
+                    <p:ext uri="{D42A27DB-BD31-4B8C-83A1-F6EECF244321}">
+                      <p14:modId xmlns:p14="http://schemas.microsoft.com/office/powerpoint/2010/main" val="531972300"/>
+                    </p:ext>
+                  </p:extLst>
+                </p:nvPr>
+              </p:nvGraphicFramePr>
+              <p:xfrm>
+                <a:off x="3109787" y="3855887"/>
+                <a:ext cx="194309" cy="274567"/>
+              </p:xfrm>
+              <a:graphic>
+                <a:graphicData uri="http://schemas.openxmlformats.org/presentationml/2006/ole">
+                  <mc:AlternateContent xmlns:mc="http://schemas.openxmlformats.org/markup-compatibility/2006">
+                    <mc:Choice xmlns:v="urn:schemas-microsoft-com:vml" Requires="v">
+                      <p:oleObj name="AxMath" r:id="rId4" imgW="134280" imgH="189720" progId="Equation.AxMath">
+                        <p:embed/>
+                      </p:oleObj>
+                    </mc:Choice>
+                    <mc:Fallback>
+                      <p:oleObj name="AxMath" r:id="rId4" imgW="134280" imgH="189720" progId="Equation.AxMath">
+                        <p:embed/>
+                        <p:pic>
+                          <p:nvPicPr>
+                            <p:cNvPr id="11" name="对象 10">
+                              <a:extLst>
+                                <a:ext uri="{FF2B5EF4-FFF2-40B4-BE49-F238E27FC236}">
+                                  <a16:creationId xmlns:a16="http://schemas.microsoft.com/office/drawing/2014/main" id="{C038B34A-A9AF-4CEE-2DC9-9C9FB142EFAC}"/>
+                                </a:ext>
+                              </a:extLst>
+                            </p:cNvPr>
+                            <p:cNvPicPr/>
+                            <p:nvPr/>
+                          </p:nvPicPr>
+                          <p:blipFill>
+                            <a:blip r:embed="rId5"/>
+                            <a:stretch>
+                              <a:fillRect/>
+                            </a:stretch>
+                          </p:blipFill>
+                          <p:spPr>
+                            <a:xfrm>
+                              <a:off x="3109787" y="3855887"/>
+                              <a:ext cx="194309" cy="274567"/>
+                            </a:xfrm>
+                            <a:prstGeom prst="rect">
+                              <a:avLst/>
+                            </a:prstGeom>
+                          </p:spPr>
+                        </p:pic>
+                      </p:oleObj>
+                    </mc:Fallback>
+                  </mc:AlternateContent>
+                </a:graphicData>
+              </a:graphic>
+            </p:graphicFrame>
+            <p:graphicFrame>
+              <p:nvGraphicFramePr>
+                <p:cNvPr id="91" name="对象 90">
+                  <a:extLst>
+                    <a:ext uri="{FF2B5EF4-FFF2-40B4-BE49-F238E27FC236}">
+                      <a16:creationId xmlns:a16="http://schemas.microsoft.com/office/drawing/2014/main" id="{FFD6C02F-0CDD-34E3-5208-0CCFA217277F}"/>
+                    </a:ext>
+                  </a:extLst>
+                </p:cNvPr>
+                <p:cNvGraphicFramePr>
+                  <a:graphicFrameLocks noChangeAspect="1"/>
+                </p:cNvGraphicFramePr>
+                <p:nvPr>
+                  <p:extLst>
+                    <p:ext uri="{D42A27DB-BD31-4B8C-83A1-F6EECF244321}">
+                      <p14:modId xmlns:p14="http://schemas.microsoft.com/office/powerpoint/2010/main" val="3141472240"/>
+                    </p:ext>
+                  </p:extLst>
+                </p:nvPr>
+              </p:nvGraphicFramePr>
+              <p:xfrm>
+                <a:off x="2106871" y="3856382"/>
+                <a:ext cx="176213" cy="265112"/>
+              </p:xfrm>
+              <a:graphic>
+                <a:graphicData uri="http://schemas.openxmlformats.org/presentationml/2006/ole">
+                  <mc:AlternateContent xmlns:mc="http://schemas.openxmlformats.org/markup-compatibility/2006">
+                    <mc:Choice xmlns:v="urn:schemas-microsoft-com:vml" Requires="v">
+                      <p:oleObj name="AxMath" r:id="rId16" imgW="124920" imgH="189720" progId="Equation.AxMath">
+                        <p:embed/>
+                      </p:oleObj>
+                    </mc:Choice>
+                    <mc:Fallback>
+                      <p:oleObj name="AxMath" r:id="rId16" imgW="124920" imgH="189720" progId="Equation.AxMath">
+                        <p:embed/>
+                        <p:pic>
+                          <p:nvPicPr>
+                            <p:cNvPr id="85" name="对象 84">
+                              <a:extLst>
+                                <a:ext uri="{FF2B5EF4-FFF2-40B4-BE49-F238E27FC236}">
+                                  <a16:creationId xmlns:a16="http://schemas.microsoft.com/office/drawing/2014/main" id="{CFC3D312-D7EC-3F21-562A-CB2C7F512081}"/>
+                                </a:ext>
+                              </a:extLst>
+                            </p:cNvPr>
+                            <p:cNvPicPr/>
+                            <p:nvPr/>
+                          </p:nvPicPr>
+                          <p:blipFill>
+                            <a:blip r:embed="rId9"/>
+                            <a:stretch>
+                              <a:fillRect/>
+                            </a:stretch>
+                          </p:blipFill>
+                          <p:spPr>
+                            <a:xfrm>
+                              <a:off x="2106871" y="3856382"/>
+                              <a:ext cx="176213" cy="265112"/>
+                            </a:xfrm>
+                            <a:prstGeom prst="rect">
+                              <a:avLst/>
+                            </a:prstGeom>
+                          </p:spPr>
+                        </p:pic>
+                      </p:oleObj>
+                    </mc:Fallback>
+                  </mc:AlternateContent>
+                </a:graphicData>
+              </a:graphic>
+            </p:graphicFrame>
+            <p:graphicFrame>
+              <p:nvGraphicFramePr>
+                <p:cNvPr id="94" name="对象 93">
+                  <a:extLst>
+                    <a:ext uri="{FF2B5EF4-FFF2-40B4-BE49-F238E27FC236}">
+                      <a16:creationId xmlns:a16="http://schemas.microsoft.com/office/drawing/2014/main" id="{C5A1ADF3-5536-3D0A-AC5C-AA9C0B8DA7CD}"/>
+                    </a:ext>
+                  </a:extLst>
+                </p:cNvPr>
+                <p:cNvGraphicFramePr>
+                  <a:graphicFrameLocks noChangeAspect="1"/>
+                </p:cNvGraphicFramePr>
+                <p:nvPr>
+                  <p:extLst>
+                    <p:ext uri="{D42A27DB-BD31-4B8C-83A1-F6EECF244321}">
+                      <p14:modId xmlns:p14="http://schemas.microsoft.com/office/powerpoint/2010/main" val="713372087"/>
+                    </p:ext>
+                  </p:extLst>
+                </p:nvPr>
+              </p:nvGraphicFramePr>
+              <p:xfrm>
+                <a:off x="4330152" y="3717476"/>
+                <a:ext cx="144462" cy="271462"/>
+              </p:xfrm>
+              <a:graphic>
+                <a:graphicData uri="http://schemas.openxmlformats.org/presentationml/2006/ole">
+                  <mc:AlternateContent xmlns:mc="http://schemas.openxmlformats.org/markup-compatibility/2006">
+                    <mc:Choice xmlns:v="urn:schemas-microsoft-com:vml" Requires="v">
+                      <p:oleObj name="AxMath" r:id="rId17" imgW="99720" imgH="188280" progId="Equation.AxMath">
+                        <p:embed/>
+                      </p:oleObj>
+                    </mc:Choice>
+                    <mc:Fallback>
+                      <p:oleObj name="AxMath" r:id="rId17" imgW="99720" imgH="188280" progId="Equation.AxMath">
+                        <p:embed/>
+                        <p:pic>
+                          <p:nvPicPr>
+                            <p:cNvPr id="86" name="对象 85">
+                              <a:extLst>
+                                <a:ext uri="{FF2B5EF4-FFF2-40B4-BE49-F238E27FC236}">
+                                  <a16:creationId xmlns:a16="http://schemas.microsoft.com/office/drawing/2014/main" id="{E64AF96C-08A4-7A9B-BBF7-53490548A712}"/>
+                                </a:ext>
+                              </a:extLst>
+                            </p:cNvPr>
+                            <p:cNvPicPr/>
+                            <p:nvPr/>
+                          </p:nvPicPr>
+                          <p:blipFill>
+                            <a:blip r:embed="rId11"/>
+                            <a:stretch>
+                              <a:fillRect/>
+                            </a:stretch>
+                          </p:blipFill>
+                          <p:spPr>
+                            <a:xfrm>
+                              <a:off x="4330152" y="3717476"/>
+                              <a:ext cx="144462" cy="271462"/>
+                            </a:xfrm>
+                            <a:prstGeom prst="rect">
+                              <a:avLst/>
+                            </a:prstGeom>
+                          </p:spPr>
+                        </p:pic>
+                      </p:oleObj>
+                    </mc:Fallback>
+                  </mc:AlternateContent>
+                </a:graphicData>
+              </a:graphic>
+            </p:graphicFrame>
+            <p:graphicFrame>
+              <p:nvGraphicFramePr>
+                <p:cNvPr id="101" name="对象 100">
+                  <a:extLst>
+                    <a:ext uri="{FF2B5EF4-FFF2-40B4-BE49-F238E27FC236}">
+                      <a16:creationId xmlns:a16="http://schemas.microsoft.com/office/drawing/2014/main" id="{0BE68E2E-9DBC-709A-6DA2-415F76F56E33}"/>
+                    </a:ext>
+                  </a:extLst>
+                </p:cNvPr>
+                <p:cNvGraphicFramePr>
+                  <a:graphicFrameLocks noChangeAspect="1"/>
+                </p:cNvGraphicFramePr>
+                <p:nvPr>
+                  <p:extLst>
+                    <p:ext uri="{D42A27DB-BD31-4B8C-83A1-F6EECF244321}">
+                      <p14:modId xmlns:p14="http://schemas.microsoft.com/office/powerpoint/2010/main" val="3072308130"/>
+                    </p:ext>
+                  </p:extLst>
+                </p:nvPr>
+              </p:nvGraphicFramePr>
+              <p:xfrm>
+                <a:off x="1557293" y="2563061"/>
+                <a:ext cx="174625" cy="274638"/>
+              </p:xfrm>
+              <a:graphic>
+                <a:graphicData uri="http://schemas.openxmlformats.org/presentationml/2006/ole">
+                  <mc:AlternateContent xmlns:mc="http://schemas.openxmlformats.org/markup-compatibility/2006">
+                    <mc:Choice xmlns:v="urn:schemas-microsoft-com:vml" Requires="v">
+                      <p:oleObj name="AxMath" r:id="rId18" imgW="120600" imgH="189720" progId="Equation.AxMath">
+                        <p:embed/>
+                      </p:oleObj>
+                    </mc:Choice>
+                    <mc:Fallback>
+                      <p:oleObj name="AxMath" r:id="rId18" imgW="120600" imgH="189720" progId="Equation.AxMath">
+                        <p:embed/>
+                        <p:pic>
+                          <p:nvPicPr>
+                            <p:cNvPr id="87" name="对象 86">
+                              <a:extLst>
+                                <a:ext uri="{FF2B5EF4-FFF2-40B4-BE49-F238E27FC236}">
+                                  <a16:creationId xmlns:a16="http://schemas.microsoft.com/office/drawing/2014/main" id="{5C4FACDE-6632-32EB-2385-4CFBE395BE5F}"/>
+                                </a:ext>
+                              </a:extLst>
+                            </p:cNvPr>
+                            <p:cNvPicPr/>
+                            <p:nvPr/>
+                          </p:nvPicPr>
+                          <p:blipFill>
+                            <a:blip r:embed="rId13"/>
+                            <a:stretch>
+                              <a:fillRect/>
+                            </a:stretch>
+                          </p:blipFill>
+                          <p:spPr>
+                            <a:xfrm>
+                              <a:off x="1557293" y="2563061"/>
+                              <a:ext cx="174625" cy="274638"/>
+                            </a:xfrm>
+                            <a:prstGeom prst="rect">
+                              <a:avLst/>
+                            </a:prstGeom>
+                          </p:spPr>
+                        </p:pic>
+                      </p:oleObj>
+                    </mc:Fallback>
+                  </mc:AlternateContent>
+                </a:graphicData>
+              </a:graphic>
+            </p:graphicFrame>
+            <p:sp>
+              <p:nvSpPr>
+                <p:cNvPr id="102" name="文本框 101">
+                  <a:extLst>
+                    <a:ext uri="{FF2B5EF4-FFF2-40B4-BE49-F238E27FC236}">
+                      <a16:creationId xmlns:a16="http://schemas.microsoft.com/office/drawing/2014/main" id="{E138564F-C4A0-DE93-018F-1BF90628716B}"/>
+                    </a:ext>
+                  </a:extLst>
+                </p:cNvPr>
+                <p:cNvSpPr txBox="1"/>
+                <p:nvPr/>
+              </p:nvSpPr>
+              <p:spPr>
+                <a:xfrm>
+                  <a:off x="2653214" y="2564904"/>
+                  <a:ext cx="274434" cy="307777"/>
+                </a:xfrm>
+                <a:prstGeom prst="rect">
+                  <a:avLst/>
+                </a:prstGeom>
+                <a:noFill/>
+              </p:spPr>
+              <p:txBody>
+                <a:bodyPr wrap="none" rtlCol="0">
+                  <a:spAutoFit/>
+                </a:bodyPr>
+                <a:lstStyle/>
+                <a:p>
+                  <a:r>
+                    <a:rPr lang="en-US" altLang="zh-CN" sz="1400" dirty="0">
+                      <a:solidFill>
+                        <a:srgbClr val="FF0000"/>
+                      </a:solidFill>
+                      <a:latin typeface="Symbol Tiger Expert" panose="05050102010706020507" pitchFamily="18" charset="2"/>
+                      <a:ea typeface="阿里巴巴普惠体 Medium" panose="00020600040101010101" pitchFamily="18" charset="-122"/>
+                      <a:cs typeface="Times New Roman" panose="02020603050405020304" pitchFamily="18" charset="0"/>
+                    </a:rPr>
+                    <a:t>?</a:t>
+                  </a:r>
+                  <a:endParaRPr lang="zh-CN" altLang="en-US" sz="1400" dirty="0">
+                    <a:solidFill>
+                      <a:srgbClr val="FF0000"/>
+                    </a:solidFill>
+                    <a:latin typeface="Symbol Tiger Expert" panose="05050102010706020507" pitchFamily="18" charset="2"/>
+                    <a:ea typeface="阿里巴巴普惠体 Medium" panose="00020600040101010101" pitchFamily="18" charset="-122"/>
+                    <a:cs typeface="Times New Roman" panose="02020603050405020304" pitchFamily="18" charset="0"/>
+                  </a:endParaRPr>
+                </a:p>
+              </p:txBody>
+            </p:sp>
+            <p:cxnSp>
+              <p:nvCxnSpPr>
+                <p:cNvPr id="70" name="直接连接符 69">
+                  <a:extLst>
+                    <a:ext uri="{FF2B5EF4-FFF2-40B4-BE49-F238E27FC236}">
+                      <a16:creationId xmlns:a16="http://schemas.microsoft.com/office/drawing/2014/main" id="{BF381B9F-B628-C036-9980-01CAC003D900}"/>
+                    </a:ext>
+                  </a:extLst>
+                </p:cNvPr>
+                <p:cNvCxnSpPr>
+                  <a:cxnSpLocks/>
+                </p:cNvCxnSpPr>
+                <p:nvPr/>
+              </p:nvCxnSpPr>
+              <p:spPr>
+                <a:xfrm>
+                  <a:off x="3208789" y="1988590"/>
+                  <a:ext cx="0" cy="360040"/>
+                </a:xfrm>
+                <a:prstGeom prst="line">
+                  <a:avLst/>
+                </a:prstGeom>
+                <a:ln w="19050">
+                  <a:solidFill>
+                    <a:schemeClr val="accent1">
+                      <a:lumMod val="60000"/>
+                      <a:lumOff val="40000"/>
+                    </a:schemeClr>
+                  </a:solidFill>
+                  <a:prstDash val="dash"/>
+                  <a:headEnd type="triangle" w="med" len="med"/>
+                  <a:tailEnd type="triangle" w="med" len="med"/>
+                </a:ln>
+              </p:spPr>
+              <p:style>
+                <a:lnRef idx="1">
+                  <a:schemeClr val="dk1"/>
+                </a:lnRef>
+                <a:fillRef idx="0">
+                  <a:schemeClr val="dk1"/>
+                </a:fillRef>
+                <a:effectRef idx="0">
+                  <a:schemeClr val="dk1"/>
+                </a:effectRef>
+                <a:fontRef idx="minor">
+                  <a:schemeClr val="tx1"/>
+                </a:fontRef>
+              </p:style>
+            </p:cxnSp>
+            <p:sp>
+              <p:nvSpPr>
+                <p:cNvPr id="104" name="文本框 103">
+                  <a:extLst>
+                    <a:ext uri="{FF2B5EF4-FFF2-40B4-BE49-F238E27FC236}">
+                      <a16:creationId xmlns:a16="http://schemas.microsoft.com/office/drawing/2014/main" id="{B29A59DB-2D59-FE72-4F9F-1F5A76170D89}"/>
+                    </a:ext>
+                  </a:extLst>
+                </p:cNvPr>
+                <p:cNvSpPr txBox="1"/>
+                <p:nvPr/>
+              </p:nvSpPr>
+              <p:spPr>
+                <a:xfrm>
+                  <a:off x="3192310" y="2034531"/>
+                  <a:ext cx="453970" cy="276999"/>
+                </a:xfrm>
+                <a:prstGeom prst="rect">
+                  <a:avLst/>
+                </a:prstGeom>
+                <a:noFill/>
+              </p:spPr>
+              <p:txBody>
+                <a:bodyPr wrap="none" rtlCol="0">
+                  <a:spAutoFit/>
+                </a:bodyPr>
+                <a:lstStyle/>
+                <a:p>
+                  <a:r>
+                    <a:rPr lang="en-US" altLang="zh-CN" sz="1200" dirty="0">
+                      <a:latin typeface="Times New Roman" panose="02020603050405020304" pitchFamily="18" charset="0"/>
+                      <a:ea typeface="阿里巴巴普惠体 Medium" panose="00020600040101010101" pitchFamily="18" charset="-122"/>
+                      <a:cs typeface="Times New Roman" panose="02020603050405020304" pitchFamily="18" charset="0"/>
+                    </a:rPr>
+                    <a:t>0.15</a:t>
+                  </a:r>
+                  <a:endParaRPr lang="zh-CN" altLang="en-US" sz="1200" dirty="0">
+                    <a:latin typeface="Times New Roman" panose="02020603050405020304" pitchFamily="18" charset="0"/>
+                    <a:ea typeface="阿里巴巴普惠体 Medium" panose="00020600040101010101" pitchFamily="18" charset="-122"/>
+                    <a:cs typeface="Times New Roman" panose="02020603050405020304" pitchFamily="18" charset="0"/>
+                  </a:endParaRPr>
+                </a:p>
+              </p:txBody>
+            </p:sp>
+            <p:cxnSp>
+              <p:nvCxnSpPr>
+                <p:cNvPr id="64" name="直接连接符 63">
+                  <a:extLst>
+                    <a:ext uri="{FF2B5EF4-FFF2-40B4-BE49-F238E27FC236}">
+                      <a16:creationId xmlns:a16="http://schemas.microsoft.com/office/drawing/2014/main" id="{B68F16C1-1E63-479A-510C-D79210E972EF}"/>
+                    </a:ext>
+                  </a:extLst>
+                </p:cNvPr>
+                <p:cNvCxnSpPr>
+                  <a:cxnSpLocks/>
+                </p:cNvCxnSpPr>
+                <p:nvPr/>
+              </p:nvCxnSpPr>
+              <p:spPr>
+                <a:xfrm>
+                  <a:off x="2705843" y="2348630"/>
+                  <a:ext cx="0" cy="1079249"/>
+                </a:xfrm>
+                <a:prstGeom prst="line">
+                  <a:avLst/>
+                </a:prstGeom>
+                <a:ln w="19050">
+                  <a:solidFill>
+                    <a:schemeClr val="accent1">
+                      <a:lumMod val="60000"/>
+                      <a:lumOff val="40000"/>
+                    </a:schemeClr>
+                  </a:solidFill>
+                  <a:prstDash val="dash"/>
+                  <a:headEnd type="triangle" w="med" len="med"/>
+                  <a:tailEnd type="triangle" w="med" len="med"/>
+                </a:ln>
+              </p:spPr>
+              <p:style>
+                <a:lnRef idx="1">
+                  <a:schemeClr val="dk1"/>
+                </a:lnRef>
+                <a:fillRef idx="0">
+                  <a:schemeClr val="dk1"/>
+                </a:fillRef>
+                <a:effectRef idx="0">
+                  <a:schemeClr val="dk1"/>
+                </a:effectRef>
+                <a:fontRef idx="minor">
+                  <a:schemeClr val="tx1"/>
+                </a:fontRef>
+              </p:style>
+            </p:cxnSp>
+            <p:cxnSp>
+              <p:nvCxnSpPr>
+                <p:cNvPr id="73" name="直接连接符 72">
+                  <a:extLst>
+                    <a:ext uri="{FF2B5EF4-FFF2-40B4-BE49-F238E27FC236}">
+                      <a16:creationId xmlns:a16="http://schemas.microsoft.com/office/drawing/2014/main" id="{8B7A47D0-C09F-8E54-3D81-217C7E11248B}"/>
+                    </a:ext>
+                  </a:extLst>
+                </p:cNvPr>
+                <p:cNvCxnSpPr>
+                  <a:cxnSpLocks/>
+                </p:cNvCxnSpPr>
+                <p:nvPr/>
+              </p:nvCxnSpPr>
+              <p:spPr>
+                <a:xfrm>
+                  <a:off x="2205751" y="3427879"/>
+                  <a:ext cx="0" cy="432921"/>
+                </a:xfrm>
+                <a:prstGeom prst="line">
+                  <a:avLst/>
+                </a:prstGeom>
+                <a:ln w="19050">
+                  <a:solidFill>
+                    <a:schemeClr val="accent1">
+                      <a:lumMod val="60000"/>
+                      <a:lumOff val="40000"/>
+                    </a:schemeClr>
+                  </a:solidFill>
+                  <a:prstDash val="dash"/>
+                  <a:headEnd type="triangle" w="med" len="med"/>
+                  <a:tailEnd type="triangle" w="med" len="med"/>
+                </a:ln>
+              </p:spPr>
+              <p:style>
+                <a:lnRef idx="1">
+                  <a:schemeClr val="dk1"/>
+                </a:lnRef>
+                <a:fillRef idx="0">
+                  <a:schemeClr val="dk1"/>
+                </a:fillRef>
+                <a:effectRef idx="0">
+                  <a:schemeClr val="dk1"/>
+                </a:effectRef>
+                <a:fontRef idx="minor">
+                  <a:schemeClr val="tx1"/>
+                </a:fontRef>
+              </p:style>
+            </p:cxnSp>
+            <p:cxnSp>
+              <p:nvCxnSpPr>
+                <p:cNvPr id="99" name="直接连接符 98">
+                  <a:extLst>
+                    <a:ext uri="{FF2B5EF4-FFF2-40B4-BE49-F238E27FC236}">
+                      <a16:creationId xmlns:a16="http://schemas.microsoft.com/office/drawing/2014/main" id="{C97FCE9E-F3BE-E688-03C4-A090C5563F42}"/>
+                    </a:ext>
+                  </a:extLst>
+                </p:cNvPr>
+                <p:cNvCxnSpPr>
+                  <a:cxnSpLocks/>
+                </p:cNvCxnSpPr>
+                <p:nvPr/>
+              </p:nvCxnSpPr>
+              <p:spPr>
+                <a:xfrm flipH="1">
+                  <a:off x="1773266" y="2708640"/>
+                  <a:ext cx="931821" cy="0"/>
+                </a:xfrm>
+                <a:prstGeom prst="line">
+                  <a:avLst/>
+                </a:prstGeom>
+                <a:ln w="19050">
+                  <a:solidFill>
+                    <a:srgbClr val="FF0000"/>
+                  </a:solidFill>
+                  <a:prstDash val="solid"/>
+                  <a:headEnd type="oval" w="sm" len="sm"/>
+                  <a:tailEnd type="oval" w="sm" len="sm"/>
+                </a:ln>
+              </p:spPr>
+              <p:style>
+                <a:lnRef idx="1">
+                  <a:schemeClr val="dk1"/>
+                </a:lnRef>
+                <a:fillRef idx="0">
+                  <a:schemeClr val="dk1"/>
+                </a:fillRef>
+                <a:effectRef idx="0">
+                  <a:schemeClr val="dk1"/>
+                </a:effectRef>
+                <a:fontRef idx="minor">
+                  <a:schemeClr val="tx1"/>
+                </a:fontRef>
+              </p:style>
+            </p:cxnSp>
+          </p:grpSp>
+        </p:grpSp>
+      </p:grpSp>
+    </p:spTree>
+    <p:extLst>
+      <p:ext uri="{BB962C8B-B14F-4D97-AF65-F5344CB8AC3E}">
+        <p14:creationId xmlns:p14="http://schemas.microsoft.com/office/powerpoint/2010/main" val="2257802441"/>
+      </p:ext>
+    </p:extLst>
+  </p:cSld>
+  <p:clrMapOvr>
+    <a:masterClrMapping/>
+  </p:clrMapOvr>
+</p:sld>
+</file>
+
 <file path=ppt/theme/theme1.xml><?xml version="1.0" encoding="utf-8"?>
 <a:theme xmlns:a="http://schemas.openxmlformats.org/drawingml/2006/main" name="Office 主题​​">
   <a:themeElements>
